--- a/OLSRv2/docs/OLSRv2 Simulation for MANET first report.pptx
+++ b/OLSRv2/docs/OLSRv2 Simulation for MANET first report.pptx
@@ -300,7 +300,8 @@
           <a:p>
             <a:fld id="{A68E15C2-E832-4E5A-8BD2-0D7033A14824}" type="datetimeFigureOut">
               <a:rPr lang="he-IL" smtClean="0"/>
-              <a:t>ב'/חשון/תש"ע</a:t>
+              <a:pPr/>
+              <a:t>י"ג/חשון/תש"ע</a:t>
             </a:fld>
             <a:endParaRPr lang="he-IL"/>
           </a:p>
@@ -342,6 +343,7 @@
           <a:p>
             <a:fld id="{F8764B70-6CBD-4AE3-96FF-99E3C603AC0C}" type="slidenum">
               <a:rPr lang="he-IL" smtClean="0"/>
+              <a:pPr/>
               <a:t>‹#›</a:t>
             </a:fld>
             <a:endParaRPr lang="he-IL"/>
@@ -465,7 +467,8 @@
           <a:p>
             <a:fld id="{A68E15C2-E832-4E5A-8BD2-0D7033A14824}" type="datetimeFigureOut">
               <a:rPr lang="he-IL" smtClean="0"/>
-              <a:t>ב'/חשון/תש"ע</a:t>
+              <a:pPr/>
+              <a:t>י"ג/חשון/תש"ע</a:t>
             </a:fld>
             <a:endParaRPr lang="he-IL"/>
           </a:p>
@@ -507,6 +510,7 @@
           <a:p>
             <a:fld id="{F8764B70-6CBD-4AE3-96FF-99E3C603AC0C}" type="slidenum">
               <a:rPr lang="he-IL" smtClean="0"/>
+              <a:pPr/>
               <a:t>‹#›</a:t>
             </a:fld>
             <a:endParaRPr lang="he-IL"/>
@@ -640,7 +644,8 @@
           <a:p>
             <a:fld id="{A68E15C2-E832-4E5A-8BD2-0D7033A14824}" type="datetimeFigureOut">
               <a:rPr lang="he-IL" smtClean="0"/>
-              <a:t>ב'/חשון/תש"ע</a:t>
+              <a:pPr/>
+              <a:t>י"ג/חשון/תש"ע</a:t>
             </a:fld>
             <a:endParaRPr lang="he-IL"/>
           </a:p>
@@ -682,6 +687,7 @@
           <a:p>
             <a:fld id="{F8764B70-6CBD-4AE3-96FF-99E3C603AC0C}" type="slidenum">
               <a:rPr lang="he-IL" smtClean="0"/>
+              <a:pPr/>
               <a:t>‹#›</a:t>
             </a:fld>
             <a:endParaRPr lang="he-IL"/>
@@ -805,7 +811,8 @@
           <a:p>
             <a:fld id="{A68E15C2-E832-4E5A-8BD2-0D7033A14824}" type="datetimeFigureOut">
               <a:rPr lang="he-IL" smtClean="0"/>
-              <a:t>ב'/חשון/תש"ע</a:t>
+              <a:pPr/>
+              <a:t>י"ג/חשון/תש"ע</a:t>
             </a:fld>
             <a:endParaRPr lang="he-IL"/>
           </a:p>
@@ -847,6 +854,7 @@
           <a:p>
             <a:fld id="{F8764B70-6CBD-4AE3-96FF-99E3C603AC0C}" type="slidenum">
               <a:rPr lang="he-IL" smtClean="0"/>
+              <a:pPr/>
               <a:t>‹#›</a:t>
             </a:fld>
             <a:endParaRPr lang="he-IL"/>
@@ -1046,7 +1054,8 @@
           <a:p>
             <a:fld id="{A68E15C2-E832-4E5A-8BD2-0D7033A14824}" type="datetimeFigureOut">
               <a:rPr lang="he-IL" smtClean="0"/>
-              <a:t>ב'/חשון/תש"ע</a:t>
+              <a:pPr/>
+              <a:t>י"ג/חשון/תש"ע</a:t>
             </a:fld>
             <a:endParaRPr lang="he-IL"/>
           </a:p>
@@ -1088,6 +1097,7 @@
           <a:p>
             <a:fld id="{F8764B70-6CBD-4AE3-96FF-99E3C603AC0C}" type="slidenum">
               <a:rPr lang="he-IL" smtClean="0"/>
+              <a:pPr/>
               <a:t>‹#›</a:t>
             </a:fld>
             <a:endParaRPr lang="he-IL"/>
@@ -1329,7 +1339,8 @@
           <a:p>
             <a:fld id="{A68E15C2-E832-4E5A-8BD2-0D7033A14824}" type="datetimeFigureOut">
               <a:rPr lang="he-IL" smtClean="0"/>
-              <a:t>ב'/חשון/תש"ע</a:t>
+              <a:pPr/>
+              <a:t>י"ג/חשון/תש"ע</a:t>
             </a:fld>
             <a:endParaRPr lang="he-IL"/>
           </a:p>
@@ -1371,6 +1382,7 @@
           <a:p>
             <a:fld id="{F8764B70-6CBD-4AE3-96FF-99E3C603AC0C}" type="slidenum">
               <a:rPr lang="he-IL" smtClean="0"/>
+              <a:pPr/>
               <a:t>‹#›</a:t>
             </a:fld>
             <a:endParaRPr lang="he-IL"/>
@@ -1746,7 +1758,8 @@
           <a:p>
             <a:fld id="{A68E15C2-E832-4E5A-8BD2-0D7033A14824}" type="datetimeFigureOut">
               <a:rPr lang="he-IL" smtClean="0"/>
-              <a:t>ב'/חשון/תש"ע</a:t>
+              <a:pPr/>
+              <a:t>י"ג/חשון/תש"ע</a:t>
             </a:fld>
             <a:endParaRPr lang="he-IL"/>
           </a:p>
@@ -1788,6 +1801,7 @@
           <a:p>
             <a:fld id="{F8764B70-6CBD-4AE3-96FF-99E3C603AC0C}" type="slidenum">
               <a:rPr lang="he-IL" smtClean="0"/>
+              <a:pPr/>
               <a:t>‹#›</a:t>
             </a:fld>
             <a:endParaRPr lang="he-IL"/>
@@ -1859,7 +1873,8 @@
           <a:p>
             <a:fld id="{A68E15C2-E832-4E5A-8BD2-0D7033A14824}" type="datetimeFigureOut">
               <a:rPr lang="he-IL" smtClean="0"/>
-              <a:t>ב'/חשון/תש"ע</a:t>
+              <a:pPr/>
+              <a:t>י"ג/חשון/תש"ע</a:t>
             </a:fld>
             <a:endParaRPr lang="he-IL"/>
           </a:p>
@@ -1901,6 +1916,7 @@
           <a:p>
             <a:fld id="{F8764B70-6CBD-4AE3-96FF-99E3C603AC0C}" type="slidenum">
               <a:rPr lang="he-IL" smtClean="0"/>
+              <a:pPr/>
               <a:t>‹#›</a:t>
             </a:fld>
             <a:endParaRPr lang="he-IL"/>
@@ -1949,7 +1965,8 @@
           <a:p>
             <a:fld id="{A68E15C2-E832-4E5A-8BD2-0D7033A14824}" type="datetimeFigureOut">
               <a:rPr lang="he-IL" smtClean="0"/>
-              <a:t>ב'/חשון/תש"ע</a:t>
+              <a:pPr/>
+              <a:t>י"ג/חשון/תש"ע</a:t>
             </a:fld>
             <a:endParaRPr lang="he-IL"/>
           </a:p>
@@ -1991,6 +2008,7 @@
           <a:p>
             <a:fld id="{F8764B70-6CBD-4AE3-96FF-99E3C603AC0C}" type="slidenum">
               <a:rPr lang="he-IL" smtClean="0"/>
+              <a:pPr/>
               <a:t>‹#›</a:t>
             </a:fld>
             <a:endParaRPr lang="he-IL"/>
@@ -2221,7 +2239,8 @@
           <a:p>
             <a:fld id="{A68E15C2-E832-4E5A-8BD2-0D7033A14824}" type="datetimeFigureOut">
               <a:rPr lang="he-IL" smtClean="0"/>
-              <a:t>ב'/חשון/תש"ע</a:t>
+              <a:pPr/>
+              <a:t>י"ג/חשון/תש"ע</a:t>
             </a:fld>
             <a:endParaRPr lang="he-IL"/>
           </a:p>
@@ -2263,6 +2282,7 @@
           <a:p>
             <a:fld id="{F8764B70-6CBD-4AE3-96FF-99E3C603AC0C}" type="slidenum">
               <a:rPr lang="he-IL" smtClean="0"/>
+              <a:pPr/>
               <a:t>‹#›</a:t>
             </a:fld>
             <a:endParaRPr lang="he-IL"/>
@@ -2469,7 +2489,8 @@
           <a:p>
             <a:fld id="{A68E15C2-E832-4E5A-8BD2-0D7033A14824}" type="datetimeFigureOut">
               <a:rPr lang="he-IL" smtClean="0"/>
-              <a:t>ב'/חשון/תש"ע</a:t>
+              <a:pPr/>
+              <a:t>י"ג/חשון/תש"ע</a:t>
             </a:fld>
             <a:endParaRPr lang="he-IL"/>
           </a:p>
@@ -2511,6 +2532,7 @@
           <a:p>
             <a:fld id="{F8764B70-6CBD-4AE3-96FF-99E3C603AC0C}" type="slidenum">
               <a:rPr lang="he-IL" smtClean="0"/>
+              <a:pPr/>
               <a:t>‹#›</a:t>
             </a:fld>
             <a:endParaRPr lang="he-IL"/>
@@ -2677,7 +2699,8 @@
           <a:p>
             <a:fld id="{A68E15C2-E832-4E5A-8BD2-0D7033A14824}" type="datetimeFigureOut">
               <a:rPr lang="he-IL" smtClean="0"/>
-              <a:t>ב'/חשון/תש"ע</a:t>
+              <a:pPr/>
+              <a:t>י"ג/חשון/תש"ע</a:t>
             </a:fld>
             <a:endParaRPr lang="he-IL"/>
           </a:p>
@@ -2755,6 +2778,7 @@
           <a:p>
             <a:fld id="{F8764B70-6CBD-4AE3-96FF-99E3C603AC0C}" type="slidenum">
               <a:rPr lang="he-IL" smtClean="0"/>
+              <a:pPr/>
               <a:t>‹#›</a:t>
             </a:fld>
             <a:endParaRPr lang="he-IL"/>
@@ -3102,7 +3126,7 @@
           <p:nvPr/>
         </p:nvPicPr>
         <p:blipFill>
-          <a:blip r:embed="rId2">
+          <a:blip r:embed="rId2" cstate="print">
             <a:duotone>
               <a:prstClr val="black"/>
               <a:schemeClr val="tx2">
@@ -6373,7 +6397,7 @@
       </p:sp>
       <p:sp>
         <p:nvSpPr>
-          <p:cNvPr id="3" name="מציין מיקום תוכן 2"/>
+          <p:cNvPr id="35" name="מציין מיקום תוכן 34"/>
           <p:cNvSpPr>
             <a:spLocks noGrp="1"/>
           </p:cNvSpPr>
@@ -6387,10 +6411,2048 @@
           <a:lstStyle/>
           <a:p>
             <a:pPr algn="l" rtl="0"/>
+            <a:r>
+              <a:rPr lang="en-US" dirty="0" smtClean="0"/>
+              <a:t>GUI</a:t>
+            </a:r>
+          </a:p>
+          <a:p>
+            <a:pPr algn="l" rtl="0"/>
+            <a:r>
+              <a:rPr lang="en-US" dirty="0" smtClean="0"/>
+              <a:t>Log</a:t>
+            </a:r>
+          </a:p>
+          <a:p>
+            <a:pPr algn="l" rtl="0"/>
+            <a:r>
+              <a:rPr lang="en-US" dirty="0" smtClean="0"/>
+              <a:t>OLSR Nodes</a:t>
+            </a:r>
+          </a:p>
+          <a:p>
+            <a:pPr algn="l" rtl="0"/>
+            <a:r>
+              <a:rPr lang="en-US" dirty="0" smtClean="0"/>
+              <a:t>Event Gen</a:t>
+            </a:r>
+          </a:p>
+          <a:p>
+            <a:pPr algn="l" rtl="0"/>
+            <a:r>
+              <a:rPr lang="en-US" dirty="0" smtClean="0"/>
+              <a:t>Topology Mgr</a:t>
+            </a:r>
+          </a:p>
+          <a:p>
+            <a:pPr algn="l" rtl="0"/>
+            <a:r>
+              <a:rPr lang="en-US" dirty="0" smtClean="0"/>
+              <a:t>Tasks Queue</a:t>
+            </a:r>
+          </a:p>
+          <a:p>
+            <a:pPr algn="l" rtl="0"/>
+            <a:r>
+              <a:rPr lang="en-US" dirty="0" smtClean="0"/>
+              <a:t>Dispatcher</a:t>
+            </a:r>
             <a:endParaRPr lang="he-IL" dirty="0"/>
           </a:p>
         </p:txBody>
       </p:sp>
+      <p:grpSp>
+        <p:nvGrpSpPr>
+          <p:cNvPr id="34" name="קבוצה 33"/>
+          <p:cNvGrpSpPr/>
+          <p:nvPr/>
+        </p:nvGrpSpPr>
+        <p:grpSpPr>
+          <a:xfrm>
+            <a:off x="3357554" y="1428736"/>
+            <a:ext cx="5238126" cy="4857784"/>
+            <a:chOff x="1033142" y="214290"/>
+            <a:chExt cx="6992211" cy="6378189"/>
+          </a:xfrm>
+        </p:grpSpPr>
+        <p:sp>
+          <p:nvSpPr>
+            <p:cNvPr id="4" name="מלבן 3"/>
+            <p:cNvSpPr/>
+            <p:nvPr/>
+          </p:nvSpPr>
+          <p:spPr>
+            <a:xfrm>
+              <a:off x="1711118" y="3143248"/>
+              <a:ext cx="1571636" cy="785818"/>
+            </a:xfrm>
+            <a:prstGeom prst="rect">
+              <a:avLst/>
+            </a:prstGeom>
+            <a:noFill/>
+            <a:ln w="12700" cap="sq">
+              <a:solidFill>
+                <a:schemeClr val="tx1"/>
+              </a:solidFill>
+            </a:ln>
+          </p:spPr>
+          <p:style>
+            <a:lnRef idx="2">
+              <a:schemeClr val="accent1">
+                <a:shade val="50000"/>
+              </a:schemeClr>
+            </a:lnRef>
+            <a:fillRef idx="1">
+              <a:schemeClr val="accent1"/>
+            </a:fillRef>
+            <a:effectRef idx="0">
+              <a:schemeClr val="accent1"/>
+            </a:effectRef>
+            <a:fontRef idx="minor">
+              <a:schemeClr val="lt1"/>
+            </a:fontRef>
+          </p:style>
+          <p:txBody>
+            <a:bodyPr rtlCol="1" anchor="ctr"/>
+            <a:lstStyle/>
+            <a:p>
+              <a:pPr algn="ctr"/>
+              <a:r>
+                <a:rPr lang="en-US" sz="1400" dirty="0" smtClean="0">
+                  <a:solidFill>
+                    <a:schemeClr val="tx1"/>
+                  </a:solidFill>
+                </a:rPr>
+                <a:t>OLSRv2 Layer</a:t>
+              </a:r>
+            </a:p>
+            <a:p>
+              <a:pPr algn="ctr"/>
+              <a:r>
+                <a:rPr lang="en-US" sz="1400" dirty="0" smtClean="0">
+                  <a:solidFill>
+                    <a:schemeClr val="tx1"/>
+                  </a:solidFill>
+                </a:rPr>
+                <a:t>(per node)</a:t>
+              </a:r>
+              <a:endParaRPr lang="he-IL" sz="1600" dirty="0">
+                <a:solidFill>
+                  <a:schemeClr val="tx1"/>
+                </a:solidFill>
+              </a:endParaRPr>
+            </a:p>
+          </p:txBody>
+        </p:sp>
+        <p:sp>
+          <p:nvSpPr>
+            <p:cNvPr id="5" name="מלבן 4"/>
+            <p:cNvSpPr/>
+            <p:nvPr/>
+          </p:nvSpPr>
+          <p:spPr>
+            <a:xfrm>
+              <a:off x="3639944" y="4572008"/>
+              <a:ext cx="1571636" cy="785818"/>
+            </a:xfrm>
+            <a:prstGeom prst="rect">
+              <a:avLst/>
+            </a:prstGeom>
+            <a:noFill/>
+            <a:ln w="12700" cap="sq">
+              <a:solidFill>
+                <a:schemeClr val="tx1"/>
+              </a:solidFill>
+            </a:ln>
+          </p:spPr>
+          <p:style>
+            <a:lnRef idx="2">
+              <a:schemeClr val="accent1">
+                <a:shade val="50000"/>
+              </a:schemeClr>
+            </a:lnRef>
+            <a:fillRef idx="1">
+              <a:schemeClr val="accent1"/>
+            </a:fillRef>
+            <a:effectRef idx="0">
+              <a:schemeClr val="accent1"/>
+            </a:effectRef>
+            <a:fontRef idx="minor">
+              <a:schemeClr val="lt1"/>
+            </a:fontRef>
+          </p:style>
+          <p:txBody>
+            <a:bodyPr rtlCol="1" anchor="ctr"/>
+            <a:lstStyle/>
+            <a:p>
+              <a:pPr algn="ctr"/>
+              <a:r>
+                <a:rPr lang="en-US" sz="1600" dirty="0" smtClean="0">
+                  <a:solidFill>
+                    <a:schemeClr val="tx1"/>
+                  </a:solidFill>
+                </a:rPr>
+                <a:t>Dispatcher</a:t>
+              </a:r>
+              <a:endParaRPr lang="he-IL" dirty="0">
+                <a:solidFill>
+                  <a:schemeClr val="tx1"/>
+                </a:solidFill>
+              </a:endParaRPr>
+            </a:p>
+          </p:txBody>
+        </p:sp>
+        <p:sp>
+          <p:nvSpPr>
+            <p:cNvPr id="6" name="מלבן 5"/>
+            <p:cNvSpPr/>
+            <p:nvPr/>
+          </p:nvSpPr>
+          <p:spPr>
+            <a:xfrm>
+              <a:off x="4211448" y="3071810"/>
+              <a:ext cx="428628" cy="1214446"/>
+            </a:xfrm>
+            <a:prstGeom prst="rect">
+              <a:avLst/>
+            </a:prstGeom>
+            <a:noFill/>
+            <a:ln w="12700" cap="sq">
+              <a:solidFill>
+                <a:schemeClr val="tx1"/>
+              </a:solidFill>
+            </a:ln>
+          </p:spPr>
+          <p:style>
+            <a:lnRef idx="2">
+              <a:schemeClr val="accent1">
+                <a:shade val="50000"/>
+              </a:schemeClr>
+            </a:lnRef>
+            <a:fillRef idx="1">
+              <a:schemeClr val="accent1"/>
+            </a:fillRef>
+            <a:effectRef idx="0">
+              <a:schemeClr val="accent1"/>
+            </a:effectRef>
+            <a:fontRef idx="minor">
+              <a:schemeClr val="lt1"/>
+            </a:fontRef>
+          </p:style>
+          <p:txBody>
+            <a:bodyPr rtlCol="1" anchor="ctr"/>
+            <a:lstStyle/>
+            <a:p>
+              <a:pPr algn="ctr"/>
+              <a:endParaRPr lang="he-IL"/>
+            </a:p>
+          </p:txBody>
+        </p:sp>
+        <p:sp>
+          <p:nvSpPr>
+            <p:cNvPr id="7" name="מלבן 6"/>
+            <p:cNvSpPr/>
+            <p:nvPr/>
+          </p:nvSpPr>
+          <p:spPr>
+            <a:xfrm>
+              <a:off x="5497332" y="3143248"/>
+              <a:ext cx="1571636" cy="785818"/>
+            </a:xfrm>
+            <a:prstGeom prst="rect">
+              <a:avLst/>
+            </a:prstGeom>
+            <a:noFill/>
+            <a:ln w="12700" cap="sq">
+              <a:solidFill>
+                <a:schemeClr val="tx1"/>
+              </a:solidFill>
+            </a:ln>
+          </p:spPr>
+          <p:style>
+            <a:lnRef idx="2">
+              <a:schemeClr val="accent1">
+                <a:shade val="50000"/>
+              </a:schemeClr>
+            </a:lnRef>
+            <a:fillRef idx="1">
+              <a:schemeClr val="accent1"/>
+            </a:fillRef>
+            <a:effectRef idx="0">
+              <a:schemeClr val="accent1"/>
+            </a:effectRef>
+            <a:fontRef idx="minor">
+              <a:schemeClr val="lt1"/>
+            </a:fontRef>
+          </p:style>
+          <p:txBody>
+            <a:bodyPr rtlCol="1" anchor="ctr"/>
+            <a:lstStyle/>
+            <a:p>
+              <a:pPr algn="ctr"/>
+              <a:r>
+                <a:rPr lang="en-US" sz="1600" dirty="0" smtClean="0">
+                  <a:solidFill>
+                    <a:schemeClr val="tx1"/>
+                  </a:solidFill>
+                </a:rPr>
+                <a:t>Event Generator</a:t>
+              </a:r>
+              <a:endParaRPr lang="he-IL" sz="1600" dirty="0">
+                <a:solidFill>
+                  <a:schemeClr val="tx1"/>
+                </a:solidFill>
+              </a:endParaRPr>
+            </a:p>
+          </p:txBody>
+        </p:sp>
+        <p:cxnSp>
+          <p:nvCxnSpPr>
+            <p:cNvPr id="8" name="מחבר ישר 7"/>
+            <p:cNvCxnSpPr/>
+            <p:nvPr/>
+          </p:nvCxnSpPr>
+          <p:spPr>
+            <a:xfrm rot="5400000" flipH="1" flipV="1">
+              <a:off x="2106595" y="2607463"/>
+              <a:ext cx="786612" cy="794"/>
+            </a:xfrm>
+            <a:prstGeom prst="line">
+              <a:avLst/>
+            </a:prstGeom>
+            <a:ln cmpd="sng">
+              <a:solidFill>
+                <a:schemeClr val="tx1"/>
+              </a:solidFill>
+              <a:prstDash val="dash"/>
+            </a:ln>
+          </p:spPr>
+          <p:style>
+            <a:lnRef idx="1">
+              <a:schemeClr val="accent1"/>
+            </a:lnRef>
+            <a:fillRef idx="0">
+              <a:schemeClr val="accent1"/>
+            </a:fillRef>
+            <a:effectRef idx="0">
+              <a:schemeClr val="accent1"/>
+            </a:effectRef>
+            <a:fontRef idx="minor">
+              <a:schemeClr val="tx1"/>
+            </a:fontRef>
+          </p:style>
+        </p:cxnSp>
+        <p:cxnSp>
+          <p:nvCxnSpPr>
+            <p:cNvPr id="9" name="מחבר ישר 8"/>
+            <p:cNvCxnSpPr/>
+            <p:nvPr/>
+          </p:nvCxnSpPr>
+          <p:spPr>
+            <a:xfrm rot="5400000" flipH="1" flipV="1">
+              <a:off x="2104821" y="4535495"/>
+              <a:ext cx="785818" cy="1588"/>
+            </a:xfrm>
+            <a:prstGeom prst="line">
+              <a:avLst/>
+            </a:prstGeom>
+            <a:ln cmpd="sng">
+              <a:solidFill>
+                <a:schemeClr val="tx1"/>
+              </a:solidFill>
+              <a:prstDash val="dash"/>
+            </a:ln>
+          </p:spPr>
+          <p:style>
+            <a:lnRef idx="1">
+              <a:schemeClr val="accent1"/>
+            </a:lnRef>
+            <a:fillRef idx="0">
+              <a:schemeClr val="accent1"/>
+            </a:fillRef>
+            <a:effectRef idx="0">
+              <a:schemeClr val="accent1"/>
+            </a:effectRef>
+            <a:fontRef idx="minor">
+              <a:schemeClr val="tx1"/>
+            </a:fontRef>
+          </p:style>
+        </p:cxnSp>
+        <p:sp>
+          <p:nvSpPr>
+            <p:cNvPr id="10" name="TextBox 9"/>
+            <p:cNvSpPr txBox="1"/>
+            <p:nvPr/>
+          </p:nvSpPr>
+          <p:spPr>
+            <a:xfrm>
+              <a:off x="3647900" y="2643182"/>
+              <a:ext cx="1630526" cy="444516"/>
+            </a:xfrm>
+            <a:prstGeom prst="rect">
+              <a:avLst/>
+            </a:prstGeom>
+            <a:noFill/>
+          </p:spPr>
+          <p:txBody>
+            <a:bodyPr wrap="none" rtlCol="1">
+              <a:spAutoFit/>
+            </a:bodyPr>
+            <a:lstStyle/>
+            <a:p>
+              <a:pPr algn="ctr"/>
+              <a:r>
+                <a:rPr lang="en-US" sz="1600" dirty="0" smtClean="0"/>
+                <a:t>Tasks Queue</a:t>
+              </a:r>
+              <a:endParaRPr lang="he-IL" sz="1600" dirty="0"/>
+            </a:p>
+          </p:txBody>
+        </p:sp>
+        <p:sp>
+          <p:nvSpPr>
+            <p:cNvPr id="11" name="מלבן 10"/>
+            <p:cNvSpPr/>
+            <p:nvPr/>
+          </p:nvSpPr>
+          <p:spPr>
+            <a:xfrm>
+              <a:off x="2643174" y="214290"/>
+              <a:ext cx="1571636" cy="785818"/>
+            </a:xfrm>
+            <a:prstGeom prst="rect">
+              <a:avLst/>
+            </a:prstGeom>
+            <a:noFill/>
+            <a:ln w="12700" cap="sq">
+              <a:solidFill>
+                <a:schemeClr val="tx1"/>
+              </a:solidFill>
+            </a:ln>
+          </p:spPr>
+          <p:style>
+            <a:lnRef idx="2">
+              <a:schemeClr val="accent1">
+                <a:shade val="50000"/>
+              </a:schemeClr>
+            </a:lnRef>
+            <a:fillRef idx="1">
+              <a:schemeClr val="accent1"/>
+            </a:fillRef>
+            <a:effectRef idx="0">
+              <a:schemeClr val="accent1"/>
+            </a:effectRef>
+            <a:fontRef idx="minor">
+              <a:schemeClr val="lt1"/>
+            </a:fontRef>
+          </p:style>
+          <p:txBody>
+            <a:bodyPr rtlCol="1" anchor="ctr"/>
+            <a:lstStyle/>
+            <a:p>
+              <a:pPr algn="ctr"/>
+              <a:r>
+                <a:rPr lang="en-US" sz="1600" dirty="0" smtClean="0">
+                  <a:solidFill>
+                    <a:schemeClr val="tx1"/>
+                  </a:solidFill>
+                </a:rPr>
+                <a:t>Log</a:t>
+              </a:r>
+              <a:endParaRPr lang="he-IL" sz="1600" dirty="0">
+                <a:solidFill>
+                  <a:schemeClr val="tx1"/>
+                </a:solidFill>
+              </a:endParaRPr>
+            </a:p>
+          </p:txBody>
+        </p:sp>
+        <p:sp>
+          <p:nvSpPr>
+            <p:cNvPr id="12" name="מלבן 11"/>
+            <p:cNvSpPr/>
+            <p:nvPr/>
+          </p:nvSpPr>
+          <p:spPr>
+            <a:xfrm>
+              <a:off x="4643438" y="214290"/>
+              <a:ext cx="1571636" cy="785818"/>
+            </a:xfrm>
+            <a:prstGeom prst="rect">
+              <a:avLst/>
+            </a:prstGeom>
+            <a:noFill/>
+            <a:ln w="12700" cap="sq">
+              <a:solidFill>
+                <a:schemeClr val="tx1"/>
+              </a:solidFill>
+            </a:ln>
+          </p:spPr>
+          <p:style>
+            <a:lnRef idx="2">
+              <a:schemeClr val="accent1">
+                <a:shade val="50000"/>
+              </a:schemeClr>
+            </a:lnRef>
+            <a:fillRef idx="1">
+              <a:schemeClr val="accent1"/>
+            </a:fillRef>
+            <a:effectRef idx="0">
+              <a:schemeClr val="accent1"/>
+            </a:effectRef>
+            <a:fontRef idx="minor">
+              <a:schemeClr val="lt1"/>
+            </a:fontRef>
+          </p:style>
+          <p:txBody>
+            <a:bodyPr rtlCol="1" anchor="ctr"/>
+            <a:lstStyle/>
+            <a:p>
+              <a:pPr algn="ctr"/>
+              <a:r>
+                <a:rPr lang="en-US" sz="1600" dirty="0" smtClean="0">
+                  <a:solidFill>
+                    <a:schemeClr val="tx1"/>
+                  </a:solidFill>
+                </a:rPr>
+                <a:t>GUI</a:t>
+              </a:r>
+              <a:endParaRPr lang="he-IL" sz="1600" dirty="0">
+                <a:solidFill>
+                  <a:schemeClr val="tx1"/>
+                </a:solidFill>
+              </a:endParaRPr>
+            </a:p>
+          </p:txBody>
+        </p:sp>
+        <p:cxnSp>
+          <p:nvCxnSpPr>
+            <p:cNvPr id="13" name="Shape 22"/>
+            <p:cNvCxnSpPr>
+              <a:stCxn id="5" idx="1"/>
+              <a:endCxn id="4" idx="2"/>
+            </p:cNvCxnSpPr>
+            <p:nvPr/>
+          </p:nvCxnSpPr>
+          <p:spPr>
+            <a:xfrm rot="10800000">
+              <a:off x="2496936" y="3929067"/>
+              <a:ext cx="1143008" cy="1035851"/>
+            </a:xfrm>
+            <a:prstGeom prst="curvedConnector2">
+              <a:avLst/>
+            </a:prstGeom>
+            <a:ln>
+              <a:solidFill>
+                <a:schemeClr val="tx1"/>
+              </a:solidFill>
+              <a:headEnd type="none" w="med" len="med"/>
+              <a:tailEnd type="triangle" w="med" len="med"/>
+            </a:ln>
+          </p:spPr>
+          <p:style>
+            <a:lnRef idx="1">
+              <a:schemeClr val="accent1"/>
+            </a:lnRef>
+            <a:fillRef idx="0">
+              <a:schemeClr val="accent1"/>
+            </a:fillRef>
+            <a:effectRef idx="0">
+              <a:schemeClr val="accent1"/>
+            </a:effectRef>
+            <a:fontRef idx="minor">
+              <a:schemeClr val="tx1"/>
+            </a:fontRef>
+          </p:style>
+        </p:cxnSp>
+        <p:cxnSp>
+          <p:nvCxnSpPr>
+            <p:cNvPr id="14" name="Shape 22"/>
+            <p:cNvCxnSpPr>
+              <a:stCxn id="6" idx="2"/>
+              <a:endCxn id="5" idx="0"/>
+            </p:cNvCxnSpPr>
+            <p:nvPr/>
+          </p:nvCxnSpPr>
+          <p:spPr>
+            <a:xfrm rot="5400000">
+              <a:off x="4282886" y="4429132"/>
+              <a:ext cx="285752" cy="1588"/>
+            </a:xfrm>
+            <a:prstGeom prst="curvedConnector3">
+              <a:avLst>
+                <a:gd name="adj1" fmla="val 50000"/>
+              </a:avLst>
+            </a:prstGeom>
+            <a:ln>
+              <a:solidFill>
+                <a:schemeClr val="tx1"/>
+              </a:solidFill>
+              <a:headEnd type="none" w="med" len="med"/>
+              <a:tailEnd type="triangle" w="med" len="med"/>
+            </a:ln>
+          </p:spPr>
+          <p:style>
+            <a:lnRef idx="1">
+              <a:schemeClr val="accent1"/>
+            </a:lnRef>
+            <a:fillRef idx="0">
+              <a:schemeClr val="accent1"/>
+            </a:fillRef>
+            <a:effectRef idx="0">
+              <a:schemeClr val="accent1"/>
+            </a:effectRef>
+            <a:fontRef idx="minor">
+              <a:schemeClr val="tx1"/>
+            </a:fontRef>
+          </p:style>
+        </p:cxnSp>
+        <p:sp>
+          <p:nvSpPr>
+            <p:cNvPr id="15" name="מלבן 14"/>
+            <p:cNvSpPr/>
+            <p:nvPr/>
+          </p:nvSpPr>
+          <p:spPr>
+            <a:xfrm>
+              <a:off x="2071670" y="1714488"/>
+              <a:ext cx="857256" cy="357190"/>
+            </a:xfrm>
+            <a:prstGeom prst="rect">
+              <a:avLst/>
+            </a:prstGeom>
+            <a:noFill/>
+            <a:ln w="12700">
+              <a:solidFill>
+                <a:schemeClr val="tx1"/>
+              </a:solidFill>
+            </a:ln>
+          </p:spPr>
+          <p:style>
+            <a:lnRef idx="2">
+              <a:schemeClr val="accent1">
+                <a:shade val="50000"/>
+              </a:schemeClr>
+            </a:lnRef>
+            <a:fillRef idx="1">
+              <a:schemeClr val="accent1"/>
+            </a:fillRef>
+            <a:effectRef idx="0">
+              <a:schemeClr val="accent1"/>
+            </a:effectRef>
+            <a:fontRef idx="minor">
+              <a:schemeClr val="lt1"/>
+            </a:fontRef>
+          </p:style>
+          <p:txBody>
+            <a:bodyPr rtlCol="1" anchor="ctr"/>
+            <a:lstStyle/>
+            <a:p>
+              <a:pPr algn="ctr"/>
+              <a:endParaRPr lang="he-IL"/>
+            </a:p>
+          </p:txBody>
+        </p:sp>
+        <p:sp>
+          <p:nvSpPr>
+            <p:cNvPr id="16" name="מלבן 15"/>
+            <p:cNvSpPr/>
+            <p:nvPr/>
+          </p:nvSpPr>
+          <p:spPr>
+            <a:xfrm>
+              <a:off x="2071670" y="1285860"/>
+              <a:ext cx="857256" cy="357190"/>
+            </a:xfrm>
+            <a:prstGeom prst="rect">
+              <a:avLst/>
+            </a:prstGeom>
+            <a:noFill/>
+            <a:ln w="12700">
+              <a:solidFill>
+                <a:schemeClr val="tx1"/>
+              </a:solidFill>
+            </a:ln>
+          </p:spPr>
+          <p:style>
+            <a:lnRef idx="2">
+              <a:schemeClr val="accent1">
+                <a:shade val="50000"/>
+              </a:schemeClr>
+            </a:lnRef>
+            <a:fillRef idx="1">
+              <a:schemeClr val="accent1"/>
+            </a:fillRef>
+            <a:effectRef idx="0">
+              <a:schemeClr val="accent1"/>
+            </a:effectRef>
+            <a:fontRef idx="minor">
+              <a:schemeClr val="lt1"/>
+            </a:fontRef>
+          </p:style>
+          <p:txBody>
+            <a:bodyPr rtlCol="1" anchor="ctr"/>
+            <a:lstStyle/>
+            <a:p>
+              <a:pPr algn="ctr"/>
+              <a:endParaRPr lang="he-IL"/>
+            </a:p>
+          </p:txBody>
+        </p:sp>
+        <p:sp>
+          <p:nvSpPr>
+            <p:cNvPr id="17" name="צורה חופשית 16"/>
+            <p:cNvSpPr/>
+            <p:nvPr/>
+          </p:nvSpPr>
+          <p:spPr>
+            <a:xfrm>
+              <a:off x="2493840" y="1045852"/>
+              <a:ext cx="974710" cy="2089873"/>
+            </a:xfrm>
+            <a:custGeom>
+              <a:avLst/>
+              <a:gdLst>
+                <a:gd name="connsiteX0" fmla="*/ 0 w 924025"/>
+                <a:gd name="connsiteY0" fmla="*/ 2127183 h 2127183"/>
+                <a:gd name="connsiteX1" fmla="*/ 365760 w 924025"/>
+                <a:gd name="connsiteY1" fmla="*/ 1299411 h 2127183"/>
+                <a:gd name="connsiteX2" fmla="*/ 808522 w 924025"/>
+                <a:gd name="connsiteY2" fmla="*/ 779646 h 2127183"/>
+                <a:gd name="connsiteX3" fmla="*/ 924025 w 924025"/>
+                <a:gd name="connsiteY3" fmla="*/ 0 h 2127183"/>
+                <a:gd name="connsiteX0" fmla="*/ 0 w 924025"/>
+                <a:gd name="connsiteY0" fmla="*/ 2127183 h 2127183"/>
+                <a:gd name="connsiteX1" fmla="*/ 365760 w 924025"/>
+                <a:gd name="connsiteY1" fmla="*/ 1299411 h 2127183"/>
+                <a:gd name="connsiteX2" fmla="*/ 808522 w 924025"/>
+                <a:gd name="connsiteY2" fmla="*/ 779646 h 2127183"/>
+                <a:gd name="connsiteX3" fmla="*/ 924025 w 924025"/>
+                <a:gd name="connsiteY3" fmla="*/ 0 h 2127183"/>
+                <a:gd name="connsiteX0" fmla="*/ 0 w 924025"/>
+                <a:gd name="connsiteY0" fmla="*/ 2127183 h 2127183"/>
+                <a:gd name="connsiteX1" fmla="*/ 365760 w 924025"/>
+                <a:gd name="connsiteY1" fmla="*/ 1299411 h 2127183"/>
+                <a:gd name="connsiteX2" fmla="*/ 808522 w 924025"/>
+                <a:gd name="connsiteY2" fmla="*/ 779646 h 2127183"/>
+                <a:gd name="connsiteX3" fmla="*/ 924025 w 924025"/>
+                <a:gd name="connsiteY3" fmla="*/ 0 h 2127183"/>
+                <a:gd name="connsiteX0" fmla="*/ 0 w 924025"/>
+                <a:gd name="connsiteY0" fmla="*/ 2127183 h 2127183"/>
+                <a:gd name="connsiteX1" fmla="*/ 365760 w 924025"/>
+                <a:gd name="connsiteY1" fmla="*/ 1299411 h 2127183"/>
+                <a:gd name="connsiteX2" fmla="*/ 808522 w 924025"/>
+                <a:gd name="connsiteY2" fmla="*/ 779646 h 2127183"/>
+                <a:gd name="connsiteX3" fmla="*/ 924025 w 924025"/>
+                <a:gd name="connsiteY3" fmla="*/ 0 h 2127183"/>
+                <a:gd name="connsiteX0" fmla="*/ 0 w 974710"/>
+                <a:gd name="connsiteY0" fmla="*/ 2089873 h 2089873"/>
+                <a:gd name="connsiteX1" fmla="*/ 365760 w 974710"/>
+                <a:gd name="connsiteY1" fmla="*/ 1262101 h 2089873"/>
+                <a:gd name="connsiteX2" fmla="*/ 808522 w 974710"/>
+                <a:gd name="connsiteY2" fmla="*/ 742336 h 2089873"/>
+                <a:gd name="connsiteX3" fmla="*/ 974710 w 974710"/>
+                <a:gd name="connsiteY3" fmla="*/ 0 h 2089873"/>
+              </a:gdLst>
+              <a:ahLst/>
+              <a:cxnLst>
+                <a:cxn ang="0">
+                  <a:pos x="connsiteX0" y="connsiteY0"/>
+                </a:cxn>
+                <a:cxn ang="0">
+                  <a:pos x="connsiteX1" y="connsiteY1"/>
+                </a:cxn>
+                <a:cxn ang="0">
+                  <a:pos x="connsiteX2" y="connsiteY2"/>
+                </a:cxn>
+                <a:cxn ang="0">
+                  <a:pos x="connsiteX3" y="connsiteY3"/>
+                </a:cxn>
+              </a:cxnLst>
+              <a:rect l="l" t="t" r="r" b="b"/>
+              <a:pathLst>
+                <a:path w="974710" h="2089873">
+                  <a:moveTo>
+                    <a:pt x="0" y="2089873"/>
+                  </a:moveTo>
+                  <a:cubicBezTo>
+                    <a:pt x="115503" y="1788282"/>
+                    <a:pt x="250864" y="1390590"/>
+                    <a:pt x="365760" y="1262101"/>
+                  </a:cubicBezTo>
+                  <a:cubicBezTo>
+                    <a:pt x="465626" y="1148658"/>
+                    <a:pt x="707030" y="952686"/>
+                    <a:pt x="808522" y="742336"/>
+                  </a:cubicBezTo>
+                  <a:cubicBezTo>
+                    <a:pt x="910014" y="531986"/>
+                    <a:pt x="963480" y="281539"/>
+                    <a:pt x="974710" y="0"/>
+                  </a:cubicBezTo>
+                </a:path>
+              </a:pathLst>
+            </a:custGeom>
+            <a:ln>
+              <a:solidFill>
+                <a:schemeClr val="tx1"/>
+              </a:solidFill>
+              <a:headEnd type="none" w="med" len="med"/>
+              <a:tailEnd type="triangle" w="med" len="med"/>
+            </a:ln>
+          </p:spPr>
+          <p:style>
+            <a:lnRef idx="1">
+              <a:schemeClr val="accent1"/>
+            </a:lnRef>
+            <a:fillRef idx="0">
+              <a:schemeClr val="accent1"/>
+            </a:fillRef>
+            <a:effectRef idx="0">
+              <a:schemeClr val="accent1"/>
+            </a:effectRef>
+            <a:fontRef idx="minor">
+              <a:schemeClr val="tx1"/>
+            </a:fontRef>
+          </p:style>
+          <p:txBody>
+            <a:bodyPr rtlCol="1" anchor="ctr"/>
+            <a:lstStyle/>
+            <a:p>
+              <a:pPr algn="ctr"/>
+              <a:endParaRPr lang="he-IL"/>
+            </a:p>
+          </p:txBody>
+        </p:sp>
+        <p:sp>
+          <p:nvSpPr>
+            <p:cNvPr id="18" name="מלבן 17"/>
+            <p:cNvSpPr/>
+            <p:nvPr/>
+          </p:nvSpPr>
+          <p:spPr>
+            <a:xfrm>
+              <a:off x="2071670" y="5429264"/>
+              <a:ext cx="857256" cy="357190"/>
+            </a:xfrm>
+            <a:prstGeom prst="rect">
+              <a:avLst/>
+            </a:prstGeom>
+            <a:noFill/>
+            <a:ln w="12700">
+              <a:solidFill>
+                <a:schemeClr val="tx1"/>
+              </a:solidFill>
+            </a:ln>
+          </p:spPr>
+          <p:style>
+            <a:lnRef idx="2">
+              <a:schemeClr val="accent1">
+                <a:shade val="50000"/>
+              </a:schemeClr>
+            </a:lnRef>
+            <a:fillRef idx="1">
+              <a:schemeClr val="accent1"/>
+            </a:fillRef>
+            <a:effectRef idx="0">
+              <a:schemeClr val="accent1"/>
+            </a:effectRef>
+            <a:fontRef idx="minor">
+              <a:schemeClr val="lt1"/>
+            </a:fontRef>
+          </p:style>
+          <p:txBody>
+            <a:bodyPr rtlCol="1" anchor="ctr"/>
+            <a:lstStyle/>
+            <a:p>
+              <a:pPr algn="ctr"/>
+              <a:endParaRPr lang="he-IL"/>
+            </a:p>
+          </p:txBody>
+        </p:sp>
+        <p:sp>
+          <p:nvSpPr>
+            <p:cNvPr id="19" name="מלבן 18"/>
+            <p:cNvSpPr/>
+            <p:nvPr/>
+          </p:nvSpPr>
+          <p:spPr>
+            <a:xfrm>
+              <a:off x="2071670" y="5000636"/>
+              <a:ext cx="857256" cy="357190"/>
+            </a:xfrm>
+            <a:prstGeom prst="rect">
+              <a:avLst/>
+            </a:prstGeom>
+            <a:noFill/>
+            <a:ln w="12700">
+              <a:solidFill>
+                <a:schemeClr val="tx1"/>
+              </a:solidFill>
+            </a:ln>
+          </p:spPr>
+          <p:style>
+            <a:lnRef idx="2">
+              <a:schemeClr val="accent1">
+                <a:shade val="50000"/>
+              </a:schemeClr>
+            </a:lnRef>
+            <a:fillRef idx="1">
+              <a:schemeClr val="accent1"/>
+            </a:fillRef>
+            <a:effectRef idx="0">
+              <a:schemeClr val="accent1"/>
+            </a:effectRef>
+            <a:fontRef idx="minor">
+              <a:schemeClr val="lt1"/>
+            </a:fontRef>
+          </p:style>
+          <p:txBody>
+            <a:bodyPr rtlCol="1" anchor="ctr"/>
+            <a:lstStyle/>
+            <a:p>
+              <a:pPr algn="ctr"/>
+              <a:endParaRPr lang="he-IL"/>
+            </a:p>
+          </p:txBody>
+        </p:sp>
+        <p:sp>
+          <p:nvSpPr>
+            <p:cNvPr id="20" name="צורה חופשית 19"/>
+            <p:cNvSpPr/>
+            <p:nvPr/>
+          </p:nvSpPr>
+          <p:spPr>
+            <a:xfrm>
+              <a:off x="2926975" y="4964525"/>
+              <a:ext cx="693019" cy="240632"/>
+            </a:xfrm>
+            <a:custGeom>
+              <a:avLst/>
+              <a:gdLst>
+                <a:gd name="connsiteX0" fmla="*/ 693019 w 693019"/>
+                <a:gd name="connsiteY0" fmla="*/ 0 h 240632"/>
+                <a:gd name="connsiteX1" fmla="*/ 356135 w 693019"/>
+                <a:gd name="connsiteY1" fmla="*/ 192506 h 240632"/>
+                <a:gd name="connsiteX2" fmla="*/ 0 w 693019"/>
+                <a:gd name="connsiteY2" fmla="*/ 240632 h 240632"/>
+              </a:gdLst>
+              <a:ahLst/>
+              <a:cxnLst>
+                <a:cxn ang="0">
+                  <a:pos x="connsiteX0" y="connsiteY0"/>
+                </a:cxn>
+                <a:cxn ang="0">
+                  <a:pos x="connsiteX1" y="connsiteY1"/>
+                </a:cxn>
+                <a:cxn ang="0">
+                  <a:pos x="connsiteX2" y="connsiteY2"/>
+                </a:cxn>
+              </a:cxnLst>
+              <a:rect l="l" t="t" r="r" b="b"/>
+              <a:pathLst>
+                <a:path w="693019" h="240632">
+                  <a:moveTo>
+                    <a:pt x="693019" y="0"/>
+                  </a:moveTo>
+                  <a:cubicBezTo>
+                    <a:pt x="582328" y="76200"/>
+                    <a:pt x="471638" y="152401"/>
+                    <a:pt x="356135" y="192506"/>
+                  </a:cubicBezTo>
+                  <a:cubicBezTo>
+                    <a:pt x="240632" y="232611"/>
+                    <a:pt x="120316" y="236621"/>
+                    <a:pt x="0" y="240632"/>
+                  </a:cubicBezTo>
+                </a:path>
+              </a:pathLst>
+            </a:custGeom>
+            <a:ln>
+              <a:solidFill>
+                <a:schemeClr val="tx1"/>
+              </a:solidFill>
+              <a:headEnd type="none" w="med" len="med"/>
+              <a:tailEnd type="triangle" w="med" len="med"/>
+            </a:ln>
+          </p:spPr>
+          <p:style>
+            <a:lnRef idx="1">
+              <a:schemeClr val="accent1"/>
+            </a:lnRef>
+            <a:fillRef idx="0">
+              <a:schemeClr val="accent1"/>
+            </a:fillRef>
+            <a:effectRef idx="0">
+              <a:schemeClr val="accent1"/>
+            </a:effectRef>
+            <a:fontRef idx="minor">
+              <a:schemeClr val="tx1"/>
+            </a:fontRef>
+          </p:style>
+          <p:txBody>
+            <a:bodyPr rtlCol="1" anchor="ctr"/>
+            <a:lstStyle/>
+            <a:p>
+              <a:pPr algn="ctr"/>
+              <a:endParaRPr lang="he-IL"/>
+            </a:p>
+          </p:txBody>
+        </p:sp>
+        <p:sp>
+          <p:nvSpPr>
+            <p:cNvPr id="21" name="צורה חופשית 20"/>
+            <p:cNvSpPr/>
+            <p:nvPr/>
+          </p:nvSpPr>
+          <p:spPr>
+            <a:xfrm>
+              <a:off x="2926975" y="4983776"/>
+              <a:ext cx="702645" cy="668955"/>
+            </a:xfrm>
+            <a:custGeom>
+              <a:avLst/>
+              <a:gdLst>
+                <a:gd name="connsiteX0" fmla="*/ 702645 w 702645"/>
+                <a:gd name="connsiteY0" fmla="*/ 0 h 668955"/>
+                <a:gd name="connsiteX1" fmla="*/ 365760 w 702645"/>
+                <a:gd name="connsiteY1" fmla="*/ 558265 h 668955"/>
+                <a:gd name="connsiteX2" fmla="*/ 0 w 702645"/>
+                <a:gd name="connsiteY2" fmla="*/ 664143 h 668955"/>
+              </a:gdLst>
+              <a:ahLst/>
+              <a:cxnLst>
+                <a:cxn ang="0">
+                  <a:pos x="connsiteX0" y="connsiteY0"/>
+                </a:cxn>
+                <a:cxn ang="0">
+                  <a:pos x="connsiteX1" y="connsiteY1"/>
+                </a:cxn>
+                <a:cxn ang="0">
+                  <a:pos x="connsiteX2" y="connsiteY2"/>
+                </a:cxn>
+              </a:cxnLst>
+              <a:rect l="l" t="t" r="r" b="b"/>
+              <a:pathLst>
+                <a:path w="702645" h="668955">
+                  <a:moveTo>
+                    <a:pt x="702645" y="0"/>
+                  </a:moveTo>
+                  <a:cubicBezTo>
+                    <a:pt x="592756" y="223787"/>
+                    <a:pt x="482867" y="447575"/>
+                    <a:pt x="365760" y="558265"/>
+                  </a:cubicBezTo>
+                  <a:cubicBezTo>
+                    <a:pt x="248653" y="668955"/>
+                    <a:pt x="124326" y="666549"/>
+                    <a:pt x="0" y="664143"/>
+                  </a:cubicBezTo>
+                </a:path>
+              </a:pathLst>
+            </a:custGeom>
+            <a:ln>
+              <a:solidFill>
+                <a:schemeClr val="tx1"/>
+              </a:solidFill>
+              <a:headEnd type="none" w="med" len="med"/>
+              <a:tailEnd type="triangle" w="med" len="med"/>
+            </a:ln>
+          </p:spPr>
+          <p:style>
+            <a:lnRef idx="1">
+              <a:schemeClr val="accent1"/>
+            </a:lnRef>
+            <a:fillRef idx="0">
+              <a:schemeClr val="accent1"/>
+            </a:fillRef>
+            <a:effectRef idx="0">
+              <a:schemeClr val="accent1"/>
+            </a:effectRef>
+            <a:fontRef idx="minor">
+              <a:schemeClr val="tx1"/>
+            </a:fontRef>
+          </p:style>
+          <p:txBody>
+            <a:bodyPr rtlCol="1" anchor="ctr"/>
+            <a:lstStyle/>
+            <a:p>
+              <a:pPr algn="ctr"/>
+              <a:endParaRPr lang="he-IL"/>
+            </a:p>
+          </p:txBody>
+        </p:sp>
+        <p:sp>
+          <p:nvSpPr>
+            <p:cNvPr id="22" name="צורה חופשית 21"/>
+            <p:cNvSpPr/>
+            <p:nvPr/>
+          </p:nvSpPr>
+          <p:spPr>
+            <a:xfrm>
+              <a:off x="2926975" y="1027793"/>
+              <a:ext cx="317634" cy="442762"/>
+            </a:xfrm>
+            <a:custGeom>
+              <a:avLst/>
+              <a:gdLst>
+                <a:gd name="connsiteX0" fmla="*/ 0 w 317634"/>
+                <a:gd name="connsiteY0" fmla="*/ 442762 h 442762"/>
+                <a:gd name="connsiteX1" fmla="*/ 182880 w 317634"/>
+                <a:gd name="connsiteY1" fmla="*/ 365760 h 442762"/>
+                <a:gd name="connsiteX2" fmla="*/ 317634 w 317634"/>
+                <a:gd name="connsiteY2" fmla="*/ 0 h 442762"/>
+              </a:gdLst>
+              <a:ahLst/>
+              <a:cxnLst>
+                <a:cxn ang="0">
+                  <a:pos x="connsiteX0" y="connsiteY0"/>
+                </a:cxn>
+                <a:cxn ang="0">
+                  <a:pos x="connsiteX1" y="connsiteY1"/>
+                </a:cxn>
+                <a:cxn ang="0">
+                  <a:pos x="connsiteX2" y="connsiteY2"/>
+                </a:cxn>
+              </a:cxnLst>
+              <a:rect l="l" t="t" r="r" b="b"/>
+              <a:pathLst>
+                <a:path w="317634" h="442762">
+                  <a:moveTo>
+                    <a:pt x="0" y="442762"/>
+                  </a:moveTo>
+                  <a:cubicBezTo>
+                    <a:pt x="64970" y="441158"/>
+                    <a:pt x="129941" y="439554"/>
+                    <a:pt x="182880" y="365760"/>
+                  </a:cubicBezTo>
+                  <a:cubicBezTo>
+                    <a:pt x="235819" y="291966"/>
+                    <a:pt x="276726" y="145983"/>
+                    <a:pt x="317634" y="0"/>
+                  </a:cubicBezTo>
+                </a:path>
+              </a:pathLst>
+            </a:custGeom>
+            <a:ln>
+              <a:solidFill>
+                <a:schemeClr val="tx1"/>
+              </a:solidFill>
+              <a:headEnd type="none" w="med" len="med"/>
+              <a:tailEnd type="triangle" w="med" len="med"/>
+            </a:ln>
+          </p:spPr>
+          <p:style>
+            <a:lnRef idx="1">
+              <a:schemeClr val="accent1"/>
+            </a:lnRef>
+            <a:fillRef idx="0">
+              <a:schemeClr val="accent1"/>
+            </a:fillRef>
+            <a:effectRef idx="0">
+              <a:schemeClr val="accent1"/>
+            </a:effectRef>
+            <a:fontRef idx="minor">
+              <a:schemeClr val="tx1"/>
+            </a:fontRef>
+          </p:style>
+          <p:txBody>
+            <a:bodyPr rtlCol="1" anchor="ctr"/>
+            <a:lstStyle/>
+            <a:p>
+              <a:pPr algn="ctr"/>
+              <a:endParaRPr lang="he-IL"/>
+            </a:p>
+          </p:txBody>
+        </p:sp>
+        <p:sp>
+          <p:nvSpPr>
+            <p:cNvPr id="23" name="צורה חופשית 22"/>
+            <p:cNvSpPr/>
+            <p:nvPr/>
+          </p:nvSpPr>
+          <p:spPr>
+            <a:xfrm>
+              <a:off x="2926975" y="1047043"/>
+              <a:ext cx="442762" cy="856649"/>
+            </a:xfrm>
+            <a:custGeom>
+              <a:avLst/>
+              <a:gdLst>
+                <a:gd name="connsiteX0" fmla="*/ 0 w 433137"/>
+                <a:gd name="connsiteY0" fmla="*/ 827773 h 827773"/>
+                <a:gd name="connsiteX1" fmla="*/ 211756 w 433137"/>
+                <a:gd name="connsiteY1" fmla="*/ 693019 h 827773"/>
+                <a:gd name="connsiteX2" fmla="*/ 336885 w 433137"/>
+                <a:gd name="connsiteY2" fmla="*/ 394636 h 827773"/>
+                <a:gd name="connsiteX3" fmla="*/ 433137 w 433137"/>
+                <a:gd name="connsiteY3" fmla="*/ 0 h 827773"/>
+              </a:gdLst>
+              <a:ahLst/>
+              <a:cxnLst>
+                <a:cxn ang="0">
+                  <a:pos x="connsiteX0" y="connsiteY0"/>
+                </a:cxn>
+                <a:cxn ang="0">
+                  <a:pos x="connsiteX1" y="connsiteY1"/>
+                </a:cxn>
+                <a:cxn ang="0">
+                  <a:pos x="connsiteX2" y="connsiteY2"/>
+                </a:cxn>
+                <a:cxn ang="0">
+                  <a:pos x="connsiteX3" y="connsiteY3"/>
+                </a:cxn>
+              </a:cxnLst>
+              <a:rect l="l" t="t" r="r" b="b"/>
+              <a:pathLst>
+                <a:path w="433137" h="827773">
+                  <a:moveTo>
+                    <a:pt x="0" y="827773"/>
+                  </a:moveTo>
+                  <a:cubicBezTo>
+                    <a:pt x="77804" y="796490"/>
+                    <a:pt x="155609" y="765208"/>
+                    <a:pt x="211756" y="693019"/>
+                  </a:cubicBezTo>
+                  <a:cubicBezTo>
+                    <a:pt x="267903" y="620830"/>
+                    <a:pt x="299988" y="510139"/>
+                    <a:pt x="336885" y="394636"/>
+                  </a:cubicBezTo>
+                  <a:cubicBezTo>
+                    <a:pt x="373782" y="279133"/>
+                    <a:pt x="403459" y="139566"/>
+                    <a:pt x="433137" y="0"/>
+                  </a:cubicBezTo>
+                </a:path>
+              </a:pathLst>
+            </a:custGeom>
+            <a:ln>
+              <a:solidFill>
+                <a:schemeClr val="tx1"/>
+              </a:solidFill>
+              <a:headEnd type="none" w="med" len="med"/>
+              <a:tailEnd type="triangle" w="med" len="med"/>
+            </a:ln>
+          </p:spPr>
+          <p:style>
+            <a:lnRef idx="1">
+              <a:schemeClr val="accent1"/>
+            </a:lnRef>
+            <a:fillRef idx="0">
+              <a:schemeClr val="accent1"/>
+            </a:fillRef>
+            <a:effectRef idx="0">
+              <a:schemeClr val="accent1"/>
+            </a:effectRef>
+            <a:fontRef idx="minor">
+              <a:schemeClr val="tx1"/>
+            </a:fontRef>
+          </p:style>
+          <p:txBody>
+            <a:bodyPr rtlCol="1" anchor="ctr"/>
+            <a:lstStyle/>
+            <a:p>
+              <a:pPr algn="ctr"/>
+              <a:endParaRPr lang="he-IL"/>
+            </a:p>
+          </p:txBody>
+        </p:sp>
+        <p:cxnSp>
+          <p:nvCxnSpPr>
+            <p:cNvPr id="24" name="מחבר חץ ישר 23"/>
+            <p:cNvCxnSpPr>
+              <a:stCxn id="11" idx="3"/>
+              <a:endCxn id="12" idx="1"/>
+            </p:cNvCxnSpPr>
+            <p:nvPr/>
+          </p:nvCxnSpPr>
+          <p:spPr>
+            <a:xfrm>
+              <a:off x="4214810" y="607199"/>
+              <a:ext cx="428628" cy="1588"/>
+            </a:xfrm>
+            <a:prstGeom prst="straightConnector1">
+              <a:avLst/>
+            </a:prstGeom>
+            <a:ln>
+              <a:solidFill>
+                <a:schemeClr val="tx1"/>
+              </a:solidFill>
+              <a:headEnd type="none" w="med" len="med"/>
+              <a:tailEnd type="triangle" w="med" len="med"/>
+            </a:ln>
+          </p:spPr>
+          <p:style>
+            <a:lnRef idx="1">
+              <a:schemeClr val="accent1"/>
+            </a:lnRef>
+            <a:fillRef idx="0">
+              <a:schemeClr val="accent1"/>
+            </a:fillRef>
+            <a:effectRef idx="0">
+              <a:schemeClr val="accent1"/>
+            </a:effectRef>
+            <a:fontRef idx="minor">
+              <a:schemeClr val="tx1"/>
+            </a:fontRef>
+          </p:style>
+        </p:cxnSp>
+        <p:sp>
+          <p:nvSpPr>
+            <p:cNvPr id="25" name="צורה חופשית 24"/>
+            <p:cNvSpPr/>
+            <p:nvPr/>
+          </p:nvSpPr>
+          <p:spPr>
+            <a:xfrm>
+              <a:off x="5439169" y="1008542"/>
+              <a:ext cx="914400" cy="2136809"/>
+            </a:xfrm>
+            <a:custGeom>
+              <a:avLst/>
+              <a:gdLst>
+                <a:gd name="connsiteX0" fmla="*/ 0 w 914400"/>
+                <a:gd name="connsiteY0" fmla="*/ 0 h 2136809"/>
+                <a:gd name="connsiteX1" fmla="*/ 673768 w 914400"/>
+                <a:gd name="connsiteY1" fmla="*/ 693019 h 2136809"/>
+                <a:gd name="connsiteX2" fmla="*/ 914400 w 914400"/>
+                <a:gd name="connsiteY2" fmla="*/ 2136809 h 2136809"/>
+              </a:gdLst>
+              <a:ahLst/>
+              <a:cxnLst>
+                <a:cxn ang="0">
+                  <a:pos x="connsiteX0" y="connsiteY0"/>
+                </a:cxn>
+                <a:cxn ang="0">
+                  <a:pos x="connsiteX1" y="connsiteY1"/>
+                </a:cxn>
+                <a:cxn ang="0">
+                  <a:pos x="connsiteX2" y="connsiteY2"/>
+                </a:cxn>
+              </a:cxnLst>
+              <a:rect l="l" t="t" r="r" b="b"/>
+              <a:pathLst>
+                <a:path w="914400" h="2136809">
+                  <a:moveTo>
+                    <a:pt x="0" y="0"/>
+                  </a:moveTo>
+                  <a:cubicBezTo>
+                    <a:pt x="260684" y="168442"/>
+                    <a:pt x="521368" y="336884"/>
+                    <a:pt x="673768" y="693019"/>
+                  </a:cubicBezTo>
+                  <a:cubicBezTo>
+                    <a:pt x="826168" y="1049154"/>
+                    <a:pt x="870284" y="1592981"/>
+                    <a:pt x="914400" y="2136809"/>
+                  </a:cubicBezTo>
+                </a:path>
+              </a:pathLst>
+            </a:custGeom>
+            <a:ln>
+              <a:solidFill>
+                <a:schemeClr val="tx1"/>
+              </a:solidFill>
+              <a:headEnd type="none" w="med" len="med"/>
+              <a:tailEnd type="triangle" w="med" len="med"/>
+            </a:ln>
+          </p:spPr>
+          <p:style>
+            <a:lnRef idx="1">
+              <a:schemeClr val="accent1"/>
+            </a:lnRef>
+            <a:fillRef idx="0">
+              <a:schemeClr val="accent1"/>
+            </a:fillRef>
+            <a:effectRef idx="0">
+              <a:schemeClr val="accent1"/>
+            </a:effectRef>
+            <a:fontRef idx="minor">
+              <a:schemeClr val="tx1"/>
+            </a:fontRef>
+          </p:style>
+          <p:txBody>
+            <a:bodyPr rtlCol="1" anchor="ctr"/>
+            <a:lstStyle/>
+            <a:p>
+              <a:pPr algn="ctr"/>
+              <a:endParaRPr lang="he-IL"/>
+            </a:p>
+          </p:txBody>
+        </p:sp>
+        <p:sp>
+          <p:nvSpPr>
+            <p:cNvPr id="26" name="מלבן 7"/>
+            <p:cNvSpPr/>
+            <p:nvPr/>
+          </p:nvSpPr>
+          <p:spPr>
+            <a:xfrm>
+              <a:off x="5500694" y="4572008"/>
+              <a:ext cx="1571636" cy="785818"/>
+            </a:xfrm>
+            <a:prstGeom prst="rect">
+              <a:avLst/>
+            </a:prstGeom>
+            <a:noFill/>
+            <a:ln w="12700" cap="sq">
+              <a:solidFill>
+                <a:schemeClr val="tx1"/>
+              </a:solidFill>
+            </a:ln>
+          </p:spPr>
+          <p:style>
+            <a:lnRef idx="2">
+              <a:schemeClr val="accent1">
+                <a:shade val="50000"/>
+              </a:schemeClr>
+            </a:lnRef>
+            <a:fillRef idx="1">
+              <a:schemeClr val="accent1"/>
+            </a:fillRef>
+            <a:effectRef idx="0">
+              <a:schemeClr val="accent1"/>
+            </a:effectRef>
+            <a:fontRef idx="minor">
+              <a:schemeClr val="lt1"/>
+            </a:fontRef>
+          </p:style>
+          <p:txBody>
+            <a:bodyPr rtlCol="1" anchor="ctr"/>
+            <a:lstStyle/>
+            <a:p>
+              <a:pPr algn="ctr"/>
+              <a:r>
+                <a:rPr lang="en-US" sz="1600" dirty="0" smtClean="0">
+                  <a:solidFill>
+                    <a:schemeClr val="tx1"/>
+                  </a:solidFill>
+                </a:rPr>
+                <a:t>Topology Manager</a:t>
+              </a:r>
+              <a:endParaRPr lang="he-IL" sz="1600" dirty="0">
+                <a:solidFill>
+                  <a:schemeClr val="tx1"/>
+                </a:solidFill>
+              </a:endParaRPr>
+            </a:p>
+          </p:txBody>
+        </p:sp>
+        <p:sp>
+          <p:nvSpPr>
+            <p:cNvPr id="27" name="Freeform 29"/>
+            <p:cNvSpPr/>
+            <p:nvPr/>
+          </p:nvSpPr>
+          <p:spPr>
+            <a:xfrm>
+              <a:off x="6212264" y="603315"/>
+              <a:ext cx="1813089" cy="2945877"/>
+            </a:xfrm>
+            <a:custGeom>
+              <a:avLst/>
+              <a:gdLst>
+                <a:gd name="connsiteX0" fmla="*/ 0 w 1813089"/>
+                <a:gd name="connsiteY0" fmla="*/ 0 h 2945877"/>
+                <a:gd name="connsiteX1" fmla="*/ 1310326 w 1813089"/>
+                <a:gd name="connsiteY1" fmla="*/ 188537 h 2945877"/>
+                <a:gd name="connsiteX2" fmla="*/ 1734532 w 1813089"/>
+                <a:gd name="connsiteY2" fmla="*/ 961534 h 2945877"/>
+                <a:gd name="connsiteX3" fmla="*/ 1781666 w 1813089"/>
+                <a:gd name="connsiteY3" fmla="*/ 2328421 h 2945877"/>
+                <a:gd name="connsiteX4" fmla="*/ 1659117 w 1813089"/>
+                <a:gd name="connsiteY4" fmla="*/ 2790334 h 2945877"/>
+                <a:gd name="connsiteX5" fmla="*/ 1348033 w 1813089"/>
+                <a:gd name="connsiteY5" fmla="*/ 2922310 h 2945877"/>
+                <a:gd name="connsiteX6" fmla="*/ 867266 w 1813089"/>
+                <a:gd name="connsiteY6" fmla="*/ 2931737 h 2945877"/>
+              </a:gdLst>
+              <a:ahLst/>
+              <a:cxnLst>
+                <a:cxn ang="0">
+                  <a:pos x="connsiteX0" y="connsiteY0"/>
+                </a:cxn>
+                <a:cxn ang="0">
+                  <a:pos x="connsiteX1" y="connsiteY1"/>
+                </a:cxn>
+                <a:cxn ang="0">
+                  <a:pos x="connsiteX2" y="connsiteY2"/>
+                </a:cxn>
+                <a:cxn ang="0">
+                  <a:pos x="connsiteX3" y="connsiteY3"/>
+                </a:cxn>
+                <a:cxn ang="0">
+                  <a:pos x="connsiteX4" y="connsiteY4"/>
+                </a:cxn>
+                <a:cxn ang="0">
+                  <a:pos x="connsiteX5" y="connsiteY5"/>
+                </a:cxn>
+                <a:cxn ang="0">
+                  <a:pos x="connsiteX6" y="connsiteY6"/>
+                </a:cxn>
+              </a:cxnLst>
+              <a:rect l="l" t="t" r="r" b="b"/>
+              <a:pathLst>
+                <a:path w="1813089" h="2945877">
+                  <a:moveTo>
+                    <a:pt x="0" y="0"/>
+                  </a:moveTo>
+                  <a:cubicBezTo>
+                    <a:pt x="510618" y="14140"/>
+                    <a:pt x="1021237" y="28281"/>
+                    <a:pt x="1310326" y="188537"/>
+                  </a:cubicBezTo>
+                  <a:cubicBezTo>
+                    <a:pt x="1599415" y="348793"/>
+                    <a:pt x="1655975" y="604887"/>
+                    <a:pt x="1734532" y="961534"/>
+                  </a:cubicBezTo>
+                  <a:cubicBezTo>
+                    <a:pt x="1813089" y="1318181"/>
+                    <a:pt x="1794235" y="2023621"/>
+                    <a:pt x="1781666" y="2328421"/>
+                  </a:cubicBezTo>
+                  <a:cubicBezTo>
+                    <a:pt x="1769097" y="2633221"/>
+                    <a:pt x="1731389" y="2691353"/>
+                    <a:pt x="1659117" y="2790334"/>
+                  </a:cubicBezTo>
+                  <a:cubicBezTo>
+                    <a:pt x="1586845" y="2889316"/>
+                    <a:pt x="1480008" y="2898743"/>
+                    <a:pt x="1348033" y="2922310"/>
+                  </a:cubicBezTo>
+                  <a:cubicBezTo>
+                    <a:pt x="1216058" y="2945877"/>
+                    <a:pt x="1041662" y="2938807"/>
+                    <a:pt x="867266" y="2931737"/>
+                  </a:cubicBezTo>
+                </a:path>
+              </a:pathLst>
+            </a:custGeom>
+            <a:ln>
+              <a:solidFill>
+                <a:schemeClr val="tx1"/>
+              </a:solidFill>
+              <a:headEnd type="none" w="med" len="med"/>
+              <a:tailEnd type="triangle" w="med" len="med"/>
+            </a:ln>
+          </p:spPr>
+          <p:style>
+            <a:lnRef idx="1">
+              <a:schemeClr val="accent1"/>
+            </a:lnRef>
+            <a:fillRef idx="0">
+              <a:schemeClr val="accent1"/>
+            </a:fillRef>
+            <a:effectRef idx="0">
+              <a:schemeClr val="accent1"/>
+            </a:effectRef>
+            <a:fontRef idx="minor">
+              <a:schemeClr val="tx1"/>
+            </a:fontRef>
+          </p:style>
+          <p:txBody>
+            <a:bodyPr rtlCol="0" anchor="ctr"/>
+            <a:lstStyle/>
+            <a:p>
+              <a:pPr algn="ctr"/>
+              <a:endParaRPr lang="en-US"/>
+            </a:p>
+          </p:txBody>
+        </p:sp>
+        <p:sp>
+          <p:nvSpPr>
+            <p:cNvPr id="28" name="Freeform 32"/>
+            <p:cNvSpPr/>
+            <p:nvPr/>
+          </p:nvSpPr>
+          <p:spPr>
+            <a:xfrm>
+              <a:off x="7072331" y="3016578"/>
+              <a:ext cx="921600" cy="1990846"/>
+            </a:xfrm>
+            <a:custGeom>
+              <a:avLst/>
+              <a:gdLst>
+                <a:gd name="connsiteX0" fmla="*/ 0 w 923827"/>
+                <a:gd name="connsiteY0" fmla="*/ 1904215 h 1967060"/>
+                <a:gd name="connsiteX1" fmla="*/ 669303 w 923827"/>
+                <a:gd name="connsiteY1" fmla="*/ 1649691 h 1967060"/>
+                <a:gd name="connsiteX2" fmla="*/ 923827 w 923827"/>
+                <a:gd name="connsiteY2" fmla="*/ 0 h 1967060"/>
+                <a:gd name="connsiteX0" fmla="*/ 0 w 923827"/>
+                <a:gd name="connsiteY0" fmla="*/ 1904215 h 1967060"/>
+                <a:gd name="connsiteX1" fmla="*/ 669303 w 923827"/>
+                <a:gd name="connsiteY1" fmla="*/ 1649691 h 1967060"/>
+                <a:gd name="connsiteX2" fmla="*/ 923827 w 923827"/>
+                <a:gd name="connsiteY2" fmla="*/ 0 h 1967060"/>
+                <a:gd name="connsiteX0" fmla="*/ 0 w 923827"/>
+                <a:gd name="connsiteY0" fmla="*/ 2047067 h 2078489"/>
+                <a:gd name="connsiteX1" fmla="*/ 669303 w 923827"/>
+                <a:gd name="connsiteY1" fmla="*/ 1649691 h 2078489"/>
+                <a:gd name="connsiteX2" fmla="*/ 923827 w 923827"/>
+                <a:gd name="connsiteY2" fmla="*/ 0 h 2078489"/>
+                <a:gd name="connsiteX0" fmla="*/ 0 w 923827"/>
+                <a:gd name="connsiteY0" fmla="*/ 2047067 h 2078489"/>
+                <a:gd name="connsiteX1" fmla="*/ 669303 w 923827"/>
+                <a:gd name="connsiteY1" fmla="*/ 1649691 h 2078489"/>
+                <a:gd name="connsiteX2" fmla="*/ 923827 w 923827"/>
+                <a:gd name="connsiteY2" fmla="*/ 0 h 2078489"/>
+                <a:gd name="connsiteX0" fmla="*/ 0 w 926799"/>
+                <a:gd name="connsiteY0" fmla="*/ 2047067 h 2078489"/>
+                <a:gd name="connsiteX1" fmla="*/ 772828 w 926799"/>
+                <a:gd name="connsiteY1" fmla="*/ 1725097 h 2078489"/>
+                <a:gd name="connsiteX2" fmla="*/ 923827 w 926799"/>
+                <a:gd name="connsiteY2" fmla="*/ 0 h 2078489"/>
+              </a:gdLst>
+              <a:ahLst/>
+              <a:cxnLst>
+                <a:cxn ang="0">
+                  <a:pos x="connsiteX0" y="connsiteY0"/>
+                </a:cxn>
+                <a:cxn ang="0">
+                  <a:pos x="connsiteX1" y="connsiteY1"/>
+                </a:cxn>
+                <a:cxn ang="0">
+                  <a:pos x="connsiteX2" y="connsiteY2"/>
+                </a:cxn>
+              </a:cxnLst>
+              <a:rect l="l" t="t" r="r" b="b"/>
+              <a:pathLst>
+                <a:path w="926799" h="2078489">
+                  <a:moveTo>
+                    <a:pt x="0" y="2047067"/>
+                  </a:moveTo>
+                  <a:cubicBezTo>
+                    <a:pt x="257666" y="2078489"/>
+                    <a:pt x="618857" y="2066275"/>
+                    <a:pt x="772828" y="1725097"/>
+                  </a:cubicBezTo>
+                  <a:cubicBezTo>
+                    <a:pt x="926799" y="1383919"/>
+                    <a:pt x="873550" y="666161"/>
+                    <a:pt x="923827" y="0"/>
+                  </a:cubicBezTo>
+                </a:path>
+              </a:pathLst>
+            </a:custGeom>
+            <a:ln>
+              <a:solidFill>
+                <a:schemeClr val="tx1"/>
+              </a:solidFill>
+              <a:headEnd type="triangle" w="med" len="med"/>
+              <a:tailEnd type="none" w="med" len="med"/>
+            </a:ln>
+          </p:spPr>
+          <p:style>
+            <a:lnRef idx="1">
+              <a:schemeClr val="accent1"/>
+            </a:lnRef>
+            <a:fillRef idx="0">
+              <a:schemeClr val="accent1"/>
+            </a:fillRef>
+            <a:effectRef idx="0">
+              <a:schemeClr val="accent1"/>
+            </a:effectRef>
+            <a:fontRef idx="minor">
+              <a:schemeClr val="tx1"/>
+            </a:fontRef>
+          </p:style>
+          <p:txBody>
+            <a:bodyPr rtlCol="0" anchor="ctr"/>
+            <a:lstStyle/>
+            <a:p>
+              <a:pPr algn="ctr"/>
+              <a:endParaRPr lang="en-US"/>
+            </a:p>
+          </p:txBody>
+        </p:sp>
+        <p:sp>
+          <p:nvSpPr>
+            <p:cNvPr id="29" name="Freeform 33"/>
+            <p:cNvSpPr/>
+            <p:nvPr/>
+          </p:nvSpPr>
+          <p:spPr>
+            <a:xfrm>
+              <a:off x="4581427" y="1949777"/>
+              <a:ext cx="1253765" cy="1189349"/>
+            </a:xfrm>
+            <a:custGeom>
+              <a:avLst/>
+              <a:gdLst>
+                <a:gd name="connsiteX0" fmla="*/ 1253765 w 1253765"/>
+                <a:gd name="connsiteY0" fmla="*/ 1189349 h 1189349"/>
+                <a:gd name="connsiteX1" fmla="*/ 556181 w 1253765"/>
+                <a:gd name="connsiteY1" fmla="*/ 76986 h 1189349"/>
+                <a:gd name="connsiteX2" fmla="*/ 0 w 1253765"/>
+                <a:gd name="connsiteY2" fmla="*/ 727435 h 1189349"/>
+              </a:gdLst>
+              <a:ahLst/>
+              <a:cxnLst>
+                <a:cxn ang="0">
+                  <a:pos x="connsiteX0" y="connsiteY0"/>
+                </a:cxn>
+                <a:cxn ang="0">
+                  <a:pos x="connsiteX1" y="connsiteY1"/>
+                </a:cxn>
+                <a:cxn ang="0">
+                  <a:pos x="connsiteX2" y="connsiteY2"/>
+                </a:cxn>
+              </a:cxnLst>
+              <a:rect l="l" t="t" r="r" b="b"/>
+              <a:pathLst>
+                <a:path w="1253765" h="1189349">
+                  <a:moveTo>
+                    <a:pt x="1253765" y="1189349"/>
+                  </a:moveTo>
+                  <a:cubicBezTo>
+                    <a:pt x="1009453" y="671660"/>
+                    <a:pt x="765142" y="153972"/>
+                    <a:pt x="556181" y="76986"/>
+                  </a:cubicBezTo>
+                  <a:cubicBezTo>
+                    <a:pt x="347220" y="0"/>
+                    <a:pt x="173610" y="363717"/>
+                    <a:pt x="0" y="727435"/>
+                  </a:cubicBezTo>
+                </a:path>
+              </a:pathLst>
+            </a:custGeom>
+            <a:ln>
+              <a:solidFill>
+                <a:schemeClr val="tx1"/>
+              </a:solidFill>
+              <a:headEnd type="none" w="med" len="med"/>
+              <a:tailEnd type="triangle" w="med" len="med"/>
+            </a:ln>
+          </p:spPr>
+          <p:style>
+            <a:lnRef idx="1">
+              <a:schemeClr val="accent1"/>
+            </a:lnRef>
+            <a:fillRef idx="0">
+              <a:schemeClr val="accent1"/>
+            </a:fillRef>
+            <a:effectRef idx="0">
+              <a:schemeClr val="accent1"/>
+            </a:effectRef>
+            <a:fontRef idx="minor">
+              <a:schemeClr val="tx1"/>
+            </a:fontRef>
+          </p:style>
+          <p:txBody>
+            <a:bodyPr rtlCol="0" anchor="ctr"/>
+            <a:lstStyle/>
+            <a:p>
+              <a:pPr algn="ctr"/>
+              <a:endParaRPr lang="en-US"/>
+            </a:p>
+          </p:txBody>
+        </p:sp>
+        <p:sp>
+          <p:nvSpPr>
+            <p:cNvPr id="30" name="Freeform 34"/>
+            <p:cNvSpPr/>
+            <p:nvPr/>
+          </p:nvSpPr>
+          <p:spPr>
+            <a:xfrm flipH="1">
+              <a:off x="2949698" y="1940448"/>
+              <a:ext cx="1357322" cy="1189349"/>
+            </a:xfrm>
+            <a:custGeom>
+              <a:avLst/>
+              <a:gdLst>
+                <a:gd name="connsiteX0" fmla="*/ 1253765 w 1253765"/>
+                <a:gd name="connsiteY0" fmla="*/ 1189349 h 1189349"/>
+                <a:gd name="connsiteX1" fmla="*/ 556181 w 1253765"/>
+                <a:gd name="connsiteY1" fmla="*/ 76986 h 1189349"/>
+                <a:gd name="connsiteX2" fmla="*/ 0 w 1253765"/>
+                <a:gd name="connsiteY2" fmla="*/ 727435 h 1189349"/>
+              </a:gdLst>
+              <a:ahLst/>
+              <a:cxnLst>
+                <a:cxn ang="0">
+                  <a:pos x="connsiteX0" y="connsiteY0"/>
+                </a:cxn>
+                <a:cxn ang="0">
+                  <a:pos x="connsiteX1" y="connsiteY1"/>
+                </a:cxn>
+                <a:cxn ang="0">
+                  <a:pos x="connsiteX2" y="connsiteY2"/>
+                </a:cxn>
+              </a:cxnLst>
+              <a:rect l="l" t="t" r="r" b="b"/>
+              <a:pathLst>
+                <a:path w="1253765" h="1189349">
+                  <a:moveTo>
+                    <a:pt x="1253765" y="1189349"/>
+                  </a:moveTo>
+                  <a:cubicBezTo>
+                    <a:pt x="1009453" y="671660"/>
+                    <a:pt x="765142" y="153972"/>
+                    <a:pt x="556181" y="76986"/>
+                  </a:cubicBezTo>
+                  <a:cubicBezTo>
+                    <a:pt x="347220" y="0"/>
+                    <a:pt x="173610" y="363717"/>
+                    <a:pt x="0" y="727435"/>
+                  </a:cubicBezTo>
+                </a:path>
+              </a:pathLst>
+            </a:custGeom>
+            <a:ln>
+              <a:solidFill>
+                <a:schemeClr val="tx1"/>
+              </a:solidFill>
+              <a:headEnd type="none" w="med" len="med"/>
+              <a:tailEnd type="triangle" w="med" len="med"/>
+            </a:ln>
+          </p:spPr>
+          <p:style>
+            <a:lnRef idx="1">
+              <a:schemeClr val="accent1"/>
+            </a:lnRef>
+            <a:fillRef idx="0">
+              <a:schemeClr val="accent1"/>
+            </a:fillRef>
+            <a:effectRef idx="0">
+              <a:schemeClr val="accent1"/>
+            </a:effectRef>
+            <a:fontRef idx="minor">
+              <a:schemeClr val="tx1"/>
+            </a:fontRef>
+          </p:style>
+          <p:txBody>
+            <a:bodyPr rtlCol="0" anchor="ctr"/>
+            <a:lstStyle/>
+            <a:p>
+              <a:pPr algn="ctr"/>
+              <a:endParaRPr lang="en-US"/>
+            </a:p>
+          </p:txBody>
+        </p:sp>
+        <p:cxnSp>
+          <p:nvCxnSpPr>
+            <p:cNvPr id="31" name="Straight Arrow Connector 37"/>
+            <p:cNvCxnSpPr>
+              <a:stCxn id="5" idx="3"/>
+              <a:endCxn id="26" idx="1"/>
+            </p:cNvCxnSpPr>
+            <p:nvPr/>
+          </p:nvCxnSpPr>
+          <p:spPr>
+            <a:xfrm>
+              <a:off x="5211580" y="4964917"/>
+              <a:ext cx="289114" cy="1588"/>
+            </a:xfrm>
+            <a:prstGeom prst="straightConnector1">
+              <a:avLst/>
+            </a:prstGeom>
+            <a:ln>
+              <a:solidFill>
+                <a:schemeClr val="tx1"/>
+              </a:solidFill>
+              <a:headEnd type="none" w="med" len="med"/>
+              <a:tailEnd type="triangle" w="med" len="med"/>
+            </a:ln>
+          </p:spPr>
+          <p:style>
+            <a:lnRef idx="1">
+              <a:schemeClr val="accent1"/>
+            </a:lnRef>
+            <a:fillRef idx="0">
+              <a:schemeClr val="accent1"/>
+            </a:fillRef>
+            <a:effectRef idx="0">
+              <a:schemeClr val="accent1"/>
+            </a:effectRef>
+            <a:fontRef idx="minor">
+              <a:schemeClr val="tx1"/>
+            </a:fontRef>
+          </p:style>
+        </p:cxnSp>
+        <p:cxnSp>
+          <p:nvCxnSpPr>
+            <p:cNvPr id="32" name="Straight Arrow Connector 40"/>
+            <p:cNvCxnSpPr>
+              <a:stCxn id="7" idx="2"/>
+              <a:endCxn id="26" idx="0"/>
+            </p:cNvCxnSpPr>
+            <p:nvPr/>
+          </p:nvCxnSpPr>
+          <p:spPr>
+            <a:xfrm rot="16200000" flipH="1">
+              <a:off x="5963360" y="4248856"/>
+              <a:ext cx="642942" cy="3362"/>
+            </a:xfrm>
+            <a:prstGeom prst="straightConnector1">
+              <a:avLst/>
+            </a:prstGeom>
+            <a:ln>
+              <a:solidFill>
+                <a:schemeClr val="tx1"/>
+              </a:solidFill>
+              <a:headEnd type="none" w="med" len="med"/>
+              <a:tailEnd type="triangle" w="med" len="med"/>
+            </a:ln>
+          </p:spPr>
+          <p:style>
+            <a:lnRef idx="1">
+              <a:schemeClr val="accent1"/>
+            </a:lnRef>
+            <a:fillRef idx="0">
+              <a:schemeClr val="accent1"/>
+            </a:fillRef>
+            <a:effectRef idx="0">
+              <a:schemeClr val="accent1"/>
+            </a:effectRef>
+            <a:fontRef idx="minor">
+              <a:schemeClr val="tx1"/>
+            </a:fontRef>
+          </p:style>
+        </p:cxnSp>
+        <p:sp>
+          <p:nvSpPr>
+            <p:cNvPr id="33" name="Freeform 41"/>
+            <p:cNvSpPr/>
+            <p:nvPr/>
+          </p:nvSpPr>
+          <p:spPr>
+            <a:xfrm>
+              <a:off x="1033142" y="622168"/>
+              <a:ext cx="5254536" cy="5970311"/>
+            </a:xfrm>
+            <a:custGeom>
+              <a:avLst/>
+              <a:gdLst>
+                <a:gd name="connsiteX0" fmla="*/ 5231876 w 5231876"/>
+                <a:gd name="connsiteY0" fmla="*/ 5033914 h 6271968"/>
+                <a:gd name="connsiteX1" fmla="*/ 4534293 w 5231876"/>
+                <a:gd name="connsiteY1" fmla="*/ 5948314 h 6271968"/>
+                <a:gd name="connsiteX2" fmla="*/ 1178351 w 5231876"/>
+                <a:gd name="connsiteY2" fmla="*/ 6089716 h 6271968"/>
+                <a:gd name="connsiteX3" fmla="*/ 226243 w 5231876"/>
+                <a:gd name="connsiteY3" fmla="*/ 4854804 h 6271968"/>
+                <a:gd name="connsiteX4" fmla="*/ 226243 w 5231876"/>
+                <a:gd name="connsiteY4" fmla="*/ 886120 h 6271968"/>
+                <a:gd name="connsiteX5" fmla="*/ 1583703 w 5231876"/>
+                <a:gd name="connsiteY5" fmla="*/ 0 h 6271968"/>
+                <a:gd name="connsiteX0" fmla="*/ 5254536 w 5254536"/>
+                <a:gd name="connsiteY0" fmla="*/ 5033914 h 6271968"/>
+                <a:gd name="connsiteX1" fmla="*/ 4556953 w 5254536"/>
+                <a:gd name="connsiteY1" fmla="*/ 5948314 h 6271968"/>
+                <a:gd name="connsiteX2" fmla="*/ 1201011 w 5254536"/>
+                <a:gd name="connsiteY2" fmla="*/ 6089716 h 6271968"/>
+                <a:gd name="connsiteX3" fmla="*/ 248903 w 5254536"/>
+                <a:gd name="connsiteY3" fmla="*/ 4854804 h 6271968"/>
+                <a:gd name="connsiteX4" fmla="*/ 226243 w 5254536"/>
+                <a:gd name="connsiteY4" fmla="*/ 1132853 h 6271968"/>
+                <a:gd name="connsiteX5" fmla="*/ 1606363 w 5254536"/>
+                <a:gd name="connsiteY5" fmla="*/ 0 h 6271968"/>
+                <a:gd name="connsiteX0" fmla="*/ 5254536 w 5254536"/>
+                <a:gd name="connsiteY0" fmla="*/ 4732257 h 5970311"/>
+                <a:gd name="connsiteX1" fmla="*/ 4556953 w 5254536"/>
+                <a:gd name="connsiteY1" fmla="*/ 5646657 h 5970311"/>
+                <a:gd name="connsiteX2" fmla="*/ 1201011 w 5254536"/>
+                <a:gd name="connsiteY2" fmla="*/ 5788059 h 5970311"/>
+                <a:gd name="connsiteX3" fmla="*/ 248903 w 5254536"/>
+                <a:gd name="connsiteY3" fmla="*/ 4553147 h 5970311"/>
+                <a:gd name="connsiteX4" fmla="*/ 226243 w 5254536"/>
+                <a:gd name="connsiteY4" fmla="*/ 831196 h 5970311"/>
+                <a:gd name="connsiteX5" fmla="*/ 1606363 w 5254536"/>
+                <a:gd name="connsiteY5" fmla="*/ 0 h 5970311"/>
+              </a:gdLst>
+              <a:ahLst/>
+              <a:cxnLst>
+                <a:cxn ang="0">
+                  <a:pos x="connsiteX0" y="connsiteY0"/>
+                </a:cxn>
+                <a:cxn ang="0">
+                  <a:pos x="connsiteX1" y="connsiteY1"/>
+                </a:cxn>
+                <a:cxn ang="0">
+                  <a:pos x="connsiteX2" y="connsiteY2"/>
+                </a:cxn>
+                <a:cxn ang="0">
+                  <a:pos x="connsiteX3" y="connsiteY3"/>
+                </a:cxn>
+                <a:cxn ang="0">
+                  <a:pos x="connsiteX4" y="connsiteY4"/>
+                </a:cxn>
+                <a:cxn ang="0">
+                  <a:pos x="connsiteX5" y="connsiteY5"/>
+                </a:cxn>
+              </a:cxnLst>
+              <a:rect l="l" t="t" r="r" b="b"/>
+              <a:pathLst>
+                <a:path w="5254536" h="5970311">
+                  <a:moveTo>
+                    <a:pt x="5254536" y="4732257"/>
+                  </a:moveTo>
+                  <a:cubicBezTo>
+                    <a:pt x="5243538" y="5101473"/>
+                    <a:pt x="5232540" y="5470690"/>
+                    <a:pt x="4556953" y="5646657"/>
+                  </a:cubicBezTo>
+                  <a:cubicBezTo>
+                    <a:pt x="3881366" y="5822624"/>
+                    <a:pt x="1919019" y="5970311"/>
+                    <a:pt x="1201011" y="5788059"/>
+                  </a:cubicBezTo>
+                  <a:cubicBezTo>
+                    <a:pt x="483003" y="5605807"/>
+                    <a:pt x="411364" y="5379291"/>
+                    <a:pt x="248903" y="4553147"/>
+                  </a:cubicBezTo>
+                  <a:cubicBezTo>
+                    <a:pt x="86442" y="3727003"/>
+                    <a:pt x="0" y="1590054"/>
+                    <a:pt x="226243" y="831196"/>
+                  </a:cubicBezTo>
+                  <a:cubicBezTo>
+                    <a:pt x="452486" y="72338"/>
+                    <a:pt x="1040754" y="38493"/>
+                    <a:pt x="1606363" y="0"/>
+                  </a:cubicBezTo>
+                </a:path>
+              </a:pathLst>
+            </a:custGeom>
+            <a:ln>
+              <a:solidFill>
+                <a:schemeClr val="tx1"/>
+              </a:solidFill>
+              <a:headEnd type="none" w="med" len="med"/>
+              <a:tailEnd type="triangle" w="med" len="med"/>
+            </a:ln>
+          </p:spPr>
+          <p:style>
+            <a:lnRef idx="1">
+              <a:schemeClr val="accent1"/>
+            </a:lnRef>
+            <a:fillRef idx="0">
+              <a:schemeClr val="accent1"/>
+            </a:fillRef>
+            <a:effectRef idx="0">
+              <a:schemeClr val="accent1"/>
+            </a:effectRef>
+            <a:fontRef idx="minor">
+              <a:schemeClr val="tx1"/>
+            </a:fontRef>
+          </p:style>
+          <p:txBody>
+            <a:bodyPr rtlCol="0" anchor="ctr"/>
+            <a:lstStyle/>
+            <a:p>
+              <a:pPr algn="ctr"/>
+              <a:endParaRPr lang="en-US"/>
+            </a:p>
+          </p:txBody>
+        </p:sp>
+      </p:grpSp>
     </p:spTree>
   </p:cSld>
   <p:clrMapOvr>

--- a/OLSRv2/docs/OLSRv2 Simulation for MANET first report.pptx
+++ b/OLSRv2/docs/OLSRv2 Simulation for MANET first report.pptx
@@ -8,16 +8,19 @@
     <p:sldId id="256" r:id="rId2"/>
     <p:sldId id="257" r:id="rId3"/>
     <p:sldId id="258" r:id="rId4"/>
-    <p:sldId id="259" r:id="rId5"/>
-    <p:sldId id="260" r:id="rId6"/>
-    <p:sldId id="261" r:id="rId7"/>
-    <p:sldId id="262" r:id="rId8"/>
-    <p:sldId id="263" r:id="rId9"/>
-    <p:sldId id="264" r:id="rId10"/>
-    <p:sldId id="265" r:id="rId11"/>
-    <p:sldId id="266" r:id="rId12"/>
-    <p:sldId id="267" r:id="rId13"/>
-    <p:sldId id="268" r:id="rId14"/>
+    <p:sldId id="269" r:id="rId5"/>
+    <p:sldId id="270" r:id="rId6"/>
+    <p:sldId id="271" r:id="rId7"/>
+    <p:sldId id="259" r:id="rId8"/>
+    <p:sldId id="260" r:id="rId9"/>
+    <p:sldId id="261" r:id="rId10"/>
+    <p:sldId id="262" r:id="rId11"/>
+    <p:sldId id="263" r:id="rId12"/>
+    <p:sldId id="264" r:id="rId13"/>
+    <p:sldId id="265" r:id="rId14"/>
+    <p:sldId id="266" r:id="rId15"/>
+    <p:sldId id="267" r:id="rId16"/>
+    <p:sldId id="268" r:id="rId17"/>
   </p:sldIdLst>
   <p:sldSz cx="9144000" cy="6858000" type="screen4x3"/>
   <p:notesSz cx="6858000" cy="9144000"/>
@@ -117,6 +120,190 @@
     </a:lvl9pPr>
   </p:defaultTextStyle>
 </p:presentation>
+</file>
+
+<file path=ppt/charts/chart1.xml><?xml version="1.0" encoding="utf-8"?>
+<c:chartSpace xmlns:c="http://schemas.openxmlformats.org/drawingml/2006/chart" xmlns:a="http://schemas.openxmlformats.org/drawingml/2006/main" xmlns:r="http://schemas.openxmlformats.org/officeDocument/2006/relationships">
+  <c:lang val="he-IL"/>
+  <c:style val="6"/>
+  <c:chart>
+    <c:plotArea>
+      <c:layout/>
+      <c:scatterChart>
+        <c:scatterStyle val="smoothMarker"/>
+        <c:ser>
+          <c:idx val="0"/>
+          <c:order val="0"/>
+          <c:tx>
+            <c:strRef>
+              <c:f>Sheet1!$B$1</c:f>
+              <c:strCache>
+                <c:ptCount val="1"/>
+                <c:pt idx="0">
+                  <c:v>Naïve</c:v>
+                </c:pt>
+              </c:strCache>
+            </c:strRef>
+          </c:tx>
+          <c:spPr>
+            <a:ln>
+              <a:solidFill>
+                <a:srgbClr val="C00000"/>
+              </a:solidFill>
+            </a:ln>
+          </c:spPr>
+          <c:marker>
+            <c:symbol val="none"/>
+          </c:marker>
+          <c:xVal>
+            <c:numRef>
+              <c:f>Sheet1!$A$2:$A$4</c:f>
+              <c:numCache>
+                <c:formatCode>General</c:formatCode>
+                <c:ptCount val="3"/>
+                <c:pt idx="0">
+                  <c:v>10</c:v>
+                </c:pt>
+                <c:pt idx="1">
+                  <c:v>100</c:v>
+                </c:pt>
+                <c:pt idx="2">
+                  <c:v>1000</c:v>
+                </c:pt>
+              </c:numCache>
+            </c:numRef>
+          </c:xVal>
+          <c:yVal>
+            <c:numRef>
+              <c:f>Sheet1!$B$2:$B$4</c:f>
+              <c:numCache>
+                <c:formatCode>General</c:formatCode>
+                <c:ptCount val="3"/>
+                <c:pt idx="0">
+                  <c:v>0.1</c:v>
+                </c:pt>
+                <c:pt idx="1">
+                  <c:v>0.2</c:v>
+                </c:pt>
+                <c:pt idx="2">
+                  <c:v>0.25</c:v>
+                </c:pt>
+              </c:numCache>
+            </c:numRef>
+          </c:yVal>
+          <c:smooth val="1"/>
+        </c:ser>
+        <c:ser>
+          <c:idx val="1"/>
+          <c:order val="1"/>
+          <c:tx>
+            <c:strRef>
+              <c:f>Sheet1!$C$1</c:f>
+              <c:strCache>
+                <c:ptCount val="1"/>
+                <c:pt idx="0">
+                  <c:v>OLSR</c:v>
+                </c:pt>
+              </c:strCache>
+            </c:strRef>
+          </c:tx>
+          <c:spPr>
+            <a:ln>
+              <a:solidFill>
+                <a:schemeClr val="accent3">
+                  <a:lumMod val="50000"/>
+                </a:schemeClr>
+              </a:solidFill>
+            </a:ln>
+          </c:spPr>
+          <c:marker>
+            <c:symbol val="none"/>
+          </c:marker>
+          <c:xVal>
+            <c:numRef>
+              <c:f>Sheet1!$A$2:$A$4</c:f>
+              <c:numCache>
+                <c:formatCode>General</c:formatCode>
+                <c:ptCount val="3"/>
+                <c:pt idx="0">
+                  <c:v>10</c:v>
+                </c:pt>
+                <c:pt idx="1">
+                  <c:v>100</c:v>
+                </c:pt>
+                <c:pt idx="2">
+                  <c:v>1000</c:v>
+                </c:pt>
+              </c:numCache>
+            </c:numRef>
+          </c:xVal>
+          <c:yVal>
+            <c:numRef>
+              <c:f>Sheet1!$C$2:$C$4</c:f>
+              <c:numCache>
+                <c:formatCode>General</c:formatCode>
+                <c:ptCount val="3"/>
+                <c:pt idx="0">
+                  <c:v>0.1</c:v>
+                </c:pt>
+                <c:pt idx="1">
+                  <c:v>0.3</c:v>
+                </c:pt>
+                <c:pt idx="2">
+                  <c:v>0.5</c:v>
+                </c:pt>
+              </c:numCache>
+            </c:numRef>
+          </c:yVal>
+          <c:smooth val="1"/>
+        </c:ser>
+        <c:axId val="82394112"/>
+        <c:axId val="82392576"/>
+      </c:scatterChart>
+      <c:valAx>
+        <c:axId val="82394112"/>
+        <c:scaling>
+          <c:orientation val="minMax"/>
+        </c:scaling>
+        <c:axPos val="b"/>
+        <c:numFmt formatCode="General" sourceLinked="1"/>
+        <c:tickLblPos val="nextTo"/>
+        <c:crossAx val="82392576"/>
+        <c:crosses val="autoZero"/>
+        <c:crossBetween val="midCat"/>
+      </c:valAx>
+      <c:valAx>
+        <c:axId val="82392576"/>
+        <c:scaling>
+          <c:orientation val="minMax"/>
+        </c:scaling>
+        <c:axPos val="l"/>
+        <c:majorGridlines/>
+        <c:numFmt formatCode="General" sourceLinked="1"/>
+        <c:tickLblPos val="nextTo"/>
+        <c:crossAx val="82394112"/>
+        <c:crosses val="autoZero"/>
+        <c:crossBetween val="midCat"/>
+      </c:valAx>
+    </c:plotArea>
+    <c:legend>
+      <c:legendPos val="r"/>
+      <c:layout/>
+    </c:legend>
+    <c:plotVisOnly val="1"/>
+  </c:chart>
+  <c:txPr>
+    <a:bodyPr/>
+    <a:lstStyle/>
+    <a:p>
+      <a:pPr>
+        <a:defRPr sz="1800"/>
+      </a:pPr>
+      <a:endParaRPr lang="he-IL"/>
+    </a:p>
+  </c:txPr>
+  <c:externalData r:id="rId1"/>
+</c:chartSpace>
 </file>
 
 <file path=ppt/slideLayouts/slideLayout1.xml><?xml version="1.0" encoding="utf-8"?>
@@ -301,7 +488,7 @@
             <a:fld id="{A68E15C2-E832-4E5A-8BD2-0D7033A14824}" type="datetimeFigureOut">
               <a:rPr lang="he-IL" smtClean="0"/>
               <a:pPr/>
-              <a:t>י"ג/חשון/תש"ע</a:t>
+              <a:t>ט"ו/חשון/תש"ע</a:t>
             </a:fld>
             <a:endParaRPr lang="he-IL"/>
           </a:p>
@@ -468,7 +655,7 @@
             <a:fld id="{A68E15C2-E832-4E5A-8BD2-0D7033A14824}" type="datetimeFigureOut">
               <a:rPr lang="he-IL" smtClean="0"/>
               <a:pPr/>
-              <a:t>י"ג/חשון/תש"ע</a:t>
+              <a:t>ט"ו/חשון/תש"ע</a:t>
             </a:fld>
             <a:endParaRPr lang="he-IL"/>
           </a:p>
@@ -645,7 +832,7 @@
             <a:fld id="{A68E15C2-E832-4E5A-8BD2-0D7033A14824}" type="datetimeFigureOut">
               <a:rPr lang="he-IL" smtClean="0"/>
               <a:pPr/>
-              <a:t>י"ג/חשון/תש"ע</a:t>
+              <a:t>ט"ו/חשון/תש"ע</a:t>
             </a:fld>
             <a:endParaRPr lang="he-IL"/>
           </a:p>
@@ -812,7 +999,7 @@
             <a:fld id="{A68E15C2-E832-4E5A-8BD2-0D7033A14824}" type="datetimeFigureOut">
               <a:rPr lang="he-IL" smtClean="0"/>
               <a:pPr/>
-              <a:t>י"ג/חשון/תש"ע</a:t>
+              <a:t>ט"ו/חשון/תש"ע</a:t>
             </a:fld>
             <a:endParaRPr lang="he-IL"/>
           </a:p>
@@ -1055,7 +1242,7 @@
             <a:fld id="{A68E15C2-E832-4E5A-8BD2-0D7033A14824}" type="datetimeFigureOut">
               <a:rPr lang="he-IL" smtClean="0"/>
               <a:pPr/>
-              <a:t>י"ג/חשון/תש"ע</a:t>
+              <a:t>ט"ו/חשון/תש"ע</a:t>
             </a:fld>
             <a:endParaRPr lang="he-IL"/>
           </a:p>
@@ -1340,7 +1527,7 @@
             <a:fld id="{A68E15C2-E832-4E5A-8BD2-0D7033A14824}" type="datetimeFigureOut">
               <a:rPr lang="he-IL" smtClean="0"/>
               <a:pPr/>
-              <a:t>י"ג/חשון/תש"ע</a:t>
+              <a:t>ט"ו/חשון/תש"ע</a:t>
             </a:fld>
             <a:endParaRPr lang="he-IL"/>
           </a:p>
@@ -1759,7 +1946,7 @@
             <a:fld id="{A68E15C2-E832-4E5A-8BD2-0D7033A14824}" type="datetimeFigureOut">
               <a:rPr lang="he-IL" smtClean="0"/>
               <a:pPr/>
-              <a:t>י"ג/חשון/תש"ע</a:t>
+              <a:t>ט"ו/חשון/תש"ע</a:t>
             </a:fld>
             <a:endParaRPr lang="he-IL"/>
           </a:p>
@@ -1874,7 +2061,7 @@
             <a:fld id="{A68E15C2-E832-4E5A-8BD2-0D7033A14824}" type="datetimeFigureOut">
               <a:rPr lang="he-IL" smtClean="0"/>
               <a:pPr/>
-              <a:t>י"ג/חשון/תש"ע</a:t>
+              <a:t>ט"ו/חשון/תש"ע</a:t>
             </a:fld>
             <a:endParaRPr lang="he-IL"/>
           </a:p>
@@ -1966,7 +2153,7 @@
             <a:fld id="{A68E15C2-E832-4E5A-8BD2-0D7033A14824}" type="datetimeFigureOut">
               <a:rPr lang="he-IL" smtClean="0"/>
               <a:pPr/>
-              <a:t>י"ג/חשון/תש"ע</a:t>
+              <a:t>ט"ו/חשון/תש"ע</a:t>
             </a:fld>
             <a:endParaRPr lang="he-IL"/>
           </a:p>
@@ -2240,7 +2427,7 @@
             <a:fld id="{A68E15C2-E832-4E5A-8BD2-0D7033A14824}" type="datetimeFigureOut">
               <a:rPr lang="he-IL" smtClean="0"/>
               <a:pPr/>
-              <a:t>י"ג/חשון/תש"ע</a:t>
+              <a:t>ט"ו/חשון/תש"ע</a:t>
             </a:fld>
             <a:endParaRPr lang="he-IL"/>
           </a:p>
@@ -2490,7 +2677,7 @@
             <a:fld id="{A68E15C2-E832-4E5A-8BD2-0D7033A14824}" type="datetimeFigureOut">
               <a:rPr lang="he-IL" smtClean="0"/>
               <a:pPr/>
-              <a:t>י"ג/חשון/תש"ע</a:t>
+              <a:t>ט"ו/חשון/תש"ע</a:t>
             </a:fld>
             <a:endParaRPr lang="he-IL"/>
           </a:p>
@@ -2700,7 +2887,7 @@
             <a:fld id="{A68E15C2-E832-4E5A-8BD2-0D7033A14824}" type="datetimeFigureOut">
               <a:rPr lang="he-IL" smtClean="0"/>
               <a:pPr/>
-              <a:t>י"ג/חשון/תש"ע</a:t>
+              <a:t>ט"ו/חשון/תש"ע</a:t>
             </a:fld>
             <a:endParaRPr lang="he-IL"/>
           </a:p>
@@ -3212,1034 +3399,6 @@
           <a:p>
             <a:r>
               <a:rPr lang="en-US" dirty="0" smtClean="0"/>
-              <a:t>Fields of Expansion</a:t>
-            </a:r>
-            <a:endParaRPr lang="he-IL" dirty="0"/>
-          </a:p>
-        </p:txBody>
-      </p:sp>
-      <p:sp>
-        <p:nvSpPr>
-          <p:cNvPr id="3" name="מציין מיקום תוכן 2"/>
-          <p:cNvSpPr>
-            <a:spLocks noGrp="1"/>
-          </p:cNvSpPr>
-          <p:nvPr>
-            <p:ph idx="1"/>
-          </p:nvPr>
-        </p:nvSpPr>
-        <p:spPr/>
-        <p:txBody>
-          <a:bodyPr/>
-          <a:lstStyle/>
-          <a:p>
-            <a:pPr algn="l" rtl="0"/>
-            <a:r>
-              <a:rPr lang="en-US" dirty="0" smtClean="0"/>
-              <a:t>Topology Mobility</a:t>
-            </a:r>
-          </a:p>
-          <a:p>
-            <a:pPr algn="l" rtl="0"/>
-            <a:r>
-              <a:rPr lang="en-US" dirty="0" smtClean="0"/>
-              <a:t>Secondary MPR sets</a:t>
-            </a:r>
-          </a:p>
-          <a:p>
-            <a:pPr algn="l" rtl="0"/>
-            <a:r>
-              <a:rPr lang="en-US" dirty="0" smtClean="0"/>
-              <a:t>Connection quality (Topology constrains)</a:t>
-            </a:r>
-            <a:endParaRPr lang="he-IL" dirty="0"/>
-          </a:p>
-        </p:txBody>
-      </p:sp>
-    </p:spTree>
-  </p:cSld>
-  <p:clrMapOvr>
-    <a:masterClrMapping/>
-  </p:clrMapOvr>
-  <p:timing>
-    <p:tnLst>
-      <p:par>
-        <p:cTn id="1" dur="indefinite" restart="never" nodeType="tmRoot"/>
-      </p:par>
-    </p:tnLst>
-  </p:timing>
-</p:sld>
-</file>
-
-<file path=ppt/slides/slide11.xml><?xml version="1.0" encoding="utf-8"?>
-<p:sld xmlns:a="http://schemas.openxmlformats.org/drawingml/2006/main" xmlns:r="http://schemas.openxmlformats.org/officeDocument/2006/relationships" xmlns:p="http://schemas.openxmlformats.org/presentationml/2006/main">
-  <p:cSld>
-    <p:spTree>
-      <p:nvGrpSpPr>
-        <p:cNvPr id="1" name=""/>
-        <p:cNvGrpSpPr/>
-        <p:nvPr/>
-      </p:nvGrpSpPr>
-      <p:grpSpPr>
-        <a:xfrm>
-          <a:off x="0" y="0"/>
-          <a:ext cx="0" cy="0"/>
-          <a:chOff x="0" y="0"/>
-          <a:chExt cx="0" cy="0"/>
-        </a:xfrm>
-      </p:grpSpPr>
-      <p:sp>
-        <p:nvSpPr>
-          <p:cNvPr id="2" name="כותרת 1"/>
-          <p:cNvSpPr>
-            <a:spLocks noGrp="1"/>
-          </p:cNvSpPr>
-          <p:nvPr>
-            <p:ph type="title"/>
-          </p:nvPr>
-        </p:nvSpPr>
-        <p:spPr/>
-        <p:txBody>
-          <a:bodyPr/>
-          <a:lstStyle/>
-          <a:p>
-            <a:r>
-              <a:rPr lang="en-US" dirty="0" smtClean="0"/>
-              <a:t>Schedule</a:t>
-            </a:r>
-            <a:endParaRPr lang="he-IL" dirty="0"/>
-          </a:p>
-        </p:txBody>
-      </p:sp>
-      <p:sp>
-        <p:nvSpPr>
-          <p:cNvPr id="3" name="מציין מיקום תוכן 2"/>
-          <p:cNvSpPr>
-            <a:spLocks noGrp="1"/>
-          </p:cNvSpPr>
-          <p:nvPr>
-            <p:ph idx="1"/>
-          </p:nvPr>
-        </p:nvSpPr>
-        <p:spPr/>
-        <p:txBody>
-          <a:bodyPr/>
-          <a:lstStyle/>
-          <a:p>
-            <a:pPr algn="l" rtl="0"/>
-            <a:r>
-              <a:rPr lang="en-US" dirty="0" smtClean="0"/>
-              <a:t>18.11.2009 – First Report Submission</a:t>
-            </a:r>
-          </a:p>
-          <a:p>
-            <a:pPr algn="l" rtl="0"/>
-            <a:r>
-              <a:rPr lang="en-US" dirty="0" smtClean="0"/>
-              <a:t>25.11.2009 – First Report Feedback</a:t>
-            </a:r>
-          </a:p>
-          <a:p>
-            <a:pPr algn="l" rtl="0"/>
-            <a:r>
-              <a:rPr lang="en-US" dirty="0" smtClean="0"/>
-              <a:t>30.12.2009 – Project Review</a:t>
-            </a:r>
-          </a:p>
-          <a:p>
-            <a:pPr algn="l" rtl="0"/>
-            <a:r>
-              <a:rPr lang="en-US" dirty="0" smtClean="0"/>
-              <a:t>15.1.2010 - Project Presentation and Final Report Submission</a:t>
-            </a:r>
-            <a:endParaRPr lang="he-IL" dirty="0"/>
-          </a:p>
-        </p:txBody>
-      </p:sp>
-    </p:spTree>
-  </p:cSld>
-  <p:clrMapOvr>
-    <a:masterClrMapping/>
-  </p:clrMapOvr>
-  <p:timing>
-    <p:tnLst>
-      <p:par>
-        <p:cTn id="1" dur="indefinite" restart="never" nodeType="tmRoot"/>
-      </p:par>
-    </p:tnLst>
-  </p:timing>
-</p:sld>
-</file>
-
-<file path=ppt/slides/slide12.xml><?xml version="1.0" encoding="utf-8"?>
-<p:sld xmlns:a="http://schemas.openxmlformats.org/drawingml/2006/main" xmlns:r="http://schemas.openxmlformats.org/officeDocument/2006/relationships" xmlns:p="http://schemas.openxmlformats.org/presentationml/2006/main">
-  <p:cSld>
-    <p:spTree>
-      <p:nvGrpSpPr>
-        <p:cNvPr id="1" name=""/>
-        <p:cNvGrpSpPr/>
-        <p:nvPr/>
-      </p:nvGrpSpPr>
-      <p:grpSpPr>
-        <a:xfrm>
-          <a:off x="0" y="0"/>
-          <a:ext cx="0" cy="0"/>
-          <a:chOff x="0" y="0"/>
-          <a:chExt cx="0" cy="0"/>
-        </a:xfrm>
-      </p:grpSpPr>
-      <p:sp>
-        <p:nvSpPr>
-          <p:cNvPr id="3" name="מציין מיקום תוכן 2"/>
-          <p:cNvSpPr>
-            <a:spLocks noGrp="1"/>
-          </p:cNvSpPr>
-          <p:nvPr>
-            <p:ph idx="1"/>
-          </p:nvPr>
-        </p:nvSpPr>
-        <p:spPr/>
-        <p:txBody>
-          <a:bodyPr/>
-          <a:lstStyle/>
-          <a:p>
-            <a:pPr algn="ctr">
-              <a:buNone/>
-            </a:pPr>
-            <a:r>
-              <a:rPr lang="en-US" sz="6600" dirty="0" smtClean="0"/>
-              <a:t>Questions </a:t>
-            </a:r>
-          </a:p>
-          <a:p>
-            <a:pPr algn="ctr">
-              <a:buNone/>
-            </a:pPr>
-            <a:r>
-              <a:rPr lang="en-US" sz="6600" dirty="0" smtClean="0"/>
-              <a:t>&amp; </a:t>
-            </a:r>
-          </a:p>
-          <a:p>
-            <a:pPr algn="ctr">
-              <a:buNone/>
-            </a:pPr>
-            <a:r>
-              <a:rPr lang="en-US" sz="6600" dirty="0" smtClean="0"/>
-              <a:t>Open Discussion</a:t>
-            </a:r>
-            <a:endParaRPr lang="he-IL" sz="6600" dirty="0"/>
-          </a:p>
-        </p:txBody>
-      </p:sp>
-    </p:spTree>
-  </p:cSld>
-  <p:clrMapOvr>
-    <a:masterClrMapping/>
-  </p:clrMapOvr>
-  <p:timing>
-    <p:tnLst>
-      <p:par>
-        <p:cTn id="1" dur="indefinite" restart="never" nodeType="tmRoot"/>
-      </p:par>
-    </p:tnLst>
-  </p:timing>
-</p:sld>
-</file>
-
-<file path=ppt/slides/slide13.xml><?xml version="1.0" encoding="utf-8"?>
-<p:sld xmlns:a="http://schemas.openxmlformats.org/drawingml/2006/main" xmlns:r="http://schemas.openxmlformats.org/officeDocument/2006/relationships" xmlns:p="http://schemas.openxmlformats.org/presentationml/2006/main">
-  <p:cSld>
-    <p:spTree>
-      <p:nvGrpSpPr>
-        <p:cNvPr id="1" name=""/>
-        <p:cNvGrpSpPr/>
-        <p:nvPr/>
-      </p:nvGrpSpPr>
-      <p:grpSpPr>
-        <a:xfrm>
-          <a:off x="0" y="0"/>
-          <a:ext cx="0" cy="0"/>
-          <a:chOff x="0" y="0"/>
-          <a:chExt cx="0" cy="0"/>
-        </a:xfrm>
-      </p:grpSpPr>
-      <p:sp>
-        <p:nvSpPr>
-          <p:cNvPr id="3" name="מציין מיקום תוכן 2"/>
-          <p:cNvSpPr>
-            <a:spLocks noGrp="1"/>
-          </p:cNvSpPr>
-          <p:nvPr>
-            <p:ph idx="1"/>
-          </p:nvPr>
-        </p:nvSpPr>
-        <p:spPr/>
-        <p:txBody>
-          <a:bodyPr>
-            <a:normAutofit lnSpcReduction="10000"/>
-          </a:bodyPr>
-          <a:lstStyle/>
-          <a:p>
-            <a:pPr algn="ctr" rtl="0">
-              <a:buNone/>
-            </a:pPr>
-            <a:endParaRPr lang="en-US" dirty="0" smtClean="0"/>
-          </a:p>
-          <a:p>
-            <a:pPr algn="ctr" rtl="0">
-              <a:buNone/>
-            </a:pPr>
-            <a:endParaRPr lang="en-US" dirty="0" smtClean="0"/>
-          </a:p>
-          <a:p>
-            <a:pPr algn="ctr" rtl="0">
-              <a:buNone/>
-            </a:pPr>
-            <a:r>
-              <a:rPr lang="en-US" sz="3600" dirty="0" smtClean="0"/>
-              <a:t>Thank you !</a:t>
-            </a:r>
-          </a:p>
-          <a:p>
-            <a:pPr algn="ctr" rtl="0">
-              <a:buNone/>
-            </a:pPr>
-            <a:endParaRPr lang="en-US" dirty="0"/>
-          </a:p>
-          <a:p>
-            <a:pPr algn="ctr" rtl="0">
-              <a:buNone/>
-            </a:pPr>
-            <a:endParaRPr lang="en-US" dirty="0" smtClean="0"/>
-          </a:p>
-          <a:p>
-            <a:pPr algn="ctr" rtl="0">
-              <a:buNone/>
-            </a:pPr>
-            <a:endParaRPr lang="en-US" dirty="0" smtClean="0"/>
-          </a:p>
-          <a:p>
-            <a:pPr rtl="0">
-              <a:buNone/>
-            </a:pPr>
-            <a:r>
-              <a:rPr lang="en-US" sz="2400" dirty="0" err="1" smtClean="0"/>
-              <a:t>Assaf</a:t>
-            </a:r>
-            <a:r>
-              <a:rPr lang="en-US" sz="2400" dirty="0" smtClean="0"/>
-              <a:t> Israel</a:t>
-            </a:r>
-          </a:p>
-          <a:p>
-            <a:pPr rtl="0">
-              <a:buNone/>
-            </a:pPr>
-            <a:r>
-              <a:rPr lang="en-US" sz="2400" dirty="0" smtClean="0"/>
-              <a:t>Eli </a:t>
-            </a:r>
-            <a:r>
-              <a:rPr lang="en-US" sz="2400" dirty="0" err="1" smtClean="0"/>
-              <a:t>Nazarov</a:t>
-            </a:r>
-            <a:endParaRPr lang="en-US" sz="2400" dirty="0" smtClean="0"/>
-          </a:p>
-          <a:p>
-            <a:pPr rtl="0">
-              <a:buNone/>
-            </a:pPr>
-            <a:r>
-              <a:rPr lang="en-US" sz="2400" dirty="0" err="1" smtClean="0"/>
-              <a:t>Asi</a:t>
-            </a:r>
-            <a:r>
-              <a:rPr lang="en-US" sz="2400" dirty="0" smtClean="0"/>
-              <a:t> </a:t>
-            </a:r>
-            <a:r>
-              <a:rPr lang="en-US" sz="2400" dirty="0" err="1" smtClean="0"/>
-              <a:t>Bross</a:t>
-            </a:r>
-            <a:endParaRPr lang="he-IL" sz="2400" dirty="0"/>
-          </a:p>
-        </p:txBody>
-      </p:sp>
-    </p:spTree>
-  </p:cSld>
-  <p:clrMapOvr>
-    <a:masterClrMapping/>
-  </p:clrMapOvr>
-  <p:timing>
-    <p:tnLst>
-      <p:par>
-        <p:cTn id="1" dur="indefinite" restart="never" nodeType="tmRoot"/>
-      </p:par>
-    </p:tnLst>
-  </p:timing>
-</p:sld>
-</file>
-
-<file path=ppt/slides/slide2.xml><?xml version="1.0" encoding="utf-8"?>
-<p:sld xmlns:a="http://schemas.openxmlformats.org/drawingml/2006/main" xmlns:r="http://schemas.openxmlformats.org/officeDocument/2006/relationships" xmlns:p="http://schemas.openxmlformats.org/presentationml/2006/main">
-  <p:cSld>
-    <p:spTree>
-      <p:nvGrpSpPr>
-        <p:cNvPr id="1" name=""/>
-        <p:cNvGrpSpPr/>
-        <p:nvPr/>
-      </p:nvGrpSpPr>
-      <p:grpSpPr>
-        <a:xfrm>
-          <a:off x="0" y="0"/>
-          <a:ext cx="0" cy="0"/>
-          <a:chOff x="0" y="0"/>
-          <a:chExt cx="0" cy="0"/>
-        </a:xfrm>
-      </p:grpSpPr>
-      <p:sp>
-        <p:nvSpPr>
-          <p:cNvPr id="2" name="כותרת 1"/>
-          <p:cNvSpPr>
-            <a:spLocks noGrp="1"/>
-          </p:cNvSpPr>
-          <p:nvPr>
-            <p:ph type="title"/>
-          </p:nvPr>
-        </p:nvSpPr>
-        <p:spPr/>
-        <p:txBody>
-          <a:bodyPr>
-            <a:normAutofit/>
-          </a:bodyPr>
-          <a:lstStyle/>
-          <a:p>
-            <a:pPr rtl="0"/>
-            <a:r>
-              <a:rPr lang="en-US" dirty="0" smtClean="0"/>
-              <a:t>Agenda</a:t>
-            </a:r>
-            <a:endParaRPr lang="he-IL" dirty="0"/>
-          </a:p>
-        </p:txBody>
-      </p:sp>
-      <p:sp>
-        <p:nvSpPr>
-          <p:cNvPr id="3" name="מציין מיקום תוכן 2"/>
-          <p:cNvSpPr>
-            <a:spLocks noGrp="1"/>
-          </p:cNvSpPr>
-          <p:nvPr>
-            <p:ph idx="1"/>
-          </p:nvPr>
-        </p:nvSpPr>
-        <p:spPr/>
-        <p:txBody>
-          <a:bodyPr/>
-          <a:lstStyle/>
-          <a:p>
-            <a:pPr algn="l" rtl="0"/>
-            <a:r>
-              <a:rPr lang="en-US" dirty="0" smtClean="0"/>
-              <a:t>Project Description</a:t>
-            </a:r>
-          </a:p>
-          <a:p>
-            <a:pPr algn="l" rtl="0"/>
-            <a:r>
-              <a:rPr lang="en-US" dirty="0" smtClean="0"/>
-              <a:t>The first report</a:t>
-            </a:r>
-          </a:p>
-          <a:p>
-            <a:pPr algn="l" rtl="0"/>
-            <a:r>
-              <a:rPr lang="en-US" b="1" dirty="0" smtClean="0"/>
-              <a:t>O</a:t>
-            </a:r>
-            <a:r>
-              <a:rPr lang="en-US" dirty="0" smtClean="0"/>
-              <a:t>ptimized </a:t>
-            </a:r>
-            <a:r>
-              <a:rPr lang="en-US" b="1" dirty="0" smtClean="0"/>
-              <a:t>L</a:t>
-            </a:r>
-            <a:r>
-              <a:rPr lang="en-US" dirty="0" smtClean="0"/>
-              <a:t>ink </a:t>
-            </a:r>
-            <a:r>
-              <a:rPr lang="en-US" b="1" dirty="0" smtClean="0"/>
-              <a:t>S</a:t>
-            </a:r>
-            <a:r>
-              <a:rPr lang="en-US" dirty="0" smtClean="0"/>
-              <a:t>tate </a:t>
-            </a:r>
-            <a:r>
-              <a:rPr lang="en-US" b="1" dirty="0" smtClean="0"/>
-              <a:t>R</a:t>
-            </a:r>
-            <a:r>
-              <a:rPr lang="en-US" dirty="0" smtClean="0"/>
-              <a:t>outing Protocol Ver. 2</a:t>
-            </a:r>
-          </a:p>
-          <a:p>
-            <a:pPr algn="l" rtl="0"/>
-            <a:r>
-              <a:rPr lang="en-US" dirty="0" smtClean="0"/>
-              <a:t>Main modules</a:t>
-            </a:r>
-          </a:p>
-          <a:p>
-            <a:pPr algn="l" rtl="0"/>
-            <a:r>
-              <a:rPr lang="en-US" dirty="0" smtClean="0"/>
-              <a:t>Fields of expansion</a:t>
-            </a:r>
-          </a:p>
-          <a:p>
-            <a:pPr algn="l" rtl="0"/>
-            <a:r>
-              <a:rPr lang="en-US" dirty="0" smtClean="0"/>
-              <a:t>Schedule</a:t>
-            </a:r>
-          </a:p>
-          <a:p>
-            <a:pPr algn="l" rtl="0"/>
-            <a:r>
-              <a:rPr lang="en-US" dirty="0" smtClean="0"/>
-              <a:t>Questions and open discussion</a:t>
-            </a:r>
-            <a:endParaRPr lang="he-IL" dirty="0"/>
-          </a:p>
-        </p:txBody>
-      </p:sp>
-    </p:spTree>
-  </p:cSld>
-  <p:clrMapOvr>
-    <a:masterClrMapping/>
-  </p:clrMapOvr>
-  <p:timing>
-    <p:tnLst>
-      <p:par>
-        <p:cTn id="1" dur="indefinite" restart="never" nodeType="tmRoot"/>
-      </p:par>
-    </p:tnLst>
-  </p:timing>
-</p:sld>
-</file>
-
-<file path=ppt/slides/slide3.xml><?xml version="1.0" encoding="utf-8"?>
-<p:sld xmlns:a="http://schemas.openxmlformats.org/drawingml/2006/main" xmlns:r="http://schemas.openxmlformats.org/officeDocument/2006/relationships" xmlns:p="http://schemas.openxmlformats.org/presentationml/2006/main">
-  <p:cSld>
-    <p:spTree>
-      <p:nvGrpSpPr>
-        <p:cNvPr id="1" name=""/>
-        <p:cNvGrpSpPr/>
-        <p:nvPr/>
-      </p:nvGrpSpPr>
-      <p:grpSpPr>
-        <a:xfrm>
-          <a:off x="0" y="0"/>
-          <a:ext cx="0" cy="0"/>
-          <a:chOff x="0" y="0"/>
-          <a:chExt cx="0" cy="0"/>
-        </a:xfrm>
-      </p:grpSpPr>
-      <p:sp>
-        <p:nvSpPr>
-          <p:cNvPr id="2" name="כותרת 1"/>
-          <p:cNvSpPr>
-            <a:spLocks noGrp="1"/>
-          </p:cNvSpPr>
-          <p:nvPr>
-            <p:ph type="title"/>
-          </p:nvPr>
-        </p:nvSpPr>
-        <p:spPr/>
-        <p:txBody>
-          <a:bodyPr/>
-          <a:lstStyle/>
-          <a:p>
-            <a:r>
-              <a:rPr lang="en-US" dirty="0" smtClean="0"/>
-              <a:t>Project Description</a:t>
-            </a:r>
-            <a:endParaRPr lang="he-IL" dirty="0"/>
-          </a:p>
-        </p:txBody>
-      </p:sp>
-      <p:sp>
-        <p:nvSpPr>
-          <p:cNvPr id="3" name="מציין מיקום תוכן 2"/>
-          <p:cNvSpPr>
-            <a:spLocks noGrp="1"/>
-          </p:cNvSpPr>
-          <p:nvPr>
-            <p:ph idx="1"/>
-          </p:nvPr>
-        </p:nvSpPr>
-        <p:spPr/>
-        <p:txBody>
-          <a:bodyPr/>
-          <a:lstStyle/>
-          <a:p>
-            <a:pPr algn="l" rtl="0"/>
-            <a:r>
-              <a:rPr lang="en-US" dirty="0" smtClean="0"/>
-              <a:t>Simulating MANET environment implementing OLSRv2 protocol</a:t>
-            </a:r>
-          </a:p>
-          <a:p>
-            <a:pPr algn="l" rtl="0"/>
-            <a:r>
-              <a:rPr lang="en-US" dirty="0" smtClean="0"/>
-              <a:t>Event Driven Simulator</a:t>
-            </a:r>
-          </a:p>
-          <a:p>
-            <a:pPr algn="l" rtl="0"/>
-            <a:r>
-              <a:rPr lang="en-US" dirty="0" smtClean="0"/>
-              <a:t>Special interest at different Topology layouts</a:t>
-            </a:r>
-          </a:p>
-          <a:p>
-            <a:pPr algn="l" rtl="0"/>
-            <a:r>
-              <a:rPr lang="en-US" dirty="0" smtClean="0"/>
-              <a:t>Output:</a:t>
-            </a:r>
-          </a:p>
-          <a:p>
-            <a:pPr lvl="1" algn="l" rtl="0"/>
-            <a:r>
-              <a:rPr lang="en-US" dirty="0" smtClean="0"/>
-              <a:t>Network’s throughput</a:t>
-            </a:r>
-          </a:p>
-          <a:p>
-            <a:pPr lvl="1" algn="l" rtl="0"/>
-            <a:r>
-              <a:rPr lang="en-US" dirty="0" smtClean="0"/>
-              <a:t>Average of hops per data packet</a:t>
-            </a:r>
-          </a:p>
-          <a:p>
-            <a:pPr algn="l" rtl="0"/>
-            <a:endParaRPr lang="he-IL" dirty="0"/>
-          </a:p>
-        </p:txBody>
-      </p:sp>
-    </p:spTree>
-  </p:cSld>
-  <p:clrMapOvr>
-    <a:masterClrMapping/>
-  </p:clrMapOvr>
-</p:sld>
-</file>
-
-<file path=ppt/slides/slide4.xml><?xml version="1.0" encoding="utf-8"?>
-<p:sld xmlns:a="http://schemas.openxmlformats.org/drawingml/2006/main" xmlns:r="http://schemas.openxmlformats.org/officeDocument/2006/relationships" xmlns:p="http://schemas.openxmlformats.org/presentationml/2006/main">
-  <p:cSld>
-    <p:spTree>
-      <p:nvGrpSpPr>
-        <p:cNvPr id="1" name=""/>
-        <p:cNvGrpSpPr/>
-        <p:nvPr/>
-      </p:nvGrpSpPr>
-      <p:grpSpPr>
-        <a:xfrm>
-          <a:off x="0" y="0"/>
-          <a:ext cx="0" cy="0"/>
-          <a:chOff x="0" y="0"/>
-          <a:chExt cx="0" cy="0"/>
-        </a:xfrm>
-      </p:grpSpPr>
-      <p:sp>
-        <p:nvSpPr>
-          <p:cNvPr id="2" name="כותרת 1"/>
-          <p:cNvSpPr>
-            <a:spLocks noGrp="1"/>
-          </p:cNvSpPr>
-          <p:nvPr>
-            <p:ph type="title"/>
-          </p:nvPr>
-        </p:nvSpPr>
-        <p:spPr/>
-        <p:txBody>
-          <a:bodyPr/>
-          <a:lstStyle/>
-          <a:p>
-            <a:r>
-              <a:rPr lang="en-US" dirty="0" smtClean="0"/>
-              <a:t>Project Description</a:t>
-            </a:r>
-            <a:endParaRPr lang="he-IL" dirty="0"/>
-          </a:p>
-        </p:txBody>
-      </p:sp>
-      <p:sp>
-        <p:nvSpPr>
-          <p:cNvPr id="3" name="מציין מיקום תוכן 2"/>
-          <p:cNvSpPr>
-            <a:spLocks noGrp="1"/>
-          </p:cNvSpPr>
-          <p:nvPr>
-            <p:ph idx="1"/>
-          </p:nvPr>
-        </p:nvSpPr>
-        <p:spPr/>
-        <p:txBody>
-          <a:bodyPr/>
-          <a:lstStyle/>
-          <a:p>
-            <a:pPr algn="l" rtl="0"/>
-            <a:r>
-              <a:rPr lang="en-US" dirty="0" smtClean="0"/>
-              <a:t>Project Output:</a:t>
-            </a:r>
-          </a:p>
-          <a:p>
-            <a:pPr lvl="1" algn="l" rtl="0"/>
-            <a:r>
-              <a:rPr lang="en-US" dirty="0" smtClean="0"/>
-              <a:t>Throughput comparison between number of different Topology layouts</a:t>
-            </a:r>
-          </a:p>
-          <a:p>
-            <a:pPr lvl="1" algn="l" rtl="0"/>
-            <a:r>
-              <a:rPr lang="en-US" dirty="0" smtClean="0"/>
-              <a:t>Throughput comparison between different MPR sets selection (minimal Vs maximal)</a:t>
-            </a:r>
-          </a:p>
-          <a:p>
-            <a:pPr lvl="1" algn="l" rtl="0"/>
-            <a:r>
-              <a:rPr lang="en-US" dirty="0" smtClean="0"/>
-              <a:t>Scalability</a:t>
-            </a:r>
-          </a:p>
-          <a:p>
-            <a:pPr lvl="1" algn="l" rtl="0"/>
-            <a:r>
-              <a:rPr lang="en-US" dirty="0" smtClean="0"/>
-              <a:t>Network reliability</a:t>
-            </a:r>
-            <a:endParaRPr lang="he-IL" dirty="0"/>
-          </a:p>
-        </p:txBody>
-      </p:sp>
-    </p:spTree>
-  </p:cSld>
-  <p:clrMapOvr>
-    <a:masterClrMapping/>
-  </p:clrMapOvr>
-</p:sld>
-</file>
-
-<file path=ppt/slides/slide5.xml><?xml version="1.0" encoding="utf-8"?>
-<p:sld xmlns:a="http://schemas.openxmlformats.org/drawingml/2006/main" xmlns:r="http://schemas.openxmlformats.org/officeDocument/2006/relationships" xmlns:p="http://schemas.openxmlformats.org/presentationml/2006/main">
-  <p:cSld>
-    <p:spTree>
-      <p:nvGrpSpPr>
-        <p:cNvPr id="1" name=""/>
-        <p:cNvGrpSpPr/>
-        <p:nvPr/>
-      </p:nvGrpSpPr>
-      <p:grpSpPr>
-        <a:xfrm>
-          <a:off x="0" y="0"/>
-          <a:ext cx="0" cy="0"/>
-          <a:chOff x="0" y="0"/>
-          <a:chExt cx="0" cy="0"/>
-        </a:xfrm>
-      </p:grpSpPr>
-      <p:sp>
-        <p:nvSpPr>
-          <p:cNvPr id="2" name="כותרת 1"/>
-          <p:cNvSpPr>
-            <a:spLocks noGrp="1"/>
-          </p:cNvSpPr>
-          <p:nvPr>
-            <p:ph type="title"/>
-          </p:nvPr>
-        </p:nvSpPr>
-        <p:spPr/>
-        <p:txBody>
-          <a:bodyPr/>
-          <a:lstStyle/>
-          <a:p>
-            <a:r>
-              <a:rPr lang="en-US" dirty="0" smtClean="0"/>
-              <a:t>The First Report</a:t>
-            </a:r>
-            <a:endParaRPr lang="he-IL" dirty="0"/>
-          </a:p>
-        </p:txBody>
-      </p:sp>
-      <p:sp>
-        <p:nvSpPr>
-          <p:cNvPr id="3" name="מציין מיקום תוכן 2"/>
-          <p:cNvSpPr>
-            <a:spLocks noGrp="1"/>
-          </p:cNvSpPr>
-          <p:nvPr>
-            <p:ph idx="1"/>
-          </p:nvPr>
-        </p:nvSpPr>
-        <p:spPr/>
-        <p:txBody>
-          <a:bodyPr/>
-          <a:lstStyle/>
-          <a:p>
-            <a:pPr algn="l" rtl="0"/>
-            <a:r>
-              <a:rPr lang="en-US" dirty="0" smtClean="0"/>
-              <a:t>Introduction</a:t>
-            </a:r>
-          </a:p>
-          <a:p>
-            <a:pPr lvl="1" algn="l" rtl="0"/>
-            <a:r>
-              <a:rPr lang="en-US" dirty="0" smtClean="0"/>
-              <a:t>NHDP</a:t>
-            </a:r>
-          </a:p>
-          <a:p>
-            <a:pPr lvl="1" algn="l" rtl="0"/>
-            <a:r>
-              <a:rPr lang="en-US" dirty="0" smtClean="0"/>
-              <a:t>OLSRv2</a:t>
-            </a:r>
-          </a:p>
-          <a:p>
-            <a:pPr algn="l" rtl="0"/>
-            <a:r>
-              <a:rPr lang="en-US" dirty="0" smtClean="0"/>
-              <a:t>Project Description</a:t>
-            </a:r>
-          </a:p>
-          <a:p>
-            <a:pPr lvl="1" algn="l" rtl="0"/>
-            <a:r>
-              <a:rPr lang="en-US" dirty="0" smtClean="0"/>
-              <a:t>Goals</a:t>
-            </a:r>
-          </a:p>
-          <a:p>
-            <a:pPr lvl="1" algn="l" rtl="0"/>
-            <a:r>
-              <a:rPr lang="en-US" dirty="0" smtClean="0"/>
-              <a:t>Output</a:t>
-            </a:r>
-          </a:p>
-          <a:p>
-            <a:pPr algn="l" rtl="0"/>
-            <a:r>
-              <a:rPr lang="en-US" dirty="0" smtClean="0"/>
-              <a:t>General Layout</a:t>
-            </a:r>
-          </a:p>
-          <a:p>
-            <a:pPr lvl="1" algn="l" rtl="0"/>
-            <a:endParaRPr lang="en-US" dirty="0" smtClean="0"/>
-          </a:p>
-        </p:txBody>
-      </p:sp>
-    </p:spTree>
-  </p:cSld>
-  <p:clrMapOvr>
-    <a:masterClrMapping/>
-  </p:clrMapOvr>
-  <p:timing>
-    <p:tnLst>
-      <p:par>
-        <p:cTn id="1" dur="indefinite" restart="never" nodeType="tmRoot"/>
-      </p:par>
-    </p:tnLst>
-  </p:timing>
-</p:sld>
-</file>
-
-<file path=ppt/slides/slide6.xml><?xml version="1.0" encoding="utf-8"?>
-<p:sld xmlns:a="http://schemas.openxmlformats.org/drawingml/2006/main" xmlns:r="http://schemas.openxmlformats.org/officeDocument/2006/relationships" xmlns:p="http://schemas.openxmlformats.org/presentationml/2006/main">
-  <p:cSld>
-    <p:spTree>
-      <p:nvGrpSpPr>
-        <p:cNvPr id="1" name=""/>
-        <p:cNvGrpSpPr/>
-        <p:nvPr/>
-      </p:nvGrpSpPr>
-      <p:grpSpPr>
-        <a:xfrm>
-          <a:off x="0" y="0"/>
-          <a:ext cx="0" cy="0"/>
-          <a:chOff x="0" y="0"/>
-          <a:chExt cx="0" cy="0"/>
-        </a:xfrm>
-      </p:grpSpPr>
-      <p:sp>
-        <p:nvSpPr>
-          <p:cNvPr id="2" name="כותרת 1"/>
-          <p:cNvSpPr>
-            <a:spLocks noGrp="1"/>
-          </p:cNvSpPr>
-          <p:nvPr>
-            <p:ph type="title"/>
-          </p:nvPr>
-        </p:nvSpPr>
-        <p:spPr/>
-        <p:txBody>
-          <a:bodyPr/>
-          <a:lstStyle/>
-          <a:p>
-            <a:r>
-              <a:rPr lang="en-US" dirty="0" smtClean="0"/>
-              <a:t>The First Report</a:t>
-            </a:r>
-            <a:endParaRPr lang="he-IL" dirty="0"/>
-          </a:p>
-        </p:txBody>
-      </p:sp>
-      <p:sp>
-        <p:nvSpPr>
-          <p:cNvPr id="3" name="מציין מיקום תוכן 2"/>
-          <p:cNvSpPr>
-            <a:spLocks noGrp="1"/>
-          </p:cNvSpPr>
-          <p:nvPr>
-            <p:ph idx="1"/>
-          </p:nvPr>
-        </p:nvSpPr>
-        <p:spPr/>
-        <p:txBody>
-          <a:bodyPr/>
-          <a:lstStyle/>
-          <a:p>
-            <a:pPr algn="l" rtl="0"/>
-            <a:r>
-              <a:rPr lang="en-US" dirty="0" smtClean="0"/>
-              <a:t>Main Modules</a:t>
-            </a:r>
-          </a:p>
-          <a:p>
-            <a:pPr algn="l" rtl="0"/>
-            <a:r>
-              <a:rPr lang="en-US" dirty="0" smtClean="0"/>
-              <a:t>Main Algorithms</a:t>
-            </a:r>
-          </a:p>
-          <a:p>
-            <a:pPr lvl="1" algn="l" rtl="0"/>
-            <a:r>
-              <a:rPr lang="en-US" dirty="0" smtClean="0"/>
-              <a:t>Event generation and manipulation</a:t>
-            </a:r>
-          </a:p>
-          <a:p>
-            <a:pPr lvl="1" algn="l" rtl="0"/>
-            <a:r>
-              <a:rPr lang="en-US" dirty="0" smtClean="0"/>
-              <a:t>Throughput Analysis</a:t>
-            </a:r>
-          </a:p>
-          <a:p>
-            <a:pPr algn="l" rtl="0"/>
-            <a:r>
-              <a:rPr lang="en-US" dirty="0" smtClean="0"/>
-              <a:t>Appendixes</a:t>
-            </a:r>
-          </a:p>
-          <a:p>
-            <a:pPr marL="990600" lvl="1" indent="-533400" algn="l" rtl="0">
-              <a:lnSpc>
-                <a:spcPct val="90000"/>
-              </a:lnSpc>
-            </a:pPr>
-            <a:r>
-              <a:rPr lang="en-US" dirty="0" smtClean="0"/>
-              <a:t>Estimated project timetable</a:t>
-            </a:r>
-          </a:p>
-          <a:p>
-            <a:pPr marL="990600" lvl="1" indent="-533400" algn="l" rtl="0">
-              <a:lnSpc>
-                <a:spcPct val="90000"/>
-              </a:lnSpc>
-            </a:pPr>
-            <a:r>
-              <a:rPr lang="en-US" dirty="0" smtClean="0"/>
-              <a:t>Requirements</a:t>
-            </a:r>
-          </a:p>
-          <a:p>
-            <a:pPr marL="990600" lvl="1" indent="-533400" algn="l" rtl="0">
-              <a:lnSpc>
-                <a:spcPct val="90000"/>
-              </a:lnSpc>
-            </a:pPr>
-            <a:r>
-              <a:rPr lang="en-US" dirty="0" smtClean="0"/>
-              <a:t>Screens shots </a:t>
-            </a:r>
-          </a:p>
-        </p:txBody>
-      </p:sp>
-    </p:spTree>
-  </p:cSld>
-  <p:clrMapOvr>
-    <a:masterClrMapping/>
-  </p:clrMapOvr>
-  <p:timing>
-    <p:tnLst>
-      <p:par>
-        <p:cTn id="1" dur="indefinite" restart="never" nodeType="tmRoot"/>
-      </p:par>
-    </p:tnLst>
-  </p:timing>
-</p:sld>
-</file>
-
-<file path=ppt/slides/slide7.xml><?xml version="1.0" encoding="utf-8"?>
-<p:sld xmlns:a="http://schemas.openxmlformats.org/drawingml/2006/main" xmlns:r="http://schemas.openxmlformats.org/officeDocument/2006/relationships" xmlns:p="http://schemas.openxmlformats.org/presentationml/2006/main">
-  <p:cSld>
-    <p:spTree>
-      <p:nvGrpSpPr>
-        <p:cNvPr id="1" name=""/>
-        <p:cNvGrpSpPr/>
-        <p:nvPr/>
-      </p:nvGrpSpPr>
-      <p:grpSpPr>
-        <a:xfrm>
-          <a:off x="0" y="0"/>
-          <a:ext cx="0" cy="0"/>
-          <a:chOff x="0" y="0"/>
-          <a:chExt cx="0" cy="0"/>
-        </a:xfrm>
-      </p:grpSpPr>
-      <p:sp>
-        <p:nvSpPr>
-          <p:cNvPr id="2" name="כותרת 1"/>
-          <p:cNvSpPr>
-            <a:spLocks noGrp="1"/>
-          </p:cNvSpPr>
-          <p:nvPr>
-            <p:ph type="title"/>
-          </p:nvPr>
-        </p:nvSpPr>
-        <p:spPr/>
-        <p:txBody>
-          <a:bodyPr/>
-          <a:lstStyle/>
-          <a:p>
-            <a:r>
-              <a:rPr lang="en-US" dirty="0" smtClean="0"/>
               <a:t>Optimized Link Status Protocol</a:t>
             </a:r>
             <a:endParaRPr lang="he-IL" dirty="0"/>
@@ -4723,7 +3882,7 @@
 </p:sld>
 </file>
 
-<file path=ppt/slides/slide8.xml><?xml version="1.0" encoding="utf-8"?>
+<file path=ppt/slides/slide11.xml><?xml version="1.0" encoding="utf-8"?>
 <p:sld xmlns:a="http://schemas.openxmlformats.org/drawingml/2006/main" xmlns:r="http://schemas.openxmlformats.org/officeDocument/2006/relationships" xmlns:p="http://schemas.openxmlformats.org/presentationml/2006/main">
   <p:cSld>
     <p:spTree>
@@ -6355,7 +5514,7 @@
 </p:sld>
 </file>
 
-<file path=ppt/slides/slide9.xml><?xml version="1.0" encoding="utf-8"?>
+<file path=ppt/slides/slide12.xml><?xml version="1.0" encoding="utf-8"?>
 <p:sld xmlns:a="http://schemas.openxmlformats.org/drawingml/2006/main" xmlns:r="http://schemas.openxmlformats.org/officeDocument/2006/relationships" xmlns:p="http://schemas.openxmlformats.org/presentationml/2006/main">
   <p:cSld>
     <p:spTree>
@@ -8468,6 +7627,6948 @@
 </p:sld>
 </file>
 
+<file path=ppt/slides/slide13.xml><?xml version="1.0" encoding="utf-8"?>
+<p:sld xmlns:a="http://schemas.openxmlformats.org/drawingml/2006/main" xmlns:r="http://schemas.openxmlformats.org/officeDocument/2006/relationships" xmlns:p="http://schemas.openxmlformats.org/presentationml/2006/main">
+  <p:cSld>
+    <p:spTree>
+      <p:nvGrpSpPr>
+        <p:cNvPr id="1" name=""/>
+        <p:cNvGrpSpPr/>
+        <p:nvPr/>
+      </p:nvGrpSpPr>
+      <p:grpSpPr>
+        <a:xfrm>
+          <a:off x="0" y="0"/>
+          <a:ext cx="0" cy="0"/>
+          <a:chOff x="0" y="0"/>
+          <a:chExt cx="0" cy="0"/>
+        </a:xfrm>
+      </p:grpSpPr>
+      <p:sp>
+        <p:nvSpPr>
+          <p:cNvPr id="2" name="כותרת 1"/>
+          <p:cNvSpPr>
+            <a:spLocks noGrp="1"/>
+          </p:cNvSpPr>
+          <p:nvPr>
+            <p:ph type="title"/>
+          </p:nvPr>
+        </p:nvSpPr>
+        <p:spPr/>
+        <p:txBody>
+          <a:bodyPr/>
+          <a:lstStyle/>
+          <a:p>
+            <a:r>
+              <a:rPr lang="en-US" dirty="0" smtClean="0"/>
+              <a:t>Fields of Expansion</a:t>
+            </a:r>
+            <a:endParaRPr lang="he-IL" dirty="0"/>
+          </a:p>
+        </p:txBody>
+      </p:sp>
+      <p:sp>
+        <p:nvSpPr>
+          <p:cNvPr id="3" name="מציין מיקום תוכן 2"/>
+          <p:cNvSpPr>
+            <a:spLocks noGrp="1"/>
+          </p:cNvSpPr>
+          <p:nvPr>
+            <p:ph idx="1"/>
+          </p:nvPr>
+        </p:nvSpPr>
+        <p:spPr/>
+        <p:txBody>
+          <a:bodyPr/>
+          <a:lstStyle/>
+          <a:p>
+            <a:pPr algn="l" rtl="0"/>
+            <a:r>
+              <a:rPr lang="en-US" dirty="0" smtClean="0"/>
+              <a:t>Topology Mobility</a:t>
+            </a:r>
+          </a:p>
+          <a:p>
+            <a:pPr algn="l" rtl="0"/>
+            <a:r>
+              <a:rPr lang="en-US" dirty="0" smtClean="0"/>
+              <a:t>Secondary MPR sets</a:t>
+            </a:r>
+          </a:p>
+          <a:p>
+            <a:pPr algn="l" rtl="0"/>
+            <a:r>
+              <a:rPr lang="en-US" dirty="0" smtClean="0"/>
+              <a:t>Connection quality (Topology constrains)</a:t>
+            </a:r>
+            <a:endParaRPr lang="he-IL" dirty="0"/>
+          </a:p>
+        </p:txBody>
+      </p:sp>
+    </p:spTree>
+  </p:cSld>
+  <p:clrMapOvr>
+    <a:masterClrMapping/>
+  </p:clrMapOvr>
+  <p:timing>
+    <p:tnLst>
+      <p:par>
+        <p:cTn id="1" dur="indefinite" restart="never" nodeType="tmRoot"/>
+      </p:par>
+    </p:tnLst>
+  </p:timing>
+</p:sld>
+</file>
+
+<file path=ppt/slides/slide14.xml><?xml version="1.0" encoding="utf-8"?>
+<p:sld xmlns:a="http://schemas.openxmlformats.org/drawingml/2006/main" xmlns:r="http://schemas.openxmlformats.org/officeDocument/2006/relationships" xmlns:p="http://schemas.openxmlformats.org/presentationml/2006/main">
+  <p:cSld>
+    <p:spTree>
+      <p:nvGrpSpPr>
+        <p:cNvPr id="1" name=""/>
+        <p:cNvGrpSpPr/>
+        <p:nvPr/>
+      </p:nvGrpSpPr>
+      <p:grpSpPr>
+        <a:xfrm>
+          <a:off x="0" y="0"/>
+          <a:ext cx="0" cy="0"/>
+          <a:chOff x="0" y="0"/>
+          <a:chExt cx="0" cy="0"/>
+        </a:xfrm>
+      </p:grpSpPr>
+      <p:sp>
+        <p:nvSpPr>
+          <p:cNvPr id="2" name="כותרת 1"/>
+          <p:cNvSpPr>
+            <a:spLocks noGrp="1"/>
+          </p:cNvSpPr>
+          <p:nvPr>
+            <p:ph type="title"/>
+          </p:nvPr>
+        </p:nvSpPr>
+        <p:spPr/>
+        <p:txBody>
+          <a:bodyPr/>
+          <a:lstStyle/>
+          <a:p>
+            <a:r>
+              <a:rPr lang="en-US" dirty="0" smtClean="0"/>
+              <a:t>Schedule</a:t>
+            </a:r>
+            <a:endParaRPr lang="he-IL" dirty="0"/>
+          </a:p>
+        </p:txBody>
+      </p:sp>
+      <p:sp>
+        <p:nvSpPr>
+          <p:cNvPr id="3" name="מציין מיקום תוכן 2"/>
+          <p:cNvSpPr>
+            <a:spLocks noGrp="1"/>
+          </p:cNvSpPr>
+          <p:nvPr>
+            <p:ph idx="1"/>
+          </p:nvPr>
+        </p:nvSpPr>
+        <p:spPr/>
+        <p:txBody>
+          <a:bodyPr/>
+          <a:lstStyle/>
+          <a:p>
+            <a:pPr algn="l" rtl="0"/>
+            <a:r>
+              <a:rPr lang="en-US" dirty="0" smtClean="0"/>
+              <a:t>18.11.2009 – First Report Submission</a:t>
+            </a:r>
+          </a:p>
+          <a:p>
+            <a:pPr algn="l" rtl="0"/>
+            <a:r>
+              <a:rPr lang="en-US" dirty="0" smtClean="0"/>
+              <a:t>25.11.2009 – First Report Feedback</a:t>
+            </a:r>
+          </a:p>
+          <a:p>
+            <a:pPr algn="l" rtl="0"/>
+            <a:r>
+              <a:rPr lang="en-US" dirty="0" smtClean="0"/>
+              <a:t>30.12.2009 – Project Review</a:t>
+            </a:r>
+          </a:p>
+          <a:p>
+            <a:pPr algn="l" rtl="0"/>
+            <a:r>
+              <a:rPr lang="en-US" dirty="0" smtClean="0"/>
+              <a:t>15.1.2010 - Project Presentation and Final Report Submission</a:t>
+            </a:r>
+            <a:endParaRPr lang="he-IL" dirty="0"/>
+          </a:p>
+        </p:txBody>
+      </p:sp>
+    </p:spTree>
+  </p:cSld>
+  <p:clrMapOvr>
+    <a:masterClrMapping/>
+  </p:clrMapOvr>
+  <p:timing>
+    <p:tnLst>
+      <p:par>
+        <p:cTn id="1" dur="indefinite" restart="never" nodeType="tmRoot"/>
+      </p:par>
+    </p:tnLst>
+  </p:timing>
+</p:sld>
+</file>
+
+<file path=ppt/slides/slide15.xml><?xml version="1.0" encoding="utf-8"?>
+<p:sld xmlns:a="http://schemas.openxmlformats.org/drawingml/2006/main" xmlns:r="http://schemas.openxmlformats.org/officeDocument/2006/relationships" xmlns:p="http://schemas.openxmlformats.org/presentationml/2006/main">
+  <p:cSld>
+    <p:spTree>
+      <p:nvGrpSpPr>
+        <p:cNvPr id="1" name=""/>
+        <p:cNvGrpSpPr/>
+        <p:nvPr/>
+      </p:nvGrpSpPr>
+      <p:grpSpPr>
+        <a:xfrm>
+          <a:off x="0" y="0"/>
+          <a:ext cx="0" cy="0"/>
+          <a:chOff x="0" y="0"/>
+          <a:chExt cx="0" cy="0"/>
+        </a:xfrm>
+      </p:grpSpPr>
+      <p:sp>
+        <p:nvSpPr>
+          <p:cNvPr id="3" name="מציין מיקום תוכן 2"/>
+          <p:cNvSpPr>
+            <a:spLocks noGrp="1"/>
+          </p:cNvSpPr>
+          <p:nvPr>
+            <p:ph idx="1"/>
+          </p:nvPr>
+        </p:nvSpPr>
+        <p:spPr/>
+        <p:txBody>
+          <a:bodyPr/>
+          <a:lstStyle/>
+          <a:p>
+            <a:pPr algn="ctr">
+              <a:buNone/>
+            </a:pPr>
+            <a:r>
+              <a:rPr lang="en-US" sz="6600" dirty="0" smtClean="0"/>
+              <a:t>Questions </a:t>
+            </a:r>
+          </a:p>
+          <a:p>
+            <a:pPr algn="ctr">
+              <a:buNone/>
+            </a:pPr>
+            <a:r>
+              <a:rPr lang="en-US" sz="6600" dirty="0" smtClean="0"/>
+              <a:t>&amp; </a:t>
+            </a:r>
+          </a:p>
+          <a:p>
+            <a:pPr algn="ctr">
+              <a:buNone/>
+            </a:pPr>
+            <a:r>
+              <a:rPr lang="en-US" sz="6600" dirty="0" smtClean="0"/>
+              <a:t>Open Discussion</a:t>
+            </a:r>
+            <a:endParaRPr lang="he-IL" sz="6600" dirty="0"/>
+          </a:p>
+        </p:txBody>
+      </p:sp>
+    </p:spTree>
+  </p:cSld>
+  <p:clrMapOvr>
+    <a:masterClrMapping/>
+  </p:clrMapOvr>
+  <p:timing>
+    <p:tnLst>
+      <p:par>
+        <p:cTn id="1" dur="indefinite" restart="never" nodeType="tmRoot"/>
+      </p:par>
+    </p:tnLst>
+  </p:timing>
+</p:sld>
+</file>
+
+<file path=ppt/slides/slide16.xml><?xml version="1.0" encoding="utf-8"?>
+<p:sld xmlns:a="http://schemas.openxmlformats.org/drawingml/2006/main" xmlns:r="http://schemas.openxmlformats.org/officeDocument/2006/relationships" xmlns:p="http://schemas.openxmlformats.org/presentationml/2006/main">
+  <p:cSld>
+    <p:spTree>
+      <p:nvGrpSpPr>
+        <p:cNvPr id="1" name=""/>
+        <p:cNvGrpSpPr/>
+        <p:nvPr/>
+      </p:nvGrpSpPr>
+      <p:grpSpPr>
+        <a:xfrm>
+          <a:off x="0" y="0"/>
+          <a:ext cx="0" cy="0"/>
+          <a:chOff x="0" y="0"/>
+          <a:chExt cx="0" cy="0"/>
+        </a:xfrm>
+      </p:grpSpPr>
+      <p:sp>
+        <p:nvSpPr>
+          <p:cNvPr id="3" name="מציין מיקום תוכן 2"/>
+          <p:cNvSpPr>
+            <a:spLocks noGrp="1"/>
+          </p:cNvSpPr>
+          <p:nvPr>
+            <p:ph idx="1"/>
+          </p:nvPr>
+        </p:nvSpPr>
+        <p:spPr/>
+        <p:txBody>
+          <a:bodyPr>
+            <a:normAutofit lnSpcReduction="10000"/>
+          </a:bodyPr>
+          <a:lstStyle/>
+          <a:p>
+            <a:pPr algn="ctr" rtl="0">
+              <a:buNone/>
+            </a:pPr>
+            <a:endParaRPr lang="en-US" dirty="0" smtClean="0"/>
+          </a:p>
+          <a:p>
+            <a:pPr algn="ctr" rtl="0">
+              <a:buNone/>
+            </a:pPr>
+            <a:endParaRPr lang="en-US" dirty="0" smtClean="0"/>
+          </a:p>
+          <a:p>
+            <a:pPr algn="ctr" rtl="0">
+              <a:buNone/>
+            </a:pPr>
+            <a:r>
+              <a:rPr lang="en-US" sz="3600" dirty="0" smtClean="0"/>
+              <a:t>Thank you !</a:t>
+            </a:r>
+          </a:p>
+          <a:p>
+            <a:pPr algn="ctr" rtl="0">
+              <a:buNone/>
+            </a:pPr>
+            <a:endParaRPr lang="en-US" dirty="0"/>
+          </a:p>
+          <a:p>
+            <a:pPr algn="ctr" rtl="0">
+              <a:buNone/>
+            </a:pPr>
+            <a:endParaRPr lang="en-US" dirty="0" smtClean="0"/>
+          </a:p>
+          <a:p>
+            <a:pPr algn="ctr" rtl="0">
+              <a:buNone/>
+            </a:pPr>
+            <a:endParaRPr lang="en-US" dirty="0" smtClean="0"/>
+          </a:p>
+          <a:p>
+            <a:pPr rtl="0">
+              <a:buNone/>
+            </a:pPr>
+            <a:r>
+              <a:rPr lang="en-US" sz="2400" dirty="0" err="1" smtClean="0"/>
+              <a:t>Assaf</a:t>
+            </a:r>
+            <a:r>
+              <a:rPr lang="en-US" sz="2400" dirty="0" smtClean="0"/>
+              <a:t> Israel</a:t>
+            </a:r>
+          </a:p>
+          <a:p>
+            <a:pPr rtl="0">
+              <a:buNone/>
+            </a:pPr>
+            <a:r>
+              <a:rPr lang="en-US" sz="2400" dirty="0" smtClean="0"/>
+              <a:t>Eli </a:t>
+            </a:r>
+            <a:r>
+              <a:rPr lang="en-US" sz="2400" dirty="0" err="1" smtClean="0"/>
+              <a:t>Nazarov</a:t>
+            </a:r>
+            <a:endParaRPr lang="en-US" sz="2400" dirty="0" smtClean="0"/>
+          </a:p>
+          <a:p>
+            <a:pPr rtl="0">
+              <a:buNone/>
+            </a:pPr>
+            <a:r>
+              <a:rPr lang="en-US" sz="2400" dirty="0" err="1" smtClean="0"/>
+              <a:t>Asi</a:t>
+            </a:r>
+            <a:r>
+              <a:rPr lang="en-US" sz="2400" dirty="0" smtClean="0"/>
+              <a:t> </a:t>
+            </a:r>
+            <a:r>
+              <a:rPr lang="en-US" sz="2400" dirty="0" err="1" smtClean="0"/>
+              <a:t>Bross</a:t>
+            </a:r>
+            <a:endParaRPr lang="he-IL" sz="2400" dirty="0"/>
+          </a:p>
+        </p:txBody>
+      </p:sp>
+    </p:spTree>
+  </p:cSld>
+  <p:clrMapOvr>
+    <a:masterClrMapping/>
+  </p:clrMapOvr>
+  <p:timing>
+    <p:tnLst>
+      <p:par>
+        <p:cTn id="1" dur="indefinite" restart="never" nodeType="tmRoot"/>
+      </p:par>
+    </p:tnLst>
+  </p:timing>
+</p:sld>
+</file>
+
+<file path=ppt/slides/slide2.xml><?xml version="1.0" encoding="utf-8"?>
+<p:sld xmlns:a="http://schemas.openxmlformats.org/drawingml/2006/main" xmlns:r="http://schemas.openxmlformats.org/officeDocument/2006/relationships" xmlns:p="http://schemas.openxmlformats.org/presentationml/2006/main">
+  <p:cSld>
+    <p:spTree>
+      <p:nvGrpSpPr>
+        <p:cNvPr id="1" name=""/>
+        <p:cNvGrpSpPr/>
+        <p:nvPr/>
+      </p:nvGrpSpPr>
+      <p:grpSpPr>
+        <a:xfrm>
+          <a:off x="0" y="0"/>
+          <a:ext cx="0" cy="0"/>
+          <a:chOff x="0" y="0"/>
+          <a:chExt cx="0" cy="0"/>
+        </a:xfrm>
+      </p:grpSpPr>
+      <p:sp>
+        <p:nvSpPr>
+          <p:cNvPr id="2" name="כותרת 1"/>
+          <p:cNvSpPr>
+            <a:spLocks noGrp="1"/>
+          </p:cNvSpPr>
+          <p:nvPr>
+            <p:ph type="title"/>
+          </p:nvPr>
+        </p:nvSpPr>
+        <p:spPr/>
+        <p:txBody>
+          <a:bodyPr>
+            <a:normAutofit/>
+          </a:bodyPr>
+          <a:lstStyle/>
+          <a:p>
+            <a:pPr rtl="0"/>
+            <a:r>
+              <a:rPr lang="en-US" dirty="0" smtClean="0"/>
+              <a:t>Agenda</a:t>
+            </a:r>
+            <a:endParaRPr lang="he-IL" dirty="0"/>
+          </a:p>
+        </p:txBody>
+      </p:sp>
+      <p:sp>
+        <p:nvSpPr>
+          <p:cNvPr id="3" name="מציין מיקום תוכן 2"/>
+          <p:cNvSpPr>
+            <a:spLocks noGrp="1"/>
+          </p:cNvSpPr>
+          <p:nvPr>
+            <p:ph idx="1"/>
+          </p:nvPr>
+        </p:nvSpPr>
+        <p:spPr/>
+        <p:txBody>
+          <a:bodyPr/>
+          <a:lstStyle/>
+          <a:p>
+            <a:pPr algn="l" rtl="0"/>
+            <a:r>
+              <a:rPr lang="en-US" dirty="0" smtClean="0"/>
+              <a:t>Project Description</a:t>
+            </a:r>
+          </a:p>
+          <a:p>
+            <a:pPr algn="l" rtl="0"/>
+            <a:r>
+              <a:rPr lang="en-US" dirty="0" smtClean="0"/>
+              <a:t>The first report</a:t>
+            </a:r>
+          </a:p>
+          <a:p>
+            <a:pPr algn="l" rtl="0"/>
+            <a:r>
+              <a:rPr lang="en-US" b="1" dirty="0" smtClean="0"/>
+              <a:t>O</a:t>
+            </a:r>
+            <a:r>
+              <a:rPr lang="en-US" dirty="0" smtClean="0"/>
+              <a:t>ptimized </a:t>
+            </a:r>
+            <a:r>
+              <a:rPr lang="en-US" b="1" dirty="0" smtClean="0"/>
+              <a:t>L</a:t>
+            </a:r>
+            <a:r>
+              <a:rPr lang="en-US" dirty="0" smtClean="0"/>
+              <a:t>ink </a:t>
+            </a:r>
+            <a:r>
+              <a:rPr lang="en-US" b="1" dirty="0" smtClean="0"/>
+              <a:t>S</a:t>
+            </a:r>
+            <a:r>
+              <a:rPr lang="en-US" dirty="0" smtClean="0"/>
+              <a:t>tate </a:t>
+            </a:r>
+            <a:r>
+              <a:rPr lang="en-US" b="1" dirty="0" smtClean="0"/>
+              <a:t>R</a:t>
+            </a:r>
+            <a:r>
+              <a:rPr lang="en-US" dirty="0" smtClean="0"/>
+              <a:t>outing Protocol Ver. 2</a:t>
+            </a:r>
+          </a:p>
+          <a:p>
+            <a:pPr algn="l" rtl="0"/>
+            <a:r>
+              <a:rPr lang="en-US" dirty="0" smtClean="0"/>
+              <a:t>Main modules</a:t>
+            </a:r>
+          </a:p>
+          <a:p>
+            <a:pPr algn="l" rtl="0"/>
+            <a:r>
+              <a:rPr lang="en-US" dirty="0" smtClean="0"/>
+              <a:t>Fields of expansion</a:t>
+            </a:r>
+          </a:p>
+          <a:p>
+            <a:pPr algn="l" rtl="0"/>
+            <a:r>
+              <a:rPr lang="en-US" dirty="0" smtClean="0"/>
+              <a:t>Schedule</a:t>
+            </a:r>
+          </a:p>
+          <a:p>
+            <a:pPr algn="l" rtl="0"/>
+            <a:r>
+              <a:rPr lang="en-US" dirty="0" smtClean="0"/>
+              <a:t>Questions and open discussion</a:t>
+            </a:r>
+            <a:endParaRPr lang="he-IL" dirty="0"/>
+          </a:p>
+        </p:txBody>
+      </p:sp>
+    </p:spTree>
+  </p:cSld>
+  <p:clrMapOvr>
+    <a:masterClrMapping/>
+  </p:clrMapOvr>
+  <p:timing>
+    <p:tnLst>
+      <p:par>
+        <p:cTn id="1" dur="indefinite" restart="never" nodeType="tmRoot"/>
+      </p:par>
+    </p:tnLst>
+  </p:timing>
+</p:sld>
+</file>
+
+<file path=ppt/slides/slide3.xml><?xml version="1.0" encoding="utf-8"?>
+<p:sld xmlns:a="http://schemas.openxmlformats.org/drawingml/2006/main" xmlns:r="http://schemas.openxmlformats.org/officeDocument/2006/relationships" xmlns:p="http://schemas.openxmlformats.org/presentationml/2006/main">
+  <p:cSld>
+    <p:spTree>
+      <p:nvGrpSpPr>
+        <p:cNvPr id="1" name=""/>
+        <p:cNvGrpSpPr/>
+        <p:nvPr/>
+      </p:nvGrpSpPr>
+      <p:grpSpPr>
+        <a:xfrm>
+          <a:off x="0" y="0"/>
+          <a:ext cx="0" cy="0"/>
+          <a:chOff x="0" y="0"/>
+          <a:chExt cx="0" cy="0"/>
+        </a:xfrm>
+      </p:grpSpPr>
+      <p:sp>
+        <p:nvSpPr>
+          <p:cNvPr id="2" name="כותרת 1"/>
+          <p:cNvSpPr>
+            <a:spLocks noGrp="1"/>
+          </p:cNvSpPr>
+          <p:nvPr>
+            <p:ph type="title"/>
+          </p:nvPr>
+        </p:nvSpPr>
+        <p:spPr/>
+        <p:txBody>
+          <a:bodyPr/>
+          <a:lstStyle/>
+          <a:p>
+            <a:r>
+              <a:rPr lang="en-US" dirty="0" smtClean="0"/>
+              <a:t>Project Description</a:t>
+            </a:r>
+            <a:endParaRPr lang="he-IL" dirty="0"/>
+          </a:p>
+        </p:txBody>
+      </p:sp>
+      <p:sp>
+        <p:nvSpPr>
+          <p:cNvPr id="3" name="מציין מיקום תוכן 2"/>
+          <p:cNvSpPr>
+            <a:spLocks noGrp="1"/>
+          </p:cNvSpPr>
+          <p:nvPr>
+            <p:ph idx="1"/>
+          </p:nvPr>
+        </p:nvSpPr>
+        <p:spPr/>
+        <p:txBody>
+          <a:bodyPr/>
+          <a:lstStyle/>
+          <a:p>
+            <a:pPr algn="l" rtl="0"/>
+            <a:r>
+              <a:rPr lang="en-US" dirty="0" smtClean="0"/>
+              <a:t>Simulating MANET environment implementing OLSRv2 protocol</a:t>
+            </a:r>
+          </a:p>
+          <a:p>
+            <a:pPr algn="l" rtl="0"/>
+            <a:r>
+              <a:rPr lang="en-US" dirty="0" smtClean="0"/>
+              <a:t>Event Driven Simulator</a:t>
+            </a:r>
+          </a:p>
+          <a:p>
+            <a:pPr algn="l" rtl="0"/>
+            <a:r>
+              <a:rPr lang="en-US" dirty="0" smtClean="0"/>
+              <a:t>Special interest </a:t>
+            </a:r>
+            <a:r>
+              <a:rPr lang="en-US" dirty="0" smtClean="0"/>
+              <a:t>in different </a:t>
+            </a:r>
+            <a:r>
+              <a:rPr lang="en-US" dirty="0" smtClean="0"/>
+              <a:t>Topology layouts</a:t>
+            </a:r>
+          </a:p>
+          <a:p>
+            <a:pPr algn="l" rtl="0"/>
+            <a:r>
+              <a:rPr lang="en-US" dirty="0" smtClean="0"/>
+              <a:t>Output:</a:t>
+            </a:r>
+          </a:p>
+          <a:p>
+            <a:pPr lvl="1" algn="l" rtl="0"/>
+            <a:r>
+              <a:rPr lang="en-US" dirty="0" smtClean="0"/>
+              <a:t>Network’s throughput</a:t>
+            </a:r>
+          </a:p>
+          <a:p>
+            <a:pPr lvl="1" algn="l" rtl="0"/>
+            <a:r>
+              <a:rPr lang="en-US" dirty="0" smtClean="0"/>
+              <a:t>Average of hops per data packet</a:t>
+            </a:r>
+          </a:p>
+          <a:p>
+            <a:pPr algn="l" rtl="0"/>
+            <a:endParaRPr lang="he-IL" dirty="0"/>
+          </a:p>
+        </p:txBody>
+      </p:sp>
+    </p:spTree>
+  </p:cSld>
+  <p:clrMapOvr>
+    <a:masterClrMapping/>
+  </p:clrMapOvr>
+  <p:timing>
+    <p:tnLst>
+      <p:par>
+        <p:cTn id="1" dur="indefinite" restart="never" nodeType="tmRoot"/>
+      </p:par>
+    </p:tnLst>
+  </p:timing>
+</p:sld>
+</file>
+
+<file path=ppt/slides/slide4.xml><?xml version="1.0" encoding="utf-8"?>
+<p:sld xmlns:a="http://schemas.openxmlformats.org/drawingml/2006/main" xmlns:r="http://schemas.openxmlformats.org/officeDocument/2006/relationships" xmlns:p="http://schemas.openxmlformats.org/presentationml/2006/main">
+  <p:cSld>
+    <p:spTree>
+      <p:nvGrpSpPr>
+        <p:cNvPr id="1" name=""/>
+        <p:cNvGrpSpPr/>
+        <p:nvPr/>
+      </p:nvGrpSpPr>
+      <p:grpSpPr>
+        <a:xfrm>
+          <a:off x="0" y="0"/>
+          <a:ext cx="0" cy="0"/>
+          <a:chOff x="0" y="0"/>
+          <a:chExt cx="0" cy="0"/>
+        </a:xfrm>
+      </p:grpSpPr>
+      <p:sp>
+        <p:nvSpPr>
+          <p:cNvPr id="2" name="Title 1"/>
+          <p:cNvSpPr>
+            <a:spLocks noGrp="1"/>
+          </p:cNvSpPr>
+          <p:nvPr>
+            <p:ph type="title"/>
+          </p:nvPr>
+        </p:nvSpPr>
+        <p:spPr/>
+        <p:txBody>
+          <a:bodyPr/>
+          <a:lstStyle/>
+          <a:p>
+            <a:r>
+              <a:rPr lang="en-US" dirty="0" smtClean="0"/>
+              <a:t>Main Goals</a:t>
+            </a:r>
+            <a:endParaRPr lang="he-IL" dirty="0"/>
+          </a:p>
+        </p:txBody>
+      </p:sp>
+      <p:sp>
+        <p:nvSpPr>
+          <p:cNvPr id="3" name="Content Placeholder 2"/>
+          <p:cNvSpPr>
+            <a:spLocks noGrp="1"/>
+          </p:cNvSpPr>
+          <p:nvPr>
+            <p:ph idx="1"/>
+          </p:nvPr>
+        </p:nvSpPr>
+        <p:spPr/>
+        <p:txBody>
+          <a:bodyPr/>
+          <a:lstStyle/>
+          <a:p>
+            <a:pPr algn="l" rtl="0"/>
+            <a:r>
+              <a:rPr lang="en-US" dirty="0" smtClean="0"/>
+              <a:t>Utilization Analysis</a:t>
+            </a:r>
+          </a:p>
+          <a:p>
+            <a:pPr lvl="1" algn="l" rtl="0"/>
+            <a:r>
+              <a:rPr lang="en-US" dirty="0" smtClean="0"/>
+              <a:t>Comparison between OLSR and naïve approach.</a:t>
+            </a:r>
+          </a:p>
+          <a:p>
+            <a:pPr lvl="1" algn="l" rtl="0"/>
+            <a:r>
+              <a:rPr lang="en-US" dirty="0" smtClean="0"/>
+              <a:t>We will expect to see major improvement in the throughput when working in OLSR mode.</a:t>
+            </a:r>
+            <a:endParaRPr lang="en-US" dirty="0" smtClean="0"/>
+          </a:p>
+          <a:p>
+            <a:pPr lvl="1" algn="l" rtl="0">
+              <a:buNone/>
+            </a:pPr>
+            <a:endParaRPr lang="en-US" dirty="0" smtClean="0"/>
+          </a:p>
+          <a:p>
+            <a:pPr lvl="1" algn="l" rtl="0">
+              <a:buNone/>
+            </a:pPr>
+            <a:endParaRPr lang="en-US" dirty="0" smtClean="0"/>
+          </a:p>
+        </p:txBody>
+      </p:sp>
+      <p:graphicFrame>
+        <p:nvGraphicFramePr>
+          <p:cNvPr id="4" name="Chart 3"/>
+          <p:cNvGraphicFramePr/>
+          <p:nvPr/>
+        </p:nvGraphicFramePr>
+        <p:xfrm>
+          <a:off x="1524000" y="3714752"/>
+          <a:ext cx="6334148" cy="2571768"/>
+        </p:xfrm>
+        <a:graphic>
+          <a:graphicData uri="http://schemas.openxmlformats.org/drawingml/2006/chart">
+            <c:chart xmlns:c="http://schemas.openxmlformats.org/drawingml/2006/chart" xmlns:r="http://schemas.openxmlformats.org/officeDocument/2006/relationships" r:id="rId2"/>
+          </a:graphicData>
+        </a:graphic>
+      </p:graphicFrame>
+    </p:spTree>
+  </p:cSld>
+  <p:clrMapOvr>
+    <a:masterClrMapping/>
+  </p:clrMapOvr>
+</p:sld>
+</file>
+
+<file path=ppt/slides/slide5.xml><?xml version="1.0" encoding="utf-8"?>
+<p:sld xmlns:a="http://schemas.openxmlformats.org/drawingml/2006/main" xmlns:r="http://schemas.openxmlformats.org/officeDocument/2006/relationships" xmlns:p="http://schemas.openxmlformats.org/presentationml/2006/main">
+  <p:cSld>
+    <p:spTree>
+      <p:nvGrpSpPr>
+        <p:cNvPr id="1" name=""/>
+        <p:cNvGrpSpPr/>
+        <p:nvPr/>
+      </p:nvGrpSpPr>
+      <p:grpSpPr>
+        <a:xfrm>
+          <a:off x="0" y="0"/>
+          <a:ext cx="0" cy="0"/>
+          <a:chOff x="0" y="0"/>
+          <a:chExt cx="0" cy="0"/>
+        </a:xfrm>
+      </p:grpSpPr>
+      <p:sp>
+        <p:nvSpPr>
+          <p:cNvPr id="2" name="Title 1"/>
+          <p:cNvSpPr>
+            <a:spLocks noGrp="1"/>
+          </p:cNvSpPr>
+          <p:nvPr>
+            <p:ph type="title"/>
+          </p:nvPr>
+        </p:nvSpPr>
+        <p:spPr/>
+        <p:txBody>
+          <a:bodyPr/>
+          <a:lstStyle/>
+          <a:p>
+            <a:r>
+              <a:rPr lang="en-US" dirty="0" smtClean="0"/>
+              <a:t>Main Goals</a:t>
+            </a:r>
+            <a:endParaRPr lang="he-IL" dirty="0"/>
+          </a:p>
+        </p:txBody>
+      </p:sp>
+      <p:sp>
+        <p:nvSpPr>
+          <p:cNvPr id="3" name="Content Placeholder 2"/>
+          <p:cNvSpPr>
+            <a:spLocks noGrp="1"/>
+          </p:cNvSpPr>
+          <p:nvPr>
+            <p:ph idx="1"/>
+          </p:nvPr>
+        </p:nvSpPr>
+        <p:spPr/>
+        <p:txBody>
+          <a:bodyPr/>
+          <a:lstStyle/>
+          <a:p>
+            <a:pPr algn="l" rtl="0"/>
+            <a:r>
+              <a:rPr lang="en-US" dirty="0" smtClean="0"/>
+              <a:t>Topology</a:t>
+            </a:r>
+          </a:p>
+          <a:p>
+            <a:pPr lvl="1" algn="l" rtl="0"/>
+            <a:r>
+              <a:rPr lang="en-US" dirty="0" smtClean="0"/>
+              <a:t>Comparison between different topology layouts. Specifically between uniform scatter and nodes clusters</a:t>
+            </a:r>
+            <a:endParaRPr lang="he-IL" dirty="0"/>
+          </a:p>
+        </p:txBody>
+      </p:sp>
+      <p:grpSp>
+        <p:nvGrpSpPr>
+          <p:cNvPr id="4" name="Group 3"/>
+          <p:cNvGrpSpPr/>
+          <p:nvPr/>
+        </p:nvGrpSpPr>
+        <p:grpSpPr>
+          <a:xfrm>
+            <a:off x="1643042" y="3714752"/>
+            <a:ext cx="2600328" cy="2417849"/>
+            <a:chOff x="3911600" y="3124200"/>
+            <a:chExt cx="4343400" cy="4038600"/>
+          </a:xfrm>
+        </p:grpSpPr>
+        <p:sp>
+          <p:nvSpPr>
+            <p:cNvPr id="5" name="Rectangle 4"/>
+            <p:cNvSpPr/>
+            <p:nvPr/>
+          </p:nvSpPr>
+          <p:spPr bwMode="auto">
+            <a:xfrm>
+              <a:off x="3911600" y="3124200"/>
+              <a:ext cx="4343400" cy="4038600"/>
+            </a:xfrm>
+            <a:prstGeom prst="rect">
+              <a:avLst/>
+            </a:prstGeom>
+            <a:noFill/>
+            <a:ln w="25400" cap="flat" cmpd="sng" algn="ctr">
+              <a:solidFill>
+                <a:schemeClr val="tx2"/>
+              </a:solidFill>
+              <a:prstDash val="solid"/>
+              <a:round/>
+              <a:headEnd type="none" w="med" len="med"/>
+              <a:tailEnd type="none" w="med" len="med"/>
+            </a:ln>
+            <a:effectLst/>
+          </p:spPr>
+          <p:txBody>
+            <a:bodyPr vert="horz" wrap="square" lIns="91440" tIns="45720" rIns="91440" bIns="45720" numCol="1" rtlCol="0" anchor="t" anchorCtr="0" compatLnSpc="1">
+              <a:prstTxWarp prst="textNoShape">
+                <a:avLst/>
+              </a:prstTxWarp>
+            </a:bodyPr>
+            <a:lstStyle>
+              <a:defPPr>
+                <a:defRPr lang="en-US"/>
+              </a:defPPr>
+              <a:lvl1pPr algn="ctr" rtl="0" fontAlgn="base">
+                <a:spcBef>
+                  <a:spcPct val="0"/>
+                </a:spcBef>
+                <a:spcAft>
+                  <a:spcPct val="0"/>
+                </a:spcAft>
+                <a:defRPr sz="4200" kern="1200">
+                  <a:solidFill>
+                    <a:srgbClr val="595650"/>
+                  </a:solidFill>
+                  <a:latin typeface="Baskerville" charset="0"/>
+                  <a:ea typeface="ヒラギノ明朝 Pro W3" charset="0"/>
+                  <a:cs typeface="ヒラギノ明朝 Pro W3" charset="0"/>
+                  <a:sym typeface="Baskerville" charset="0"/>
+                </a:defRPr>
+              </a:lvl1pPr>
+              <a:lvl2pPr marL="457200" algn="ctr" rtl="0" fontAlgn="base">
+                <a:spcBef>
+                  <a:spcPct val="0"/>
+                </a:spcBef>
+                <a:spcAft>
+                  <a:spcPct val="0"/>
+                </a:spcAft>
+                <a:defRPr sz="4200" kern="1200">
+                  <a:solidFill>
+                    <a:srgbClr val="595650"/>
+                  </a:solidFill>
+                  <a:latin typeface="Baskerville" charset="0"/>
+                  <a:ea typeface="ヒラギノ明朝 Pro W3" charset="0"/>
+                  <a:cs typeface="ヒラギノ明朝 Pro W3" charset="0"/>
+                  <a:sym typeface="Baskerville" charset="0"/>
+                </a:defRPr>
+              </a:lvl2pPr>
+              <a:lvl3pPr marL="914400" algn="ctr" rtl="0" fontAlgn="base">
+                <a:spcBef>
+                  <a:spcPct val="0"/>
+                </a:spcBef>
+                <a:spcAft>
+                  <a:spcPct val="0"/>
+                </a:spcAft>
+                <a:defRPr sz="4200" kern="1200">
+                  <a:solidFill>
+                    <a:srgbClr val="595650"/>
+                  </a:solidFill>
+                  <a:latin typeface="Baskerville" charset="0"/>
+                  <a:ea typeface="ヒラギノ明朝 Pro W3" charset="0"/>
+                  <a:cs typeface="ヒラギノ明朝 Pro W3" charset="0"/>
+                  <a:sym typeface="Baskerville" charset="0"/>
+                </a:defRPr>
+              </a:lvl3pPr>
+              <a:lvl4pPr marL="1371600" algn="ctr" rtl="0" fontAlgn="base">
+                <a:spcBef>
+                  <a:spcPct val="0"/>
+                </a:spcBef>
+                <a:spcAft>
+                  <a:spcPct val="0"/>
+                </a:spcAft>
+                <a:defRPr sz="4200" kern="1200">
+                  <a:solidFill>
+                    <a:srgbClr val="595650"/>
+                  </a:solidFill>
+                  <a:latin typeface="Baskerville" charset="0"/>
+                  <a:ea typeface="ヒラギノ明朝 Pro W3" charset="0"/>
+                  <a:cs typeface="ヒラギノ明朝 Pro W3" charset="0"/>
+                  <a:sym typeface="Baskerville" charset="0"/>
+                </a:defRPr>
+              </a:lvl4pPr>
+              <a:lvl5pPr marL="1828800" algn="ctr" rtl="0" fontAlgn="base">
+                <a:spcBef>
+                  <a:spcPct val="0"/>
+                </a:spcBef>
+                <a:spcAft>
+                  <a:spcPct val="0"/>
+                </a:spcAft>
+                <a:defRPr sz="4200" kern="1200">
+                  <a:solidFill>
+                    <a:srgbClr val="595650"/>
+                  </a:solidFill>
+                  <a:latin typeface="Baskerville" charset="0"/>
+                  <a:ea typeface="ヒラギノ明朝 Pro W3" charset="0"/>
+                  <a:cs typeface="ヒラギノ明朝 Pro W3" charset="0"/>
+                  <a:sym typeface="Baskerville" charset="0"/>
+                </a:defRPr>
+              </a:lvl5pPr>
+              <a:lvl6pPr marL="2286000" algn="r" defTabSz="914400" rtl="1" eaLnBrk="1" latinLnBrk="0" hangingPunct="1">
+                <a:defRPr sz="4200" kern="1200">
+                  <a:solidFill>
+                    <a:srgbClr val="595650"/>
+                  </a:solidFill>
+                  <a:latin typeface="Baskerville" charset="0"/>
+                  <a:ea typeface="ヒラギノ明朝 Pro W3" charset="0"/>
+                  <a:cs typeface="ヒラギノ明朝 Pro W3" charset="0"/>
+                  <a:sym typeface="Baskerville" charset="0"/>
+                </a:defRPr>
+              </a:lvl6pPr>
+              <a:lvl7pPr marL="2743200" algn="r" defTabSz="914400" rtl="1" eaLnBrk="1" latinLnBrk="0" hangingPunct="1">
+                <a:defRPr sz="4200" kern="1200">
+                  <a:solidFill>
+                    <a:srgbClr val="595650"/>
+                  </a:solidFill>
+                  <a:latin typeface="Baskerville" charset="0"/>
+                  <a:ea typeface="ヒラギノ明朝 Pro W3" charset="0"/>
+                  <a:cs typeface="ヒラギノ明朝 Pro W3" charset="0"/>
+                  <a:sym typeface="Baskerville" charset="0"/>
+                </a:defRPr>
+              </a:lvl7pPr>
+              <a:lvl8pPr marL="3200400" algn="r" defTabSz="914400" rtl="1" eaLnBrk="1" latinLnBrk="0" hangingPunct="1">
+                <a:defRPr sz="4200" kern="1200">
+                  <a:solidFill>
+                    <a:srgbClr val="595650"/>
+                  </a:solidFill>
+                  <a:latin typeface="Baskerville" charset="0"/>
+                  <a:ea typeface="ヒラギノ明朝 Pro W3" charset="0"/>
+                  <a:cs typeface="ヒラギノ明朝 Pro W3" charset="0"/>
+                  <a:sym typeface="Baskerville" charset="0"/>
+                </a:defRPr>
+              </a:lvl8pPr>
+              <a:lvl9pPr marL="3657600" algn="r" defTabSz="914400" rtl="1" eaLnBrk="1" latinLnBrk="0" hangingPunct="1">
+                <a:defRPr sz="4200" kern="1200">
+                  <a:solidFill>
+                    <a:srgbClr val="595650"/>
+                  </a:solidFill>
+                  <a:latin typeface="Baskerville" charset="0"/>
+                  <a:ea typeface="ヒラギノ明朝 Pro W3" charset="0"/>
+                  <a:cs typeface="ヒラギノ明朝 Pro W3" charset="0"/>
+                  <a:sym typeface="Baskerville" charset="0"/>
+                </a:defRPr>
+              </a:lvl9pPr>
+            </a:lstStyle>
+            <a:p>
+              <a:pPr marL="0" marR="0" indent="0" algn="ctr" defTabSz="914400" rtl="0" eaLnBrk="1" fontAlgn="base" latinLnBrk="0" hangingPunct="1">
+                <a:lnSpc>
+                  <a:spcPct val="100000"/>
+                </a:lnSpc>
+                <a:spcBef>
+                  <a:spcPct val="0"/>
+                </a:spcBef>
+                <a:spcAft>
+                  <a:spcPct val="0"/>
+                </a:spcAft>
+                <a:buClrTx/>
+                <a:buSzTx/>
+                <a:buFontTx/>
+                <a:buNone/>
+                <a:tabLst/>
+              </a:pPr>
+              <a:endParaRPr kumimoji="0" lang="en-US" sz="4200" b="0" i="0" u="none" strike="noStrike" cap="none" normalizeH="0" baseline="0" smtClean="0">
+                <a:ln>
+                  <a:noFill/>
+                </a:ln>
+                <a:solidFill>
+                  <a:srgbClr val="595650"/>
+                </a:solidFill>
+                <a:effectLst/>
+                <a:latin typeface="Baskerville" charset="0"/>
+                <a:ea typeface="ヒラギノ明朝 Pro W3" charset="0"/>
+                <a:cs typeface="ヒラギノ明朝 Pro W3" charset="0"/>
+                <a:sym typeface="Baskerville" charset="0"/>
+              </a:endParaRPr>
+            </a:p>
+          </p:txBody>
+        </p:sp>
+        <p:grpSp>
+          <p:nvGrpSpPr>
+            <p:cNvPr id="6" name="Group 5"/>
+            <p:cNvGrpSpPr>
+              <a:grpSpLocks/>
+            </p:cNvGrpSpPr>
+            <p:nvPr/>
+          </p:nvGrpSpPr>
+          <p:grpSpPr bwMode="auto">
+            <a:xfrm>
+              <a:off x="4826302" y="3810000"/>
+              <a:ext cx="2858371" cy="2768600"/>
+              <a:chOff x="624" y="-1872"/>
+              <a:chExt cx="1800" cy="1744"/>
+            </a:xfrm>
+          </p:grpSpPr>
+          <p:sp>
+            <p:nvSpPr>
+              <p:cNvPr id="8" name="Oval 7"/>
+              <p:cNvSpPr>
+                <a:spLocks/>
+              </p:cNvSpPr>
+              <p:nvPr/>
+            </p:nvSpPr>
+            <p:spPr bwMode="auto">
+              <a:xfrm>
+                <a:off x="1584" y="-480"/>
+                <a:ext cx="121" cy="112"/>
+              </a:xfrm>
+              <a:prstGeom prst="ellipse">
+                <a:avLst/>
+              </a:prstGeom>
+              <a:solidFill>
+                <a:schemeClr val="accent1"/>
+              </a:solidFill>
+              <a:ln w="25400">
+                <a:solidFill>
+                  <a:schemeClr val="tx2"/>
+                </a:solidFill>
+                <a:round/>
+                <a:headEnd/>
+                <a:tailEnd/>
+              </a:ln>
+            </p:spPr>
+            <p:txBody>
+              <a:bodyPr lIns="0" tIns="0" rIns="0" bIns="0"/>
+              <a:lstStyle>
+                <a:defPPr>
+                  <a:defRPr lang="en-US"/>
+                </a:defPPr>
+                <a:lvl1pPr algn="ctr" rtl="0" fontAlgn="base">
+                  <a:spcBef>
+                    <a:spcPct val="0"/>
+                  </a:spcBef>
+                  <a:spcAft>
+                    <a:spcPct val="0"/>
+                  </a:spcAft>
+                  <a:defRPr sz="4200" kern="1200">
+                    <a:solidFill>
+                      <a:srgbClr val="595650"/>
+                    </a:solidFill>
+                    <a:latin typeface="Baskerville" charset="0"/>
+                    <a:ea typeface="ヒラギノ明朝 Pro W3" charset="0"/>
+                    <a:cs typeface="ヒラギノ明朝 Pro W3" charset="0"/>
+                    <a:sym typeface="Baskerville" charset="0"/>
+                  </a:defRPr>
+                </a:lvl1pPr>
+                <a:lvl2pPr marL="457200" algn="ctr" rtl="0" fontAlgn="base">
+                  <a:spcBef>
+                    <a:spcPct val="0"/>
+                  </a:spcBef>
+                  <a:spcAft>
+                    <a:spcPct val="0"/>
+                  </a:spcAft>
+                  <a:defRPr sz="4200" kern="1200">
+                    <a:solidFill>
+                      <a:srgbClr val="595650"/>
+                    </a:solidFill>
+                    <a:latin typeface="Baskerville" charset="0"/>
+                    <a:ea typeface="ヒラギノ明朝 Pro W3" charset="0"/>
+                    <a:cs typeface="ヒラギノ明朝 Pro W3" charset="0"/>
+                    <a:sym typeface="Baskerville" charset="0"/>
+                  </a:defRPr>
+                </a:lvl2pPr>
+                <a:lvl3pPr marL="914400" algn="ctr" rtl="0" fontAlgn="base">
+                  <a:spcBef>
+                    <a:spcPct val="0"/>
+                  </a:spcBef>
+                  <a:spcAft>
+                    <a:spcPct val="0"/>
+                  </a:spcAft>
+                  <a:defRPr sz="4200" kern="1200">
+                    <a:solidFill>
+                      <a:srgbClr val="595650"/>
+                    </a:solidFill>
+                    <a:latin typeface="Baskerville" charset="0"/>
+                    <a:ea typeface="ヒラギノ明朝 Pro W3" charset="0"/>
+                    <a:cs typeface="ヒラギノ明朝 Pro W3" charset="0"/>
+                    <a:sym typeface="Baskerville" charset="0"/>
+                  </a:defRPr>
+                </a:lvl3pPr>
+                <a:lvl4pPr marL="1371600" algn="ctr" rtl="0" fontAlgn="base">
+                  <a:spcBef>
+                    <a:spcPct val="0"/>
+                  </a:spcBef>
+                  <a:spcAft>
+                    <a:spcPct val="0"/>
+                  </a:spcAft>
+                  <a:defRPr sz="4200" kern="1200">
+                    <a:solidFill>
+                      <a:srgbClr val="595650"/>
+                    </a:solidFill>
+                    <a:latin typeface="Baskerville" charset="0"/>
+                    <a:ea typeface="ヒラギノ明朝 Pro W3" charset="0"/>
+                    <a:cs typeface="ヒラギノ明朝 Pro W3" charset="0"/>
+                    <a:sym typeface="Baskerville" charset="0"/>
+                  </a:defRPr>
+                </a:lvl4pPr>
+                <a:lvl5pPr marL="1828800" algn="ctr" rtl="0" fontAlgn="base">
+                  <a:spcBef>
+                    <a:spcPct val="0"/>
+                  </a:spcBef>
+                  <a:spcAft>
+                    <a:spcPct val="0"/>
+                  </a:spcAft>
+                  <a:defRPr sz="4200" kern="1200">
+                    <a:solidFill>
+                      <a:srgbClr val="595650"/>
+                    </a:solidFill>
+                    <a:latin typeface="Baskerville" charset="0"/>
+                    <a:ea typeface="ヒラギノ明朝 Pro W3" charset="0"/>
+                    <a:cs typeface="ヒラギノ明朝 Pro W3" charset="0"/>
+                    <a:sym typeface="Baskerville" charset="0"/>
+                  </a:defRPr>
+                </a:lvl5pPr>
+                <a:lvl6pPr marL="2286000" algn="r" defTabSz="914400" rtl="1" eaLnBrk="1" latinLnBrk="0" hangingPunct="1">
+                  <a:defRPr sz="4200" kern="1200">
+                    <a:solidFill>
+                      <a:srgbClr val="595650"/>
+                    </a:solidFill>
+                    <a:latin typeface="Baskerville" charset="0"/>
+                    <a:ea typeface="ヒラギノ明朝 Pro W3" charset="0"/>
+                    <a:cs typeface="ヒラギノ明朝 Pro W3" charset="0"/>
+                    <a:sym typeface="Baskerville" charset="0"/>
+                  </a:defRPr>
+                </a:lvl6pPr>
+                <a:lvl7pPr marL="2743200" algn="r" defTabSz="914400" rtl="1" eaLnBrk="1" latinLnBrk="0" hangingPunct="1">
+                  <a:defRPr sz="4200" kern="1200">
+                    <a:solidFill>
+                      <a:srgbClr val="595650"/>
+                    </a:solidFill>
+                    <a:latin typeface="Baskerville" charset="0"/>
+                    <a:ea typeface="ヒラギノ明朝 Pro W3" charset="0"/>
+                    <a:cs typeface="ヒラギノ明朝 Pro W3" charset="0"/>
+                    <a:sym typeface="Baskerville" charset="0"/>
+                  </a:defRPr>
+                </a:lvl7pPr>
+                <a:lvl8pPr marL="3200400" algn="r" defTabSz="914400" rtl="1" eaLnBrk="1" latinLnBrk="0" hangingPunct="1">
+                  <a:defRPr sz="4200" kern="1200">
+                    <a:solidFill>
+                      <a:srgbClr val="595650"/>
+                    </a:solidFill>
+                    <a:latin typeface="Baskerville" charset="0"/>
+                    <a:ea typeface="ヒラギノ明朝 Pro W3" charset="0"/>
+                    <a:cs typeface="ヒラギノ明朝 Pro W3" charset="0"/>
+                    <a:sym typeface="Baskerville" charset="0"/>
+                  </a:defRPr>
+                </a:lvl8pPr>
+                <a:lvl9pPr marL="3657600" algn="r" defTabSz="914400" rtl="1" eaLnBrk="1" latinLnBrk="0" hangingPunct="1">
+                  <a:defRPr sz="4200" kern="1200">
+                    <a:solidFill>
+                      <a:srgbClr val="595650"/>
+                    </a:solidFill>
+                    <a:latin typeface="Baskerville" charset="0"/>
+                    <a:ea typeface="ヒラギノ明朝 Pro W3" charset="0"/>
+                    <a:cs typeface="ヒラギノ明朝 Pro W3" charset="0"/>
+                    <a:sym typeface="Baskerville" charset="0"/>
+                  </a:defRPr>
+                </a:lvl9pPr>
+              </a:lstStyle>
+              <a:p>
+                <a:endParaRPr lang="he-IL"/>
+              </a:p>
+            </p:txBody>
+          </p:sp>
+          <p:sp>
+            <p:nvSpPr>
+              <p:cNvPr id="9" name="Oval 8"/>
+              <p:cNvSpPr>
+                <a:spLocks/>
+              </p:cNvSpPr>
+              <p:nvPr/>
+            </p:nvSpPr>
+            <p:spPr bwMode="auto">
+              <a:xfrm>
+                <a:off x="1775" y="-912"/>
+                <a:ext cx="121" cy="112"/>
+              </a:xfrm>
+              <a:prstGeom prst="ellipse">
+                <a:avLst/>
+              </a:prstGeom>
+              <a:solidFill>
+                <a:schemeClr val="accent1"/>
+              </a:solidFill>
+              <a:ln w="25400">
+                <a:solidFill>
+                  <a:schemeClr val="tx2"/>
+                </a:solidFill>
+                <a:round/>
+                <a:headEnd/>
+                <a:tailEnd/>
+              </a:ln>
+            </p:spPr>
+            <p:txBody>
+              <a:bodyPr lIns="0" tIns="0" rIns="0" bIns="0"/>
+              <a:lstStyle>
+                <a:defPPr>
+                  <a:defRPr lang="en-US"/>
+                </a:defPPr>
+                <a:lvl1pPr algn="ctr" rtl="0" fontAlgn="base">
+                  <a:spcBef>
+                    <a:spcPct val="0"/>
+                  </a:spcBef>
+                  <a:spcAft>
+                    <a:spcPct val="0"/>
+                  </a:spcAft>
+                  <a:defRPr sz="4200" kern="1200">
+                    <a:solidFill>
+                      <a:srgbClr val="595650"/>
+                    </a:solidFill>
+                    <a:latin typeface="Baskerville" charset="0"/>
+                    <a:ea typeface="ヒラギノ明朝 Pro W3" charset="0"/>
+                    <a:cs typeface="ヒラギノ明朝 Pro W3" charset="0"/>
+                    <a:sym typeface="Baskerville" charset="0"/>
+                  </a:defRPr>
+                </a:lvl1pPr>
+                <a:lvl2pPr marL="457200" algn="ctr" rtl="0" fontAlgn="base">
+                  <a:spcBef>
+                    <a:spcPct val="0"/>
+                  </a:spcBef>
+                  <a:spcAft>
+                    <a:spcPct val="0"/>
+                  </a:spcAft>
+                  <a:defRPr sz="4200" kern="1200">
+                    <a:solidFill>
+                      <a:srgbClr val="595650"/>
+                    </a:solidFill>
+                    <a:latin typeface="Baskerville" charset="0"/>
+                    <a:ea typeface="ヒラギノ明朝 Pro W3" charset="0"/>
+                    <a:cs typeface="ヒラギノ明朝 Pro W3" charset="0"/>
+                    <a:sym typeface="Baskerville" charset="0"/>
+                  </a:defRPr>
+                </a:lvl2pPr>
+                <a:lvl3pPr marL="914400" algn="ctr" rtl="0" fontAlgn="base">
+                  <a:spcBef>
+                    <a:spcPct val="0"/>
+                  </a:spcBef>
+                  <a:spcAft>
+                    <a:spcPct val="0"/>
+                  </a:spcAft>
+                  <a:defRPr sz="4200" kern="1200">
+                    <a:solidFill>
+                      <a:srgbClr val="595650"/>
+                    </a:solidFill>
+                    <a:latin typeface="Baskerville" charset="0"/>
+                    <a:ea typeface="ヒラギノ明朝 Pro W3" charset="0"/>
+                    <a:cs typeface="ヒラギノ明朝 Pro W3" charset="0"/>
+                    <a:sym typeface="Baskerville" charset="0"/>
+                  </a:defRPr>
+                </a:lvl3pPr>
+                <a:lvl4pPr marL="1371600" algn="ctr" rtl="0" fontAlgn="base">
+                  <a:spcBef>
+                    <a:spcPct val="0"/>
+                  </a:spcBef>
+                  <a:spcAft>
+                    <a:spcPct val="0"/>
+                  </a:spcAft>
+                  <a:defRPr sz="4200" kern="1200">
+                    <a:solidFill>
+                      <a:srgbClr val="595650"/>
+                    </a:solidFill>
+                    <a:latin typeface="Baskerville" charset="0"/>
+                    <a:ea typeface="ヒラギノ明朝 Pro W3" charset="0"/>
+                    <a:cs typeface="ヒラギノ明朝 Pro W3" charset="0"/>
+                    <a:sym typeface="Baskerville" charset="0"/>
+                  </a:defRPr>
+                </a:lvl4pPr>
+                <a:lvl5pPr marL="1828800" algn="ctr" rtl="0" fontAlgn="base">
+                  <a:spcBef>
+                    <a:spcPct val="0"/>
+                  </a:spcBef>
+                  <a:spcAft>
+                    <a:spcPct val="0"/>
+                  </a:spcAft>
+                  <a:defRPr sz="4200" kern="1200">
+                    <a:solidFill>
+                      <a:srgbClr val="595650"/>
+                    </a:solidFill>
+                    <a:latin typeface="Baskerville" charset="0"/>
+                    <a:ea typeface="ヒラギノ明朝 Pro W3" charset="0"/>
+                    <a:cs typeface="ヒラギノ明朝 Pro W3" charset="0"/>
+                    <a:sym typeface="Baskerville" charset="0"/>
+                  </a:defRPr>
+                </a:lvl5pPr>
+                <a:lvl6pPr marL="2286000" algn="r" defTabSz="914400" rtl="1" eaLnBrk="1" latinLnBrk="0" hangingPunct="1">
+                  <a:defRPr sz="4200" kern="1200">
+                    <a:solidFill>
+                      <a:srgbClr val="595650"/>
+                    </a:solidFill>
+                    <a:latin typeface="Baskerville" charset="0"/>
+                    <a:ea typeface="ヒラギノ明朝 Pro W3" charset="0"/>
+                    <a:cs typeface="ヒラギノ明朝 Pro W3" charset="0"/>
+                    <a:sym typeface="Baskerville" charset="0"/>
+                  </a:defRPr>
+                </a:lvl6pPr>
+                <a:lvl7pPr marL="2743200" algn="r" defTabSz="914400" rtl="1" eaLnBrk="1" latinLnBrk="0" hangingPunct="1">
+                  <a:defRPr sz="4200" kern="1200">
+                    <a:solidFill>
+                      <a:srgbClr val="595650"/>
+                    </a:solidFill>
+                    <a:latin typeface="Baskerville" charset="0"/>
+                    <a:ea typeface="ヒラギノ明朝 Pro W3" charset="0"/>
+                    <a:cs typeface="ヒラギノ明朝 Pro W3" charset="0"/>
+                    <a:sym typeface="Baskerville" charset="0"/>
+                  </a:defRPr>
+                </a:lvl7pPr>
+                <a:lvl8pPr marL="3200400" algn="r" defTabSz="914400" rtl="1" eaLnBrk="1" latinLnBrk="0" hangingPunct="1">
+                  <a:defRPr sz="4200" kern="1200">
+                    <a:solidFill>
+                      <a:srgbClr val="595650"/>
+                    </a:solidFill>
+                    <a:latin typeface="Baskerville" charset="0"/>
+                    <a:ea typeface="ヒラギノ明朝 Pro W3" charset="0"/>
+                    <a:cs typeface="ヒラギノ明朝 Pro W3" charset="0"/>
+                    <a:sym typeface="Baskerville" charset="0"/>
+                  </a:defRPr>
+                </a:lvl8pPr>
+                <a:lvl9pPr marL="3657600" algn="r" defTabSz="914400" rtl="1" eaLnBrk="1" latinLnBrk="0" hangingPunct="1">
+                  <a:defRPr sz="4200" kern="1200">
+                    <a:solidFill>
+                      <a:srgbClr val="595650"/>
+                    </a:solidFill>
+                    <a:latin typeface="Baskerville" charset="0"/>
+                    <a:ea typeface="ヒラギノ明朝 Pro W3" charset="0"/>
+                    <a:cs typeface="ヒラギノ明朝 Pro W3" charset="0"/>
+                    <a:sym typeface="Baskerville" charset="0"/>
+                  </a:defRPr>
+                </a:lvl9pPr>
+              </a:lstStyle>
+              <a:p>
+                <a:endParaRPr lang="he-IL"/>
+              </a:p>
+            </p:txBody>
+          </p:sp>
+          <p:sp>
+            <p:nvSpPr>
+              <p:cNvPr id="10" name="Oval 9"/>
+              <p:cNvSpPr>
+                <a:spLocks/>
+              </p:cNvSpPr>
+              <p:nvPr/>
+            </p:nvSpPr>
+            <p:spPr bwMode="auto">
+              <a:xfrm>
+                <a:off x="2015" y="-240"/>
+                <a:ext cx="121" cy="112"/>
+              </a:xfrm>
+              <a:prstGeom prst="ellipse">
+                <a:avLst/>
+              </a:prstGeom>
+              <a:solidFill>
+                <a:schemeClr val="accent1"/>
+              </a:solidFill>
+              <a:ln w="25400">
+                <a:solidFill>
+                  <a:schemeClr val="tx2"/>
+                </a:solidFill>
+                <a:round/>
+                <a:headEnd/>
+                <a:tailEnd/>
+              </a:ln>
+            </p:spPr>
+            <p:txBody>
+              <a:bodyPr lIns="0" tIns="0" rIns="0" bIns="0"/>
+              <a:lstStyle>
+                <a:defPPr>
+                  <a:defRPr lang="en-US"/>
+                </a:defPPr>
+                <a:lvl1pPr algn="ctr" rtl="0" fontAlgn="base">
+                  <a:spcBef>
+                    <a:spcPct val="0"/>
+                  </a:spcBef>
+                  <a:spcAft>
+                    <a:spcPct val="0"/>
+                  </a:spcAft>
+                  <a:defRPr sz="4200" kern="1200">
+                    <a:solidFill>
+                      <a:srgbClr val="595650"/>
+                    </a:solidFill>
+                    <a:latin typeface="Baskerville" charset="0"/>
+                    <a:ea typeface="ヒラギノ明朝 Pro W3" charset="0"/>
+                    <a:cs typeface="ヒラギノ明朝 Pro W3" charset="0"/>
+                    <a:sym typeface="Baskerville" charset="0"/>
+                  </a:defRPr>
+                </a:lvl1pPr>
+                <a:lvl2pPr marL="457200" algn="ctr" rtl="0" fontAlgn="base">
+                  <a:spcBef>
+                    <a:spcPct val="0"/>
+                  </a:spcBef>
+                  <a:spcAft>
+                    <a:spcPct val="0"/>
+                  </a:spcAft>
+                  <a:defRPr sz="4200" kern="1200">
+                    <a:solidFill>
+                      <a:srgbClr val="595650"/>
+                    </a:solidFill>
+                    <a:latin typeface="Baskerville" charset="0"/>
+                    <a:ea typeface="ヒラギノ明朝 Pro W3" charset="0"/>
+                    <a:cs typeface="ヒラギノ明朝 Pro W3" charset="0"/>
+                    <a:sym typeface="Baskerville" charset="0"/>
+                  </a:defRPr>
+                </a:lvl2pPr>
+                <a:lvl3pPr marL="914400" algn="ctr" rtl="0" fontAlgn="base">
+                  <a:spcBef>
+                    <a:spcPct val="0"/>
+                  </a:spcBef>
+                  <a:spcAft>
+                    <a:spcPct val="0"/>
+                  </a:spcAft>
+                  <a:defRPr sz="4200" kern="1200">
+                    <a:solidFill>
+                      <a:srgbClr val="595650"/>
+                    </a:solidFill>
+                    <a:latin typeface="Baskerville" charset="0"/>
+                    <a:ea typeface="ヒラギノ明朝 Pro W3" charset="0"/>
+                    <a:cs typeface="ヒラギノ明朝 Pro W3" charset="0"/>
+                    <a:sym typeface="Baskerville" charset="0"/>
+                  </a:defRPr>
+                </a:lvl3pPr>
+                <a:lvl4pPr marL="1371600" algn="ctr" rtl="0" fontAlgn="base">
+                  <a:spcBef>
+                    <a:spcPct val="0"/>
+                  </a:spcBef>
+                  <a:spcAft>
+                    <a:spcPct val="0"/>
+                  </a:spcAft>
+                  <a:defRPr sz="4200" kern="1200">
+                    <a:solidFill>
+                      <a:srgbClr val="595650"/>
+                    </a:solidFill>
+                    <a:latin typeface="Baskerville" charset="0"/>
+                    <a:ea typeface="ヒラギノ明朝 Pro W3" charset="0"/>
+                    <a:cs typeface="ヒラギノ明朝 Pro W3" charset="0"/>
+                    <a:sym typeface="Baskerville" charset="0"/>
+                  </a:defRPr>
+                </a:lvl4pPr>
+                <a:lvl5pPr marL="1828800" algn="ctr" rtl="0" fontAlgn="base">
+                  <a:spcBef>
+                    <a:spcPct val="0"/>
+                  </a:spcBef>
+                  <a:spcAft>
+                    <a:spcPct val="0"/>
+                  </a:spcAft>
+                  <a:defRPr sz="4200" kern="1200">
+                    <a:solidFill>
+                      <a:srgbClr val="595650"/>
+                    </a:solidFill>
+                    <a:latin typeface="Baskerville" charset="0"/>
+                    <a:ea typeface="ヒラギノ明朝 Pro W3" charset="0"/>
+                    <a:cs typeface="ヒラギノ明朝 Pro W3" charset="0"/>
+                    <a:sym typeface="Baskerville" charset="0"/>
+                  </a:defRPr>
+                </a:lvl5pPr>
+                <a:lvl6pPr marL="2286000" algn="r" defTabSz="914400" rtl="1" eaLnBrk="1" latinLnBrk="0" hangingPunct="1">
+                  <a:defRPr sz="4200" kern="1200">
+                    <a:solidFill>
+                      <a:srgbClr val="595650"/>
+                    </a:solidFill>
+                    <a:latin typeface="Baskerville" charset="0"/>
+                    <a:ea typeface="ヒラギノ明朝 Pro W3" charset="0"/>
+                    <a:cs typeface="ヒラギノ明朝 Pro W3" charset="0"/>
+                    <a:sym typeface="Baskerville" charset="0"/>
+                  </a:defRPr>
+                </a:lvl6pPr>
+                <a:lvl7pPr marL="2743200" algn="r" defTabSz="914400" rtl="1" eaLnBrk="1" latinLnBrk="0" hangingPunct="1">
+                  <a:defRPr sz="4200" kern="1200">
+                    <a:solidFill>
+                      <a:srgbClr val="595650"/>
+                    </a:solidFill>
+                    <a:latin typeface="Baskerville" charset="0"/>
+                    <a:ea typeface="ヒラギノ明朝 Pro W3" charset="0"/>
+                    <a:cs typeface="ヒラギノ明朝 Pro W3" charset="0"/>
+                    <a:sym typeface="Baskerville" charset="0"/>
+                  </a:defRPr>
+                </a:lvl7pPr>
+                <a:lvl8pPr marL="3200400" algn="r" defTabSz="914400" rtl="1" eaLnBrk="1" latinLnBrk="0" hangingPunct="1">
+                  <a:defRPr sz="4200" kern="1200">
+                    <a:solidFill>
+                      <a:srgbClr val="595650"/>
+                    </a:solidFill>
+                    <a:latin typeface="Baskerville" charset="0"/>
+                    <a:ea typeface="ヒラギノ明朝 Pro W3" charset="0"/>
+                    <a:cs typeface="ヒラギノ明朝 Pro W3" charset="0"/>
+                    <a:sym typeface="Baskerville" charset="0"/>
+                  </a:defRPr>
+                </a:lvl8pPr>
+                <a:lvl9pPr marL="3657600" algn="r" defTabSz="914400" rtl="1" eaLnBrk="1" latinLnBrk="0" hangingPunct="1">
+                  <a:defRPr sz="4200" kern="1200">
+                    <a:solidFill>
+                      <a:srgbClr val="595650"/>
+                    </a:solidFill>
+                    <a:latin typeface="Baskerville" charset="0"/>
+                    <a:ea typeface="ヒラギノ明朝 Pro W3" charset="0"/>
+                    <a:cs typeface="ヒラギノ明朝 Pro W3" charset="0"/>
+                    <a:sym typeface="Baskerville" charset="0"/>
+                  </a:defRPr>
+                </a:lvl9pPr>
+              </a:lstStyle>
+              <a:p>
+                <a:endParaRPr lang="he-IL"/>
+              </a:p>
+            </p:txBody>
+          </p:sp>
+          <p:sp>
+            <p:nvSpPr>
+              <p:cNvPr id="11" name="Oval 10"/>
+              <p:cNvSpPr>
+                <a:spLocks/>
+              </p:cNvSpPr>
+              <p:nvPr/>
+            </p:nvSpPr>
+            <p:spPr bwMode="auto">
+              <a:xfrm>
+                <a:off x="1679" y="-1776"/>
+                <a:ext cx="121" cy="112"/>
+              </a:xfrm>
+              <a:prstGeom prst="ellipse">
+                <a:avLst/>
+              </a:prstGeom>
+              <a:solidFill>
+                <a:schemeClr val="accent1"/>
+              </a:solidFill>
+              <a:ln w="25400">
+                <a:solidFill>
+                  <a:schemeClr val="tx2"/>
+                </a:solidFill>
+                <a:round/>
+                <a:headEnd/>
+                <a:tailEnd/>
+              </a:ln>
+            </p:spPr>
+            <p:txBody>
+              <a:bodyPr lIns="0" tIns="0" rIns="0" bIns="0"/>
+              <a:lstStyle>
+                <a:defPPr>
+                  <a:defRPr lang="en-US"/>
+                </a:defPPr>
+                <a:lvl1pPr algn="ctr" rtl="0" fontAlgn="base">
+                  <a:spcBef>
+                    <a:spcPct val="0"/>
+                  </a:spcBef>
+                  <a:spcAft>
+                    <a:spcPct val="0"/>
+                  </a:spcAft>
+                  <a:defRPr sz="4200" kern="1200">
+                    <a:solidFill>
+                      <a:srgbClr val="595650"/>
+                    </a:solidFill>
+                    <a:latin typeface="Baskerville" charset="0"/>
+                    <a:ea typeface="ヒラギノ明朝 Pro W3" charset="0"/>
+                    <a:cs typeface="ヒラギノ明朝 Pro W3" charset="0"/>
+                    <a:sym typeface="Baskerville" charset="0"/>
+                  </a:defRPr>
+                </a:lvl1pPr>
+                <a:lvl2pPr marL="457200" algn="ctr" rtl="0" fontAlgn="base">
+                  <a:spcBef>
+                    <a:spcPct val="0"/>
+                  </a:spcBef>
+                  <a:spcAft>
+                    <a:spcPct val="0"/>
+                  </a:spcAft>
+                  <a:defRPr sz="4200" kern="1200">
+                    <a:solidFill>
+                      <a:srgbClr val="595650"/>
+                    </a:solidFill>
+                    <a:latin typeface="Baskerville" charset="0"/>
+                    <a:ea typeface="ヒラギノ明朝 Pro W3" charset="0"/>
+                    <a:cs typeface="ヒラギノ明朝 Pro W3" charset="0"/>
+                    <a:sym typeface="Baskerville" charset="0"/>
+                  </a:defRPr>
+                </a:lvl2pPr>
+                <a:lvl3pPr marL="914400" algn="ctr" rtl="0" fontAlgn="base">
+                  <a:spcBef>
+                    <a:spcPct val="0"/>
+                  </a:spcBef>
+                  <a:spcAft>
+                    <a:spcPct val="0"/>
+                  </a:spcAft>
+                  <a:defRPr sz="4200" kern="1200">
+                    <a:solidFill>
+                      <a:srgbClr val="595650"/>
+                    </a:solidFill>
+                    <a:latin typeface="Baskerville" charset="0"/>
+                    <a:ea typeface="ヒラギノ明朝 Pro W3" charset="0"/>
+                    <a:cs typeface="ヒラギノ明朝 Pro W3" charset="0"/>
+                    <a:sym typeface="Baskerville" charset="0"/>
+                  </a:defRPr>
+                </a:lvl3pPr>
+                <a:lvl4pPr marL="1371600" algn="ctr" rtl="0" fontAlgn="base">
+                  <a:spcBef>
+                    <a:spcPct val="0"/>
+                  </a:spcBef>
+                  <a:spcAft>
+                    <a:spcPct val="0"/>
+                  </a:spcAft>
+                  <a:defRPr sz="4200" kern="1200">
+                    <a:solidFill>
+                      <a:srgbClr val="595650"/>
+                    </a:solidFill>
+                    <a:latin typeface="Baskerville" charset="0"/>
+                    <a:ea typeface="ヒラギノ明朝 Pro W3" charset="0"/>
+                    <a:cs typeface="ヒラギノ明朝 Pro W3" charset="0"/>
+                    <a:sym typeface="Baskerville" charset="0"/>
+                  </a:defRPr>
+                </a:lvl4pPr>
+                <a:lvl5pPr marL="1828800" algn="ctr" rtl="0" fontAlgn="base">
+                  <a:spcBef>
+                    <a:spcPct val="0"/>
+                  </a:spcBef>
+                  <a:spcAft>
+                    <a:spcPct val="0"/>
+                  </a:spcAft>
+                  <a:defRPr sz="4200" kern="1200">
+                    <a:solidFill>
+                      <a:srgbClr val="595650"/>
+                    </a:solidFill>
+                    <a:latin typeface="Baskerville" charset="0"/>
+                    <a:ea typeface="ヒラギノ明朝 Pro W3" charset="0"/>
+                    <a:cs typeface="ヒラギノ明朝 Pro W3" charset="0"/>
+                    <a:sym typeface="Baskerville" charset="0"/>
+                  </a:defRPr>
+                </a:lvl5pPr>
+                <a:lvl6pPr marL="2286000" algn="r" defTabSz="914400" rtl="1" eaLnBrk="1" latinLnBrk="0" hangingPunct="1">
+                  <a:defRPr sz="4200" kern="1200">
+                    <a:solidFill>
+                      <a:srgbClr val="595650"/>
+                    </a:solidFill>
+                    <a:latin typeface="Baskerville" charset="0"/>
+                    <a:ea typeface="ヒラギノ明朝 Pro W3" charset="0"/>
+                    <a:cs typeface="ヒラギノ明朝 Pro W3" charset="0"/>
+                    <a:sym typeface="Baskerville" charset="0"/>
+                  </a:defRPr>
+                </a:lvl6pPr>
+                <a:lvl7pPr marL="2743200" algn="r" defTabSz="914400" rtl="1" eaLnBrk="1" latinLnBrk="0" hangingPunct="1">
+                  <a:defRPr sz="4200" kern="1200">
+                    <a:solidFill>
+                      <a:srgbClr val="595650"/>
+                    </a:solidFill>
+                    <a:latin typeface="Baskerville" charset="0"/>
+                    <a:ea typeface="ヒラギノ明朝 Pro W3" charset="0"/>
+                    <a:cs typeface="ヒラギノ明朝 Pro W3" charset="0"/>
+                    <a:sym typeface="Baskerville" charset="0"/>
+                  </a:defRPr>
+                </a:lvl7pPr>
+                <a:lvl8pPr marL="3200400" algn="r" defTabSz="914400" rtl="1" eaLnBrk="1" latinLnBrk="0" hangingPunct="1">
+                  <a:defRPr sz="4200" kern="1200">
+                    <a:solidFill>
+                      <a:srgbClr val="595650"/>
+                    </a:solidFill>
+                    <a:latin typeface="Baskerville" charset="0"/>
+                    <a:ea typeface="ヒラギノ明朝 Pro W3" charset="0"/>
+                    <a:cs typeface="ヒラギノ明朝 Pro W3" charset="0"/>
+                    <a:sym typeface="Baskerville" charset="0"/>
+                  </a:defRPr>
+                </a:lvl8pPr>
+                <a:lvl9pPr marL="3657600" algn="r" defTabSz="914400" rtl="1" eaLnBrk="1" latinLnBrk="0" hangingPunct="1">
+                  <a:defRPr sz="4200" kern="1200">
+                    <a:solidFill>
+                      <a:srgbClr val="595650"/>
+                    </a:solidFill>
+                    <a:latin typeface="Baskerville" charset="0"/>
+                    <a:ea typeface="ヒラギノ明朝 Pro W3" charset="0"/>
+                    <a:cs typeface="ヒラギノ明朝 Pro W3" charset="0"/>
+                    <a:sym typeface="Baskerville" charset="0"/>
+                  </a:defRPr>
+                </a:lvl9pPr>
+              </a:lstStyle>
+              <a:p>
+                <a:endParaRPr lang="he-IL"/>
+              </a:p>
+            </p:txBody>
+          </p:sp>
+          <p:sp>
+            <p:nvSpPr>
+              <p:cNvPr id="12" name="Oval 11"/>
+              <p:cNvSpPr>
+                <a:spLocks/>
+              </p:cNvSpPr>
+              <p:nvPr/>
+            </p:nvSpPr>
+            <p:spPr bwMode="auto">
+              <a:xfrm>
+                <a:off x="768" y="-1104"/>
+                <a:ext cx="121" cy="112"/>
+              </a:xfrm>
+              <a:prstGeom prst="ellipse">
+                <a:avLst/>
+              </a:prstGeom>
+              <a:solidFill>
+                <a:schemeClr val="accent1"/>
+              </a:solidFill>
+              <a:ln w="25400">
+                <a:solidFill>
+                  <a:schemeClr val="tx2"/>
+                </a:solidFill>
+                <a:round/>
+                <a:headEnd/>
+                <a:tailEnd/>
+              </a:ln>
+            </p:spPr>
+            <p:txBody>
+              <a:bodyPr lIns="0" tIns="0" rIns="0" bIns="0"/>
+              <a:lstStyle>
+                <a:defPPr>
+                  <a:defRPr lang="en-US"/>
+                </a:defPPr>
+                <a:lvl1pPr algn="ctr" rtl="0" fontAlgn="base">
+                  <a:spcBef>
+                    <a:spcPct val="0"/>
+                  </a:spcBef>
+                  <a:spcAft>
+                    <a:spcPct val="0"/>
+                  </a:spcAft>
+                  <a:defRPr sz="4200" kern="1200">
+                    <a:solidFill>
+                      <a:srgbClr val="595650"/>
+                    </a:solidFill>
+                    <a:latin typeface="Baskerville" charset="0"/>
+                    <a:ea typeface="ヒラギノ明朝 Pro W3" charset="0"/>
+                    <a:cs typeface="ヒラギノ明朝 Pro W3" charset="0"/>
+                    <a:sym typeface="Baskerville" charset="0"/>
+                  </a:defRPr>
+                </a:lvl1pPr>
+                <a:lvl2pPr marL="457200" algn="ctr" rtl="0" fontAlgn="base">
+                  <a:spcBef>
+                    <a:spcPct val="0"/>
+                  </a:spcBef>
+                  <a:spcAft>
+                    <a:spcPct val="0"/>
+                  </a:spcAft>
+                  <a:defRPr sz="4200" kern="1200">
+                    <a:solidFill>
+                      <a:srgbClr val="595650"/>
+                    </a:solidFill>
+                    <a:latin typeface="Baskerville" charset="0"/>
+                    <a:ea typeface="ヒラギノ明朝 Pro W3" charset="0"/>
+                    <a:cs typeface="ヒラギノ明朝 Pro W3" charset="0"/>
+                    <a:sym typeface="Baskerville" charset="0"/>
+                  </a:defRPr>
+                </a:lvl2pPr>
+                <a:lvl3pPr marL="914400" algn="ctr" rtl="0" fontAlgn="base">
+                  <a:spcBef>
+                    <a:spcPct val="0"/>
+                  </a:spcBef>
+                  <a:spcAft>
+                    <a:spcPct val="0"/>
+                  </a:spcAft>
+                  <a:defRPr sz="4200" kern="1200">
+                    <a:solidFill>
+                      <a:srgbClr val="595650"/>
+                    </a:solidFill>
+                    <a:latin typeface="Baskerville" charset="0"/>
+                    <a:ea typeface="ヒラギノ明朝 Pro W3" charset="0"/>
+                    <a:cs typeface="ヒラギノ明朝 Pro W3" charset="0"/>
+                    <a:sym typeface="Baskerville" charset="0"/>
+                  </a:defRPr>
+                </a:lvl3pPr>
+                <a:lvl4pPr marL="1371600" algn="ctr" rtl="0" fontAlgn="base">
+                  <a:spcBef>
+                    <a:spcPct val="0"/>
+                  </a:spcBef>
+                  <a:spcAft>
+                    <a:spcPct val="0"/>
+                  </a:spcAft>
+                  <a:defRPr sz="4200" kern="1200">
+                    <a:solidFill>
+                      <a:srgbClr val="595650"/>
+                    </a:solidFill>
+                    <a:latin typeface="Baskerville" charset="0"/>
+                    <a:ea typeface="ヒラギノ明朝 Pro W3" charset="0"/>
+                    <a:cs typeface="ヒラギノ明朝 Pro W3" charset="0"/>
+                    <a:sym typeface="Baskerville" charset="0"/>
+                  </a:defRPr>
+                </a:lvl4pPr>
+                <a:lvl5pPr marL="1828800" algn="ctr" rtl="0" fontAlgn="base">
+                  <a:spcBef>
+                    <a:spcPct val="0"/>
+                  </a:spcBef>
+                  <a:spcAft>
+                    <a:spcPct val="0"/>
+                  </a:spcAft>
+                  <a:defRPr sz="4200" kern="1200">
+                    <a:solidFill>
+                      <a:srgbClr val="595650"/>
+                    </a:solidFill>
+                    <a:latin typeface="Baskerville" charset="0"/>
+                    <a:ea typeface="ヒラギノ明朝 Pro W3" charset="0"/>
+                    <a:cs typeface="ヒラギノ明朝 Pro W3" charset="0"/>
+                    <a:sym typeface="Baskerville" charset="0"/>
+                  </a:defRPr>
+                </a:lvl5pPr>
+                <a:lvl6pPr marL="2286000" algn="r" defTabSz="914400" rtl="1" eaLnBrk="1" latinLnBrk="0" hangingPunct="1">
+                  <a:defRPr sz="4200" kern="1200">
+                    <a:solidFill>
+                      <a:srgbClr val="595650"/>
+                    </a:solidFill>
+                    <a:latin typeface="Baskerville" charset="0"/>
+                    <a:ea typeface="ヒラギノ明朝 Pro W3" charset="0"/>
+                    <a:cs typeface="ヒラギノ明朝 Pro W3" charset="0"/>
+                    <a:sym typeface="Baskerville" charset="0"/>
+                  </a:defRPr>
+                </a:lvl6pPr>
+                <a:lvl7pPr marL="2743200" algn="r" defTabSz="914400" rtl="1" eaLnBrk="1" latinLnBrk="0" hangingPunct="1">
+                  <a:defRPr sz="4200" kern="1200">
+                    <a:solidFill>
+                      <a:srgbClr val="595650"/>
+                    </a:solidFill>
+                    <a:latin typeface="Baskerville" charset="0"/>
+                    <a:ea typeface="ヒラギノ明朝 Pro W3" charset="0"/>
+                    <a:cs typeface="ヒラギノ明朝 Pro W3" charset="0"/>
+                    <a:sym typeface="Baskerville" charset="0"/>
+                  </a:defRPr>
+                </a:lvl7pPr>
+                <a:lvl8pPr marL="3200400" algn="r" defTabSz="914400" rtl="1" eaLnBrk="1" latinLnBrk="0" hangingPunct="1">
+                  <a:defRPr sz="4200" kern="1200">
+                    <a:solidFill>
+                      <a:srgbClr val="595650"/>
+                    </a:solidFill>
+                    <a:latin typeface="Baskerville" charset="0"/>
+                    <a:ea typeface="ヒラギノ明朝 Pro W3" charset="0"/>
+                    <a:cs typeface="ヒラギノ明朝 Pro W3" charset="0"/>
+                    <a:sym typeface="Baskerville" charset="0"/>
+                  </a:defRPr>
+                </a:lvl8pPr>
+                <a:lvl9pPr marL="3657600" algn="r" defTabSz="914400" rtl="1" eaLnBrk="1" latinLnBrk="0" hangingPunct="1">
+                  <a:defRPr sz="4200" kern="1200">
+                    <a:solidFill>
+                      <a:srgbClr val="595650"/>
+                    </a:solidFill>
+                    <a:latin typeface="Baskerville" charset="0"/>
+                    <a:ea typeface="ヒラギノ明朝 Pro W3" charset="0"/>
+                    <a:cs typeface="ヒラギノ明朝 Pro W3" charset="0"/>
+                    <a:sym typeface="Baskerville" charset="0"/>
+                  </a:defRPr>
+                </a:lvl9pPr>
+              </a:lstStyle>
+              <a:p>
+                <a:endParaRPr lang="he-IL"/>
+              </a:p>
+            </p:txBody>
+          </p:sp>
+          <p:sp>
+            <p:nvSpPr>
+              <p:cNvPr id="13" name="Oval 12"/>
+              <p:cNvSpPr>
+                <a:spLocks/>
+              </p:cNvSpPr>
+              <p:nvPr/>
+            </p:nvSpPr>
+            <p:spPr bwMode="auto">
+              <a:xfrm>
+                <a:off x="1248" y="-1248"/>
+                <a:ext cx="121" cy="112"/>
+              </a:xfrm>
+              <a:prstGeom prst="ellipse">
+                <a:avLst/>
+              </a:prstGeom>
+              <a:solidFill>
+                <a:schemeClr val="accent1"/>
+              </a:solidFill>
+              <a:ln w="25400">
+                <a:solidFill>
+                  <a:schemeClr val="tx2"/>
+                </a:solidFill>
+                <a:round/>
+                <a:headEnd/>
+                <a:tailEnd/>
+              </a:ln>
+            </p:spPr>
+            <p:txBody>
+              <a:bodyPr lIns="0" tIns="0" rIns="0" bIns="0"/>
+              <a:lstStyle>
+                <a:defPPr>
+                  <a:defRPr lang="en-US"/>
+                </a:defPPr>
+                <a:lvl1pPr algn="ctr" rtl="0" fontAlgn="base">
+                  <a:spcBef>
+                    <a:spcPct val="0"/>
+                  </a:spcBef>
+                  <a:spcAft>
+                    <a:spcPct val="0"/>
+                  </a:spcAft>
+                  <a:defRPr sz="4200" kern="1200">
+                    <a:solidFill>
+                      <a:srgbClr val="595650"/>
+                    </a:solidFill>
+                    <a:latin typeface="Baskerville" charset="0"/>
+                    <a:ea typeface="ヒラギノ明朝 Pro W3" charset="0"/>
+                    <a:cs typeface="ヒラギノ明朝 Pro W3" charset="0"/>
+                    <a:sym typeface="Baskerville" charset="0"/>
+                  </a:defRPr>
+                </a:lvl1pPr>
+                <a:lvl2pPr marL="457200" algn="ctr" rtl="0" fontAlgn="base">
+                  <a:spcBef>
+                    <a:spcPct val="0"/>
+                  </a:spcBef>
+                  <a:spcAft>
+                    <a:spcPct val="0"/>
+                  </a:spcAft>
+                  <a:defRPr sz="4200" kern="1200">
+                    <a:solidFill>
+                      <a:srgbClr val="595650"/>
+                    </a:solidFill>
+                    <a:latin typeface="Baskerville" charset="0"/>
+                    <a:ea typeface="ヒラギノ明朝 Pro W3" charset="0"/>
+                    <a:cs typeface="ヒラギノ明朝 Pro W3" charset="0"/>
+                    <a:sym typeface="Baskerville" charset="0"/>
+                  </a:defRPr>
+                </a:lvl2pPr>
+                <a:lvl3pPr marL="914400" algn="ctr" rtl="0" fontAlgn="base">
+                  <a:spcBef>
+                    <a:spcPct val="0"/>
+                  </a:spcBef>
+                  <a:spcAft>
+                    <a:spcPct val="0"/>
+                  </a:spcAft>
+                  <a:defRPr sz="4200" kern="1200">
+                    <a:solidFill>
+                      <a:srgbClr val="595650"/>
+                    </a:solidFill>
+                    <a:latin typeface="Baskerville" charset="0"/>
+                    <a:ea typeface="ヒラギノ明朝 Pro W3" charset="0"/>
+                    <a:cs typeface="ヒラギノ明朝 Pro W3" charset="0"/>
+                    <a:sym typeface="Baskerville" charset="0"/>
+                  </a:defRPr>
+                </a:lvl3pPr>
+                <a:lvl4pPr marL="1371600" algn="ctr" rtl="0" fontAlgn="base">
+                  <a:spcBef>
+                    <a:spcPct val="0"/>
+                  </a:spcBef>
+                  <a:spcAft>
+                    <a:spcPct val="0"/>
+                  </a:spcAft>
+                  <a:defRPr sz="4200" kern="1200">
+                    <a:solidFill>
+                      <a:srgbClr val="595650"/>
+                    </a:solidFill>
+                    <a:latin typeface="Baskerville" charset="0"/>
+                    <a:ea typeface="ヒラギノ明朝 Pro W3" charset="0"/>
+                    <a:cs typeface="ヒラギノ明朝 Pro W3" charset="0"/>
+                    <a:sym typeface="Baskerville" charset="0"/>
+                  </a:defRPr>
+                </a:lvl4pPr>
+                <a:lvl5pPr marL="1828800" algn="ctr" rtl="0" fontAlgn="base">
+                  <a:spcBef>
+                    <a:spcPct val="0"/>
+                  </a:spcBef>
+                  <a:spcAft>
+                    <a:spcPct val="0"/>
+                  </a:spcAft>
+                  <a:defRPr sz="4200" kern="1200">
+                    <a:solidFill>
+                      <a:srgbClr val="595650"/>
+                    </a:solidFill>
+                    <a:latin typeface="Baskerville" charset="0"/>
+                    <a:ea typeface="ヒラギノ明朝 Pro W3" charset="0"/>
+                    <a:cs typeface="ヒラギノ明朝 Pro W3" charset="0"/>
+                    <a:sym typeface="Baskerville" charset="0"/>
+                  </a:defRPr>
+                </a:lvl5pPr>
+                <a:lvl6pPr marL="2286000" algn="r" defTabSz="914400" rtl="1" eaLnBrk="1" latinLnBrk="0" hangingPunct="1">
+                  <a:defRPr sz="4200" kern="1200">
+                    <a:solidFill>
+                      <a:srgbClr val="595650"/>
+                    </a:solidFill>
+                    <a:latin typeface="Baskerville" charset="0"/>
+                    <a:ea typeface="ヒラギノ明朝 Pro W3" charset="0"/>
+                    <a:cs typeface="ヒラギノ明朝 Pro W3" charset="0"/>
+                    <a:sym typeface="Baskerville" charset="0"/>
+                  </a:defRPr>
+                </a:lvl6pPr>
+                <a:lvl7pPr marL="2743200" algn="r" defTabSz="914400" rtl="1" eaLnBrk="1" latinLnBrk="0" hangingPunct="1">
+                  <a:defRPr sz="4200" kern="1200">
+                    <a:solidFill>
+                      <a:srgbClr val="595650"/>
+                    </a:solidFill>
+                    <a:latin typeface="Baskerville" charset="0"/>
+                    <a:ea typeface="ヒラギノ明朝 Pro W3" charset="0"/>
+                    <a:cs typeface="ヒラギノ明朝 Pro W3" charset="0"/>
+                    <a:sym typeface="Baskerville" charset="0"/>
+                  </a:defRPr>
+                </a:lvl7pPr>
+                <a:lvl8pPr marL="3200400" algn="r" defTabSz="914400" rtl="1" eaLnBrk="1" latinLnBrk="0" hangingPunct="1">
+                  <a:defRPr sz="4200" kern="1200">
+                    <a:solidFill>
+                      <a:srgbClr val="595650"/>
+                    </a:solidFill>
+                    <a:latin typeface="Baskerville" charset="0"/>
+                    <a:ea typeface="ヒラギノ明朝 Pro W3" charset="0"/>
+                    <a:cs typeface="ヒラギノ明朝 Pro W3" charset="0"/>
+                    <a:sym typeface="Baskerville" charset="0"/>
+                  </a:defRPr>
+                </a:lvl8pPr>
+                <a:lvl9pPr marL="3657600" algn="r" defTabSz="914400" rtl="1" eaLnBrk="1" latinLnBrk="0" hangingPunct="1">
+                  <a:defRPr sz="4200" kern="1200">
+                    <a:solidFill>
+                      <a:srgbClr val="595650"/>
+                    </a:solidFill>
+                    <a:latin typeface="Baskerville" charset="0"/>
+                    <a:ea typeface="ヒラギノ明朝 Pro W3" charset="0"/>
+                    <a:cs typeface="ヒラギノ明朝 Pro W3" charset="0"/>
+                    <a:sym typeface="Baskerville" charset="0"/>
+                  </a:defRPr>
+                </a:lvl9pPr>
+              </a:lstStyle>
+              <a:p>
+                <a:endParaRPr lang="he-IL"/>
+              </a:p>
+            </p:txBody>
+          </p:sp>
+          <p:sp>
+            <p:nvSpPr>
+              <p:cNvPr id="14" name="Oval 13"/>
+              <p:cNvSpPr>
+                <a:spLocks/>
+              </p:cNvSpPr>
+              <p:nvPr/>
+            </p:nvSpPr>
+            <p:spPr bwMode="auto">
+              <a:xfrm>
+                <a:off x="1823" y="-1344"/>
+                <a:ext cx="121" cy="112"/>
+              </a:xfrm>
+              <a:prstGeom prst="ellipse">
+                <a:avLst/>
+              </a:prstGeom>
+              <a:solidFill>
+                <a:schemeClr val="accent1"/>
+              </a:solidFill>
+              <a:ln w="25400">
+                <a:solidFill>
+                  <a:schemeClr val="tx2"/>
+                </a:solidFill>
+                <a:round/>
+                <a:headEnd/>
+                <a:tailEnd/>
+              </a:ln>
+            </p:spPr>
+            <p:txBody>
+              <a:bodyPr lIns="0" tIns="0" rIns="0" bIns="0"/>
+              <a:lstStyle>
+                <a:defPPr>
+                  <a:defRPr lang="en-US"/>
+                </a:defPPr>
+                <a:lvl1pPr algn="ctr" rtl="0" fontAlgn="base">
+                  <a:spcBef>
+                    <a:spcPct val="0"/>
+                  </a:spcBef>
+                  <a:spcAft>
+                    <a:spcPct val="0"/>
+                  </a:spcAft>
+                  <a:defRPr sz="4200" kern="1200">
+                    <a:solidFill>
+                      <a:srgbClr val="595650"/>
+                    </a:solidFill>
+                    <a:latin typeface="Baskerville" charset="0"/>
+                    <a:ea typeface="ヒラギノ明朝 Pro W3" charset="0"/>
+                    <a:cs typeface="ヒラギノ明朝 Pro W3" charset="0"/>
+                    <a:sym typeface="Baskerville" charset="0"/>
+                  </a:defRPr>
+                </a:lvl1pPr>
+                <a:lvl2pPr marL="457200" algn="ctr" rtl="0" fontAlgn="base">
+                  <a:spcBef>
+                    <a:spcPct val="0"/>
+                  </a:spcBef>
+                  <a:spcAft>
+                    <a:spcPct val="0"/>
+                  </a:spcAft>
+                  <a:defRPr sz="4200" kern="1200">
+                    <a:solidFill>
+                      <a:srgbClr val="595650"/>
+                    </a:solidFill>
+                    <a:latin typeface="Baskerville" charset="0"/>
+                    <a:ea typeface="ヒラギノ明朝 Pro W3" charset="0"/>
+                    <a:cs typeface="ヒラギノ明朝 Pro W3" charset="0"/>
+                    <a:sym typeface="Baskerville" charset="0"/>
+                  </a:defRPr>
+                </a:lvl2pPr>
+                <a:lvl3pPr marL="914400" algn="ctr" rtl="0" fontAlgn="base">
+                  <a:spcBef>
+                    <a:spcPct val="0"/>
+                  </a:spcBef>
+                  <a:spcAft>
+                    <a:spcPct val="0"/>
+                  </a:spcAft>
+                  <a:defRPr sz="4200" kern="1200">
+                    <a:solidFill>
+                      <a:srgbClr val="595650"/>
+                    </a:solidFill>
+                    <a:latin typeface="Baskerville" charset="0"/>
+                    <a:ea typeface="ヒラギノ明朝 Pro W3" charset="0"/>
+                    <a:cs typeface="ヒラギノ明朝 Pro W3" charset="0"/>
+                    <a:sym typeface="Baskerville" charset="0"/>
+                  </a:defRPr>
+                </a:lvl3pPr>
+                <a:lvl4pPr marL="1371600" algn="ctr" rtl="0" fontAlgn="base">
+                  <a:spcBef>
+                    <a:spcPct val="0"/>
+                  </a:spcBef>
+                  <a:spcAft>
+                    <a:spcPct val="0"/>
+                  </a:spcAft>
+                  <a:defRPr sz="4200" kern="1200">
+                    <a:solidFill>
+                      <a:srgbClr val="595650"/>
+                    </a:solidFill>
+                    <a:latin typeface="Baskerville" charset="0"/>
+                    <a:ea typeface="ヒラギノ明朝 Pro W3" charset="0"/>
+                    <a:cs typeface="ヒラギノ明朝 Pro W3" charset="0"/>
+                    <a:sym typeface="Baskerville" charset="0"/>
+                  </a:defRPr>
+                </a:lvl4pPr>
+                <a:lvl5pPr marL="1828800" algn="ctr" rtl="0" fontAlgn="base">
+                  <a:spcBef>
+                    <a:spcPct val="0"/>
+                  </a:spcBef>
+                  <a:spcAft>
+                    <a:spcPct val="0"/>
+                  </a:spcAft>
+                  <a:defRPr sz="4200" kern="1200">
+                    <a:solidFill>
+                      <a:srgbClr val="595650"/>
+                    </a:solidFill>
+                    <a:latin typeface="Baskerville" charset="0"/>
+                    <a:ea typeface="ヒラギノ明朝 Pro W3" charset="0"/>
+                    <a:cs typeface="ヒラギノ明朝 Pro W3" charset="0"/>
+                    <a:sym typeface="Baskerville" charset="0"/>
+                  </a:defRPr>
+                </a:lvl5pPr>
+                <a:lvl6pPr marL="2286000" algn="r" defTabSz="914400" rtl="1" eaLnBrk="1" latinLnBrk="0" hangingPunct="1">
+                  <a:defRPr sz="4200" kern="1200">
+                    <a:solidFill>
+                      <a:srgbClr val="595650"/>
+                    </a:solidFill>
+                    <a:latin typeface="Baskerville" charset="0"/>
+                    <a:ea typeface="ヒラギノ明朝 Pro W3" charset="0"/>
+                    <a:cs typeface="ヒラギノ明朝 Pro W3" charset="0"/>
+                    <a:sym typeface="Baskerville" charset="0"/>
+                  </a:defRPr>
+                </a:lvl6pPr>
+                <a:lvl7pPr marL="2743200" algn="r" defTabSz="914400" rtl="1" eaLnBrk="1" latinLnBrk="0" hangingPunct="1">
+                  <a:defRPr sz="4200" kern="1200">
+                    <a:solidFill>
+                      <a:srgbClr val="595650"/>
+                    </a:solidFill>
+                    <a:latin typeface="Baskerville" charset="0"/>
+                    <a:ea typeface="ヒラギノ明朝 Pro W3" charset="0"/>
+                    <a:cs typeface="ヒラギノ明朝 Pro W3" charset="0"/>
+                    <a:sym typeface="Baskerville" charset="0"/>
+                  </a:defRPr>
+                </a:lvl7pPr>
+                <a:lvl8pPr marL="3200400" algn="r" defTabSz="914400" rtl="1" eaLnBrk="1" latinLnBrk="0" hangingPunct="1">
+                  <a:defRPr sz="4200" kern="1200">
+                    <a:solidFill>
+                      <a:srgbClr val="595650"/>
+                    </a:solidFill>
+                    <a:latin typeface="Baskerville" charset="0"/>
+                    <a:ea typeface="ヒラギノ明朝 Pro W3" charset="0"/>
+                    <a:cs typeface="ヒラギノ明朝 Pro W3" charset="0"/>
+                    <a:sym typeface="Baskerville" charset="0"/>
+                  </a:defRPr>
+                </a:lvl8pPr>
+                <a:lvl9pPr marL="3657600" algn="r" defTabSz="914400" rtl="1" eaLnBrk="1" latinLnBrk="0" hangingPunct="1">
+                  <a:defRPr sz="4200" kern="1200">
+                    <a:solidFill>
+                      <a:srgbClr val="595650"/>
+                    </a:solidFill>
+                    <a:latin typeface="Baskerville" charset="0"/>
+                    <a:ea typeface="ヒラギノ明朝 Pro W3" charset="0"/>
+                    <a:cs typeface="ヒラギノ明朝 Pro W3" charset="0"/>
+                    <a:sym typeface="Baskerville" charset="0"/>
+                  </a:defRPr>
+                </a:lvl9pPr>
+              </a:lstStyle>
+              <a:p>
+                <a:endParaRPr lang="he-IL"/>
+              </a:p>
+            </p:txBody>
+          </p:sp>
+          <p:sp>
+            <p:nvSpPr>
+              <p:cNvPr id="15" name="Oval 14"/>
+              <p:cNvSpPr>
+                <a:spLocks/>
+              </p:cNvSpPr>
+              <p:nvPr/>
+            </p:nvSpPr>
+            <p:spPr bwMode="auto">
+              <a:xfrm>
+                <a:off x="1104" y="-816"/>
+                <a:ext cx="121" cy="112"/>
+              </a:xfrm>
+              <a:prstGeom prst="ellipse">
+                <a:avLst/>
+              </a:prstGeom>
+              <a:solidFill>
+                <a:schemeClr val="accent1"/>
+              </a:solidFill>
+              <a:ln w="25400">
+                <a:solidFill>
+                  <a:schemeClr val="tx2"/>
+                </a:solidFill>
+                <a:round/>
+                <a:headEnd/>
+                <a:tailEnd/>
+              </a:ln>
+            </p:spPr>
+            <p:txBody>
+              <a:bodyPr lIns="0" tIns="0" rIns="0" bIns="0"/>
+              <a:lstStyle>
+                <a:defPPr>
+                  <a:defRPr lang="en-US"/>
+                </a:defPPr>
+                <a:lvl1pPr algn="ctr" rtl="0" fontAlgn="base">
+                  <a:spcBef>
+                    <a:spcPct val="0"/>
+                  </a:spcBef>
+                  <a:spcAft>
+                    <a:spcPct val="0"/>
+                  </a:spcAft>
+                  <a:defRPr sz="4200" kern="1200">
+                    <a:solidFill>
+                      <a:srgbClr val="595650"/>
+                    </a:solidFill>
+                    <a:latin typeface="Baskerville" charset="0"/>
+                    <a:ea typeface="ヒラギノ明朝 Pro W3" charset="0"/>
+                    <a:cs typeface="ヒラギノ明朝 Pro W3" charset="0"/>
+                    <a:sym typeface="Baskerville" charset="0"/>
+                  </a:defRPr>
+                </a:lvl1pPr>
+                <a:lvl2pPr marL="457200" algn="ctr" rtl="0" fontAlgn="base">
+                  <a:spcBef>
+                    <a:spcPct val="0"/>
+                  </a:spcBef>
+                  <a:spcAft>
+                    <a:spcPct val="0"/>
+                  </a:spcAft>
+                  <a:defRPr sz="4200" kern="1200">
+                    <a:solidFill>
+                      <a:srgbClr val="595650"/>
+                    </a:solidFill>
+                    <a:latin typeface="Baskerville" charset="0"/>
+                    <a:ea typeface="ヒラギノ明朝 Pro W3" charset="0"/>
+                    <a:cs typeface="ヒラギノ明朝 Pro W3" charset="0"/>
+                    <a:sym typeface="Baskerville" charset="0"/>
+                  </a:defRPr>
+                </a:lvl2pPr>
+                <a:lvl3pPr marL="914400" algn="ctr" rtl="0" fontAlgn="base">
+                  <a:spcBef>
+                    <a:spcPct val="0"/>
+                  </a:spcBef>
+                  <a:spcAft>
+                    <a:spcPct val="0"/>
+                  </a:spcAft>
+                  <a:defRPr sz="4200" kern="1200">
+                    <a:solidFill>
+                      <a:srgbClr val="595650"/>
+                    </a:solidFill>
+                    <a:latin typeface="Baskerville" charset="0"/>
+                    <a:ea typeface="ヒラギノ明朝 Pro W3" charset="0"/>
+                    <a:cs typeface="ヒラギノ明朝 Pro W3" charset="0"/>
+                    <a:sym typeface="Baskerville" charset="0"/>
+                  </a:defRPr>
+                </a:lvl3pPr>
+                <a:lvl4pPr marL="1371600" algn="ctr" rtl="0" fontAlgn="base">
+                  <a:spcBef>
+                    <a:spcPct val="0"/>
+                  </a:spcBef>
+                  <a:spcAft>
+                    <a:spcPct val="0"/>
+                  </a:spcAft>
+                  <a:defRPr sz="4200" kern="1200">
+                    <a:solidFill>
+                      <a:srgbClr val="595650"/>
+                    </a:solidFill>
+                    <a:latin typeface="Baskerville" charset="0"/>
+                    <a:ea typeface="ヒラギノ明朝 Pro W3" charset="0"/>
+                    <a:cs typeface="ヒラギノ明朝 Pro W3" charset="0"/>
+                    <a:sym typeface="Baskerville" charset="0"/>
+                  </a:defRPr>
+                </a:lvl4pPr>
+                <a:lvl5pPr marL="1828800" algn="ctr" rtl="0" fontAlgn="base">
+                  <a:spcBef>
+                    <a:spcPct val="0"/>
+                  </a:spcBef>
+                  <a:spcAft>
+                    <a:spcPct val="0"/>
+                  </a:spcAft>
+                  <a:defRPr sz="4200" kern="1200">
+                    <a:solidFill>
+                      <a:srgbClr val="595650"/>
+                    </a:solidFill>
+                    <a:latin typeface="Baskerville" charset="0"/>
+                    <a:ea typeface="ヒラギノ明朝 Pro W3" charset="0"/>
+                    <a:cs typeface="ヒラギノ明朝 Pro W3" charset="0"/>
+                    <a:sym typeface="Baskerville" charset="0"/>
+                  </a:defRPr>
+                </a:lvl5pPr>
+                <a:lvl6pPr marL="2286000" algn="r" defTabSz="914400" rtl="1" eaLnBrk="1" latinLnBrk="0" hangingPunct="1">
+                  <a:defRPr sz="4200" kern="1200">
+                    <a:solidFill>
+                      <a:srgbClr val="595650"/>
+                    </a:solidFill>
+                    <a:latin typeface="Baskerville" charset="0"/>
+                    <a:ea typeface="ヒラギノ明朝 Pro W3" charset="0"/>
+                    <a:cs typeface="ヒラギノ明朝 Pro W3" charset="0"/>
+                    <a:sym typeface="Baskerville" charset="0"/>
+                  </a:defRPr>
+                </a:lvl6pPr>
+                <a:lvl7pPr marL="2743200" algn="r" defTabSz="914400" rtl="1" eaLnBrk="1" latinLnBrk="0" hangingPunct="1">
+                  <a:defRPr sz="4200" kern="1200">
+                    <a:solidFill>
+                      <a:srgbClr val="595650"/>
+                    </a:solidFill>
+                    <a:latin typeface="Baskerville" charset="0"/>
+                    <a:ea typeface="ヒラギノ明朝 Pro W3" charset="0"/>
+                    <a:cs typeface="ヒラギノ明朝 Pro W3" charset="0"/>
+                    <a:sym typeface="Baskerville" charset="0"/>
+                  </a:defRPr>
+                </a:lvl7pPr>
+                <a:lvl8pPr marL="3200400" algn="r" defTabSz="914400" rtl="1" eaLnBrk="1" latinLnBrk="0" hangingPunct="1">
+                  <a:defRPr sz="4200" kern="1200">
+                    <a:solidFill>
+                      <a:srgbClr val="595650"/>
+                    </a:solidFill>
+                    <a:latin typeface="Baskerville" charset="0"/>
+                    <a:ea typeface="ヒラギノ明朝 Pro W3" charset="0"/>
+                    <a:cs typeface="ヒラギノ明朝 Pro W3" charset="0"/>
+                    <a:sym typeface="Baskerville" charset="0"/>
+                  </a:defRPr>
+                </a:lvl8pPr>
+                <a:lvl9pPr marL="3657600" algn="r" defTabSz="914400" rtl="1" eaLnBrk="1" latinLnBrk="0" hangingPunct="1">
+                  <a:defRPr sz="4200" kern="1200">
+                    <a:solidFill>
+                      <a:srgbClr val="595650"/>
+                    </a:solidFill>
+                    <a:latin typeface="Baskerville" charset="0"/>
+                    <a:ea typeface="ヒラギノ明朝 Pro W3" charset="0"/>
+                    <a:cs typeface="ヒラギノ明朝 Pro W3" charset="0"/>
+                    <a:sym typeface="Baskerville" charset="0"/>
+                  </a:defRPr>
+                </a:lvl9pPr>
+              </a:lstStyle>
+              <a:p>
+                <a:endParaRPr lang="he-IL"/>
+              </a:p>
+            </p:txBody>
+          </p:sp>
+          <p:sp>
+            <p:nvSpPr>
+              <p:cNvPr id="16" name="Oval 15"/>
+              <p:cNvSpPr>
+                <a:spLocks/>
+              </p:cNvSpPr>
+              <p:nvPr/>
+            </p:nvSpPr>
+            <p:spPr bwMode="auto">
+              <a:xfrm>
+                <a:off x="1152" y="-1872"/>
+                <a:ext cx="121" cy="112"/>
+              </a:xfrm>
+              <a:prstGeom prst="ellipse">
+                <a:avLst/>
+              </a:prstGeom>
+              <a:solidFill>
+                <a:schemeClr val="accent1"/>
+              </a:solidFill>
+              <a:ln w="25400">
+                <a:solidFill>
+                  <a:schemeClr val="tx2"/>
+                </a:solidFill>
+                <a:round/>
+                <a:headEnd/>
+                <a:tailEnd/>
+              </a:ln>
+            </p:spPr>
+            <p:txBody>
+              <a:bodyPr lIns="0" tIns="0" rIns="0" bIns="0"/>
+              <a:lstStyle>
+                <a:defPPr>
+                  <a:defRPr lang="en-US"/>
+                </a:defPPr>
+                <a:lvl1pPr algn="ctr" rtl="0" fontAlgn="base">
+                  <a:spcBef>
+                    <a:spcPct val="0"/>
+                  </a:spcBef>
+                  <a:spcAft>
+                    <a:spcPct val="0"/>
+                  </a:spcAft>
+                  <a:defRPr sz="4200" kern="1200">
+                    <a:solidFill>
+                      <a:srgbClr val="595650"/>
+                    </a:solidFill>
+                    <a:latin typeface="Baskerville" charset="0"/>
+                    <a:ea typeface="ヒラギノ明朝 Pro W3" charset="0"/>
+                    <a:cs typeface="ヒラギノ明朝 Pro W3" charset="0"/>
+                    <a:sym typeface="Baskerville" charset="0"/>
+                  </a:defRPr>
+                </a:lvl1pPr>
+                <a:lvl2pPr marL="457200" algn="ctr" rtl="0" fontAlgn="base">
+                  <a:spcBef>
+                    <a:spcPct val="0"/>
+                  </a:spcBef>
+                  <a:spcAft>
+                    <a:spcPct val="0"/>
+                  </a:spcAft>
+                  <a:defRPr sz="4200" kern="1200">
+                    <a:solidFill>
+                      <a:srgbClr val="595650"/>
+                    </a:solidFill>
+                    <a:latin typeface="Baskerville" charset="0"/>
+                    <a:ea typeface="ヒラギノ明朝 Pro W3" charset="0"/>
+                    <a:cs typeface="ヒラギノ明朝 Pro W3" charset="0"/>
+                    <a:sym typeface="Baskerville" charset="0"/>
+                  </a:defRPr>
+                </a:lvl2pPr>
+                <a:lvl3pPr marL="914400" algn="ctr" rtl="0" fontAlgn="base">
+                  <a:spcBef>
+                    <a:spcPct val="0"/>
+                  </a:spcBef>
+                  <a:spcAft>
+                    <a:spcPct val="0"/>
+                  </a:spcAft>
+                  <a:defRPr sz="4200" kern="1200">
+                    <a:solidFill>
+                      <a:srgbClr val="595650"/>
+                    </a:solidFill>
+                    <a:latin typeface="Baskerville" charset="0"/>
+                    <a:ea typeface="ヒラギノ明朝 Pro W3" charset="0"/>
+                    <a:cs typeface="ヒラギノ明朝 Pro W3" charset="0"/>
+                    <a:sym typeface="Baskerville" charset="0"/>
+                  </a:defRPr>
+                </a:lvl3pPr>
+                <a:lvl4pPr marL="1371600" algn="ctr" rtl="0" fontAlgn="base">
+                  <a:spcBef>
+                    <a:spcPct val="0"/>
+                  </a:spcBef>
+                  <a:spcAft>
+                    <a:spcPct val="0"/>
+                  </a:spcAft>
+                  <a:defRPr sz="4200" kern="1200">
+                    <a:solidFill>
+                      <a:srgbClr val="595650"/>
+                    </a:solidFill>
+                    <a:latin typeface="Baskerville" charset="0"/>
+                    <a:ea typeface="ヒラギノ明朝 Pro W3" charset="0"/>
+                    <a:cs typeface="ヒラギノ明朝 Pro W3" charset="0"/>
+                    <a:sym typeface="Baskerville" charset="0"/>
+                  </a:defRPr>
+                </a:lvl4pPr>
+                <a:lvl5pPr marL="1828800" algn="ctr" rtl="0" fontAlgn="base">
+                  <a:spcBef>
+                    <a:spcPct val="0"/>
+                  </a:spcBef>
+                  <a:spcAft>
+                    <a:spcPct val="0"/>
+                  </a:spcAft>
+                  <a:defRPr sz="4200" kern="1200">
+                    <a:solidFill>
+                      <a:srgbClr val="595650"/>
+                    </a:solidFill>
+                    <a:latin typeface="Baskerville" charset="0"/>
+                    <a:ea typeface="ヒラギノ明朝 Pro W3" charset="0"/>
+                    <a:cs typeface="ヒラギノ明朝 Pro W3" charset="0"/>
+                    <a:sym typeface="Baskerville" charset="0"/>
+                  </a:defRPr>
+                </a:lvl5pPr>
+                <a:lvl6pPr marL="2286000" algn="r" defTabSz="914400" rtl="1" eaLnBrk="1" latinLnBrk="0" hangingPunct="1">
+                  <a:defRPr sz="4200" kern="1200">
+                    <a:solidFill>
+                      <a:srgbClr val="595650"/>
+                    </a:solidFill>
+                    <a:latin typeface="Baskerville" charset="0"/>
+                    <a:ea typeface="ヒラギノ明朝 Pro W3" charset="0"/>
+                    <a:cs typeface="ヒラギノ明朝 Pro W3" charset="0"/>
+                    <a:sym typeface="Baskerville" charset="0"/>
+                  </a:defRPr>
+                </a:lvl6pPr>
+                <a:lvl7pPr marL="2743200" algn="r" defTabSz="914400" rtl="1" eaLnBrk="1" latinLnBrk="0" hangingPunct="1">
+                  <a:defRPr sz="4200" kern="1200">
+                    <a:solidFill>
+                      <a:srgbClr val="595650"/>
+                    </a:solidFill>
+                    <a:latin typeface="Baskerville" charset="0"/>
+                    <a:ea typeface="ヒラギノ明朝 Pro W3" charset="0"/>
+                    <a:cs typeface="ヒラギノ明朝 Pro W3" charset="0"/>
+                    <a:sym typeface="Baskerville" charset="0"/>
+                  </a:defRPr>
+                </a:lvl7pPr>
+                <a:lvl8pPr marL="3200400" algn="r" defTabSz="914400" rtl="1" eaLnBrk="1" latinLnBrk="0" hangingPunct="1">
+                  <a:defRPr sz="4200" kern="1200">
+                    <a:solidFill>
+                      <a:srgbClr val="595650"/>
+                    </a:solidFill>
+                    <a:latin typeface="Baskerville" charset="0"/>
+                    <a:ea typeface="ヒラギノ明朝 Pro W3" charset="0"/>
+                    <a:cs typeface="ヒラギノ明朝 Pro W3" charset="0"/>
+                    <a:sym typeface="Baskerville" charset="0"/>
+                  </a:defRPr>
+                </a:lvl8pPr>
+                <a:lvl9pPr marL="3657600" algn="r" defTabSz="914400" rtl="1" eaLnBrk="1" latinLnBrk="0" hangingPunct="1">
+                  <a:defRPr sz="4200" kern="1200">
+                    <a:solidFill>
+                      <a:srgbClr val="595650"/>
+                    </a:solidFill>
+                    <a:latin typeface="Baskerville" charset="0"/>
+                    <a:ea typeface="ヒラギノ明朝 Pro W3" charset="0"/>
+                    <a:cs typeface="ヒラギノ明朝 Pro W3" charset="0"/>
+                    <a:sym typeface="Baskerville" charset="0"/>
+                  </a:defRPr>
+                </a:lvl9pPr>
+              </a:lstStyle>
+              <a:p>
+                <a:endParaRPr lang="he-IL"/>
+              </a:p>
+            </p:txBody>
+          </p:sp>
+          <p:sp>
+            <p:nvSpPr>
+              <p:cNvPr id="17" name="Oval 16"/>
+              <p:cNvSpPr>
+                <a:spLocks/>
+              </p:cNvSpPr>
+              <p:nvPr/>
+            </p:nvSpPr>
+            <p:spPr bwMode="auto">
+              <a:xfrm>
+                <a:off x="2303" y="-912"/>
+                <a:ext cx="121" cy="112"/>
+              </a:xfrm>
+              <a:prstGeom prst="ellipse">
+                <a:avLst/>
+              </a:prstGeom>
+              <a:solidFill>
+                <a:schemeClr val="accent1"/>
+              </a:solidFill>
+              <a:ln w="25400">
+                <a:solidFill>
+                  <a:schemeClr val="tx2"/>
+                </a:solidFill>
+                <a:round/>
+                <a:headEnd/>
+                <a:tailEnd/>
+              </a:ln>
+            </p:spPr>
+            <p:txBody>
+              <a:bodyPr lIns="0" tIns="0" rIns="0" bIns="0"/>
+              <a:lstStyle>
+                <a:defPPr>
+                  <a:defRPr lang="en-US"/>
+                </a:defPPr>
+                <a:lvl1pPr algn="ctr" rtl="0" fontAlgn="base">
+                  <a:spcBef>
+                    <a:spcPct val="0"/>
+                  </a:spcBef>
+                  <a:spcAft>
+                    <a:spcPct val="0"/>
+                  </a:spcAft>
+                  <a:defRPr sz="4200" kern="1200">
+                    <a:solidFill>
+                      <a:srgbClr val="595650"/>
+                    </a:solidFill>
+                    <a:latin typeface="Baskerville" charset="0"/>
+                    <a:ea typeface="ヒラギノ明朝 Pro W3" charset="0"/>
+                    <a:cs typeface="ヒラギノ明朝 Pro W3" charset="0"/>
+                    <a:sym typeface="Baskerville" charset="0"/>
+                  </a:defRPr>
+                </a:lvl1pPr>
+                <a:lvl2pPr marL="457200" algn="ctr" rtl="0" fontAlgn="base">
+                  <a:spcBef>
+                    <a:spcPct val="0"/>
+                  </a:spcBef>
+                  <a:spcAft>
+                    <a:spcPct val="0"/>
+                  </a:spcAft>
+                  <a:defRPr sz="4200" kern="1200">
+                    <a:solidFill>
+                      <a:srgbClr val="595650"/>
+                    </a:solidFill>
+                    <a:latin typeface="Baskerville" charset="0"/>
+                    <a:ea typeface="ヒラギノ明朝 Pro W3" charset="0"/>
+                    <a:cs typeface="ヒラギノ明朝 Pro W3" charset="0"/>
+                    <a:sym typeface="Baskerville" charset="0"/>
+                  </a:defRPr>
+                </a:lvl2pPr>
+                <a:lvl3pPr marL="914400" algn="ctr" rtl="0" fontAlgn="base">
+                  <a:spcBef>
+                    <a:spcPct val="0"/>
+                  </a:spcBef>
+                  <a:spcAft>
+                    <a:spcPct val="0"/>
+                  </a:spcAft>
+                  <a:defRPr sz="4200" kern="1200">
+                    <a:solidFill>
+                      <a:srgbClr val="595650"/>
+                    </a:solidFill>
+                    <a:latin typeface="Baskerville" charset="0"/>
+                    <a:ea typeface="ヒラギノ明朝 Pro W3" charset="0"/>
+                    <a:cs typeface="ヒラギノ明朝 Pro W3" charset="0"/>
+                    <a:sym typeface="Baskerville" charset="0"/>
+                  </a:defRPr>
+                </a:lvl3pPr>
+                <a:lvl4pPr marL="1371600" algn="ctr" rtl="0" fontAlgn="base">
+                  <a:spcBef>
+                    <a:spcPct val="0"/>
+                  </a:spcBef>
+                  <a:spcAft>
+                    <a:spcPct val="0"/>
+                  </a:spcAft>
+                  <a:defRPr sz="4200" kern="1200">
+                    <a:solidFill>
+                      <a:srgbClr val="595650"/>
+                    </a:solidFill>
+                    <a:latin typeface="Baskerville" charset="0"/>
+                    <a:ea typeface="ヒラギノ明朝 Pro W3" charset="0"/>
+                    <a:cs typeface="ヒラギノ明朝 Pro W3" charset="0"/>
+                    <a:sym typeface="Baskerville" charset="0"/>
+                  </a:defRPr>
+                </a:lvl4pPr>
+                <a:lvl5pPr marL="1828800" algn="ctr" rtl="0" fontAlgn="base">
+                  <a:spcBef>
+                    <a:spcPct val="0"/>
+                  </a:spcBef>
+                  <a:spcAft>
+                    <a:spcPct val="0"/>
+                  </a:spcAft>
+                  <a:defRPr sz="4200" kern="1200">
+                    <a:solidFill>
+                      <a:srgbClr val="595650"/>
+                    </a:solidFill>
+                    <a:latin typeface="Baskerville" charset="0"/>
+                    <a:ea typeface="ヒラギノ明朝 Pro W3" charset="0"/>
+                    <a:cs typeface="ヒラギノ明朝 Pro W3" charset="0"/>
+                    <a:sym typeface="Baskerville" charset="0"/>
+                  </a:defRPr>
+                </a:lvl5pPr>
+                <a:lvl6pPr marL="2286000" algn="r" defTabSz="914400" rtl="1" eaLnBrk="1" latinLnBrk="0" hangingPunct="1">
+                  <a:defRPr sz="4200" kern="1200">
+                    <a:solidFill>
+                      <a:srgbClr val="595650"/>
+                    </a:solidFill>
+                    <a:latin typeface="Baskerville" charset="0"/>
+                    <a:ea typeface="ヒラギノ明朝 Pro W3" charset="0"/>
+                    <a:cs typeface="ヒラギノ明朝 Pro W3" charset="0"/>
+                    <a:sym typeface="Baskerville" charset="0"/>
+                  </a:defRPr>
+                </a:lvl6pPr>
+                <a:lvl7pPr marL="2743200" algn="r" defTabSz="914400" rtl="1" eaLnBrk="1" latinLnBrk="0" hangingPunct="1">
+                  <a:defRPr sz="4200" kern="1200">
+                    <a:solidFill>
+                      <a:srgbClr val="595650"/>
+                    </a:solidFill>
+                    <a:latin typeface="Baskerville" charset="0"/>
+                    <a:ea typeface="ヒラギノ明朝 Pro W3" charset="0"/>
+                    <a:cs typeface="ヒラギノ明朝 Pro W3" charset="0"/>
+                    <a:sym typeface="Baskerville" charset="0"/>
+                  </a:defRPr>
+                </a:lvl7pPr>
+                <a:lvl8pPr marL="3200400" algn="r" defTabSz="914400" rtl="1" eaLnBrk="1" latinLnBrk="0" hangingPunct="1">
+                  <a:defRPr sz="4200" kern="1200">
+                    <a:solidFill>
+                      <a:srgbClr val="595650"/>
+                    </a:solidFill>
+                    <a:latin typeface="Baskerville" charset="0"/>
+                    <a:ea typeface="ヒラギノ明朝 Pro W3" charset="0"/>
+                    <a:cs typeface="ヒラギノ明朝 Pro W3" charset="0"/>
+                    <a:sym typeface="Baskerville" charset="0"/>
+                  </a:defRPr>
+                </a:lvl8pPr>
+                <a:lvl9pPr marL="3657600" algn="r" defTabSz="914400" rtl="1" eaLnBrk="1" latinLnBrk="0" hangingPunct="1">
+                  <a:defRPr sz="4200" kern="1200">
+                    <a:solidFill>
+                      <a:srgbClr val="595650"/>
+                    </a:solidFill>
+                    <a:latin typeface="Baskerville" charset="0"/>
+                    <a:ea typeface="ヒラギノ明朝 Pro W3" charset="0"/>
+                    <a:cs typeface="ヒラギノ明朝 Pro W3" charset="0"/>
+                    <a:sym typeface="Baskerville" charset="0"/>
+                  </a:defRPr>
+                </a:lvl9pPr>
+              </a:lstStyle>
+              <a:p>
+                <a:endParaRPr lang="he-IL"/>
+              </a:p>
+            </p:txBody>
+          </p:sp>
+          <p:sp>
+            <p:nvSpPr>
+              <p:cNvPr id="18" name="Oval 17"/>
+              <p:cNvSpPr>
+                <a:spLocks/>
+              </p:cNvSpPr>
+              <p:nvPr/>
+            </p:nvSpPr>
+            <p:spPr bwMode="auto">
+              <a:xfrm>
+                <a:off x="624" y="-576"/>
+                <a:ext cx="121" cy="112"/>
+              </a:xfrm>
+              <a:prstGeom prst="ellipse">
+                <a:avLst/>
+              </a:prstGeom>
+              <a:solidFill>
+                <a:schemeClr val="accent1"/>
+              </a:solidFill>
+              <a:ln w="25400">
+                <a:solidFill>
+                  <a:schemeClr val="tx2"/>
+                </a:solidFill>
+                <a:round/>
+                <a:headEnd/>
+                <a:tailEnd/>
+              </a:ln>
+            </p:spPr>
+            <p:txBody>
+              <a:bodyPr lIns="0" tIns="0" rIns="0" bIns="0"/>
+              <a:lstStyle>
+                <a:defPPr>
+                  <a:defRPr lang="en-US"/>
+                </a:defPPr>
+                <a:lvl1pPr algn="ctr" rtl="0" fontAlgn="base">
+                  <a:spcBef>
+                    <a:spcPct val="0"/>
+                  </a:spcBef>
+                  <a:spcAft>
+                    <a:spcPct val="0"/>
+                  </a:spcAft>
+                  <a:defRPr sz="4200" kern="1200">
+                    <a:solidFill>
+                      <a:srgbClr val="595650"/>
+                    </a:solidFill>
+                    <a:latin typeface="Baskerville" charset="0"/>
+                    <a:ea typeface="ヒラギノ明朝 Pro W3" charset="0"/>
+                    <a:cs typeface="ヒラギノ明朝 Pro W3" charset="0"/>
+                    <a:sym typeface="Baskerville" charset="0"/>
+                  </a:defRPr>
+                </a:lvl1pPr>
+                <a:lvl2pPr marL="457200" algn="ctr" rtl="0" fontAlgn="base">
+                  <a:spcBef>
+                    <a:spcPct val="0"/>
+                  </a:spcBef>
+                  <a:spcAft>
+                    <a:spcPct val="0"/>
+                  </a:spcAft>
+                  <a:defRPr sz="4200" kern="1200">
+                    <a:solidFill>
+                      <a:srgbClr val="595650"/>
+                    </a:solidFill>
+                    <a:latin typeface="Baskerville" charset="0"/>
+                    <a:ea typeface="ヒラギノ明朝 Pro W3" charset="0"/>
+                    <a:cs typeface="ヒラギノ明朝 Pro W3" charset="0"/>
+                    <a:sym typeface="Baskerville" charset="0"/>
+                  </a:defRPr>
+                </a:lvl2pPr>
+                <a:lvl3pPr marL="914400" algn="ctr" rtl="0" fontAlgn="base">
+                  <a:spcBef>
+                    <a:spcPct val="0"/>
+                  </a:spcBef>
+                  <a:spcAft>
+                    <a:spcPct val="0"/>
+                  </a:spcAft>
+                  <a:defRPr sz="4200" kern="1200">
+                    <a:solidFill>
+                      <a:srgbClr val="595650"/>
+                    </a:solidFill>
+                    <a:latin typeface="Baskerville" charset="0"/>
+                    <a:ea typeface="ヒラギノ明朝 Pro W3" charset="0"/>
+                    <a:cs typeface="ヒラギノ明朝 Pro W3" charset="0"/>
+                    <a:sym typeface="Baskerville" charset="0"/>
+                  </a:defRPr>
+                </a:lvl3pPr>
+                <a:lvl4pPr marL="1371600" algn="ctr" rtl="0" fontAlgn="base">
+                  <a:spcBef>
+                    <a:spcPct val="0"/>
+                  </a:spcBef>
+                  <a:spcAft>
+                    <a:spcPct val="0"/>
+                  </a:spcAft>
+                  <a:defRPr sz="4200" kern="1200">
+                    <a:solidFill>
+                      <a:srgbClr val="595650"/>
+                    </a:solidFill>
+                    <a:latin typeface="Baskerville" charset="0"/>
+                    <a:ea typeface="ヒラギノ明朝 Pro W3" charset="0"/>
+                    <a:cs typeface="ヒラギノ明朝 Pro W3" charset="0"/>
+                    <a:sym typeface="Baskerville" charset="0"/>
+                  </a:defRPr>
+                </a:lvl4pPr>
+                <a:lvl5pPr marL="1828800" algn="ctr" rtl="0" fontAlgn="base">
+                  <a:spcBef>
+                    <a:spcPct val="0"/>
+                  </a:spcBef>
+                  <a:spcAft>
+                    <a:spcPct val="0"/>
+                  </a:spcAft>
+                  <a:defRPr sz="4200" kern="1200">
+                    <a:solidFill>
+                      <a:srgbClr val="595650"/>
+                    </a:solidFill>
+                    <a:latin typeface="Baskerville" charset="0"/>
+                    <a:ea typeface="ヒラギノ明朝 Pro W3" charset="0"/>
+                    <a:cs typeface="ヒラギノ明朝 Pro W3" charset="0"/>
+                    <a:sym typeface="Baskerville" charset="0"/>
+                  </a:defRPr>
+                </a:lvl5pPr>
+                <a:lvl6pPr marL="2286000" algn="r" defTabSz="914400" rtl="1" eaLnBrk="1" latinLnBrk="0" hangingPunct="1">
+                  <a:defRPr sz="4200" kern="1200">
+                    <a:solidFill>
+                      <a:srgbClr val="595650"/>
+                    </a:solidFill>
+                    <a:latin typeface="Baskerville" charset="0"/>
+                    <a:ea typeface="ヒラギノ明朝 Pro W3" charset="0"/>
+                    <a:cs typeface="ヒラギノ明朝 Pro W3" charset="0"/>
+                    <a:sym typeface="Baskerville" charset="0"/>
+                  </a:defRPr>
+                </a:lvl6pPr>
+                <a:lvl7pPr marL="2743200" algn="r" defTabSz="914400" rtl="1" eaLnBrk="1" latinLnBrk="0" hangingPunct="1">
+                  <a:defRPr sz="4200" kern="1200">
+                    <a:solidFill>
+                      <a:srgbClr val="595650"/>
+                    </a:solidFill>
+                    <a:latin typeface="Baskerville" charset="0"/>
+                    <a:ea typeface="ヒラギノ明朝 Pro W3" charset="0"/>
+                    <a:cs typeface="ヒラギノ明朝 Pro W3" charset="0"/>
+                    <a:sym typeface="Baskerville" charset="0"/>
+                  </a:defRPr>
+                </a:lvl7pPr>
+                <a:lvl8pPr marL="3200400" algn="r" defTabSz="914400" rtl="1" eaLnBrk="1" latinLnBrk="0" hangingPunct="1">
+                  <a:defRPr sz="4200" kern="1200">
+                    <a:solidFill>
+                      <a:srgbClr val="595650"/>
+                    </a:solidFill>
+                    <a:latin typeface="Baskerville" charset="0"/>
+                    <a:ea typeface="ヒラギノ明朝 Pro W3" charset="0"/>
+                    <a:cs typeface="ヒラギノ明朝 Pro W3" charset="0"/>
+                    <a:sym typeface="Baskerville" charset="0"/>
+                  </a:defRPr>
+                </a:lvl8pPr>
+                <a:lvl9pPr marL="3657600" algn="r" defTabSz="914400" rtl="1" eaLnBrk="1" latinLnBrk="0" hangingPunct="1">
+                  <a:defRPr sz="4200" kern="1200">
+                    <a:solidFill>
+                      <a:srgbClr val="595650"/>
+                    </a:solidFill>
+                    <a:latin typeface="Baskerville" charset="0"/>
+                    <a:ea typeface="ヒラギノ明朝 Pro W3" charset="0"/>
+                    <a:cs typeface="ヒラギノ明朝 Pro W3" charset="0"/>
+                    <a:sym typeface="Baskerville" charset="0"/>
+                  </a:defRPr>
+                </a:lvl9pPr>
+              </a:lstStyle>
+              <a:p>
+                <a:endParaRPr lang="he-IL"/>
+              </a:p>
+            </p:txBody>
+          </p:sp>
+        </p:grpSp>
+        <p:sp>
+          <p:nvSpPr>
+            <p:cNvPr id="7" name="Oval 6"/>
+            <p:cNvSpPr>
+              <a:spLocks/>
+            </p:cNvSpPr>
+            <p:nvPr/>
+          </p:nvSpPr>
+          <p:spPr bwMode="auto">
+            <a:xfrm>
+              <a:off x="4902200" y="4419600"/>
+              <a:ext cx="192146" cy="177800"/>
+            </a:xfrm>
+            <a:prstGeom prst="ellipse">
+              <a:avLst/>
+            </a:prstGeom>
+            <a:solidFill>
+              <a:schemeClr val="accent1"/>
+            </a:solidFill>
+            <a:ln w="25400">
+              <a:solidFill>
+                <a:schemeClr val="tx2"/>
+              </a:solidFill>
+              <a:round/>
+              <a:headEnd/>
+              <a:tailEnd/>
+            </a:ln>
+          </p:spPr>
+          <p:txBody>
+            <a:bodyPr lIns="0" tIns="0" rIns="0" bIns="0"/>
+            <a:lstStyle>
+              <a:defPPr>
+                <a:defRPr lang="en-US"/>
+              </a:defPPr>
+              <a:lvl1pPr algn="ctr" rtl="0" fontAlgn="base">
+                <a:spcBef>
+                  <a:spcPct val="0"/>
+                </a:spcBef>
+                <a:spcAft>
+                  <a:spcPct val="0"/>
+                </a:spcAft>
+                <a:defRPr sz="4200" kern="1200">
+                  <a:solidFill>
+                    <a:srgbClr val="595650"/>
+                  </a:solidFill>
+                  <a:latin typeface="Baskerville" charset="0"/>
+                  <a:ea typeface="ヒラギノ明朝 Pro W3" charset="0"/>
+                  <a:cs typeface="ヒラギノ明朝 Pro W3" charset="0"/>
+                  <a:sym typeface="Baskerville" charset="0"/>
+                </a:defRPr>
+              </a:lvl1pPr>
+              <a:lvl2pPr marL="457200" algn="ctr" rtl="0" fontAlgn="base">
+                <a:spcBef>
+                  <a:spcPct val="0"/>
+                </a:spcBef>
+                <a:spcAft>
+                  <a:spcPct val="0"/>
+                </a:spcAft>
+                <a:defRPr sz="4200" kern="1200">
+                  <a:solidFill>
+                    <a:srgbClr val="595650"/>
+                  </a:solidFill>
+                  <a:latin typeface="Baskerville" charset="0"/>
+                  <a:ea typeface="ヒラギノ明朝 Pro W3" charset="0"/>
+                  <a:cs typeface="ヒラギノ明朝 Pro W3" charset="0"/>
+                  <a:sym typeface="Baskerville" charset="0"/>
+                </a:defRPr>
+              </a:lvl2pPr>
+              <a:lvl3pPr marL="914400" algn="ctr" rtl="0" fontAlgn="base">
+                <a:spcBef>
+                  <a:spcPct val="0"/>
+                </a:spcBef>
+                <a:spcAft>
+                  <a:spcPct val="0"/>
+                </a:spcAft>
+                <a:defRPr sz="4200" kern="1200">
+                  <a:solidFill>
+                    <a:srgbClr val="595650"/>
+                  </a:solidFill>
+                  <a:latin typeface="Baskerville" charset="0"/>
+                  <a:ea typeface="ヒラギノ明朝 Pro W3" charset="0"/>
+                  <a:cs typeface="ヒラギノ明朝 Pro W3" charset="0"/>
+                  <a:sym typeface="Baskerville" charset="0"/>
+                </a:defRPr>
+              </a:lvl3pPr>
+              <a:lvl4pPr marL="1371600" algn="ctr" rtl="0" fontAlgn="base">
+                <a:spcBef>
+                  <a:spcPct val="0"/>
+                </a:spcBef>
+                <a:spcAft>
+                  <a:spcPct val="0"/>
+                </a:spcAft>
+                <a:defRPr sz="4200" kern="1200">
+                  <a:solidFill>
+                    <a:srgbClr val="595650"/>
+                  </a:solidFill>
+                  <a:latin typeface="Baskerville" charset="0"/>
+                  <a:ea typeface="ヒラギノ明朝 Pro W3" charset="0"/>
+                  <a:cs typeface="ヒラギノ明朝 Pro W3" charset="0"/>
+                  <a:sym typeface="Baskerville" charset="0"/>
+                </a:defRPr>
+              </a:lvl4pPr>
+              <a:lvl5pPr marL="1828800" algn="ctr" rtl="0" fontAlgn="base">
+                <a:spcBef>
+                  <a:spcPct val="0"/>
+                </a:spcBef>
+                <a:spcAft>
+                  <a:spcPct val="0"/>
+                </a:spcAft>
+                <a:defRPr sz="4200" kern="1200">
+                  <a:solidFill>
+                    <a:srgbClr val="595650"/>
+                  </a:solidFill>
+                  <a:latin typeface="Baskerville" charset="0"/>
+                  <a:ea typeface="ヒラギノ明朝 Pro W3" charset="0"/>
+                  <a:cs typeface="ヒラギノ明朝 Pro W3" charset="0"/>
+                  <a:sym typeface="Baskerville" charset="0"/>
+                </a:defRPr>
+              </a:lvl5pPr>
+              <a:lvl6pPr marL="2286000" algn="r" defTabSz="914400" rtl="1" eaLnBrk="1" latinLnBrk="0" hangingPunct="1">
+                <a:defRPr sz="4200" kern="1200">
+                  <a:solidFill>
+                    <a:srgbClr val="595650"/>
+                  </a:solidFill>
+                  <a:latin typeface="Baskerville" charset="0"/>
+                  <a:ea typeface="ヒラギノ明朝 Pro W3" charset="0"/>
+                  <a:cs typeface="ヒラギノ明朝 Pro W3" charset="0"/>
+                  <a:sym typeface="Baskerville" charset="0"/>
+                </a:defRPr>
+              </a:lvl6pPr>
+              <a:lvl7pPr marL="2743200" algn="r" defTabSz="914400" rtl="1" eaLnBrk="1" latinLnBrk="0" hangingPunct="1">
+                <a:defRPr sz="4200" kern="1200">
+                  <a:solidFill>
+                    <a:srgbClr val="595650"/>
+                  </a:solidFill>
+                  <a:latin typeface="Baskerville" charset="0"/>
+                  <a:ea typeface="ヒラギノ明朝 Pro W3" charset="0"/>
+                  <a:cs typeface="ヒラギノ明朝 Pro W3" charset="0"/>
+                  <a:sym typeface="Baskerville" charset="0"/>
+                </a:defRPr>
+              </a:lvl7pPr>
+              <a:lvl8pPr marL="3200400" algn="r" defTabSz="914400" rtl="1" eaLnBrk="1" latinLnBrk="0" hangingPunct="1">
+                <a:defRPr sz="4200" kern="1200">
+                  <a:solidFill>
+                    <a:srgbClr val="595650"/>
+                  </a:solidFill>
+                  <a:latin typeface="Baskerville" charset="0"/>
+                  <a:ea typeface="ヒラギノ明朝 Pro W3" charset="0"/>
+                  <a:cs typeface="ヒラギノ明朝 Pro W3" charset="0"/>
+                  <a:sym typeface="Baskerville" charset="0"/>
+                </a:defRPr>
+              </a:lvl8pPr>
+              <a:lvl9pPr marL="3657600" algn="r" defTabSz="914400" rtl="1" eaLnBrk="1" latinLnBrk="0" hangingPunct="1">
+                <a:defRPr sz="4200" kern="1200">
+                  <a:solidFill>
+                    <a:srgbClr val="595650"/>
+                  </a:solidFill>
+                  <a:latin typeface="Baskerville" charset="0"/>
+                  <a:ea typeface="ヒラギノ明朝 Pro W3" charset="0"/>
+                  <a:cs typeface="ヒラギノ明朝 Pro W3" charset="0"/>
+                  <a:sym typeface="Baskerville" charset="0"/>
+                </a:defRPr>
+              </a:lvl9pPr>
+            </a:lstStyle>
+            <a:p>
+              <a:endParaRPr lang="he-IL"/>
+            </a:p>
+          </p:txBody>
+        </p:sp>
+      </p:grpSp>
+      <p:grpSp>
+        <p:nvGrpSpPr>
+          <p:cNvPr id="19" name="Group 18"/>
+          <p:cNvGrpSpPr/>
+          <p:nvPr/>
+        </p:nvGrpSpPr>
+        <p:grpSpPr>
+          <a:xfrm>
+            <a:off x="5214942" y="3714752"/>
+            <a:ext cx="2576320" cy="2395526"/>
+            <a:chOff x="3911600" y="3124200"/>
+            <a:chExt cx="4343400" cy="4038600"/>
+          </a:xfrm>
+        </p:grpSpPr>
+        <p:sp>
+          <p:nvSpPr>
+            <p:cNvPr id="20" name="Rectangle 19"/>
+            <p:cNvSpPr/>
+            <p:nvPr/>
+          </p:nvSpPr>
+          <p:spPr bwMode="auto">
+            <a:xfrm>
+              <a:off x="3911600" y="3124200"/>
+              <a:ext cx="4343400" cy="4038600"/>
+            </a:xfrm>
+            <a:prstGeom prst="rect">
+              <a:avLst/>
+            </a:prstGeom>
+            <a:noFill/>
+            <a:ln w="25400" cap="flat" cmpd="sng" algn="ctr">
+              <a:solidFill>
+                <a:schemeClr val="tx2"/>
+              </a:solidFill>
+              <a:prstDash val="solid"/>
+              <a:round/>
+              <a:headEnd type="none" w="med" len="med"/>
+              <a:tailEnd type="none" w="med" len="med"/>
+            </a:ln>
+            <a:effectLst/>
+          </p:spPr>
+          <p:txBody>
+            <a:bodyPr vert="horz" wrap="square" lIns="91440" tIns="45720" rIns="91440" bIns="45720" numCol="1" rtlCol="0" anchor="t" anchorCtr="0" compatLnSpc="1">
+              <a:prstTxWarp prst="textNoShape">
+                <a:avLst/>
+              </a:prstTxWarp>
+            </a:bodyPr>
+            <a:lstStyle>
+              <a:defPPr>
+                <a:defRPr lang="en-US"/>
+              </a:defPPr>
+              <a:lvl1pPr algn="ctr" rtl="0" fontAlgn="base">
+                <a:spcBef>
+                  <a:spcPct val="0"/>
+                </a:spcBef>
+                <a:spcAft>
+                  <a:spcPct val="0"/>
+                </a:spcAft>
+                <a:defRPr sz="4200" kern="1200">
+                  <a:solidFill>
+                    <a:srgbClr val="595650"/>
+                  </a:solidFill>
+                  <a:latin typeface="Baskerville" charset="0"/>
+                  <a:ea typeface="ヒラギノ明朝 Pro W3" charset="0"/>
+                  <a:cs typeface="ヒラギノ明朝 Pro W3" charset="0"/>
+                  <a:sym typeface="Baskerville" charset="0"/>
+                </a:defRPr>
+              </a:lvl1pPr>
+              <a:lvl2pPr marL="457200" algn="ctr" rtl="0" fontAlgn="base">
+                <a:spcBef>
+                  <a:spcPct val="0"/>
+                </a:spcBef>
+                <a:spcAft>
+                  <a:spcPct val="0"/>
+                </a:spcAft>
+                <a:defRPr sz="4200" kern="1200">
+                  <a:solidFill>
+                    <a:srgbClr val="595650"/>
+                  </a:solidFill>
+                  <a:latin typeface="Baskerville" charset="0"/>
+                  <a:ea typeface="ヒラギノ明朝 Pro W3" charset="0"/>
+                  <a:cs typeface="ヒラギノ明朝 Pro W3" charset="0"/>
+                  <a:sym typeface="Baskerville" charset="0"/>
+                </a:defRPr>
+              </a:lvl2pPr>
+              <a:lvl3pPr marL="914400" algn="ctr" rtl="0" fontAlgn="base">
+                <a:spcBef>
+                  <a:spcPct val="0"/>
+                </a:spcBef>
+                <a:spcAft>
+                  <a:spcPct val="0"/>
+                </a:spcAft>
+                <a:defRPr sz="4200" kern="1200">
+                  <a:solidFill>
+                    <a:srgbClr val="595650"/>
+                  </a:solidFill>
+                  <a:latin typeface="Baskerville" charset="0"/>
+                  <a:ea typeface="ヒラギノ明朝 Pro W3" charset="0"/>
+                  <a:cs typeface="ヒラギノ明朝 Pro W3" charset="0"/>
+                  <a:sym typeface="Baskerville" charset="0"/>
+                </a:defRPr>
+              </a:lvl3pPr>
+              <a:lvl4pPr marL="1371600" algn="ctr" rtl="0" fontAlgn="base">
+                <a:spcBef>
+                  <a:spcPct val="0"/>
+                </a:spcBef>
+                <a:spcAft>
+                  <a:spcPct val="0"/>
+                </a:spcAft>
+                <a:defRPr sz="4200" kern="1200">
+                  <a:solidFill>
+                    <a:srgbClr val="595650"/>
+                  </a:solidFill>
+                  <a:latin typeface="Baskerville" charset="0"/>
+                  <a:ea typeface="ヒラギノ明朝 Pro W3" charset="0"/>
+                  <a:cs typeface="ヒラギノ明朝 Pro W3" charset="0"/>
+                  <a:sym typeface="Baskerville" charset="0"/>
+                </a:defRPr>
+              </a:lvl4pPr>
+              <a:lvl5pPr marL="1828800" algn="ctr" rtl="0" fontAlgn="base">
+                <a:spcBef>
+                  <a:spcPct val="0"/>
+                </a:spcBef>
+                <a:spcAft>
+                  <a:spcPct val="0"/>
+                </a:spcAft>
+                <a:defRPr sz="4200" kern="1200">
+                  <a:solidFill>
+                    <a:srgbClr val="595650"/>
+                  </a:solidFill>
+                  <a:latin typeface="Baskerville" charset="0"/>
+                  <a:ea typeface="ヒラギノ明朝 Pro W3" charset="0"/>
+                  <a:cs typeface="ヒラギノ明朝 Pro W3" charset="0"/>
+                  <a:sym typeface="Baskerville" charset="0"/>
+                </a:defRPr>
+              </a:lvl5pPr>
+              <a:lvl6pPr marL="2286000" algn="r" defTabSz="914400" rtl="1" eaLnBrk="1" latinLnBrk="0" hangingPunct="1">
+                <a:defRPr sz="4200" kern="1200">
+                  <a:solidFill>
+                    <a:srgbClr val="595650"/>
+                  </a:solidFill>
+                  <a:latin typeface="Baskerville" charset="0"/>
+                  <a:ea typeface="ヒラギノ明朝 Pro W3" charset="0"/>
+                  <a:cs typeface="ヒラギノ明朝 Pro W3" charset="0"/>
+                  <a:sym typeface="Baskerville" charset="0"/>
+                </a:defRPr>
+              </a:lvl6pPr>
+              <a:lvl7pPr marL="2743200" algn="r" defTabSz="914400" rtl="1" eaLnBrk="1" latinLnBrk="0" hangingPunct="1">
+                <a:defRPr sz="4200" kern="1200">
+                  <a:solidFill>
+                    <a:srgbClr val="595650"/>
+                  </a:solidFill>
+                  <a:latin typeface="Baskerville" charset="0"/>
+                  <a:ea typeface="ヒラギノ明朝 Pro W3" charset="0"/>
+                  <a:cs typeface="ヒラギノ明朝 Pro W3" charset="0"/>
+                  <a:sym typeface="Baskerville" charset="0"/>
+                </a:defRPr>
+              </a:lvl7pPr>
+              <a:lvl8pPr marL="3200400" algn="r" defTabSz="914400" rtl="1" eaLnBrk="1" latinLnBrk="0" hangingPunct="1">
+                <a:defRPr sz="4200" kern="1200">
+                  <a:solidFill>
+                    <a:srgbClr val="595650"/>
+                  </a:solidFill>
+                  <a:latin typeface="Baskerville" charset="0"/>
+                  <a:ea typeface="ヒラギノ明朝 Pro W3" charset="0"/>
+                  <a:cs typeface="ヒラギノ明朝 Pro W3" charset="0"/>
+                  <a:sym typeface="Baskerville" charset="0"/>
+                </a:defRPr>
+              </a:lvl8pPr>
+              <a:lvl9pPr marL="3657600" algn="r" defTabSz="914400" rtl="1" eaLnBrk="1" latinLnBrk="0" hangingPunct="1">
+                <a:defRPr sz="4200" kern="1200">
+                  <a:solidFill>
+                    <a:srgbClr val="595650"/>
+                  </a:solidFill>
+                  <a:latin typeface="Baskerville" charset="0"/>
+                  <a:ea typeface="ヒラギノ明朝 Pro W3" charset="0"/>
+                  <a:cs typeface="ヒラギノ明朝 Pro W3" charset="0"/>
+                  <a:sym typeface="Baskerville" charset="0"/>
+                </a:defRPr>
+              </a:lvl9pPr>
+            </a:lstStyle>
+            <a:p>
+              <a:pPr marL="0" marR="0" indent="0" algn="ctr" defTabSz="914400" rtl="0" eaLnBrk="1" fontAlgn="base" latinLnBrk="0" hangingPunct="1">
+                <a:lnSpc>
+                  <a:spcPct val="100000"/>
+                </a:lnSpc>
+                <a:spcBef>
+                  <a:spcPct val="0"/>
+                </a:spcBef>
+                <a:spcAft>
+                  <a:spcPct val="0"/>
+                </a:spcAft>
+                <a:buClrTx/>
+                <a:buSzTx/>
+                <a:buFontTx/>
+                <a:buNone/>
+                <a:tabLst/>
+              </a:pPr>
+              <a:endParaRPr kumimoji="0" lang="en-US" sz="4200" b="0" i="0" u="none" strike="noStrike" cap="none" normalizeH="0" baseline="0" smtClean="0">
+                <a:ln>
+                  <a:noFill/>
+                </a:ln>
+                <a:solidFill>
+                  <a:srgbClr val="595650"/>
+                </a:solidFill>
+                <a:effectLst/>
+                <a:latin typeface="Baskerville" charset="0"/>
+                <a:ea typeface="ヒラギノ明朝 Pro W3" charset="0"/>
+                <a:cs typeface="ヒラギノ明朝 Pro W3" charset="0"/>
+                <a:sym typeface="Baskerville" charset="0"/>
+              </a:endParaRPr>
+            </a:p>
+          </p:txBody>
+        </p:sp>
+        <p:grpSp>
+          <p:nvGrpSpPr>
+            <p:cNvPr id="21" name="Group 20"/>
+            <p:cNvGrpSpPr>
+              <a:grpSpLocks/>
+            </p:cNvGrpSpPr>
+            <p:nvPr/>
+          </p:nvGrpSpPr>
+          <p:grpSpPr bwMode="auto">
+            <a:xfrm>
+              <a:off x="5207114" y="3810000"/>
+              <a:ext cx="2782145" cy="1625600"/>
+              <a:chOff x="864" y="-1872"/>
+              <a:chExt cx="1752" cy="1024"/>
+            </a:xfrm>
+          </p:grpSpPr>
+          <p:sp>
+            <p:nvSpPr>
+              <p:cNvPr id="29" name="Oval 28"/>
+              <p:cNvSpPr>
+                <a:spLocks/>
+              </p:cNvSpPr>
+              <p:nvPr/>
+            </p:nvSpPr>
+            <p:spPr bwMode="auto">
+              <a:xfrm>
+                <a:off x="1728" y="-1152"/>
+                <a:ext cx="121" cy="112"/>
+              </a:xfrm>
+              <a:prstGeom prst="ellipse">
+                <a:avLst/>
+              </a:prstGeom>
+              <a:solidFill>
+                <a:schemeClr val="accent1"/>
+              </a:solidFill>
+              <a:ln w="25400">
+                <a:solidFill>
+                  <a:schemeClr val="tx2"/>
+                </a:solidFill>
+                <a:round/>
+                <a:headEnd/>
+                <a:tailEnd/>
+              </a:ln>
+            </p:spPr>
+            <p:txBody>
+              <a:bodyPr lIns="0" tIns="0" rIns="0" bIns="0"/>
+              <a:lstStyle>
+                <a:defPPr>
+                  <a:defRPr lang="en-US"/>
+                </a:defPPr>
+                <a:lvl1pPr algn="ctr" rtl="0" fontAlgn="base">
+                  <a:spcBef>
+                    <a:spcPct val="0"/>
+                  </a:spcBef>
+                  <a:spcAft>
+                    <a:spcPct val="0"/>
+                  </a:spcAft>
+                  <a:defRPr sz="4200" kern="1200">
+                    <a:solidFill>
+                      <a:srgbClr val="595650"/>
+                    </a:solidFill>
+                    <a:latin typeface="Baskerville" charset="0"/>
+                    <a:ea typeface="ヒラギノ明朝 Pro W3" charset="0"/>
+                    <a:cs typeface="ヒラギノ明朝 Pro W3" charset="0"/>
+                    <a:sym typeface="Baskerville" charset="0"/>
+                  </a:defRPr>
+                </a:lvl1pPr>
+                <a:lvl2pPr marL="457200" algn="ctr" rtl="0" fontAlgn="base">
+                  <a:spcBef>
+                    <a:spcPct val="0"/>
+                  </a:spcBef>
+                  <a:spcAft>
+                    <a:spcPct val="0"/>
+                  </a:spcAft>
+                  <a:defRPr sz="4200" kern="1200">
+                    <a:solidFill>
+                      <a:srgbClr val="595650"/>
+                    </a:solidFill>
+                    <a:latin typeface="Baskerville" charset="0"/>
+                    <a:ea typeface="ヒラギノ明朝 Pro W3" charset="0"/>
+                    <a:cs typeface="ヒラギノ明朝 Pro W3" charset="0"/>
+                    <a:sym typeface="Baskerville" charset="0"/>
+                  </a:defRPr>
+                </a:lvl2pPr>
+                <a:lvl3pPr marL="914400" algn="ctr" rtl="0" fontAlgn="base">
+                  <a:spcBef>
+                    <a:spcPct val="0"/>
+                  </a:spcBef>
+                  <a:spcAft>
+                    <a:spcPct val="0"/>
+                  </a:spcAft>
+                  <a:defRPr sz="4200" kern="1200">
+                    <a:solidFill>
+                      <a:srgbClr val="595650"/>
+                    </a:solidFill>
+                    <a:latin typeface="Baskerville" charset="0"/>
+                    <a:ea typeface="ヒラギノ明朝 Pro W3" charset="0"/>
+                    <a:cs typeface="ヒラギノ明朝 Pro W3" charset="0"/>
+                    <a:sym typeface="Baskerville" charset="0"/>
+                  </a:defRPr>
+                </a:lvl3pPr>
+                <a:lvl4pPr marL="1371600" algn="ctr" rtl="0" fontAlgn="base">
+                  <a:spcBef>
+                    <a:spcPct val="0"/>
+                  </a:spcBef>
+                  <a:spcAft>
+                    <a:spcPct val="0"/>
+                  </a:spcAft>
+                  <a:defRPr sz="4200" kern="1200">
+                    <a:solidFill>
+                      <a:srgbClr val="595650"/>
+                    </a:solidFill>
+                    <a:latin typeface="Baskerville" charset="0"/>
+                    <a:ea typeface="ヒラギノ明朝 Pro W3" charset="0"/>
+                    <a:cs typeface="ヒラギノ明朝 Pro W3" charset="0"/>
+                    <a:sym typeface="Baskerville" charset="0"/>
+                  </a:defRPr>
+                </a:lvl4pPr>
+                <a:lvl5pPr marL="1828800" algn="ctr" rtl="0" fontAlgn="base">
+                  <a:spcBef>
+                    <a:spcPct val="0"/>
+                  </a:spcBef>
+                  <a:spcAft>
+                    <a:spcPct val="0"/>
+                  </a:spcAft>
+                  <a:defRPr sz="4200" kern="1200">
+                    <a:solidFill>
+                      <a:srgbClr val="595650"/>
+                    </a:solidFill>
+                    <a:latin typeface="Baskerville" charset="0"/>
+                    <a:ea typeface="ヒラギノ明朝 Pro W3" charset="0"/>
+                    <a:cs typeface="ヒラギノ明朝 Pro W3" charset="0"/>
+                    <a:sym typeface="Baskerville" charset="0"/>
+                  </a:defRPr>
+                </a:lvl5pPr>
+                <a:lvl6pPr marL="2286000" algn="r" defTabSz="914400" rtl="1" eaLnBrk="1" latinLnBrk="0" hangingPunct="1">
+                  <a:defRPr sz="4200" kern="1200">
+                    <a:solidFill>
+                      <a:srgbClr val="595650"/>
+                    </a:solidFill>
+                    <a:latin typeface="Baskerville" charset="0"/>
+                    <a:ea typeface="ヒラギノ明朝 Pro W3" charset="0"/>
+                    <a:cs typeface="ヒラギノ明朝 Pro W3" charset="0"/>
+                    <a:sym typeface="Baskerville" charset="0"/>
+                  </a:defRPr>
+                </a:lvl6pPr>
+                <a:lvl7pPr marL="2743200" algn="r" defTabSz="914400" rtl="1" eaLnBrk="1" latinLnBrk="0" hangingPunct="1">
+                  <a:defRPr sz="4200" kern="1200">
+                    <a:solidFill>
+                      <a:srgbClr val="595650"/>
+                    </a:solidFill>
+                    <a:latin typeface="Baskerville" charset="0"/>
+                    <a:ea typeface="ヒラギノ明朝 Pro W3" charset="0"/>
+                    <a:cs typeface="ヒラギノ明朝 Pro W3" charset="0"/>
+                    <a:sym typeface="Baskerville" charset="0"/>
+                  </a:defRPr>
+                </a:lvl7pPr>
+                <a:lvl8pPr marL="3200400" algn="r" defTabSz="914400" rtl="1" eaLnBrk="1" latinLnBrk="0" hangingPunct="1">
+                  <a:defRPr sz="4200" kern="1200">
+                    <a:solidFill>
+                      <a:srgbClr val="595650"/>
+                    </a:solidFill>
+                    <a:latin typeface="Baskerville" charset="0"/>
+                    <a:ea typeface="ヒラギノ明朝 Pro W3" charset="0"/>
+                    <a:cs typeface="ヒラギノ明朝 Pro W3" charset="0"/>
+                    <a:sym typeface="Baskerville" charset="0"/>
+                  </a:defRPr>
+                </a:lvl8pPr>
+                <a:lvl9pPr marL="3657600" algn="r" defTabSz="914400" rtl="1" eaLnBrk="1" latinLnBrk="0" hangingPunct="1">
+                  <a:defRPr sz="4200" kern="1200">
+                    <a:solidFill>
+                      <a:srgbClr val="595650"/>
+                    </a:solidFill>
+                    <a:latin typeface="Baskerville" charset="0"/>
+                    <a:ea typeface="ヒラギノ明朝 Pro W3" charset="0"/>
+                    <a:cs typeface="ヒラギノ明朝 Pro W3" charset="0"/>
+                    <a:sym typeface="Baskerville" charset="0"/>
+                  </a:defRPr>
+                </a:lvl9pPr>
+              </a:lstStyle>
+              <a:p>
+                <a:endParaRPr lang="he-IL"/>
+              </a:p>
+            </p:txBody>
+          </p:sp>
+          <p:sp>
+            <p:nvSpPr>
+              <p:cNvPr id="30" name="Oval 29"/>
+              <p:cNvSpPr>
+                <a:spLocks/>
+              </p:cNvSpPr>
+              <p:nvPr/>
+            </p:nvSpPr>
+            <p:spPr bwMode="auto">
+              <a:xfrm>
+                <a:off x="2495" y="-1488"/>
+                <a:ext cx="121" cy="112"/>
+              </a:xfrm>
+              <a:prstGeom prst="ellipse">
+                <a:avLst/>
+              </a:prstGeom>
+              <a:solidFill>
+                <a:schemeClr val="accent1"/>
+              </a:solidFill>
+              <a:ln w="25400">
+                <a:solidFill>
+                  <a:schemeClr val="tx2"/>
+                </a:solidFill>
+                <a:round/>
+                <a:headEnd/>
+                <a:tailEnd/>
+              </a:ln>
+            </p:spPr>
+            <p:txBody>
+              <a:bodyPr lIns="0" tIns="0" rIns="0" bIns="0"/>
+              <a:lstStyle>
+                <a:defPPr>
+                  <a:defRPr lang="en-US"/>
+                </a:defPPr>
+                <a:lvl1pPr algn="ctr" rtl="0" fontAlgn="base">
+                  <a:spcBef>
+                    <a:spcPct val="0"/>
+                  </a:spcBef>
+                  <a:spcAft>
+                    <a:spcPct val="0"/>
+                  </a:spcAft>
+                  <a:defRPr sz="4200" kern="1200">
+                    <a:solidFill>
+                      <a:srgbClr val="595650"/>
+                    </a:solidFill>
+                    <a:latin typeface="Baskerville" charset="0"/>
+                    <a:ea typeface="ヒラギノ明朝 Pro W3" charset="0"/>
+                    <a:cs typeface="ヒラギノ明朝 Pro W3" charset="0"/>
+                    <a:sym typeface="Baskerville" charset="0"/>
+                  </a:defRPr>
+                </a:lvl1pPr>
+                <a:lvl2pPr marL="457200" algn="ctr" rtl="0" fontAlgn="base">
+                  <a:spcBef>
+                    <a:spcPct val="0"/>
+                  </a:spcBef>
+                  <a:spcAft>
+                    <a:spcPct val="0"/>
+                  </a:spcAft>
+                  <a:defRPr sz="4200" kern="1200">
+                    <a:solidFill>
+                      <a:srgbClr val="595650"/>
+                    </a:solidFill>
+                    <a:latin typeface="Baskerville" charset="0"/>
+                    <a:ea typeface="ヒラギノ明朝 Pro W3" charset="0"/>
+                    <a:cs typeface="ヒラギノ明朝 Pro W3" charset="0"/>
+                    <a:sym typeface="Baskerville" charset="0"/>
+                  </a:defRPr>
+                </a:lvl2pPr>
+                <a:lvl3pPr marL="914400" algn="ctr" rtl="0" fontAlgn="base">
+                  <a:spcBef>
+                    <a:spcPct val="0"/>
+                  </a:spcBef>
+                  <a:spcAft>
+                    <a:spcPct val="0"/>
+                  </a:spcAft>
+                  <a:defRPr sz="4200" kern="1200">
+                    <a:solidFill>
+                      <a:srgbClr val="595650"/>
+                    </a:solidFill>
+                    <a:latin typeface="Baskerville" charset="0"/>
+                    <a:ea typeface="ヒラギノ明朝 Pro W3" charset="0"/>
+                    <a:cs typeface="ヒラギノ明朝 Pro W3" charset="0"/>
+                    <a:sym typeface="Baskerville" charset="0"/>
+                  </a:defRPr>
+                </a:lvl3pPr>
+                <a:lvl4pPr marL="1371600" algn="ctr" rtl="0" fontAlgn="base">
+                  <a:spcBef>
+                    <a:spcPct val="0"/>
+                  </a:spcBef>
+                  <a:spcAft>
+                    <a:spcPct val="0"/>
+                  </a:spcAft>
+                  <a:defRPr sz="4200" kern="1200">
+                    <a:solidFill>
+                      <a:srgbClr val="595650"/>
+                    </a:solidFill>
+                    <a:latin typeface="Baskerville" charset="0"/>
+                    <a:ea typeface="ヒラギノ明朝 Pro W3" charset="0"/>
+                    <a:cs typeface="ヒラギノ明朝 Pro W3" charset="0"/>
+                    <a:sym typeface="Baskerville" charset="0"/>
+                  </a:defRPr>
+                </a:lvl4pPr>
+                <a:lvl5pPr marL="1828800" algn="ctr" rtl="0" fontAlgn="base">
+                  <a:spcBef>
+                    <a:spcPct val="0"/>
+                  </a:spcBef>
+                  <a:spcAft>
+                    <a:spcPct val="0"/>
+                  </a:spcAft>
+                  <a:defRPr sz="4200" kern="1200">
+                    <a:solidFill>
+                      <a:srgbClr val="595650"/>
+                    </a:solidFill>
+                    <a:latin typeface="Baskerville" charset="0"/>
+                    <a:ea typeface="ヒラギノ明朝 Pro W3" charset="0"/>
+                    <a:cs typeface="ヒラギノ明朝 Pro W3" charset="0"/>
+                    <a:sym typeface="Baskerville" charset="0"/>
+                  </a:defRPr>
+                </a:lvl5pPr>
+                <a:lvl6pPr marL="2286000" algn="r" defTabSz="914400" rtl="1" eaLnBrk="1" latinLnBrk="0" hangingPunct="1">
+                  <a:defRPr sz="4200" kern="1200">
+                    <a:solidFill>
+                      <a:srgbClr val="595650"/>
+                    </a:solidFill>
+                    <a:latin typeface="Baskerville" charset="0"/>
+                    <a:ea typeface="ヒラギノ明朝 Pro W3" charset="0"/>
+                    <a:cs typeface="ヒラギノ明朝 Pro W3" charset="0"/>
+                    <a:sym typeface="Baskerville" charset="0"/>
+                  </a:defRPr>
+                </a:lvl6pPr>
+                <a:lvl7pPr marL="2743200" algn="r" defTabSz="914400" rtl="1" eaLnBrk="1" latinLnBrk="0" hangingPunct="1">
+                  <a:defRPr sz="4200" kern="1200">
+                    <a:solidFill>
+                      <a:srgbClr val="595650"/>
+                    </a:solidFill>
+                    <a:latin typeface="Baskerville" charset="0"/>
+                    <a:ea typeface="ヒラギノ明朝 Pro W3" charset="0"/>
+                    <a:cs typeface="ヒラギノ明朝 Pro W3" charset="0"/>
+                    <a:sym typeface="Baskerville" charset="0"/>
+                  </a:defRPr>
+                </a:lvl7pPr>
+                <a:lvl8pPr marL="3200400" algn="r" defTabSz="914400" rtl="1" eaLnBrk="1" latinLnBrk="0" hangingPunct="1">
+                  <a:defRPr sz="4200" kern="1200">
+                    <a:solidFill>
+                      <a:srgbClr val="595650"/>
+                    </a:solidFill>
+                    <a:latin typeface="Baskerville" charset="0"/>
+                    <a:ea typeface="ヒラギノ明朝 Pro W3" charset="0"/>
+                    <a:cs typeface="ヒラギノ明朝 Pro W3" charset="0"/>
+                    <a:sym typeface="Baskerville" charset="0"/>
+                  </a:defRPr>
+                </a:lvl8pPr>
+                <a:lvl9pPr marL="3657600" algn="r" defTabSz="914400" rtl="1" eaLnBrk="1" latinLnBrk="0" hangingPunct="1">
+                  <a:defRPr sz="4200" kern="1200">
+                    <a:solidFill>
+                      <a:srgbClr val="595650"/>
+                    </a:solidFill>
+                    <a:latin typeface="Baskerville" charset="0"/>
+                    <a:ea typeface="ヒラギノ明朝 Pro W3" charset="0"/>
+                    <a:cs typeface="ヒラギノ明朝 Pro W3" charset="0"/>
+                    <a:sym typeface="Baskerville" charset="0"/>
+                  </a:defRPr>
+                </a:lvl9pPr>
+              </a:lstStyle>
+              <a:p>
+                <a:endParaRPr lang="he-IL"/>
+              </a:p>
+            </p:txBody>
+          </p:sp>
+          <p:sp>
+            <p:nvSpPr>
+              <p:cNvPr id="31" name="Oval 30"/>
+              <p:cNvSpPr>
+                <a:spLocks/>
+              </p:cNvSpPr>
+              <p:nvPr/>
+            </p:nvSpPr>
+            <p:spPr bwMode="auto">
+              <a:xfrm>
+                <a:off x="2495" y="-1728"/>
+                <a:ext cx="121" cy="112"/>
+              </a:xfrm>
+              <a:prstGeom prst="ellipse">
+                <a:avLst/>
+              </a:prstGeom>
+              <a:solidFill>
+                <a:schemeClr val="accent1"/>
+              </a:solidFill>
+              <a:ln w="25400">
+                <a:solidFill>
+                  <a:schemeClr val="tx2"/>
+                </a:solidFill>
+                <a:round/>
+                <a:headEnd/>
+                <a:tailEnd/>
+              </a:ln>
+            </p:spPr>
+            <p:txBody>
+              <a:bodyPr lIns="0" tIns="0" rIns="0" bIns="0"/>
+              <a:lstStyle>
+                <a:defPPr>
+                  <a:defRPr lang="en-US"/>
+                </a:defPPr>
+                <a:lvl1pPr algn="ctr" rtl="0" fontAlgn="base">
+                  <a:spcBef>
+                    <a:spcPct val="0"/>
+                  </a:spcBef>
+                  <a:spcAft>
+                    <a:spcPct val="0"/>
+                  </a:spcAft>
+                  <a:defRPr sz="4200" kern="1200">
+                    <a:solidFill>
+                      <a:srgbClr val="595650"/>
+                    </a:solidFill>
+                    <a:latin typeface="Baskerville" charset="0"/>
+                    <a:ea typeface="ヒラギノ明朝 Pro W3" charset="0"/>
+                    <a:cs typeface="ヒラギノ明朝 Pro W3" charset="0"/>
+                    <a:sym typeface="Baskerville" charset="0"/>
+                  </a:defRPr>
+                </a:lvl1pPr>
+                <a:lvl2pPr marL="457200" algn="ctr" rtl="0" fontAlgn="base">
+                  <a:spcBef>
+                    <a:spcPct val="0"/>
+                  </a:spcBef>
+                  <a:spcAft>
+                    <a:spcPct val="0"/>
+                  </a:spcAft>
+                  <a:defRPr sz="4200" kern="1200">
+                    <a:solidFill>
+                      <a:srgbClr val="595650"/>
+                    </a:solidFill>
+                    <a:latin typeface="Baskerville" charset="0"/>
+                    <a:ea typeface="ヒラギノ明朝 Pro W3" charset="0"/>
+                    <a:cs typeface="ヒラギノ明朝 Pro W3" charset="0"/>
+                    <a:sym typeface="Baskerville" charset="0"/>
+                  </a:defRPr>
+                </a:lvl2pPr>
+                <a:lvl3pPr marL="914400" algn="ctr" rtl="0" fontAlgn="base">
+                  <a:spcBef>
+                    <a:spcPct val="0"/>
+                  </a:spcBef>
+                  <a:spcAft>
+                    <a:spcPct val="0"/>
+                  </a:spcAft>
+                  <a:defRPr sz="4200" kern="1200">
+                    <a:solidFill>
+                      <a:srgbClr val="595650"/>
+                    </a:solidFill>
+                    <a:latin typeface="Baskerville" charset="0"/>
+                    <a:ea typeface="ヒラギノ明朝 Pro W3" charset="0"/>
+                    <a:cs typeface="ヒラギノ明朝 Pro W3" charset="0"/>
+                    <a:sym typeface="Baskerville" charset="0"/>
+                  </a:defRPr>
+                </a:lvl3pPr>
+                <a:lvl4pPr marL="1371600" algn="ctr" rtl="0" fontAlgn="base">
+                  <a:spcBef>
+                    <a:spcPct val="0"/>
+                  </a:spcBef>
+                  <a:spcAft>
+                    <a:spcPct val="0"/>
+                  </a:spcAft>
+                  <a:defRPr sz="4200" kern="1200">
+                    <a:solidFill>
+                      <a:srgbClr val="595650"/>
+                    </a:solidFill>
+                    <a:latin typeface="Baskerville" charset="0"/>
+                    <a:ea typeface="ヒラギノ明朝 Pro W3" charset="0"/>
+                    <a:cs typeface="ヒラギノ明朝 Pro W3" charset="0"/>
+                    <a:sym typeface="Baskerville" charset="0"/>
+                  </a:defRPr>
+                </a:lvl4pPr>
+                <a:lvl5pPr marL="1828800" algn="ctr" rtl="0" fontAlgn="base">
+                  <a:spcBef>
+                    <a:spcPct val="0"/>
+                  </a:spcBef>
+                  <a:spcAft>
+                    <a:spcPct val="0"/>
+                  </a:spcAft>
+                  <a:defRPr sz="4200" kern="1200">
+                    <a:solidFill>
+                      <a:srgbClr val="595650"/>
+                    </a:solidFill>
+                    <a:latin typeface="Baskerville" charset="0"/>
+                    <a:ea typeface="ヒラギノ明朝 Pro W3" charset="0"/>
+                    <a:cs typeface="ヒラギノ明朝 Pro W3" charset="0"/>
+                    <a:sym typeface="Baskerville" charset="0"/>
+                  </a:defRPr>
+                </a:lvl5pPr>
+                <a:lvl6pPr marL="2286000" algn="r" defTabSz="914400" rtl="1" eaLnBrk="1" latinLnBrk="0" hangingPunct="1">
+                  <a:defRPr sz="4200" kern="1200">
+                    <a:solidFill>
+                      <a:srgbClr val="595650"/>
+                    </a:solidFill>
+                    <a:latin typeface="Baskerville" charset="0"/>
+                    <a:ea typeface="ヒラギノ明朝 Pro W3" charset="0"/>
+                    <a:cs typeface="ヒラギノ明朝 Pro W3" charset="0"/>
+                    <a:sym typeface="Baskerville" charset="0"/>
+                  </a:defRPr>
+                </a:lvl6pPr>
+                <a:lvl7pPr marL="2743200" algn="r" defTabSz="914400" rtl="1" eaLnBrk="1" latinLnBrk="0" hangingPunct="1">
+                  <a:defRPr sz="4200" kern="1200">
+                    <a:solidFill>
+                      <a:srgbClr val="595650"/>
+                    </a:solidFill>
+                    <a:latin typeface="Baskerville" charset="0"/>
+                    <a:ea typeface="ヒラギノ明朝 Pro W3" charset="0"/>
+                    <a:cs typeface="ヒラギノ明朝 Pro W3" charset="0"/>
+                    <a:sym typeface="Baskerville" charset="0"/>
+                  </a:defRPr>
+                </a:lvl7pPr>
+                <a:lvl8pPr marL="3200400" algn="r" defTabSz="914400" rtl="1" eaLnBrk="1" latinLnBrk="0" hangingPunct="1">
+                  <a:defRPr sz="4200" kern="1200">
+                    <a:solidFill>
+                      <a:srgbClr val="595650"/>
+                    </a:solidFill>
+                    <a:latin typeface="Baskerville" charset="0"/>
+                    <a:ea typeface="ヒラギノ明朝 Pro W3" charset="0"/>
+                    <a:cs typeface="ヒラギノ明朝 Pro W3" charset="0"/>
+                    <a:sym typeface="Baskerville" charset="0"/>
+                  </a:defRPr>
+                </a:lvl8pPr>
+                <a:lvl9pPr marL="3657600" algn="r" defTabSz="914400" rtl="1" eaLnBrk="1" latinLnBrk="0" hangingPunct="1">
+                  <a:defRPr sz="4200" kern="1200">
+                    <a:solidFill>
+                      <a:srgbClr val="595650"/>
+                    </a:solidFill>
+                    <a:latin typeface="Baskerville" charset="0"/>
+                    <a:ea typeface="ヒラギノ明朝 Pro W3" charset="0"/>
+                    <a:cs typeface="ヒラギノ明朝 Pro W3" charset="0"/>
+                    <a:sym typeface="Baskerville" charset="0"/>
+                  </a:defRPr>
+                </a:lvl9pPr>
+              </a:lstStyle>
+              <a:p>
+                <a:endParaRPr lang="he-IL"/>
+              </a:p>
+            </p:txBody>
+          </p:sp>
+          <p:sp>
+            <p:nvSpPr>
+              <p:cNvPr id="32" name="Oval 31"/>
+              <p:cNvSpPr>
+                <a:spLocks/>
+              </p:cNvSpPr>
+              <p:nvPr/>
+            </p:nvSpPr>
+            <p:spPr bwMode="auto">
+              <a:xfrm>
+                <a:off x="2351" y="-1632"/>
+                <a:ext cx="121" cy="112"/>
+              </a:xfrm>
+              <a:prstGeom prst="ellipse">
+                <a:avLst/>
+              </a:prstGeom>
+              <a:solidFill>
+                <a:schemeClr val="accent1"/>
+              </a:solidFill>
+              <a:ln w="25400">
+                <a:solidFill>
+                  <a:schemeClr val="tx2"/>
+                </a:solidFill>
+                <a:round/>
+                <a:headEnd/>
+                <a:tailEnd/>
+              </a:ln>
+            </p:spPr>
+            <p:txBody>
+              <a:bodyPr lIns="0" tIns="0" rIns="0" bIns="0"/>
+              <a:lstStyle>
+                <a:defPPr>
+                  <a:defRPr lang="en-US"/>
+                </a:defPPr>
+                <a:lvl1pPr algn="ctr" rtl="0" fontAlgn="base">
+                  <a:spcBef>
+                    <a:spcPct val="0"/>
+                  </a:spcBef>
+                  <a:spcAft>
+                    <a:spcPct val="0"/>
+                  </a:spcAft>
+                  <a:defRPr sz="4200" kern="1200">
+                    <a:solidFill>
+                      <a:srgbClr val="595650"/>
+                    </a:solidFill>
+                    <a:latin typeface="Baskerville" charset="0"/>
+                    <a:ea typeface="ヒラギノ明朝 Pro W3" charset="0"/>
+                    <a:cs typeface="ヒラギノ明朝 Pro W3" charset="0"/>
+                    <a:sym typeface="Baskerville" charset="0"/>
+                  </a:defRPr>
+                </a:lvl1pPr>
+                <a:lvl2pPr marL="457200" algn="ctr" rtl="0" fontAlgn="base">
+                  <a:spcBef>
+                    <a:spcPct val="0"/>
+                  </a:spcBef>
+                  <a:spcAft>
+                    <a:spcPct val="0"/>
+                  </a:spcAft>
+                  <a:defRPr sz="4200" kern="1200">
+                    <a:solidFill>
+                      <a:srgbClr val="595650"/>
+                    </a:solidFill>
+                    <a:latin typeface="Baskerville" charset="0"/>
+                    <a:ea typeface="ヒラギノ明朝 Pro W3" charset="0"/>
+                    <a:cs typeface="ヒラギノ明朝 Pro W3" charset="0"/>
+                    <a:sym typeface="Baskerville" charset="0"/>
+                  </a:defRPr>
+                </a:lvl2pPr>
+                <a:lvl3pPr marL="914400" algn="ctr" rtl="0" fontAlgn="base">
+                  <a:spcBef>
+                    <a:spcPct val="0"/>
+                  </a:spcBef>
+                  <a:spcAft>
+                    <a:spcPct val="0"/>
+                  </a:spcAft>
+                  <a:defRPr sz="4200" kern="1200">
+                    <a:solidFill>
+                      <a:srgbClr val="595650"/>
+                    </a:solidFill>
+                    <a:latin typeface="Baskerville" charset="0"/>
+                    <a:ea typeface="ヒラギノ明朝 Pro W3" charset="0"/>
+                    <a:cs typeface="ヒラギノ明朝 Pro W3" charset="0"/>
+                    <a:sym typeface="Baskerville" charset="0"/>
+                  </a:defRPr>
+                </a:lvl3pPr>
+                <a:lvl4pPr marL="1371600" algn="ctr" rtl="0" fontAlgn="base">
+                  <a:spcBef>
+                    <a:spcPct val="0"/>
+                  </a:spcBef>
+                  <a:spcAft>
+                    <a:spcPct val="0"/>
+                  </a:spcAft>
+                  <a:defRPr sz="4200" kern="1200">
+                    <a:solidFill>
+                      <a:srgbClr val="595650"/>
+                    </a:solidFill>
+                    <a:latin typeface="Baskerville" charset="0"/>
+                    <a:ea typeface="ヒラギノ明朝 Pro W3" charset="0"/>
+                    <a:cs typeface="ヒラギノ明朝 Pro W3" charset="0"/>
+                    <a:sym typeface="Baskerville" charset="0"/>
+                  </a:defRPr>
+                </a:lvl4pPr>
+                <a:lvl5pPr marL="1828800" algn="ctr" rtl="0" fontAlgn="base">
+                  <a:spcBef>
+                    <a:spcPct val="0"/>
+                  </a:spcBef>
+                  <a:spcAft>
+                    <a:spcPct val="0"/>
+                  </a:spcAft>
+                  <a:defRPr sz="4200" kern="1200">
+                    <a:solidFill>
+                      <a:srgbClr val="595650"/>
+                    </a:solidFill>
+                    <a:latin typeface="Baskerville" charset="0"/>
+                    <a:ea typeface="ヒラギノ明朝 Pro W3" charset="0"/>
+                    <a:cs typeface="ヒラギノ明朝 Pro W3" charset="0"/>
+                    <a:sym typeface="Baskerville" charset="0"/>
+                  </a:defRPr>
+                </a:lvl5pPr>
+                <a:lvl6pPr marL="2286000" algn="r" defTabSz="914400" rtl="1" eaLnBrk="1" latinLnBrk="0" hangingPunct="1">
+                  <a:defRPr sz="4200" kern="1200">
+                    <a:solidFill>
+                      <a:srgbClr val="595650"/>
+                    </a:solidFill>
+                    <a:latin typeface="Baskerville" charset="0"/>
+                    <a:ea typeface="ヒラギノ明朝 Pro W3" charset="0"/>
+                    <a:cs typeface="ヒラギノ明朝 Pro W3" charset="0"/>
+                    <a:sym typeface="Baskerville" charset="0"/>
+                  </a:defRPr>
+                </a:lvl6pPr>
+                <a:lvl7pPr marL="2743200" algn="r" defTabSz="914400" rtl="1" eaLnBrk="1" latinLnBrk="0" hangingPunct="1">
+                  <a:defRPr sz="4200" kern="1200">
+                    <a:solidFill>
+                      <a:srgbClr val="595650"/>
+                    </a:solidFill>
+                    <a:latin typeface="Baskerville" charset="0"/>
+                    <a:ea typeface="ヒラギノ明朝 Pro W3" charset="0"/>
+                    <a:cs typeface="ヒラギノ明朝 Pro W3" charset="0"/>
+                    <a:sym typeface="Baskerville" charset="0"/>
+                  </a:defRPr>
+                </a:lvl7pPr>
+                <a:lvl8pPr marL="3200400" algn="r" defTabSz="914400" rtl="1" eaLnBrk="1" latinLnBrk="0" hangingPunct="1">
+                  <a:defRPr sz="4200" kern="1200">
+                    <a:solidFill>
+                      <a:srgbClr val="595650"/>
+                    </a:solidFill>
+                    <a:latin typeface="Baskerville" charset="0"/>
+                    <a:ea typeface="ヒラギノ明朝 Pro W3" charset="0"/>
+                    <a:cs typeface="ヒラギノ明朝 Pro W3" charset="0"/>
+                    <a:sym typeface="Baskerville" charset="0"/>
+                  </a:defRPr>
+                </a:lvl8pPr>
+                <a:lvl9pPr marL="3657600" algn="r" defTabSz="914400" rtl="1" eaLnBrk="1" latinLnBrk="0" hangingPunct="1">
+                  <a:defRPr sz="4200" kern="1200">
+                    <a:solidFill>
+                      <a:srgbClr val="595650"/>
+                    </a:solidFill>
+                    <a:latin typeface="Baskerville" charset="0"/>
+                    <a:ea typeface="ヒラギノ明朝 Pro W3" charset="0"/>
+                    <a:cs typeface="ヒラギノ明朝 Pro W3" charset="0"/>
+                    <a:sym typeface="Baskerville" charset="0"/>
+                  </a:defRPr>
+                </a:lvl9pPr>
+              </a:lstStyle>
+              <a:p>
+                <a:endParaRPr lang="he-IL"/>
+              </a:p>
+            </p:txBody>
+          </p:sp>
+          <p:sp>
+            <p:nvSpPr>
+              <p:cNvPr id="33" name="Oval 32"/>
+              <p:cNvSpPr>
+                <a:spLocks/>
+              </p:cNvSpPr>
+              <p:nvPr/>
+            </p:nvSpPr>
+            <p:spPr bwMode="auto">
+              <a:xfrm>
+                <a:off x="1824" y="-960"/>
+                <a:ext cx="121" cy="112"/>
+              </a:xfrm>
+              <a:prstGeom prst="ellipse">
+                <a:avLst/>
+              </a:prstGeom>
+              <a:solidFill>
+                <a:schemeClr val="accent1"/>
+              </a:solidFill>
+              <a:ln w="25400">
+                <a:solidFill>
+                  <a:schemeClr val="tx2"/>
+                </a:solidFill>
+                <a:round/>
+                <a:headEnd/>
+                <a:tailEnd/>
+              </a:ln>
+            </p:spPr>
+            <p:txBody>
+              <a:bodyPr lIns="0" tIns="0" rIns="0" bIns="0"/>
+              <a:lstStyle>
+                <a:defPPr>
+                  <a:defRPr lang="en-US"/>
+                </a:defPPr>
+                <a:lvl1pPr algn="ctr" rtl="0" fontAlgn="base">
+                  <a:spcBef>
+                    <a:spcPct val="0"/>
+                  </a:spcBef>
+                  <a:spcAft>
+                    <a:spcPct val="0"/>
+                  </a:spcAft>
+                  <a:defRPr sz="4200" kern="1200">
+                    <a:solidFill>
+                      <a:srgbClr val="595650"/>
+                    </a:solidFill>
+                    <a:latin typeface="Baskerville" charset="0"/>
+                    <a:ea typeface="ヒラギノ明朝 Pro W3" charset="0"/>
+                    <a:cs typeface="ヒラギノ明朝 Pro W3" charset="0"/>
+                    <a:sym typeface="Baskerville" charset="0"/>
+                  </a:defRPr>
+                </a:lvl1pPr>
+                <a:lvl2pPr marL="457200" algn="ctr" rtl="0" fontAlgn="base">
+                  <a:spcBef>
+                    <a:spcPct val="0"/>
+                  </a:spcBef>
+                  <a:spcAft>
+                    <a:spcPct val="0"/>
+                  </a:spcAft>
+                  <a:defRPr sz="4200" kern="1200">
+                    <a:solidFill>
+                      <a:srgbClr val="595650"/>
+                    </a:solidFill>
+                    <a:latin typeface="Baskerville" charset="0"/>
+                    <a:ea typeface="ヒラギノ明朝 Pro W3" charset="0"/>
+                    <a:cs typeface="ヒラギノ明朝 Pro W3" charset="0"/>
+                    <a:sym typeface="Baskerville" charset="0"/>
+                  </a:defRPr>
+                </a:lvl2pPr>
+                <a:lvl3pPr marL="914400" algn="ctr" rtl="0" fontAlgn="base">
+                  <a:spcBef>
+                    <a:spcPct val="0"/>
+                  </a:spcBef>
+                  <a:spcAft>
+                    <a:spcPct val="0"/>
+                  </a:spcAft>
+                  <a:defRPr sz="4200" kern="1200">
+                    <a:solidFill>
+                      <a:srgbClr val="595650"/>
+                    </a:solidFill>
+                    <a:latin typeface="Baskerville" charset="0"/>
+                    <a:ea typeface="ヒラギノ明朝 Pro W3" charset="0"/>
+                    <a:cs typeface="ヒラギノ明朝 Pro W3" charset="0"/>
+                    <a:sym typeface="Baskerville" charset="0"/>
+                  </a:defRPr>
+                </a:lvl3pPr>
+                <a:lvl4pPr marL="1371600" algn="ctr" rtl="0" fontAlgn="base">
+                  <a:spcBef>
+                    <a:spcPct val="0"/>
+                  </a:spcBef>
+                  <a:spcAft>
+                    <a:spcPct val="0"/>
+                  </a:spcAft>
+                  <a:defRPr sz="4200" kern="1200">
+                    <a:solidFill>
+                      <a:srgbClr val="595650"/>
+                    </a:solidFill>
+                    <a:latin typeface="Baskerville" charset="0"/>
+                    <a:ea typeface="ヒラギノ明朝 Pro W3" charset="0"/>
+                    <a:cs typeface="ヒラギノ明朝 Pro W3" charset="0"/>
+                    <a:sym typeface="Baskerville" charset="0"/>
+                  </a:defRPr>
+                </a:lvl4pPr>
+                <a:lvl5pPr marL="1828800" algn="ctr" rtl="0" fontAlgn="base">
+                  <a:spcBef>
+                    <a:spcPct val="0"/>
+                  </a:spcBef>
+                  <a:spcAft>
+                    <a:spcPct val="0"/>
+                  </a:spcAft>
+                  <a:defRPr sz="4200" kern="1200">
+                    <a:solidFill>
+                      <a:srgbClr val="595650"/>
+                    </a:solidFill>
+                    <a:latin typeface="Baskerville" charset="0"/>
+                    <a:ea typeface="ヒラギノ明朝 Pro W3" charset="0"/>
+                    <a:cs typeface="ヒラギノ明朝 Pro W3" charset="0"/>
+                    <a:sym typeface="Baskerville" charset="0"/>
+                  </a:defRPr>
+                </a:lvl5pPr>
+                <a:lvl6pPr marL="2286000" algn="r" defTabSz="914400" rtl="1" eaLnBrk="1" latinLnBrk="0" hangingPunct="1">
+                  <a:defRPr sz="4200" kern="1200">
+                    <a:solidFill>
+                      <a:srgbClr val="595650"/>
+                    </a:solidFill>
+                    <a:latin typeface="Baskerville" charset="0"/>
+                    <a:ea typeface="ヒラギノ明朝 Pro W3" charset="0"/>
+                    <a:cs typeface="ヒラギノ明朝 Pro W3" charset="0"/>
+                    <a:sym typeface="Baskerville" charset="0"/>
+                  </a:defRPr>
+                </a:lvl6pPr>
+                <a:lvl7pPr marL="2743200" algn="r" defTabSz="914400" rtl="1" eaLnBrk="1" latinLnBrk="0" hangingPunct="1">
+                  <a:defRPr sz="4200" kern="1200">
+                    <a:solidFill>
+                      <a:srgbClr val="595650"/>
+                    </a:solidFill>
+                    <a:latin typeface="Baskerville" charset="0"/>
+                    <a:ea typeface="ヒラギノ明朝 Pro W3" charset="0"/>
+                    <a:cs typeface="ヒラギノ明朝 Pro W3" charset="0"/>
+                    <a:sym typeface="Baskerville" charset="0"/>
+                  </a:defRPr>
+                </a:lvl7pPr>
+                <a:lvl8pPr marL="3200400" algn="r" defTabSz="914400" rtl="1" eaLnBrk="1" latinLnBrk="0" hangingPunct="1">
+                  <a:defRPr sz="4200" kern="1200">
+                    <a:solidFill>
+                      <a:srgbClr val="595650"/>
+                    </a:solidFill>
+                    <a:latin typeface="Baskerville" charset="0"/>
+                    <a:ea typeface="ヒラギノ明朝 Pro W3" charset="0"/>
+                    <a:cs typeface="ヒラギノ明朝 Pro W3" charset="0"/>
+                    <a:sym typeface="Baskerville" charset="0"/>
+                  </a:defRPr>
+                </a:lvl8pPr>
+                <a:lvl9pPr marL="3657600" algn="r" defTabSz="914400" rtl="1" eaLnBrk="1" latinLnBrk="0" hangingPunct="1">
+                  <a:defRPr sz="4200" kern="1200">
+                    <a:solidFill>
+                      <a:srgbClr val="595650"/>
+                    </a:solidFill>
+                    <a:latin typeface="Baskerville" charset="0"/>
+                    <a:ea typeface="ヒラギノ明朝 Pro W3" charset="0"/>
+                    <a:cs typeface="ヒラギノ明朝 Pro W3" charset="0"/>
+                    <a:sym typeface="Baskerville" charset="0"/>
+                  </a:defRPr>
+                </a:lvl9pPr>
+              </a:lstStyle>
+              <a:p>
+                <a:endParaRPr lang="he-IL"/>
+              </a:p>
+            </p:txBody>
+          </p:sp>
+          <p:sp>
+            <p:nvSpPr>
+              <p:cNvPr id="34" name="Oval 33"/>
+              <p:cNvSpPr>
+                <a:spLocks/>
+              </p:cNvSpPr>
+              <p:nvPr/>
+            </p:nvSpPr>
+            <p:spPr bwMode="auto">
+              <a:xfrm>
+                <a:off x="1632" y="-1296"/>
+                <a:ext cx="121" cy="112"/>
+              </a:xfrm>
+              <a:prstGeom prst="ellipse">
+                <a:avLst/>
+              </a:prstGeom>
+              <a:solidFill>
+                <a:schemeClr val="accent1"/>
+              </a:solidFill>
+              <a:ln w="25400">
+                <a:solidFill>
+                  <a:schemeClr val="tx2"/>
+                </a:solidFill>
+                <a:round/>
+                <a:headEnd/>
+                <a:tailEnd/>
+              </a:ln>
+            </p:spPr>
+            <p:txBody>
+              <a:bodyPr lIns="0" tIns="0" rIns="0" bIns="0"/>
+              <a:lstStyle>
+                <a:defPPr>
+                  <a:defRPr lang="en-US"/>
+                </a:defPPr>
+                <a:lvl1pPr algn="ctr" rtl="0" fontAlgn="base">
+                  <a:spcBef>
+                    <a:spcPct val="0"/>
+                  </a:spcBef>
+                  <a:spcAft>
+                    <a:spcPct val="0"/>
+                  </a:spcAft>
+                  <a:defRPr sz="4200" kern="1200">
+                    <a:solidFill>
+                      <a:srgbClr val="595650"/>
+                    </a:solidFill>
+                    <a:latin typeface="Baskerville" charset="0"/>
+                    <a:ea typeface="ヒラギノ明朝 Pro W3" charset="0"/>
+                    <a:cs typeface="ヒラギノ明朝 Pro W3" charset="0"/>
+                    <a:sym typeface="Baskerville" charset="0"/>
+                  </a:defRPr>
+                </a:lvl1pPr>
+                <a:lvl2pPr marL="457200" algn="ctr" rtl="0" fontAlgn="base">
+                  <a:spcBef>
+                    <a:spcPct val="0"/>
+                  </a:spcBef>
+                  <a:spcAft>
+                    <a:spcPct val="0"/>
+                  </a:spcAft>
+                  <a:defRPr sz="4200" kern="1200">
+                    <a:solidFill>
+                      <a:srgbClr val="595650"/>
+                    </a:solidFill>
+                    <a:latin typeface="Baskerville" charset="0"/>
+                    <a:ea typeface="ヒラギノ明朝 Pro W3" charset="0"/>
+                    <a:cs typeface="ヒラギノ明朝 Pro W3" charset="0"/>
+                    <a:sym typeface="Baskerville" charset="0"/>
+                  </a:defRPr>
+                </a:lvl2pPr>
+                <a:lvl3pPr marL="914400" algn="ctr" rtl="0" fontAlgn="base">
+                  <a:spcBef>
+                    <a:spcPct val="0"/>
+                  </a:spcBef>
+                  <a:spcAft>
+                    <a:spcPct val="0"/>
+                  </a:spcAft>
+                  <a:defRPr sz="4200" kern="1200">
+                    <a:solidFill>
+                      <a:srgbClr val="595650"/>
+                    </a:solidFill>
+                    <a:latin typeface="Baskerville" charset="0"/>
+                    <a:ea typeface="ヒラギノ明朝 Pro W3" charset="0"/>
+                    <a:cs typeface="ヒラギノ明朝 Pro W3" charset="0"/>
+                    <a:sym typeface="Baskerville" charset="0"/>
+                  </a:defRPr>
+                </a:lvl3pPr>
+                <a:lvl4pPr marL="1371600" algn="ctr" rtl="0" fontAlgn="base">
+                  <a:spcBef>
+                    <a:spcPct val="0"/>
+                  </a:spcBef>
+                  <a:spcAft>
+                    <a:spcPct val="0"/>
+                  </a:spcAft>
+                  <a:defRPr sz="4200" kern="1200">
+                    <a:solidFill>
+                      <a:srgbClr val="595650"/>
+                    </a:solidFill>
+                    <a:latin typeface="Baskerville" charset="0"/>
+                    <a:ea typeface="ヒラギノ明朝 Pro W3" charset="0"/>
+                    <a:cs typeface="ヒラギノ明朝 Pro W3" charset="0"/>
+                    <a:sym typeface="Baskerville" charset="0"/>
+                  </a:defRPr>
+                </a:lvl4pPr>
+                <a:lvl5pPr marL="1828800" algn="ctr" rtl="0" fontAlgn="base">
+                  <a:spcBef>
+                    <a:spcPct val="0"/>
+                  </a:spcBef>
+                  <a:spcAft>
+                    <a:spcPct val="0"/>
+                  </a:spcAft>
+                  <a:defRPr sz="4200" kern="1200">
+                    <a:solidFill>
+                      <a:srgbClr val="595650"/>
+                    </a:solidFill>
+                    <a:latin typeface="Baskerville" charset="0"/>
+                    <a:ea typeface="ヒラギノ明朝 Pro W3" charset="0"/>
+                    <a:cs typeface="ヒラギノ明朝 Pro W3" charset="0"/>
+                    <a:sym typeface="Baskerville" charset="0"/>
+                  </a:defRPr>
+                </a:lvl5pPr>
+                <a:lvl6pPr marL="2286000" algn="r" defTabSz="914400" rtl="1" eaLnBrk="1" latinLnBrk="0" hangingPunct="1">
+                  <a:defRPr sz="4200" kern="1200">
+                    <a:solidFill>
+                      <a:srgbClr val="595650"/>
+                    </a:solidFill>
+                    <a:latin typeface="Baskerville" charset="0"/>
+                    <a:ea typeface="ヒラギノ明朝 Pro W3" charset="0"/>
+                    <a:cs typeface="ヒラギノ明朝 Pro W3" charset="0"/>
+                    <a:sym typeface="Baskerville" charset="0"/>
+                  </a:defRPr>
+                </a:lvl6pPr>
+                <a:lvl7pPr marL="2743200" algn="r" defTabSz="914400" rtl="1" eaLnBrk="1" latinLnBrk="0" hangingPunct="1">
+                  <a:defRPr sz="4200" kern="1200">
+                    <a:solidFill>
+                      <a:srgbClr val="595650"/>
+                    </a:solidFill>
+                    <a:latin typeface="Baskerville" charset="0"/>
+                    <a:ea typeface="ヒラギノ明朝 Pro W3" charset="0"/>
+                    <a:cs typeface="ヒラギノ明朝 Pro W3" charset="0"/>
+                    <a:sym typeface="Baskerville" charset="0"/>
+                  </a:defRPr>
+                </a:lvl7pPr>
+                <a:lvl8pPr marL="3200400" algn="r" defTabSz="914400" rtl="1" eaLnBrk="1" latinLnBrk="0" hangingPunct="1">
+                  <a:defRPr sz="4200" kern="1200">
+                    <a:solidFill>
+                      <a:srgbClr val="595650"/>
+                    </a:solidFill>
+                    <a:latin typeface="Baskerville" charset="0"/>
+                    <a:ea typeface="ヒラギノ明朝 Pro W3" charset="0"/>
+                    <a:cs typeface="ヒラギノ明朝 Pro W3" charset="0"/>
+                    <a:sym typeface="Baskerville" charset="0"/>
+                  </a:defRPr>
+                </a:lvl8pPr>
+                <a:lvl9pPr marL="3657600" algn="r" defTabSz="914400" rtl="1" eaLnBrk="1" latinLnBrk="0" hangingPunct="1">
+                  <a:defRPr sz="4200" kern="1200">
+                    <a:solidFill>
+                      <a:srgbClr val="595650"/>
+                    </a:solidFill>
+                    <a:latin typeface="Baskerville" charset="0"/>
+                    <a:ea typeface="ヒラギノ明朝 Pro W3" charset="0"/>
+                    <a:cs typeface="ヒラギノ明朝 Pro W3" charset="0"/>
+                    <a:sym typeface="Baskerville" charset="0"/>
+                  </a:defRPr>
+                </a:lvl9pPr>
+              </a:lstStyle>
+              <a:p>
+                <a:endParaRPr lang="he-IL"/>
+              </a:p>
+            </p:txBody>
+          </p:sp>
+          <p:sp>
+            <p:nvSpPr>
+              <p:cNvPr id="35" name="Oval 34"/>
+              <p:cNvSpPr>
+                <a:spLocks/>
+              </p:cNvSpPr>
+              <p:nvPr/>
+            </p:nvSpPr>
+            <p:spPr bwMode="auto">
+              <a:xfrm>
+                <a:off x="2351" y="-1872"/>
+                <a:ext cx="121" cy="112"/>
+              </a:xfrm>
+              <a:prstGeom prst="ellipse">
+                <a:avLst/>
+              </a:prstGeom>
+              <a:solidFill>
+                <a:schemeClr val="accent1"/>
+              </a:solidFill>
+              <a:ln w="25400">
+                <a:solidFill>
+                  <a:schemeClr val="tx2"/>
+                </a:solidFill>
+                <a:round/>
+                <a:headEnd/>
+                <a:tailEnd/>
+              </a:ln>
+            </p:spPr>
+            <p:txBody>
+              <a:bodyPr lIns="0" tIns="0" rIns="0" bIns="0"/>
+              <a:lstStyle>
+                <a:defPPr>
+                  <a:defRPr lang="en-US"/>
+                </a:defPPr>
+                <a:lvl1pPr algn="ctr" rtl="0" fontAlgn="base">
+                  <a:spcBef>
+                    <a:spcPct val="0"/>
+                  </a:spcBef>
+                  <a:spcAft>
+                    <a:spcPct val="0"/>
+                  </a:spcAft>
+                  <a:defRPr sz="4200" kern="1200">
+                    <a:solidFill>
+                      <a:srgbClr val="595650"/>
+                    </a:solidFill>
+                    <a:latin typeface="Baskerville" charset="0"/>
+                    <a:ea typeface="ヒラギノ明朝 Pro W3" charset="0"/>
+                    <a:cs typeface="ヒラギノ明朝 Pro W3" charset="0"/>
+                    <a:sym typeface="Baskerville" charset="0"/>
+                  </a:defRPr>
+                </a:lvl1pPr>
+                <a:lvl2pPr marL="457200" algn="ctr" rtl="0" fontAlgn="base">
+                  <a:spcBef>
+                    <a:spcPct val="0"/>
+                  </a:spcBef>
+                  <a:spcAft>
+                    <a:spcPct val="0"/>
+                  </a:spcAft>
+                  <a:defRPr sz="4200" kern="1200">
+                    <a:solidFill>
+                      <a:srgbClr val="595650"/>
+                    </a:solidFill>
+                    <a:latin typeface="Baskerville" charset="0"/>
+                    <a:ea typeface="ヒラギノ明朝 Pro W3" charset="0"/>
+                    <a:cs typeface="ヒラギノ明朝 Pro W3" charset="0"/>
+                    <a:sym typeface="Baskerville" charset="0"/>
+                  </a:defRPr>
+                </a:lvl2pPr>
+                <a:lvl3pPr marL="914400" algn="ctr" rtl="0" fontAlgn="base">
+                  <a:spcBef>
+                    <a:spcPct val="0"/>
+                  </a:spcBef>
+                  <a:spcAft>
+                    <a:spcPct val="0"/>
+                  </a:spcAft>
+                  <a:defRPr sz="4200" kern="1200">
+                    <a:solidFill>
+                      <a:srgbClr val="595650"/>
+                    </a:solidFill>
+                    <a:latin typeface="Baskerville" charset="0"/>
+                    <a:ea typeface="ヒラギノ明朝 Pro W3" charset="0"/>
+                    <a:cs typeface="ヒラギノ明朝 Pro W3" charset="0"/>
+                    <a:sym typeface="Baskerville" charset="0"/>
+                  </a:defRPr>
+                </a:lvl3pPr>
+                <a:lvl4pPr marL="1371600" algn="ctr" rtl="0" fontAlgn="base">
+                  <a:spcBef>
+                    <a:spcPct val="0"/>
+                  </a:spcBef>
+                  <a:spcAft>
+                    <a:spcPct val="0"/>
+                  </a:spcAft>
+                  <a:defRPr sz="4200" kern="1200">
+                    <a:solidFill>
+                      <a:srgbClr val="595650"/>
+                    </a:solidFill>
+                    <a:latin typeface="Baskerville" charset="0"/>
+                    <a:ea typeface="ヒラギノ明朝 Pro W3" charset="0"/>
+                    <a:cs typeface="ヒラギノ明朝 Pro W3" charset="0"/>
+                    <a:sym typeface="Baskerville" charset="0"/>
+                  </a:defRPr>
+                </a:lvl4pPr>
+                <a:lvl5pPr marL="1828800" algn="ctr" rtl="0" fontAlgn="base">
+                  <a:spcBef>
+                    <a:spcPct val="0"/>
+                  </a:spcBef>
+                  <a:spcAft>
+                    <a:spcPct val="0"/>
+                  </a:spcAft>
+                  <a:defRPr sz="4200" kern="1200">
+                    <a:solidFill>
+                      <a:srgbClr val="595650"/>
+                    </a:solidFill>
+                    <a:latin typeface="Baskerville" charset="0"/>
+                    <a:ea typeface="ヒラギノ明朝 Pro W3" charset="0"/>
+                    <a:cs typeface="ヒラギノ明朝 Pro W3" charset="0"/>
+                    <a:sym typeface="Baskerville" charset="0"/>
+                  </a:defRPr>
+                </a:lvl5pPr>
+                <a:lvl6pPr marL="2286000" algn="r" defTabSz="914400" rtl="1" eaLnBrk="1" latinLnBrk="0" hangingPunct="1">
+                  <a:defRPr sz="4200" kern="1200">
+                    <a:solidFill>
+                      <a:srgbClr val="595650"/>
+                    </a:solidFill>
+                    <a:latin typeface="Baskerville" charset="0"/>
+                    <a:ea typeface="ヒラギノ明朝 Pro W3" charset="0"/>
+                    <a:cs typeface="ヒラギノ明朝 Pro W3" charset="0"/>
+                    <a:sym typeface="Baskerville" charset="0"/>
+                  </a:defRPr>
+                </a:lvl6pPr>
+                <a:lvl7pPr marL="2743200" algn="r" defTabSz="914400" rtl="1" eaLnBrk="1" latinLnBrk="0" hangingPunct="1">
+                  <a:defRPr sz="4200" kern="1200">
+                    <a:solidFill>
+                      <a:srgbClr val="595650"/>
+                    </a:solidFill>
+                    <a:latin typeface="Baskerville" charset="0"/>
+                    <a:ea typeface="ヒラギノ明朝 Pro W3" charset="0"/>
+                    <a:cs typeface="ヒラギノ明朝 Pro W3" charset="0"/>
+                    <a:sym typeface="Baskerville" charset="0"/>
+                  </a:defRPr>
+                </a:lvl7pPr>
+                <a:lvl8pPr marL="3200400" algn="r" defTabSz="914400" rtl="1" eaLnBrk="1" latinLnBrk="0" hangingPunct="1">
+                  <a:defRPr sz="4200" kern="1200">
+                    <a:solidFill>
+                      <a:srgbClr val="595650"/>
+                    </a:solidFill>
+                    <a:latin typeface="Baskerville" charset="0"/>
+                    <a:ea typeface="ヒラギノ明朝 Pro W3" charset="0"/>
+                    <a:cs typeface="ヒラギノ明朝 Pro W3" charset="0"/>
+                    <a:sym typeface="Baskerville" charset="0"/>
+                  </a:defRPr>
+                </a:lvl8pPr>
+                <a:lvl9pPr marL="3657600" algn="r" defTabSz="914400" rtl="1" eaLnBrk="1" latinLnBrk="0" hangingPunct="1">
+                  <a:defRPr sz="4200" kern="1200">
+                    <a:solidFill>
+                      <a:srgbClr val="595650"/>
+                    </a:solidFill>
+                    <a:latin typeface="Baskerville" charset="0"/>
+                    <a:ea typeface="ヒラギノ明朝 Pro W3" charset="0"/>
+                    <a:cs typeface="ヒラギノ明朝 Pro W3" charset="0"/>
+                    <a:sym typeface="Baskerville" charset="0"/>
+                  </a:defRPr>
+                </a:lvl9pPr>
+              </a:lstStyle>
+              <a:p>
+                <a:endParaRPr lang="he-IL"/>
+              </a:p>
+            </p:txBody>
+          </p:sp>
+          <p:sp>
+            <p:nvSpPr>
+              <p:cNvPr id="36" name="Oval 35"/>
+              <p:cNvSpPr>
+                <a:spLocks/>
+              </p:cNvSpPr>
+              <p:nvPr/>
+            </p:nvSpPr>
+            <p:spPr bwMode="auto">
+              <a:xfrm>
+                <a:off x="1824" y="-1296"/>
+                <a:ext cx="121" cy="112"/>
+              </a:xfrm>
+              <a:prstGeom prst="ellipse">
+                <a:avLst/>
+              </a:prstGeom>
+              <a:solidFill>
+                <a:schemeClr val="accent1"/>
+              </a:solidFill>
+              <a:ln w="25400">
+                <a:solidFill>
+                  <a:schemeClr val="tx2"/>
+                </a:solidFill>
+                <a:round/>
+                <a:headEnd/>
+                <a:tailEnd/>
+              </a:ln>
+            </p:spPr>
+            <p:txBody>
+              <a:bodyPr lIns="0" tIns="0" rIns="0" bIns="0"/>
+              <a:lstStyle>
+                <a:defPPr>
+                  <a:defRPr lang="en-US"/>
+                </a:defPPr>
+                <a:lvl1pPr algn="ctr" rtl="0" fontAlgn="base">
+                  <a:spcBef>
+                    <a:spcPct val="0"/>
+                  </a:spcBef>
+                  <a:spcAft>
+                    <a:spcPct val="0"/>
+                  </a:spcAft>
+                  <a:defRPr sz="4200" kern="1200">
+                    <a:solidFill>
+                      <a:srgbClr val="595650"/>
+                    </a:solidFill>
+                    <a:latin typeface="Baskerville" charset="0"/>
+                    <a:ea typeface="ヒラギノ明朝 Pro W3" charset="0"/>
+                    <a:cs typeface="ヒラギノ明朝 Pro W3" charset="0"/>
+                    <a:sym typeface="Baskerville" charset="0"/>
+                  </a:defRPr>
+                </a:lvl1pPr>
+                <a:lvl2pPr marL="457200" algn="ctr" rtl="0" fontAlgn="base">
+                  <a:spcBef>
+                    <a:spcPct val="0"/>
+                  </a:spcBef>
+                  <a:spcAft>
+                    <a:spcPct val="0"/>
+                  </a:spcAft>
+                  <a:defRPr sz="4200" kern="1200">
+                    <a:solidFill>
+                      <a:srgbClr val="595650"/>
+                    </a:solidFill>
+                    <a:latin typeface="Baskerville" charset="0"/>
+                    <a:ea typeface="ヒラギノ明朝 Pro W3" charset="0"/>
+                    <a:cs typeface="ヒラギノ明朝 Pro W3" charset="0"/>
+                    <a:sym typeface="Baskerville" charset="0"/>
+                  </a:defRPr>
+                </a:lvl2pPr>
+                <a:lvl3pPr marL="914400" algn="ctr" rtl="0" fontAlgn="base">
+                  <a:spcBef>
+                    <a:spcPct val="0"/>
+                  </a:spcBef>
+                  <a:spcAft>
+                    <a:spcPct val="0"/>
+                  </a:spcAft>
+                  <a:defRPr sz="4200" kern="1200">
+                    <a:solidFill>
+                      <a:srgbClr val="595650"/>
+                    </a:solidFill>
+                    <a:latin typeface="Baskerville" charset="0"/>
+                    <a:ea typeface="ヒラギノ明朝 Pro W3" charset="0"/>
+                    <a:cs typeface="ヒラギノ明朝 Pro W3" charset="0"/>
+                    <a:sym typeface="Baskerville" charset="0"/>
+                  </a:defRPr>
+                </a:lvl3pPr>
+                <a:lvl4pPr marL="1371600" algn="ctr" rtl="0" fontAlgn="base">
+                  <a:spcBef>
+                    <a:spcPct val="0"/>
+                  </a:spcBef>
+                  <a:spcAft>
+                    <a:spcPct val="0"/>
+                  </a:spcAft>
+                  <a:defRPr sz="4200" kern="1200">
+                    <a:solidFill>
+                      <a:srgbClr val="595650"/>
+                    </a:solidFill>
+                    <a:latin typeface="Baskerville" charset="0"/>
+                    <a:ea typeface="ヒラギノ明朝 Pro W3" charset="0"/>
+                    <a:cs typeface="ヒラギノ明朝 Pro W3" charset="0"/>
+                    <a:sym typeface="Baskerville" charset="0"/>
+                  </a:defRPr>
+                </a:lvl4pPr>
+                <a:lvl5pPr marL="1828800" algn="ctr" rtl="0" fontAlgn="base">
+                  <a:spcBef>
+                    <a:spcPct val="0"/>
+                  </a:spcBef>
+                  <a:spcAft>
+                    <a:spcPct val="0"/>
+                  </a:spcAft>
+                  <a:defRPr sz="4200" kern="1200">
+                    <a:solidFill>
+                      <a:srgbClr val="595650"/>
+                    </a:solidFill>
+                    <a:latin typeface="Baskerville" charset="0"/>
+                    <a:ea typeface="ヒラギノ明朝 Pro W3" charset="0"/>
+                    <a:cs typeface="ヒラギノ明朝 Pro W3" charset="0"/>
+                    <a:sym typeface="Baskerville" charset="0"/>
+                  </a:defRPr>
+                </a:lvl5pPr>
+                <a:lvl6pPr marL="2286000" algn="r" defTabSz="914400" rtl="1" eaLnBrk="1" latinLnBrk="0" hangingPunct="1">
+                  <a:defRPr sz="4200" kern="1200">
+                    <a:solidFill>
+                      <a:srgbClr val="595650"/>
+                    </a:solidFill>
+                    <a:latin typeface="Baskerville" charset="0"/>
+                    <a:ea typeface="ヒラギノ明朝 Pro W3" charset="0"/>
+                    <a:cs typeface="ヒラギノ明朝 Pro W3" charset="0"/>
+                    <a:sym typeface="Baskerville" charset="0"/>
+                  </a:defRPr>
+                </a:lvl6pPr>
+                <a:lvl7pPr marL="2743200" algn="r" defTabSz="914400" rtl="1" eaLnBrk="1" latinLnBrk="0" hangingPunct="1">
+                  <a:defRPr sz="4200" kern="1200">
+                    <a:solidFill>
+                      <a:srgbClr val="595650"/>
+                    </a:solidFill>
+                    <a:latin typeface="Baskerville" charset="0"/>
+                    <a:ea typeface="ヒラギノ明朝 Pro W3" charset="0"/>
+                    <a:cs typeface="ヒラギノ明朝 Pro W3" charset="0"/>
+                    <a:sym typeface="Baskerville" charset="0"/>
+                  </a:defRPr>
+                </a:lvl7pPr>
+                <a:lvl8pPr marL="3200400" algn="r" defTabSz="914400" rtl="1" eaLnBrk="1" latinLnBrk="0" hangingPunct="1">
+                  <a:defRPr sz="4200" kern="1200">
+                    <a:solidFill>
+                      <a:srgbClr val="595650"/>
+                    </a:solidFill>
+                    <a:latin typeface="Baskerville" charset="0"/>
+                    <a:ea typeface="ヒラギノ明朝 Pro W3" charset="0"/>
+                    <a:cs typeface="ヒラギノ明朝 Pro W3" charset="0"/>
+                    <a:sym typeface="Baskerville" charset="0"/>
+                  </a:defRPr>
+                </a:lvl8pPr>
+                <a:lvl9pPr marL="3657600" algn="r" defTabSz="914400" rtl="1" eaLnBrk="1" latinLnBrk="0" hangingPunct="1">
+                  <a:defRPr sz="4200" kern="1200">
+                    <a:solidFill>
+                      <a:srgbClr val="595650"/>
+                    </a:solidFill>
+                    <a:latin typeface="Baskerville" charset="0"/>
+                    <a:ea typeface="ヒラギノ明朝 Pro W3" charset="0"/>
+                    <a:cs typeface="ヒラギノ明朝 Pro W3" charset="0"/>
+                    <a:sym typeface="Baskerville" charset="0"/>
+                  </a:defRPr>
+                </a:lvl9pPr>
+              </a:lstStyle>
+              <a:p>
+                <a:endParaRPr lang="he-IL"/>
+              </a:p>
+            </p:txBody>
+          </p:sp>
+          <p:sp>
+            <p:nvSpPr>
+              <p:cNvPr id="37" name="Oval 36"/>
+              <p:cNvSpPr>
+                <a:spLocks/>
+              </p:cNvSpPr>
+              <p:nvPr/>
+            </p:nvSpPr>
+            <p:spPr bwMode="auto">
+              <a:xfrm>
+                <a:off x="1536" y="-1104"/>
+                <a:ext cx="121" cy="112"/>
+              </a:xfrm>
+              <a:prstGeom prst="ellipse">
+                <a:avLst/>
+              </a:prstGeom>
+              <a:solidFill>
+                <a:schemeClr val="accent1"/>
+              </a:solidFill>
+              <a:ln w="25400">
+                <a:solidFill>
+                  <a:schemeClr val="tx2"/>
+                </a:solidFill>
+                <a:round/>
+                <a:headEnd/>
+                <a:tailEnd/>
+              </a:ln>
+            </p:spPr>
+            <p:txBody>
+              <a:bodyPr lIns="0" tIns="0" rIns="0" bIns="0"/>
+              <a:lstStyle>
+                <a:defPPr>
+                  <a:defRPr lang="en-US"/>
+                </a:defPPr>
+                <a:lvl1pPr algn="ctr" rtl="0" fontAlgn="base">
+                  <a:spcBef>
+                    <a:spcPct val="0"/>
+                  </a:spcBef>
+                  <a:spcAft>
+                    <a:spcPct val="0"/>
+                  </a:spcAft>
+                  <a:defRPr sz="4200" kern="1200">
+                    <a:solidFill>
+                      <a:srgbClr val="595650"/>
+                    </a:solidFill>
+                    <a:latin typeface="Baskerville" charset="0"/>
+                    <a:ea typeface="ヒラギノ明朝 Pro W3" charset="0"/>
+                    <a:cs typeface="ヒラギノ明朝 Pro W3" charset="0"/>
+                    <a:sym typeface="Baskerville" charset="0"/>
+                  </a:defRPr>
+                </a:lvl1pPr>
+                <a:lvl2pPr marL="457200" algn="ctr" rtl="0" fontAlgn="base">
+                  <a:spcBef>
+                    <a:spcPct val="0"/>
+                  </a:spcBef>
+                  <a:spcAft>
+                    <a:spcPct val="0"/>
+                  </a:spcAft>
+                  <a:defRPr sz="4200" kern="1200">
+                    <a:solidFill>
+                      <a:srgbClr val="595650"/>
+                    </a:solidFill>
+                    <a:latin typeface="Baskerville" charset="0"/>
+                    <a:ea typeface="ヒラギノ明朝 Pro W3" charset="0"/>
+                    <a:cs typeface="ヒラギノ明朝 Pro W3" charset="0"/>
+                    <a:sym typeface="Baskerville" charset="0"/>
+                  </a:defRPr>
+                </a:lvl2pPr>
+                <a:lvl3pPr marL="914400" algn="ctr" rtl="0" fontAlgn="base">
+                  <a:spcBef>
+                    <a:spcPct val="0"/>
+                  </a:spcBef>
+                  <a:spcAft>
+                    <a:spcPct val="0"/>
+                  </a:spcAft>
+                  <a:defRPr sz="4200" kern="1200">
+                    <a:solidFill>
+                      <a:srgbClr val="595650"/>
+                    </a:solidFill>
+                    <a:latin typeface="Baskerville" charset="0"/>
+                    <a:ea typeface="ヒラギノ明朝 Pro W3" charset="0"/>
+                    <a:cs typeface="ヒラギノ明朝 Pro W3" charset="0"/>
+                    <a:sym typeface="Baskerville" charset="0"/>
+                  </a:defRPr>
+                </a:lvl3pPr>
+                <a:lvl4pPr marL="1371600" algn="ctr" rtl="0" fontAlgn="base">
+                  <a:spcBef>
+                    <a:spcPct val="0"/>
+                  </a:spcBef>
+                  <a:spcAft>
+                    <a:spcPct val="0"/>
+                  </a:spcAft>
+                  <a:defRPr sz="4200" kern="1200">
+                    <a:solidFill>
+                      <a:srgbClr val="595650"/>
+                    </a:solidFill>
+                    <a:latin typeface="Baskerville" charset="0"/>
+                    <a:ea typeface="ヒラギノ明朝 Pro W3" charset="0"/>
+                    <a:cs typeface="ヒラギノ明朝 Pro W3" charset="0"/>
+                    <a:sym typeface="Baskerville" charset="0"/>
+                  </a:defRPr>
+                </a:lvl4pPr>
+                <a:lvl5pPr marL="1828800" algn="ctr" rtl="0" fontAlgn="base">
+                  <a:spcBef>
+                    <a:spcPct val="0"/>
+                  </a:spcBef>
+                  <a:spcAft>
+                    <a:spcPct val="0"/>
+                  </a:spcAft>
+                  <a:defRPr sz="4200" kern="1200">
+                    <a:solidFill>
+                      <a:srgbClr val="595650"/>
+                    </a:solidFill>
+                    <a:latin typeface="Baskerville" charset="0"/>
+                    <a:ea typeface="ヒラギノ明朝 Pro W3" charset="0"/>
+                    <a:cs typeface="ヒラギノ明朝 Pro W3" charset="0"/>
+                    <a:sym typeface="Baskerville" charset="0"/>
+                  </a:defRPr>
+                </a:lvl5pPr>
+                <a:lvl6pPr marL="2286000" algn="r" defTabSz="914400" rtl="1" eaLnBrk="1" latinLnBrk="0" hangingPunct="1">
+                  <a:defRPr sz="4200" kern="1200">
+                    <a:solidFill>
+                      <a:srgbClr val="595650"/>
+                    </a:solidFill>
+                    <a:latin typeface="Baskerville" charset="0"/>
+                    <a:ea typeface="ヒラギノ明朝 Pro W3" charset="0"/>
+                    <a:cs typeface="ヒラギノ明朝 Pro W3" charset="0"/>
+                    <a:sym typeface="Baskerville" charset="0"/>
+                  </a:defRPr>
+                </a:lvl6pPr>
+                <a:lvl7pPr marL="2743200" algn="r" defTabSz="914400" rtl="1" eaLnBrk="1" latinLnBrk="0" hangingPunct="1">
+                  <a:defRPr sz="4200" kern="1200">
+                    <a:solidFill>
+                      <a:srgbClr val="595650"/>
+                    </a:solidFill>
+                    <a:latin typeface="Baskerville" charset="0"/>
+                    <a:ea typeface="ヒラギノ明朝 Pro W3" charset="0"/>
+                    <a:cs typeface="ヒラギノ明朝 Pro W3" charset="0"/>
+                    <a:sym typeface="Baskerville" charset="0"/>
+                  </a:defRPr>
+                </a:lvl7pPr>
+                <a:lvl8pPr marL="3200400" algn="r" defTabSz="914400" rtl="1" eaLnBrk="1" latinLnBrk="0" hangingPunct="1">
+                  <a:defRPr sz="4200" kern="1200">
+                    <a:solidFill>
+                      <a:srgbClr val="595650"/>
+                    </a:solidFill>
+                    <a:latin typeface="Baskerville" charset="0"/>
+                    <a:ea typeface="ヒラギノ明朝 Pro W3" charset="0"/>
+                    <a:cs typeface="ヒラギノ明朝 Pro W3" charset="0"/>
+                    <a:sym typeface="Baskerville" charset="0"/>
+                  </a:defRPr>
+                </a:lvl8pPr>
+                <a:lvl9pPr marL="3657600" algn="r" defTabSz="914400" rtl="1" eaLnBrk="1" latinLnBrk="0" hangingPunct="1">
+                  <a:defRPr sz="4200" kern="1200">
+                    <a:solidFill>
+                      <a:srgbClr val="595650"/>
+                    </a:solidFill>
+                    <a:latin typeface="Baskerville" charset="0"/>
+                    <a:ea typeface="ヒラギノ明朝 Pro W3" charset="0"/>
+                    <a:cs typeface="ヒラギノ明朝 Pro W3" charset="0"/>
+                    <a:sym typeface="Baskerville" charset="0"/>
+                  </a:defRPr>
+                </a:lvl9pPr>
+              </a:lstStyle>
+              <a:p>
+                <a:endParaRPr lang="he-IL"/>
+              </a:p>
+            </p:txBody>
+          </p:sp>
+          <p:sp>
+            <p:nvSpPr>
+              <p:cNvPr id="38" name="Oval 37"/>
+              <p:cNvSpPr>
+                <a:spLocks/>
+              </p:cNvSpPr>
+              <p:nvPr/>
+            </p:nvSpPr>
+            <p:spPr bwMode="auto">
+              <a:xfrm>
+                <a:off x="2160" y="-1728"/>
+                <a:ext cx="121" cy="112"/>
+              </a:xfrm>
+              <a:prstGeom prst="ellipse">
+                <a:avLst/>
+              </a:prstGeom>
+              <a:solidFill>
+                <a:schemeClr val="accent1"/>
+              </a:solidFill>
+              <a:ln w="25400">
+                <a:solidFill>
+                  <a:schemeClr val="tx2"/>
+                </a:solidFill>
+                <a:round/>
+                <a:headEnd/>
+                <a:tailEnd/>
+              </a:ln>
+            </p:spPr>
+            <p:txBody>
+              <a:bodyPr lIns="0" tIns="0" rIns="0" bIns="0"/>
+              <a:lstStyle>
+                <a:defPPr>
+                  <a:defRPr lang="en-US"/>
+                </a:defPPr>
+                <a:lvl1pPr algn="ctr" rtl="0" fontAlgn="base">
+                  <a:spcBef>
+                    <a:spcPct val="0"/>
+                  </a:spcBef>
+                  <a:spcAft>
+                    <a:spcPct val="0"/>
+                  </a:spcAft>
+                  <a:defRPr sz="4200" kern="1200">
+                    <a:solidFill>
+                      <a:srgbClr val="595650"/>
+                    </a:solidFill>
+                    <a:latin typeface="Baskerville" charset="0"/>
+                    <a:ea typeface="ヒラギノ明朝 Pro W3" charset="0"/>
+                    <a:cs typeface="ヒラギノ明朝 Pro W3" charset="0"/>
+                    <a:sym typeface="Baskerville" charset="0"/>
+                  </a:defRPr>
+                </a:lvl1pPr>
+                <a:lvl2pPr marL="457200" algn="ctr" rtl="0" fontAlgn="base">
+                  <a:spcBef>
+                    <a:spcPct val="0"/>
+                  </a:spcBef>
+                  <a:spcAft>
+                    <a:spcPct val="0"/>
+                  </a:spcAft>
+                  <a:defRPr sz="4200" kern="1200">
+                    <a:solidFill>
+                      <a:srgbClr val="595650"/>
+                    </a:solidFill>
+                    <a:latin typeface="Baskerville" charset="0"/>
+                    <a:ea typeface="ヒラギノ明朝 Pro W3" charset="0"/>
+                    <a:cs typeface="ヒラギノ明朝 Pro W3" charset="0"/>
+                    <a:sym typeface="Baskerville" charset="0"/>
+                  </a:defRPr>
+                </a:lvl2pPr>
+                <a:lvl3pPr marL="914400" algn="ctr" rtl="0" fontAlgn="base">
+                  <a:spcBef>
+                    <a:spcPct val="0"/>
+                  </a:spcBef>
+                  <a:spcAft>
+                    <a:spcPct val="0"/>
+                  </a:spcAft>
+                  <a:defRPr sz="4200" kern="1200">
+                    <a:solidFill>
+                      <a:srgbClr val="595650"/>
+                    </a:solidFill>
+                    <a:latin typeface="Baskerville" charset="0"/>
+                    <a:ea typeface="ヒラギノ明朝 Pro W3" charset="0"/>
+                    <a:cs typeface="ヒラギノ明朝 Pro W3" charset="0"/>
+                    <a:sym typeface="Baskerville" charset="0"/>
+                  </a:defRPr>
+                </a:lvl3pPr>
+                <a:lvl4pPr marL="1371600" algn="ctr" rtl="0" fontAlgn="base">
+                  <a:spcBef>
+                    <a:spcPct val="0"/>
+                  </a:spcBef>
+                  <a:spcAft>
+                    <a:spcPct val="0"/>
+                  </a:spcAft>
+                  <a:defRPr sz="4200" kern="1200">
+                    <a:solidFill>
+                      <a:srgbClr val="595650"/>
+                    </a:solidFill>
+                    <a:latin typeface="Baskerville" charset="0"/>
+                    <a:ea typeface="ヒラギノ明朝 Pro W3" charset="0"/>
+                    <a:cs typeface="ヒラギノ明朝 Pro W3" charset="0"/>
+                    <a:sym typeface="Baskerville" charset="0"/>
+                  </a:defRPr>
+                </a:lvl4pPr>
+                <a:lvl5pPr marL="1828800" algn="ctr" rtl="0" fontAlgn="base">
+                  <a:spcBef>
+                    <a:spcPct val="0"/>
+                  </a:spcBef>
+                  <a:spcAft>
+                    <a:spcPct val="0"/>
+                  </a:spcAft>
+                  <a:defRPr sz="4200" kern="1200">
+                    <a:solidFill>
+                      <a:srgbClr val="595650"/>
+                    </a:solidFill>
+                    <a:latin typeface="Baskerville" charset="0"/>
+                    <a:ea typeface="ヒラギノ明朝 Pro W3" charset="0"/>
+                    <a:cs typeface="ヒラギノ明朝 Pro W3" charset="0"/>
+                    <a:sym typeface="Baskerville" charset="0"/>
+                  </a:defRPr>
+                </a:lvl5pPr>
+                <a:lvl6pPr marL="2286000" algn="r" defTabSz="914400" rtl="1" eaLnBrk="1" latinLnBrk="0" hangingPunct="1">
+                  <a:defRPr sz="4200" kern="1200">
+                    <a:solidFill>
+                      <a:srgbClr val="595650"/>
+                    </a:solidFill>
+                    <a:latin typeface="Baskerville" charset="0"/>
+                    <a:ea typeface="ヒラギノ明朝 Pro W3" charset="0"/>
+                    <a:cs typeface="ヒラギノ明朝 Pro W3" charset="0"/>
+                    <a:sym typeface="Baskerville" charset="0"/>
+                  </a:defRPr>
+                </a:lvl6pPr>
+                <a:lvl7pPr marL="2743200" algn="r" defTabSz="914400" rtl="1" eaLnBrk="1" latinLnBrk="0" hangingPunct="1">
+                  <a:defRPr sz="4200" kern="1200">
+                    <a:solidFill>
+                      <a:srgbClr val="595650"/>
+                    </a:solidFill>
+                    <a:latin typeface="Baskerville" charset="0"/>
+                    <a:ea typeface="ヒラギノ明朝 Pro W3" charset="0"/>
+                    <a:cs typeface="ヒラギノ明朝 Pro W3" charset="0"/>
+                    <a:sym typeface="Baskerville" charset="0"/>
+                  </a:defRPr>
+                </a:lvl7pPr>
+                <a:lvl8pPr marL="3200400" algn="r" defTabSz="914400" rtl="1" eaLnBrk="1" latinLnBrk="0" hangingPunct="1">
+                  <a:defRPr sz="4200" kern="1200">
+                    <a:solidFill>
+                      <a:srgbClr val="595650"/>
+                    </a:solidFill>
+                    <a:latin typeface="Baskerville" charset="0"/>
+                    <a:ea typeface="ヒラギノ明朝 Pro W3" charset="0"/>
+                    <a:cs typeface="ヒラギノ明朝 Pro W3" charset="0"/>
+                    <a:sym typeface="Baskerville" charset="0"/>
+                  </a:defRPr>
+                </a:lvl8pPr>
+                <a:lvl9pPr marL="3657600" algn="r" defTabSz="914400" rtl="1" eaLnBrk="1" latinLnBrk="0" hangingPunct="1">
+                  <a:defRPr sz="4200" kern="1200">
+                    <a:solidFill>
+                      <a:srgbClr val="595650"/>
+                    </a:solidFill>
+                    <a:latin typeface="Baskerville" charset="0"/>
+                    <a:ea typeface="ヒラギノ明朝 Pro W3" charset="0"/>
+                    <a:cs typeface="ヒラギノ明朝 Pro W3" charset="0"/>
+                    <a:sym typeface="Baskerville" charset="0"/>
+                  </a:defRPr>
+                </a:lvl9pPr>
+              </a:lstStyle>
+              <a:p>
+                <a:endParaRPr lang="he-IL"/>
+              </a:p>
+            </p:txBody>
+          </p:sp>
+          <p:sp>
+            <p:nvSpPr>
+              <p:cNvPr id="39" name="Oval 38"/>
+              <p:cNvSpPr>
+                <a:spLocks/>
+              </p:cNvSpPr>
+              <p:nvPr/>
+            </p:nvSpPr>
+            <p:spPr bwMode="auto">
+              <a:xfrm>
+                <a:off x="864" y="-1584"/>
+                <a:ext cx="121" cy="112"/>
+              </a:xfrm>
+              <a:prstGeom prst="ellipse">
+                <a:avLst/>
+              </a:prstGeom>
+              <a:solidFill>
+                <a:schemeClr val="accent1"/>
+              </a:solidFill>
+              <a:ln w="25400">
+                <a:solidFill>
+                  <a:schemeClr val="tx2"/>
+                </a:solidFill>
+                <a:round/>
+                <a:headEnd/>
+                <a:tailEnd/>
+              </a:ln>
+            </p:spPr>
+            <p:txBody>
+              <a:bodyPr lIns="0" tIns="0" rIns="0" bIns="0"/>
+              <a:lstStyle>
+                <a:defPPr>
+                  <a:defRPr lang="en-US"/>
+                </a:defPPr>
+                <a:lvl1pPr algn="ctr" rtl="0" fontAlgn="base">
+                  <a:spcBef>
+                    <a:spcPct val="0"/>
+                  </a:spcBef>
+                  <a:spcAft>
+                    <a:spcPct val="0"/>
+                  </a:spcAft>
+                  <a:defRPr sz="4200" kern="1200">
+                    <a:solidFill>
+                      <a:srgbClr val="595650"/>
+                    </a:solidFill>
+                    <a:latin typeface="Baskerville" charset="0"/>
+                    <a:ea typeface="ヒラギノ明朝 Pro W3" charset="0"/>
+                    <a:cs typeface="ヒラギノ明朝 Pro W3" charset="0"/>
+                    <a:sym typeface="Baskerville" charset="0"/>
+                  </a:defRPr>
+                </a:lvl1pPr>
+                <a:lvl2pPr marL="457200" algn="ctr" rtl="0" fontAlgn="base">
+                  <a:spcBef>
+                    <a:spcPct val="0"/>
+                  </a:spcBef>
+                  <a:spcAft>
+                    <a:spcPct val="0"/>
+                  </a:spcAft>
+                  <a:defRPr sz="4200" kern="1200">
+                    <a:solidFill>
+                      <a:srgbClr val="595650"/>
+                    </a:solidFill>
+                    <a:latin typeface="Baskerville" charset="0"/>
+                    <a:ea typeface="ヒラギノ明朝 Pro W3" charset="0"/>
+                    <a:cs typeface="ヒラギノ明朝 Pro W3" charset="0"/>
+                    <a:sym typeface="Baskerville" charset="0"/>
+                  </a:defRPr>
+                </a:lvl2pPr>
+                <a:lvl3pPr marL="914400" algn="ctr" rtl="0" fontAlgn="base">
+                  <a:spcBef>
+                    <a:spcPct val="0"/>
+                  </a:spcBef>
+                  <a:spcAft>
+                    <a:spcPct val="0"/>
+                  </a:spcAft>
+                  <a:defRPr sz="4200" kern="1200">
+                    <a:solidFill>
+                      <a:srgbClr val="595650"/>
+                    </a:solidFill>
+                    <a:latin typeface="Baskerville" charset="0"/>
+                    <a:ea typeface="ヒラギノ明朝 Pro W3" charset="0"/>
+                    <a:cs typeface="ヒラギノ明朝 Pro W3" charset="0"/>
+                    <a:sym typeface="Baskerville" charset="0"/>
+                  </a:defRPr>
+                </a:lvl3pPr>
+                <a:lvl4pPr marL="1371600" algn="ctr" rtl="0" fontAlgn="base">
+                  <a:spcBef>
+                    <a:spcPct val="0"/>
+                  </a:spcBef>
+                  <a:spcAft>
+                    <a:spcPct val="0"/>
+                  </a:spcAft>
+                  <a:defRPr sz="4200" kern="1200">
+                    <a:solidFill>
+                      <a:srgbClr val="595650"/>
+                    </a:solidFill>
+                    <a:latin typeface="Baskerville" charset="0"/>
+                    <a:ea typeface="ヒラギノ明朝 Pro W3" charset="0"/>
+                    <a:cs typeface="ヒラギノ明朝 Pro W3" charset="0"/>
+                    <a:sym typeface="Baskerville" charset="0"/>
+                  </a:defRPr>
+                </a:lvl4pPr>
+                <a:lvl5pPr marL="1828800" algn="ctr" rtl="0" fontAlgn="base">
+                  <a:spcBef>
+                    <a:spcPct val="0"/>
+                  </a:spcBef>
+                  <a:spcAft>
+                    <a:spcPct val="0"/>
+                  </a:spcAft>
+                  <a:defRPr sz="4200" kern="1200">
+                    <a:solidFill>
+                      <a:srgbClr val="595650"/>
+                    </a:solidFill>
+                    <a:latin typeface="Baskerville" charset="0"/>
+                    <a:ea typeface="ヒラギノ明朝 Pro W3" charset="0"/>
+                    <a:cs typeface="ヒラギノ明朝 Pro W3" charset="0"/>
+                    <a:sym typeface="Baskerville" charset="0"/>
+                  </a:defRPr>
+                </a:lvl5pPr>
+                <a:lvl6pPr marL="2286000" algn="r" defTabSz="914400" rtl="1" eaLnBrk="1" latinLnBrk="0" hangingPunct="1">
+                  <a:defRPr sz="4200" kern="1200">
+                    <a:solidFill>
+                      <a:srgbClr val="595650"/>
+                    </a:solidFill>
+                    <a:latin typeface="Baskerville" charset="0"/>
+                    <a:ea typeface="ヒラギノ明朝 Pro W3" charset="0"/>
+                    <a:cs typeface="ヒラギノ明朝 Pro W3" charset="0"/>
+                    <a:sym typeface="Baskerville" charset="0"/>
+                  </a:defRPr>
+                </a:lvl6pPr>
+                <a:lvl7pPr marL="2743200" algn="r" defTabSz="914400" rtl="1" eaLnBrk="1" latinLnBrk="0" hangingPunct="1">
+                  <a:defRPr sz="4200" kern="1200">
+                    <a:solidFill>
+                      <a:srgbClr val="595650"/>
+                    </a:solidFill>
+                    <a:latin typeface="Baskerville" charset="0"/>
+                    <a:ea typeface="ヒラギノ明朝 Pro W3" charset="0"/>
+                    <a:cs typeface="ヒラギノ明朝 Pro W3" charset="0"/>
+                    <a:sym typeface="Baskerville" charset="0"/>
+                  </a:defRPr>
+                </a:lvl7pPr>
+                <a:lvl8pPr marL="3200400" algn="r" defTabSz="914400" rtl="1" eaLnBrk="1" latinLnBrk="0" hangingPunct="1">
+                  <a:defRPr sz="4200" kern="1200">
+                    <a:solidFill>
+                      <a:srgbClr val="595650"/>
+                    </a:solidFill>
+                    <a:latin typeface="Baskerville" charset="0"/>
+                    <a:ea typeface="ヒラギノ明朝 Pro W3" charset="0"/>
+                    <a:cs typeface="ヒラギノ明朝 Pro W3" charset="0"/>
+                    <a:sym typeface="Baskerville" charset="0"/>
+                  </a:defRPr>
+                </a:lvl8pPr>
+                <a:lvl9pPr marL="3657600" algn="r" defTabSz="914400" rtl="1" eaLnBrk="1" latinLnBrk="0" hangingPunct="1">
+                  <a:defRPr sz="4200" kern="1200">
+                    <a:solidFill>
+                      <a:srgbClr val="595650"/>
+                    </a:solidFill>
+                    <a:latin typeface="Baskerville" charset="0"/>
+                    <a:ea typeface="ヒラギノ明朝 Pro W3" charset="0"/>
+                    <a:cs typeface="ヒラギノ明朝 Pro W3" charset="0"/>
+                    <a:sym typeface="Baskerville" charset="0"/>
+                  </a:defRPr>
+                </a:lvl9pPr>
+              </a:lstStyle>
+              <a:p>
+                <a:endParaRPr lang="he-IL"/>
+              </a:p>
+            </p:txBody>
+          </p:sp>
+        </p:grpSp>
+        <p:sp>
+          <p:nvSpPr>
+            <p:cNvPr id="22" name="Oval 21"/>
+            <p:cNvSpPr>
+              <a:spLocks/>
+            </p:cNvSpPr>
+            <p:nvPr/>
+          </p:nvSpPr>
+          <p:spPr bwMode="auto">
+            <a:xfrm>
+              <a:off x="5664200" y="4267200"/>
+              <a:ext cx="192146" cy="177800"/>
+            </a:xfrm>
+            <a:prstGeom prst="ellipse">
+              <a:avLst/>
+            </a:prstGeom>
+            <a:solidFill>
+              <a:schemeClr val="accent1"/>
+            </a:solidFill>
+            <a:ln w="25400">
+              <a:solidFill>
+                <a:schemeClr val="tx2"/>
+              </a:solidFill>
+              <a:round/>
+              <a:headEnd/>
+              <a:tailEnd/>
+            </a:ln>
+          </p:spPr>
+          <p:txBody>
+            <a:bodyPr lIns="0" tIns="0" rIns="0" bIns="0"/>
+            <a:lstStyle>
+              <a:defPPr>
+                <a:defRPr lang="en-US"/>
+              </a:defPPr>
+              <a:lvl1pPr algn="ctr" rtl="0" fontAlgn="base">
+                <a:spcBef>
+                  <a:spcPct val="0"/>
+                </a:spcBef>
+                <a:spcAft>
+                  <a:spcPct val="0"/>
+                </a:spcAft>
+                <a:defRPr sz="4200" kern="1200">
+                  <a:solidFill>
+                    <a:srgbClr val="595650"/>
+                  </a:solidFill>
+                  <a:latin typeface="Baskerville" charset="0"/>
+                  <a:ea typeface="ヒラギノ明朝 Pro W3" charset="0"/>
+                  <a:cs typeface="ヒラギノ明朝 Pro W3" charset="0"/>
+                  <a:sym typeface="Baskerville" charset="0"/>
+                </a:defRPr>
+              </a:lvl1pPr>
+              <a:lvl2pPr marL="457200" algn="ctr" rtl="0" fontAlgn="base">
+                <a:spcBef>
+                  <a:spcPct val="0"/>
+                </a:spcBef>
+                <a:spcAft>
+                  <a:spcPct val="0"/>
+                </a:spcAft>
+                <a:defRPr sz="4200" kern="1200">
+                  <a:solidFill>
+                    <a:srgbClr val="595650"/>
+                  </a:solidFill>
+                  <a:latin typeface="Baskerville" charset="0"/>
+                  <a:ea typeface="ヒラギノ明朝 Pro W3" charset="0"/>
+                  <a:cs typeface="ヒラギノ明朝 Pro W3" charset="0"/>
+                  <a:sym typeface="Baskerville" charset="0"/>
+                </a:defRPr>
+              </a:lvl2pPr>
+              <a:lvl3pPr marL="914400" algn="ctr" rtl="0" fontAlgn="base">
+                <a:spcBef>
+                  <a:spcPct val="0"/>
+                </a:spcBef>
+                <a:spcAft>
+                  <a:spcPct val="0"/>
+                </a:spcAft>
+                <a:defRPr sz="4200" kern="1200">
+                  <a:solidFill>
+                    <a:srgbClr val="595650"/>
+                  </a:solidFill>
+                  <a:latin typeface="Baskerville" charset="0"/>
+                  <a:ea typeface="ヒラギノ明朝 Pro W3" charset="0"/>
+                  <a:cs typeface="ヒラギノ明朝 Pro W3" charset="0"/>
+                  <a:sym typeface="Baskerville" charset="0"/>
+                </a:defRPr>
+              </a:lvl3pPr>
+              <a:lvl4pPr marL="1371600" algn="ctr" rtl="0" fontAlgn="base">
+                <a:spcBef>
+                  <a:spcPct val="0"/>
+                </a:spcBef>
+                <a:spcAft>
+                  <a:spcPct val="0"/>
+                </a:spcAft>
+                <a:defRPr sz="4200" kern="1200">
+                  <a:solidFill>
+                    <a:srgbClr val="595650"/>
+                  </a:solidFill>
+                  <a:latin typeface="Baskerville" charset="0"/>
+                  <a:ea typeface="ヒラギノ明朝 Pro W3" charset="0"/>
+                  <a:cs typeface="ヒラギノ明朝 Pro W3" charset="0"/>
+                  <a:sym typeface="Baskerville" charset="0"/>
+                </a:defRPr>
+              </a:lvl4pPr>
+              <a:lvl5pPr marL="1828800" algn="ctr" rtl="0" fontAlgn="base">
+                <a:spcBef>
+                  <a:spcPct val="0"/>
+                </a:spcBef>
+                <a:spcAft>
+                  <a:spcPct val="0"/>
+                </a:spcAft>
+                <a:defRPr sz="4200" kern="1200">
+                  <a:solidFill>
+                    <a:srgbClr val="595650"/>
+                  </a:solidFill>
+                  <a:latin typeface="Baskerville" charset="0"/>
+                  <a:ea typeface="ヒラギノ明朝 Pro W3" charset="0"/>
+                  <a:cs typeface="ヒラギノ明朝 Pro W3" charset="0"/>
+                  <a:sym typeface="Baskerville" charset="0"/>
+                </a:defRPr>
+              </a:lvl5pPr>
+              <a:lvl6pPr marL="2286000" algn="r" defTabSz="914400" rtl="1" eaLnBrk="1" latinLnBrk="0" hangingPunct="1">
+                <a:defRPr sz="4200" kern="1200">
+                  <a:solidFill>
+                    <a:srgbClr val="595650"/>
+                  </a:solidFill>
+                  <a:latin typeface="Baskerville" charset="0"/>
+                  <a:ea typeface="ヒラギノ明朝 Pro W3" charset="0"/>
+                  <a:cs typeface="ヒラギノ明朝 Pro W3" charset="0"/>
+                  <a:sym typeface="Baskerville" charset="0"/>
+                </a:defRPr>
+              </a:lvl6pPr>
+              <a:lvl7pPr marL="2743200" algn="r" defTabSz="914400" rtl="1" eaLnBrk="1" latinLnBrk="0" hangingPunct="1">
+                <a:defRPr sz="4200" kern="1200">
+                  <a:solidFill>
+                    <a:srgbClr val="595650"/>
+                  </a:solidFill>
+                  <a:latin typeface="Baskerville" charset="0"/>
+                  <a:ea typeface="ヒラギノ明朝 Pro W3" charset="0"/>
+                  <a:cs typeface="ヒラギノ明朝 Pro W3" charset="0"/>
+                  <a:sym typeface="Baskerville" charset="0"/>
+                </a:defRPr>
+              </a:lvl7pPr>
+              <a:lvl8pPr marL="3200400" algn="r" defTabSz="914400" rtl="1" eaLnBrk="1" latinLnBrk="0" hangingPunct="1">
+                <a:defRPr sz="4200" kern="1200">
+                  <a:solidFill>
+                    <a:srgbClr val="595650"/>
+                  </a:solidFill>
+                  <a:latin typeface="Baskerville" charset="0"/>
+                  <a:ea typeface="ヒラギノ明朝 Pro W3" charset="0"/>
+                  <a:cs typeface="ヒラギノ明朝 Pro W3" charset="0"/>
+                  <a:sym typeface="Baskerville" charset="0"/>
+                </a:defRPr>
+              </a:lvl8pPr>
+              <a:lvl9pPr marL="3657600" algn="r" defTabSz="914400" rtl="1" eaLnBrk="1" latinLnBrk="0" hangingPunct="1">
+                <a:defRPr sz="4200" kern="1200">
+                  <a:solidFill>
+                    <a:srgbClr val="595650"/>
+                  </a:solidFill>
+                  <a:latin typeface="Baskerville" charset="0"/>
+                  <a:ea typeface="ヒラギノ明朝 Pro W3" charset="0"/>
+                  <a:cs typeface="ヒラギノ明朝 Pro W3" charset="0"/>
+                  <a:sym typeface="Baskerville" charset="0"/>
+                </a:defRPr>
+              </a:lvl9pPr>
+            </a:lstStyle>
+            <a:p>
+              <a:endParaRPr lang="he-IL"/>
+            </a:p>
+          </p:txBody>
+        </p:sp>
+        <p:sp>
+          <p:nvSpPr>
+            <p:cNvPr id="23" name="Oval 22"/>
+            <p:cNvSpPr>
+              <a:spLocks/>
+            </p:cNvSpPr>
+            <p:nvPr/>
+          </p:nvSpPr>
+          <p:spPr bwMode="auto">
+            <a:xfrm>
+              <a:off x="4902200" y="5715000"/>
+              <a:ext cx="192146" cy="177800"/>
+            </a:xfrm>
+            <a:prstGeom prst="ellipse">
+              <a:avLst/>
+            </a:prstGeom>
+            <a:solidFill>
+              <a:schemeClr val="accent1"/>
+            </a:solidFill>
+            <a:ln w="25400">
+              <a:solidFill>
+                <a:schemeClr val="tx2"/>
+              </a:solidFill>
+              <a:round/>
+              <a:headEnd/>
+              <a:tailEnd/>
+            </a:ln>
+          </p:spPr>
+          <p:txBody>
+            <a:bodyPr lIns="0" tIns="0" rIns="0" bIns="0"/>
+            <a:lstStyle>
+              <a:defPPr>
+                <a:defRPr lang="en-US"/>
+              </a:defPPr>
+              <a:lvl1pPr algn="ctr" rtl="0" fontAlgn="base">
+                <a:spcBef>
+                  <a:spcPct val="0"/>
+                </a:spcBef>
+                <a:spcAft>
+                  <a:spcPct val="0"/>
+                </a:spcAft>
+                <a:defRPr sz="4200" kern="1200">
+                  <a:solidFill>
+                    <a:srgbClr val="595650"/>
+                  </a:solidFill>
+                  <a:latin typeface="Baskerville" charset="0"/>
+                  <a:ea typeface="ヒラギノ明朝 Pro W3" charset="0"/>
+                  <a:cs typeface="ヒラギノ明朝 Pro W3" charset="0"/>
+                  <a:sym typeface="Baskerville" charset="0"/>
+                </a:defRPr>
+              </a:lvl1pPr>
+              <a:lvl2pPr marL="457200" algn="ctr" rtl="0" fontAlgn="base">
+                <a:spcBef>
+                  <a:spcPct val="0"/>
+                </a:spcBef>
+                <a:spcAft>
+                  <a:spcPct val="0"/>
+                </a:spcAft>
+                <a:defRPr sz="4200" kern="1200">
+                  <a:solidFill>
+                    <a:srgbClr val="595650"/>
+                  </a:solidFill>
+                  <a:latin typeface="Baskerville" charset="0"/>
+                  <a:ea typeface="ヒラギノ明朝 Pro W3" charset="0"/>
+                  <a:cs typeface="ヒラギノ明朝 Pro W3" charset="0"/>
+                  <a:sym typeface="Baskerville" charset="0"/>
+                </a:defRPr>
+              </a:lvl2pPr>
+              <a:lvl3pPr marL="914400" algn="ctr" rtl="0" fontAlgn="base">
+                <a:spcBef>
+                  <a:spcPct val="0"/>
+                </a:spcBef>
+                <a:spcAft>
+                  <a:spcPct val="0"/>
+                </a:spcAft>
+                <a:defRPr sz="4200" kern="1200">
+                  <a:solidFill>
+                    <a:srgbClr val="595650"/>
+                  </a:solidFill>
+                  <a:latin typeface="Baskerville" charset="0"/>
+                  <a:ea typeface="ヒラギノ明朝 Pro W3" charset="0"/>
+                  <a:cs typeface="ヒラギノ明朝 Pro W3" charset="0"/>
+                  <a:sym typeface="Baskerville" charset="0"/>
+                </a:defRPr>
+              </a:lvl3pPr>
+              <a:lvl4pPr marL="1371600" algn="ctr" rtl="0" fontAlgn="base">
+                <a:spcBef>
+                  <a:spcPct val="0"/>
+                </a:spcBef>
+                <a:spcAft>
+                  <a:spcPct val="0"/>
+                </a:spcAft>
+                <a:defRPr sz="4200" kern="1200">
+                  <a:solidFill>
+                    <a:srgbClr val="595650"/>
+                  </a:solidFill>
+                  <a:latin typeface="Baskerville" charset="0"/>
+                  <a:ea typeface="ヒラギノ明朝 Pro W3" charset="0"/>
+                  <a:cs typeface="ヒラギノ明朝 Pro W3" charset="0"/>
+                  <a:sym typeface="Baskerville" charset="0"/>
+                </a:defRPr>
+              </a:lvl4pPr>
+              <a:lvl5pPr marL="1828800" algn="ctr" rtl="0" fontAlgn="base">
+                <a:spcBef>
+                  <a:spcPct val="0"/>
+                </a:spcBef>
+                <a:spcAft>
+                  <a:spcPct val="0"/>
+                </a:spcAft>
+                <a:defRPr sz="4200" kern="1200">
+                  <a:solidFill>
+                    <a:srgbClr val="595650"/>
+                  </a:solidFill>
+                  <a:latin typeface="Baskerville" charset="0"/>
+                  <a:ea typeface="ヒラギノ明朝 Pro W3" charset="0"/>
+                  <a:cs typeface="ヒラギノ明朝 Pro W3" charset="0"/>
+                  <a:sym typeface="Baskerville" charset="0"/>
+                </a:defRPr>
+              </a:lvl5pPr>
+              <a:lvl6pPr marL="2286000" algn="r" defTabSz="914400" rtl="1" eaLnBrk="1" latinLnBrk="0" hangingPunct="1">
+                <a:defRPr sz="4200" kern="1200">
+                  <a:solidFill>
+                    <a:srgbClr val="595650"/>
+                  </a:solidFill>
+                  <a:latin typeface="Baskerville" charset="0"/>
+                  <a:ea typeface="ヒラギノ明朝 Pro W3" charset="0"/>
+                  <a:cs typeface="ヒラギノ明朝 Pro W3" charset="0"/>
+                  <a:sym typeface="Baskerville" charset="0"/>
+                </a:defRPr>
+              </a:lvl6pPr>
+              <a:lvl7pPr marL="2743200" algn="r" defTabSz="914400" rtl="1" eaLnBrk="1" latinLnBrk="0" hangingPunct="1">
+                <a:defRPr sz="4200" kern="1200">
+                  <a:solidFill>
+                    <a:srgbClr val="595650"/>
+                  </a:solidFill>
+                  <a:latin typeface="Baskerville" charset="0"/>
+                  <a:ea typeface="ヒラギノ明朝 Pro W3" charset="0"/>
+                  <a:cs typeface="ヒラギノ明朝 Pro W3" charset="0"/>
+                  <a:sym typeface="Baskerville" charset="0"/>
+                </a:defRPr>
+              </a:lvl7pPr>
+              <a:lvl8pPr marL="3200400" algn="r" defTabSz="914400" rtl="1" eaLnBrk="1" latinLnBrk="0" hangingPunct="1">
+                <a:defRPr sz="4200" kern="1200">
+                  <a:solidFill>
+                    <a:srgbClr val="595650"/>
+                  </a:solidFill>
+                  <a:latin typeface="Baskerville" charset="0"/>
+                  <a:ea typeface="ヒラギノ明朝 Pro W3" charset="0"/>
+                  <a:cs typeface="ヒラギノ明朝 Pro W3" charset="0"/>
+                  <a:sym typeface="Baskerville" charset="0"/>
+                </a:defRPr>
+              </a:lvl8pPr>
+              <a:lvl9pPr marL="3657600" algn="r" defTabSz="914400" rtl="1" eaLnBrk="1" latinLnBrk="0" hangingPunct="1">
+                <a:defRPr sz="4200" kern="1200">
+                  <a:solidFill>
+                    <a:srgbClr val="595650"/>
+                  </a:solidFill>
+                  <a:latin typeface="Baskerville" charset="0"/>
+                  <a:ea typeface="ヒラギノ明朝 Pro W3" charset="0"/>
+                  <a:cs typeface="ヒラギノ明朝 Pro W3" charset="0"/>
+                  <a:sym typeface="Baskerville" charset="0"/>
+                </a:defRPr>
+              </a:lvl9pPr>
+            </a:lstStyle>
+            <a:p>
+              <a:endParaRPr lang="he-IL"/>
+            </a:p>
+          </p:txBody>
+        </p:sp>
+        <p:sp>
+          <p:nvSpPr>
+            <p:cNvPr id="24" name="Oval 23"/>
+            <p:cNvSpPr>
+              <a:spLocks/>
+            </p:cNvSpPr>
+            <p:nvPr/>
+          </p:nvSpPr>
+          <p:spPr bwMode="auto">
+            <a:xfrm>
+              <a:off x="5207000" y="5867400"/>
+              <a:ext cx="192146" cy="177800"/>
+            </a:xfrm>
+            <a:prstGeom prst="ellipse">
+              <a:avLst/>
+            </a:prstGeom>
+            <a:solidFill>
+              <a:schemeClr val="accent1"/>
+            </a:solidFill>
+            <a:ln w="25400">
+              <a:solidFill>
+                <a:schemeClr val="tx2"/>
+              </a:solidFill>
+              <a:round/>
+              <a:headEnd/>
+              <a:tailEnd/>
+            </a:ln>
+          </p:spPr>
+          <p:txBody>
+            <a:bodyPr lIns="0" tIns="0" rIns="0" bIns="0"/>
+            <a:lstStyle>
+              <a:defPPr>
+                <a:defRPr lang="en-US"/>
+              </a:defPPr>
+              <a:lvl1pPr algn="ctr" rtl="0" fontAlgn="base">
+                <a:spcBef>
+                  <a:spcPct val="0"/>
+                </a:spcBef>
+                <a:spcAft>
+                  <a:spcPct val="0"/>
+                </a:spcAft>
+                <a:defRPr sz="4200" kern="1200">
+                  <a:solidFill>
+                    <a:srgbClr val="595650"/>
+                  </a:solidFill>
+                  <a:latin typeface="Baskerville" charset="0"/>
+                  <a:ea typeface="ヒラギノ明朝 Pro W3" charset="0"/>
+                  <a:cs typeface="ヒラギノ明朝 Pro W3" charset="0"/>
+                  <a:sym typeface="Baskerville" charset="0"/>
+                </a:defRPr>
+              </a:lvl1pPr>
+              <a:lvl2pPr marL="457200" algn="ctr" rtl="0" fontAlgn="base">
+                <a:spcBef>
+                  <a:spcPct val="0"/>
+                </a:spcBef>
+                <a:spcAft>
+                  <a:spcPct val="0"/>
+                </a:spcAft>
+                <a:defRPr sz="4200" kern="1200">
+                  <a:solidFill>
+                    <a:srgbClr val="595650"/>
+                  </a:solidFill>
+                  <a:latin typeface="Baskerville" charset="0"/>
+                  <a:ea typeface="ヒラギノ明朝 Pro W3" charset="0"/>
+                  <a:cs typeface="ヒラギノ明朝 Pro W3" charset="0"/>
+                  <a:sym typeface="Baskerville" charset="0"/>
+                </a:defRPr>
+              </a:lvl2pPr>
+              <a:lvl3pPr marL="914400" algn="ctr" rtl="0" fontAlgn="base">
+                <a:spcBef>
+                  <a:spcPct val="0"/>
+                </a:spcBef>
+                <a:spcAft>
+                  <a:spcPct val="0"/>
+                </a:spcAft>
+                <a:defRPr sz="4200" kern="1200">
+                  <a:solidFill>
+                    <a:srgbClr val="595650"/>
+                  </a:solidFill>
+                  <a:latin typeface="Baskerville" charset="0"/>
+                  <a:ea typeface="ヒラギノ明朝 Pro W3" charset="0"/>
+                  <a:cs typeface="ヒラギノ明朝 Pro W3" charset="0"/>
+                  <a:sym typeface="Baskerville" charset="0"/>
+                </a:defRPr>
+              </a:lvl3pPr>
+              <a:lvl4pPr marL="1371600" algn="ctr" rtl="0" fontAlgn="base">
+                <a:spcBef>
+                  <a:spcPct val="0"/>
+                </a:spcBef>
+                <a:spcAft>
+                  <a:spcPct val="0"/>
+                </a:spcAft>
+                <a:defRPr sz="4200" kern="1200">
+                  <a:solidFill>
+                    <a:srgbClr val="595650"/>
+                  </a:solidFill>
+                  <a:latin typeface="Baskerville" charset="0"/>
+                  <a:ea typeface="ヒラギノ明朝 Pro W3" charset="0"/>
+                  <a:cs typeface="ヒラギノ明朝 Pro W3" charset="0"/>
+                  <a:sym typeface="Baskerville" charset="0"/>
+                </a:defRPr>
+              </a:lvl4pPr>
+              <a:lvl5pPr marL="1828800" algn="ctr" rtl="0" fontAlgn="base">
+                <a:spcBef>
+                  <a:spcPct val="0"/>
+                </a:spcBef>
+                <a:spcAft>
+                  <a:spcPct val="0"/>
+                </a:spcAft>
+                <a:defRPr sz="4200" kern="1200">
+                  <a:solidFill>
+                    <a:srgbClr val="595650"/>
+                  </a:solidFill>
+                  <a:latin typeface="Baskerville" charset="0"/>
+                  <a:ea typeface="ヒラギノ明朝 Pro W3" charset="0"/>
+                  <a:cs typeface="ヒラギノ明朝 Pro W3" charset="0"/>
+                  <a:sym typeface="Baskerville" charset="0"/>
+                </a:defRPr>
+              </a:lvl5pPr>
+              <a:lvl6pPr marL="2286000" algn="r" defTabSz="914400" rtl="1" eaLnBrk="1" latinLnBrk="0" hangingPunct="1">
+                <a:defRPr sz="4200" kern="1200">
+                  <a:solidFill>
+                    <a:srgbClr val="595650"/>
+                  </a:solidFill>
+                  <a:latin typeface="Baskerville" charset="0"/>
+                  <a:ea typeface="ヒラギノ明朝 Pro W3" charset="0"/>
+                  <a:cs typeface="ヒラギノ明朝 Pro W3" charset="0"/>
+                  <a:sym typeface="Baskerville" charset="0"/>
+                </a:defRPr>
+              </a:lvl6pPr>
+              <a:lvl7pPr marL="2743200" algn="r" defTabSz="914400" rtl="1" eaLnBrk="1" latinLnBrk="0" hangingPunct="1">
+                <a:defRPr sz="4200" kern="1200">
+                  <a:solidFill>
+                    <a:srgbClr val="595650"/>
+                  </a:solidFill>
+                  <a:latin typeface="Baskerville" charset="0"/>
+                  <a:ea typeface="ヒラギノ明朝 Pro W3" charset="0"/>
+                  <a:cs typeface="ヒラギノ明朝 Pro W3" charset="0"/>
+                  <a:sym typeface="Baskerville" charset="0"/>
+                </a:defRPr>
+              </a:lvl7pPr>
+              <a:lvl8pPr marL="3200400" algn="r" defTabSz="914400" rtl="1" eaLnBrk="1" latinLnBrk="0" hangingPunct="1">
+                <a:defRPr sz="4200" kern="1200">
+                  <a:solidFill>
+                    <a:srgbClr val="595650"/>
+                  </a:solidFill>
+                  <a:latin typeface="Baskerville" charset="0"/>
+                  <a:ea typeface="ヒラギノ明朝 Pro W3" charset="0"/>
+                  <a:cs typeface="ヒラギノ明朝 Pro W3" charset="0"/>
+                  <a:sym typeface="Baskerville" charset="0"/>
+                </a:defRPr>
+              </a:lvl8pPr>
+              <a:lvl9pPr marL="3657600" algn="r" defTabSz="914400" rtl="1" eaLnBrk="1" latinLnBrk="0" hangingPunct="1">
+                <a:defRPr sz="4200" kern="1200">
+                  <a:solidFill>
+                    <a:srgbClr val="595650"/>
+                  </a:solidFill>
+                  <a:latin typeface="Baskerville" charset="0"/>
+                  <a:ea typeface="ヒラギノ明朝 Pro W3" charset="0"/>
+                  <a:cs typeface="ヒラギノ明朝 Pro W3" charset="0"/>
+                  <a:sym typeface="Baskerville" charset="0"/>
+                </a:defRPr>
+              </a:lvl9pPr>
+            </a:lstStyle>
+            <a:p>
+              <a:endParaRPr lang="he-IL"/>
+            </a:p>
+          </p:txBody>
+        </p:sp>
+        <p:sp>
+          <p:nvSpPr>
+            <p:cNvPr id="25" name="Oval 24"/>
+            <p:cNvSpPr>
+              <a:spLocks/>
+            </p:cNvSpPr>
+            <p:nvPr/>
+          </p:nvSpPr>
+          <p:spPr bwMode="auto">
+            <a:xfrm>
+              <a:off x="4862454" y="6019800"/>
+              <a:ext cx="192146" cy="177800"/>
+            </a:xfrm>
+            <a:prstGeom prst="ellipse">
+              <a:avLst/>
+            </a:prstGeom>
+            <a:solidFill>
+              <a:schemeClr val="accent1"/>
+            </a:solidFill>
+            <a:ln w="25400">
+              <a:solidFill>
+                <a:schemeClr val="tx2"/>
+              </a:solidFill>
+              <a:round/>
+              <a:headEnd/>
+              <a:tailEnd/>
+            </a:ln>
+          </p:spPr>
+          <p:txBody>
+            <a:bodyPr lIns="0" tIns="0" rIns="0" bIns="0"/>
+            <a:lstStyle>
+              <a:defPPr>
+                <a:defRPr lang="en-US"/>
+              </a:defPPr>
+              <a:lvl1pPr algn="ctr" rtl="0" fontAlgn="base">
+                <a:spcBef>
+                  <a:spcPct val="0"/>
+                </a:spcBef>
+                <a:spcAft>
+                  <a:spcPct val="0"/>
+                </a:spcAft>
+                <a:defRPr sz="4200" kern="1200">
+                  <a:solidFill>
+                    <a:srgbClr val="595650"/>
+                  </a:solidFill>
+                  <a:latin typeface="Baskerville" charset="0"/>
+                  <a:ea typeface="ヒラギノ明朝 Pro W3" charset="0"/>
+                  <a:cs typeface="ヒラギノ明朝 Pro W3" charset="0"/>
+                  <a:sym typeface="Baskerville" charset="0"/>
+                </a:defRPr>
+              </a:lvl1pPr>
+              <a:lvl2pPr marL="457200" algn="ctr" rtl="0" fontAlgn="base">
+                <a:spcBef>
+                  <a:spcPct val="0"/>
+                </a:spcBef>
+                <a:spcAft>
+                  <a:spcPct val="0"/>
+                </a:spcAft>
+                <a:defRPr sz="4200" kern="1200">
+                  <a:solidFill>
+                    <a:srgbClr val="595650"/>
+                  </a:solidFill>
+                  <a:latin typeface="Baskerville" charset="0"/>
+                  <a:ea typeface="ヒラギノ明朝 Pro W3" charset="0"/>
+                  <a:cs typeface="ヒラギノ明朝 Pro W3" charset="0"/>
+                  <a:sym typeface="Baskerville" charset="0"/>
+                </a:defRPr>
+              </a:lvl2pPr>
+              <a:lvl3pPr marL="914400" algn="ctr" rtl="0" fontAlgn="base">
+                <a:spcBef>
+                  <a:spcPct val="0"/>
+                </a:spcBef>
+                <a:spcAft>
+                  <a:spcPct val="0"/>
+                </a:spcAft>
+                <a:defRPr sz="4200" kern="1200">
+                  <a:solidFill>
+                    <a:srgbClr val="595650"/>
+                  </a:solidFill>
+                  <a:latin typeface="Baskerville" charset="0"/>
+                  <a:ea typeface="ヒラギノ明朝 Pro W3" charset="0"/>
+                  <a:cs typeface="ヒラギノ明朝 Pro W3" charset="0"/>
+                  <a:sym typeface="Baskerville" charset="0"/>
+                </a:defRPr>
+              </a:lvl3pPr>
+              <a:lvl4pPr marL="1371600" algn="ctr" rtl="0" fontAlgn="base">
+                <a:spcBef>
+                  <a:spcPct val="0"/>
+                </a:spcBef>
+                <a:spcAft>
+                  <a:spcPct val="0"/>
+                </a:spcAft>
+                <a:defRPr sz="4200" kern="1200">
+                  <a:solidFill>
+                    <a:srgbClr val="595650"/>
+                  </a:solidFill>
+                  <a:latin typeface="Baskerville" charset="0"/>
+                  <a:ea typeface="ヒラギノ明朝 Pro W3" charset="0"/>
+                  <a:cs typeface="ヒラギノ明朝 Pro W3" charset="0"/>
+                  <a:sym typeface="Baskerville" charset="0"/>
+                </a:defRPr>
+              </a:lvl4pPr>
+              <a:lvl5pPr marL="1828800" algn="ctr" rtl="0" fontAlgn="base">
+                <a:spcBef>
+                  <a:spcPct val="0"/>
+                </a:spcBef>
+                <a:spcAft>
+                  <a:spcPct val="0"/>
+                </a:spcAft>
+                <a:defRPr sz="4200" kern="1200">
+                  <a:solidFill>
+                    <a:srgbClr val="595650"/>
+                  </a:solidFill>
+                  <a:latin typeface="Baskerville" charset="0"/>
+                  <a:ea typeface="ヒラギノ明朝 Pro W3" charset="0"/>
+                  <a:cs typeface="ヒラギノ明朝 Pro W3" charset="0"/>
+                  <a:sym typeface="Baskerville" charset="0"/>
+                </a:defRPr>
+              </a:lvl5pPr>
+              <a:lvl6pPr marL="2286000" algn="r" defTabSz="914400" rtl="1" eaLnBrk="1" latinLnBrk="0" hangingPunct="1">
+                <a:defRPr sz="4200" kern="1200">
+                  <a:solidFill>
+                    <a:srgbClr val="595650"/>
+                  </a:solidFill>
+                  <a:latin typeface="Baskerville" charset="0"/>
+                  <a:ea typeface="ヒラギノ明朝 Pro W3" charset="0"/>
+                  <a:cs typeface="ヒラギノ明朝 Pro W3" charset="0"/>
+                  <a:sym typeface="Baskerville" charset="0"/>
+                </a:defRPr>
+              </a:lvl6pPr>
+              <a:lvl7pPr marL="2743200" algn="r" defTabSz="914400" rtl="1" eaLnBrk="1" latinLnBrk="0" hangingPunct="1">
+                <a:defRPr sz="4200" kern="1200">
+                  <a:solidFill>
+                    <a:srgbClr val="595650"/>
+                  </a:solidFill>
+                  <a:latin typeface="Baskerville" charset="0"/>
+                  <a:ea typeface="ヒラギノ明朝 Pro W3" charset="0"/>
+                  <a:cs typeface="ヒラギノ明朝 Pro W3" charset="0"/>
+                  <a:sym typeface="Baskerville" charset="0"/>
+                </a:defRPr>
+              </a:lvl7pPr>
+              <a:lvl8pPr marL="3200400" algn="r" defTabSz="914400" rtl="1" eaLnBrk="1" latinLnBrk="0" hangingPunct="1">
+                <a:defRPr sz="4200" kern="1200">
+                  <a:solidFill>
+                    <a:srgbClr val="595650"/>
+                  </a:solidFill>
+                  <a:latin typeface="Baskerville" charset="0"/>
+                  <a:ea typeface="ヒラギノ明朝 Pro W3" charset="0"/>
+                  <a:cs typeface="ヒラギノ明朝 Pro W3" charset="0"/>
+                  <a:sym typeface="Baskerville" charset="0"/>
+                </a:defRPr>
+              </a:lvl8pPr>
+              <a:lvl9pPr marL="3657600" algn="r" defTabSz="914400" rtl="1" eaLnBrk="1" latinLnBrk="0" hangingPunct="1">
+                <a:defRPr sz="4200" kern="1200">
+                  <a:solidFill>
+                    <a:srgbClr val="595650"/>
+                  </a:solidFill>
+                  <a:latin typeface="Baskerville" charset="0"/>
+                  <a:ea typeface="ヒラギノ明朝 Pro W3" charset="0"/>
+                  <a:cs typeface="ヒラギノ明朝 Pro W3" charset="0"/>
+                  <a:sym typeface="Baskerville" charset="0"/>
+                </a:defRPr>
+              </a:lvl9pPr>
+            </a:lstStyle>
+            <a:p>
+              <a:endParaRPr lang="he-IL"/>
+            </a:p>
+          </p:txBody>
+        </p:sp>
+        <p:sp>
+          <p:nvSpPr>
+            <p:cNvPr id="26" name="Oval 25"/>
+            <p:cNvSpPr>
+              <a:spLocks/>
+            </p:cNvSpPr>
+            <p:nvPr/>
+          </p:nvSpPr>
+          <p:spPr bwMode="auto">
+            <a:xfrm>
+              <a:off x="5207000" y="5562600"/>
+              <a:ext cx="192146" cy="177800"/>
+            </a:xfrm>
+            <a:prstGeom prst="ellipse">
+              <a:avLst/>
+            </a:prstGeom>
+            <a:solidFill>
+              <a:schemeClr val="accent1"/>
+            </a:solidFill>
+            <a:ln w="25400">
+              <a:solidFill>
+                <a:schemeClr val="tx2"/>
+              </a:solidFill>
+              <a:round/>
+              <a:headEnd/>
+              <a:tailEnd/>
+            </a:ln>
+          </p:spPr>
+          <p:txBody>
+            <a:bodyPr lIns="0" tIns="0" rIns="0" bIns="0"/>
+            <a:lstStyle>
+              <a:defPPr>
+                <a:defRPr lang="en-US"/>
+              </a:defPPr>
+              <a:lvl1pPr algn="ctr" rtl="0" fontAlgn="base">
+                <a:spcBef>
+                  <a:spcPct val="0"/>
+                </a:spcBef>
+                <a:spcAft>
+                  <a:spcPct val="0"/>
+                </a:spcAft>
+                <a:defRPr sz="4200" kern="1200">
+                  <a:solidFill>
+                    <a:srgbClr val="595650"/>
+                  </a:solidFill>
+                  <a:latin typeface="Baskerville" charset="0"/>
+                  <a:ea typeface="ヒラギノ明朝 Pro W3" charset="0"/>
+                  <a:cs typeface="ヒラギノ明朝 Pro W3" charset="0"/>
+                  <a:sym typeface="Baskerville" charset="0"/>
+                </a:defRPr>
+              </a:lvl1pPr>
+              <a:lvl2pPr marL="457200" algn="ctr" rtl="0" fontAlgn="base">
+                <a:spcBef>
+                  <a:spcPct val="0"/>
+                </a:spcBef>
+                <a:spcAft>
+                  <a:spcPct val="0"/>
+                </a:spcAft>
+                <a:defRPr sz="4200" kern="1200">
+                  <a:solidFill>
+                    <a:srgbClr val="595650"/>
+                  </a:solidFill>
+                  <a:latin typeface="Baskerville" charset="0"/>
+                  <a:ea typeface="ヒラギノ明朝 Pro W3" charset="0"/>
+                  <a:cs typeface="ヒラギノ明朝 Pro W3" charset="0"/>
+                  <a:sym typeface="Baskerville" charset="0"/>
+                </a:defRPr>
+              </a:lvl2pPr>
+              <a:lvl3pPr marL="914400" algn="ctr" rtl="0" fontAlgn="base">
+                <a:spcBef>
+                  <a:spcPct val="0"/>
+                </a:spcBef>
+                <a:spcAft>
+                  <a:spcPct val="0"/>
+                </a:spcAft>
+                <a:defRPr sz="4200" kern="1200">
+                  <a:solidFill>
+                    <a:srgbClr val="595650"/>
+                  </a:solidFill>
+                  <a:latin typeface="Baskerville" charset="0"/>
+                  <a:ea typeface="ヒラギノ明朝 Pro W3" charset="0"/>
+                  <a:cs typeface="ヒラギノ明朝 Pro W3" charset="0"/>
+                  <a:sym typeface="Baskerville" charset="0"/>
+                </a:defRPr>
+              </a:lvl3pPr>
+              <a:lvl4pPr marL="1371600" algn="ctr" rtl="0" fontAlgn="base">
+                <a:spcBef>
+                  <a:spcPct val="0"/>
+                </a:spcBef>
+                <a:spcAft>
+                  <a:spcPct val="0"/>
+                </a:spcAft>
+                <a:defRPr sz="4200" kern="1200">
+                  <a:solidFill>
+                    <a:srgbClr val="595650"/>
+                  </a:solidFill>
+                  <a:latin typeface="Baskerville" charset="0"/>
+                  <a:ea typeface="ヒラギノ明朝 Pro W3" charset="0"/>
+                  <a:cs typeface="ヒラギノ明朝 Pro W3" charset="0"/>
+                  <a:sym typeface="Baskerville" charset="0"/>
+                </a:defRPr>
+              </a:lvl4pPr>
+              <a:lvl5pPr marL="1828800" algn="ctr" rtl="0" fontAlgn="base">
+                <a:spcBef>
+                  <a:spcPct val="0"/>
+                </a:spcBef>
+                <a:spcAft>
+                  <a:spcPct val="0"/>
+                </a:spcAft>
+                <a:defRPr sz="4200" kern="1200">
+                  <a:solidFill>
+                    <a:srgbClr val="595650"/>
+                  </a:solidFill>
+                  <a:latin typeface="Baskerville" charset="0"/>
+                  <a:ea typeface="ヒラギノ明朝 Pro W3" charset="0"/>
+                  <a:cs typeface="ヒラギノ明朝 Pro W3" charset="0"/>
+                  <a:sym typeface="Baskerville" charset="0"/>
+                </a:defRPr>
+              </a:lvl5pPr>
+              <a:lvl6pPr marL="2286000" algn="r" defTabSz="914400" rtl="1" eaLnBrk="1" latinLnBrk="0" hangingPunct="1">
+                <a:defRPr sz="4200" kern="1200">
+                  <a:solidFill>
+                    <a:srgbClr val="595650"/>
+                  </a:solidFill>
+                  <a:latin typeface="Baskerville" charset="0"/>
+                  <a:ea typeface="ヒラギノ明朝 Pro W3" charset="0"/>
+                  <a:cs typeface="ヒラギノ明朝 Pro W3" charset="0"/>
+                  <a:sym typeface="Baskerville" charset="0"/>
+                </a:defRPr>
+              </a:lvl6pPr>
+              <a:lvl7pPr marL="2743200" algn="r" defTabSz="914400" rtl="1" eaLnBrk="1" latinLnBrk="0" hangingPunct="1">
+                <a:defRPr sz="4200" kern="1200">
+                  <a:solidFill>
+                    <a:srgbClr val="595650"/>
+                  </a:solidFill>
+                  <a:latin typeface="Baskerville" charset="0"/>
+                  <a:ea typeface="ヒラギノ明朝 Pro W3" charset="0"/>
+                  <a:cs typeface="ヒラギノ明朝 Pro W3" charset="0"/>
+                  <a:sym typeface="Baskerville" charset="0"/>
+                </a:defRPr>
+              </a:lvl7pPr>
+              <a:lvl8pPr marL="3200400" algn="r" defTabSz="914400" rtl="1" eaLnBrk="1" latinLnBrk="0" hangingPunct="1">
+                <a:defRPr sz="4200" kern="1200">
+                  <a:solidFill>
+                    <a:srgbClr val="595650"/>
+                  </a:solidFill>
+                  <a:latin typeface="Baskerville" charset="0"/>
+                  <a:ea typeface="ヒラギノ明朝 Pro W3" charset="0"/>
+                  <a:cs typeface="ヒラギノ明朝 Pro W3" charset="0"/>
+                  <a:sym typeface="Baskerville" charset="0"/>
+                </a:defRPr>
+              </a:lvl8pPr>
+              <a:lvl9pPr marL="3657600" algn="r" defTabSz="914400" rtl="1" eaLnBrk="1" latinLnBrk="0" hangingPunct="1">
+                <a:defRPr sz="4200" kern="1200">
+                  <a:solidFill>
+                    <a:srgbClr val="595650"/>
+                  </a:solidFill>
+                  <a:latin typeface="Baskerville" charset="0"/>
+                  <a:ea typeface="ヒラギノ明朝 Pro W3" charset="0"/>
+                  <a:cs typeface="ヒラギノ明朝 Pro W3" charset="0"/>
+                  <a:sym typeface="Baskerville" charset="0"/>
+                </a:defRPr>
+              </a:lvl9pPr>
+            </a:lstStyle>
+            <a:p>
+              <a:endParaRPr lang="he-IL"/>
+            </a:p>
+          </p:txBody>
+        </p:sp>
+        <p:sp>
+          <p:nvSpPr>
+            <p:cNvPr id="27" name="Oval 26"/>
+            <p:cNvSpPr>
+              <a:spLocks/>
+            </p:cNvSpPr>
+            <p:nvPr/>
+          </p:nvSpPr>
+          <p:spPr bwMode="auto">
+            <a:xfrm>
+              <a:off x="5130800" y="6223000"/>
+              <a:ext cx="192146" cy="177800"/>
+            </a:xfrm>
+            <a:prstGeom prst="ellipse">
+              <a:avLst/>
+            </a:prstGeom>
+            <a:solidFill>
+              <a:schemeClr val="accent1"/>
+            </a:solidFill>
+            <a:ln w="25400">
+              <a:solidFill>
+                <a:schemeClr val="tx2"/>
+              </a:solidFill>
+              <a:round/>
+              <a:headEnd/>
+              <a:tailEnd/>
+            </a:ln>
+          </p:spPr>
+          <p:txBody>
+            <a:bodyPr lIns="0" tIns="0" rIns="0" bIns="0"/>
+            <a:lstStyle>
+              <a:defPPr>
+                <a:defRPr lang="en-US"/>
+              </a:defPPr>
+              <a:lvl1pPr algn="ctr" rtl="0" fontAlgn="base">
+                <a:spcBef>
+                  <a:spcPct val="0"/>
+                </a:spcBef>
+                <a:spcAft>
+                  <a:spcPct val="0"/>
+                </a:spcAft>
+                <a:defRPr sz="4200" kern="1200">
+                  <a:solidFill>
+                    <a:srgbClr val="595650"/>
+                  </a:solidFill>
+                  <a:latin typeface="Baskerville" charset="0"/>
+                  <a:ea typeface="ヒラギノ明朝 Pro W3" charset="0"/>
+                  <a:cs typeface="ヒラギノ明朝 Pro W3" charset="0"/>
+                  <a:sym typeface="Baskerville" charset="0"/>
+                </a:defRPr>
+              </a:lvl1pPr>
+              <a:lvl2pPr marL="457200" algn="ctr" rtl="0" fontAlgn="base">
+                <a:spcBef>
+                  <a:spcPct val="0"/>
+                </a:spcBef>
+                <a:spcAft>
+                  <a:spcPct val="0"/>
+                </a:spcAft>
+                <a:defRPr sz="4200" kern="1200">
+                  <a:solidFill>
+                    <a:srgbClr val="595650"/>
+                  </a:solidFill>
+                  <a:latin typeface="Baskerville" charset="0"/>
+                  <a:ea typeface="ヒラギノ明朝 Pro W3" charset="0"/>
+                  <a:cs typeface="ヒラギノ明朝 Pro W3" charset="0"/>
+                  <a:sym typeface="Baskerville" charset="0"/>
+                </a:defRPr>
+              </a:lvl2pPr>
+              <a:lvl3pPr marL="914400" algn="ctr" rtl="0" fontAlgn="base">
+                <a:spcBef>
+                  <a:spcPct val="0"/>
+                </a:spcBef>
+                <a:spcAft>
+                  <a:spcPct val="0"/>
+                </a:spcAft>
+                <a:defRPr sz="4200" kern="1200">
+                  <a:solidFill>
+                    <a:srgbClr val="595650"/>
+                  </a:solidFill>
+                  <a:latin typeface="Baskerville" charset="0"/>
+                  <a:ea typeface="ヒラギノ明朝 Pro W3" charset="0"/>
+                  <a:cs typeface="ヒラギノ明朝 Pro W3" charset="0"/>
+                  <a:sym typeface="Baskerville" charset="0"/>
+                </a:defRPr>
+              </a:lvl3pPr>
+              <a:lvl4pPr marL="1371600" algn="ctr" rtl="0" fontAlgn="base">
+                <a:spcBef>
+                  <a:spcPct val="0"/>
+                </a:spcBef>
+                <a:spcAft>
+                  <a:spcPct val="0"/>
+                </a:spcAft>
+                <a:defRPr sz="4200" kern="1200">
+                  <a:solidFill>
+                    <a:srgbClr val="595650"/>
+                  </a:solidFill>
+                  <a:latin typeface="Baskerville" charset="0"/>
+                  <a:ea typeface="ヒラギノ明朝 Pro W3" charset="0"/>
+                  <a:cs typeface="ヒラギノ明朝 Pro W3" charset="0"/>
+                  <a:sym typeface="Baskerville" charset="0"/>
+                </a:defRPr>
+              </a:lvl4pPr>
+              <a:lvl5pPr marL="1828800" algn="ctr" rtl="0" fontAlgn="base">
+                <a:spcBef>
+                  <a:spcPct val="0"/>
+                </a:spcBef>
+                <a:spcAft>
+                  <a:spcPct val="0"/>
+                </a:spcAft>
+                <a:defRPr sz="4200" kern="1200">
+                  <a:solidFill>
+                    <a:srgbClr val="595650"/>
+                  </a:solidFill>
+                  <a:latin typeface="Baskerville" charset="0"/>
+                  <a:ea typeface="ヒラギノ明朝 Pro W3" charset="0"/>
+                  <a:cs typeface="ヒラギノ明朝 Pro W3" charset="0"/>
+                  <a:sym typeface="Baskerville" charset="0"/>
+                </a:defRPr>
+              </a:lvl5pPr>
+              <a:lvl6pPr marL="2286000" algn="r" defTabSz="914400" rtl="1" eaLnBrk="1" latinLnBrk="0" hangingPunct="1">
+                <a:defRPr sz="4200" kern="1200">
+                  <a:solidFill>
+                    <a:srgbClr val="595650"/>
+                  </a:solidFill>
+                  <a:latin typeface="Baskerville" charset="0"/>
+                  <a:ea typeface="ヒラギノ明朝 Pro W3" charset="0"/>
+                  <a:cs typeface="ヒラギノ明朝 Pro W3" charset="0"/>
+                  <a:sym typeface="Baskerville" charset="0"/>
+                </a:defRPr>
+              </a:lvl6pPr>
+              <a:lvl7pPr marL="2743200" algn="r" defTabSz="914400" rtl="1" eaLnBrk="1" latinLnBrk="0" hangingPunct="1">
+                <a:defRPr sz="4200" kern="1200">
+                  <a:solidFill>
+                    <a:srgbClr val="595650"/>
+                  </a:solidFill>
+                  <a:latin typeface="Baskerville" charset="0"/>
+                  <a:ea typeface="ヒラギノ明朝 Pro W3" charset="0"/>
+                  <a:cs typeface="ヒラギノ明朝 Pro W3" charset="0"/>
+                  <a:sym typeface="Baskerville" charset="0"/>
+                </a:defRPr>
+              </a:lvl7pPr>
+              <a:lvl8pPr marL="3200400" algn="r" defTabSz="914400" rtl="1" eaLnBrk="1" latinLnBrk="0" hangingPunct="1">
+                <a:defRPr sz="4200" kern="1200">
+                  <a:solidFill>
+                    <a:srgbClr val="595650"/>
+                  </a:solidFill>
+                  <a:latin typeface="Baskerville" charset="0"/>
+                  <a:ea typeface="ヒラギノ明朝 Pro W3" charset="0"/>
+                  <a:cs typeface="ヒラギノ明朝 Pro W3" charset="0"/>
+                  <a:sym typeface="Baskerville" charset="0"/>
+                </a:defRPr>
+              </a:lvl8pPr>
+              <a:lvl9pPr marL="3657600" algn="r" defTabSz="914400" rtl="1" eaLnBrk="1" latinLnBrk="0" hangingPunct="1">
+                <a:defRPr sz="4200" kern="1200">
+                  <a:solidFill>
+                    <a:srgbClr val="595650"/>
+                  </a:solidFill>
+                  <a:latin typeface="Baskerville" charset="0"/>
+                  <a:ea typeface="ヒラギノ明朝 Pro W3" charset="0"/>
+                  <a:cs typeface="ヒラギノ明朝 Pro W3" charset="0"/>
+                  <a:sym typeface="Baskerville" charset="0"/>
+                </a:defRPr>
+              </a:lvl9pPr>
+            </a:lstStyle>
+            <a:p>
+              <a:endParaRPr lang="he-IL"/>
+            </a:p>
+          </p:txBody>
+        </p:sp>
+        <p:sp>
+          <p:nvSpPr>
+            <p:cNvPr id="28" name="Oval 27"/>
+            <p:cNvSpPr>
+              <a:spLocks/>
+            </p:cNvSpPr>
+            <p:nvPr/>
+          </p:nvSpPr>
+          <p:spPr bwMode="auto">
+            <a:xfrm>
+              <a:off x="5472054" y="6070600"/>
+              <a:ext cx="192146" cy="177800"/>
+            </a:xfrm>
+            <a:prstGeom prst="ellipse">
+              <a:avLst/>
+            </a:prstGeom>
+            <a:solidFill>
+              <a:schemeClr val="accent1"/>
+            </a:solidFill>
+            <a:ln w="25400">
+              <a:solidFill>
+                <a:schemeClr val="tx2"/>
+              </a:solidFill>
+              <a:round/>
+              <a:headEnd/>
+              <a:tailEnd/>
+            </a:ln>
+          </p:spPr>
+          <p:txBody>
+            <a:bodyPr lIns="0" tIns="0" rIns="0" bIns="0"/>
+            <a:lstStyle>
+              <a:defPPr>
+                <a:defRPr lang="en-US"/>
+              </a:defPPr>
+              <a:lvl1pPr algn="ctr" rtl="0" fontAlgn="base">
+                <a:spcBef>
+                  <a:spcPct val="0"/>
+                </a:spcBef>
+                <a:spcAft>
+                  <a:spcPct val="0"/>
+                </a:spcAft>
+                <a:defRPr sz="4200" kern="1200">
+                  <a:solidFill>
+                    <a:srgbClr val="595650"/>
+                  </a:solidFill>
+                  <a:latin typeface="Baskerville" charset="0"/>
+                  <a:ea typeface="ヒラギノ明朝 Pro W3" charset="0"/>
+                  <a:cs typeface="ヒラギノ明朝 Pro W3" charset="0"/>
+                  <a:sym typeface="Baskerville" charset="0"/>
+                </a:defRPr>
+              </a:lvl1pPr>
+              <a:lvl2pPr marL="457200" algn="ctr" rtl="0" fontAlgn="base">
+                <a:spcBef>
+                  <a:spcPct val="0"/>
+                </a:spcBef>
+                <a:spcAft>
+                  <a:spcPct val="0"/>
+                </a:spcAft>
+                <a:defRPr sz="4200" kern="1200">
+                  <a:solidFill>
+                    <a:srgbClr val="595650"/>
+                  </a:solidFill>
+                  <a:latin typeface="Baskerville" charset="0"/>
+                  <a:ea typeface="ヒラギノ明朝 Pro W3" charset="0"/>
+                  <a:cs typeface="ヒラギノ明朝 Pro W3" charset="0"/>
+                  <a:sym typeface="Baskerville" charset="0"/>
+                </a:defRPr>
+              </a:lvl2pPr>
+              <a:lvl3pPr marL="914400" algn="ctr" rtl="0" fontAlgn="base">
+                <a:spcBef>
+                  <a:spcPct val="0"/>
+                </a:spcBef>
+                <a:spcAft>
+                  <a:spcPct val="0"/>
+                </a:spcAft>
+                <a:defRPr sz="4200" kern="1200">
+                  <a:solidFill>
+                    <a:srgbClr val="595650"/>
+                  </a:solidFill>
+                  <a:latin typeface="Baskerville" charset="0"/>
+                  <a:ea typeface="ヒラギノ明朝 Pro W3" charset="0"/>
+                  <a:cs typeface="ヒラギノ明朝 Pro W3" charset="0"/>
+                  <a:sym typeface="Baskerville" charset="0"/>
+                </a:defRPr>
+              </a:lvl3pPr>
+              <a:lvl4pPr marL="1371600" algn="ctr" rtl="0" fontAlgn="base">
+                <a:spcBef>
+                  <a:spcPct val="0"/>
+                </a:spcBef>
+                <a:spcAft>
+                  <a:spcPct val="0"/>
+                </a:spcAft>
+                <a:defRPr sz="4200" kern="1200">
+                  <a:solidFill>
+                    <a:srgbClr val="595650"/>
+                  </a:solidFill>
+                  <a:latin typeface="Baskerville" charset="0"/>
+                  <a:ea typeface="ヒラギノ明朝 Pro W3" charset="0"/>
+                  <a:cs typeface="ヒラギノ明朝 Pro W3" charset="0"/>
+                  <a:sym typeface="Baskerville" charset="0"/>
+                </a:defRPr>
+              </a:lvl4pPr>
+              <a:lvl5pPr marL="1828800" algn="ctr" rtl="0" fontAlgn="base">
+                <a:spcBef>
+                  <a:spcPct val="0"/>
+                </a:spcBef>
+                <a:spcAft>
+                  <a:spcPct val="0"/>
+                </a:spcAft>
+                <a:defRPr sz="4200" kern="1200">
+                  <a:solidFill>
+                    <a:srgbClr val="595650"/>
+                  </a:solidFill>
+                  <a:latin typeface="Baskerville" charset="0"/>
+                  <a:ea typeface="ヒラギノ明朝 Pro W3" charset="0"/>
+                  <a:cs typeface="ヒラギノ明朝 Pro W3" charset="0"/>
+                  <a:sym typeface="Baskerville" charset="0"/>
+                </a:defRPr>
+              </a:lvl5pPr>
+              <a:lvl6pPr marL="2286000" algn="r" defTabSz="914400" rtl="1" eaLnBrk="1" latinLnBrk="0" hangingPunct="1">
+                <a:defRPr sz="4200" kern="1200">
+                  <a:solidFill>
+                    <a:srgbClr val="595650"/>
+                  </a:solidFill>
+                  <a:latin typeface="Baskerville" charset="0"/>
+                  <a:ea typeface="ヒラギノ明朝 Pro W3" charset="0"/>
+                  <a:cs typeface="ヒラギノ明朝 Pro W3" charset="0"/>
+                  <a:sym typeface="Baskerville" charset="0"/>
+                </a:defRPr>
+              </a:lvl6pPr>
+              <a:lvl7pPr marL="2743200" algn="r" defTabSz="914400" rtl="1" eaLnBrk="1" latinLnBrk="0" hangingPunct="1">
+                <a:defRPr sz="4200" kern="1200">
+                  <a:solidFill>
+                    <a:srgbClr val="595650"/>
+                  </a:solidFill>
+                  <a:latin typeface="Baskerville" charset="0"/>
+                  <a:ea typeface="ヒラギノ明朝 Pro W3" charset="0"/>
+                  <a:cs typeface="ヒラギノ明朝 Pro W3" charset="0"/>
+                  <a:sym typeface="Baskerville" charset="0"/>
+                </a:defRPr>
+              </a:lvl7pPr>
+              <a:lvl8pPr marL="3200400" algn="r" defTabSz="914400" rtl="1" eaLnBrk="1" latinLnBrk="0" hangingPunct="1">
+                <a:defRPr sz="4200" kern="1200">
+                  <a:solidFill>
+                    <a:srgbClr val="595650"/>
+                  </a:solidFill>
+                  <a:latin typeface="Baskerville" charset="0"/>
+                  <a:ea typeface="ヒラギノ明朝 Pro W3" charset="0"/>
+                  <a:cs typeface="ヒラギノ明朝 Pro W3" charset="0"/>
+                  <a:sym typeface="Baskerville" charset="0"/>
+                </a:defRPr>
+              </a:lvl8pPr>
+              <a:lvl9pPr marL="3657600" algn="r" defTabSz="914400" rtl="1" eaLnBrk="1" latinLnBrk="0" hangingPunct="1">
+                <a:defRPr sz="4200" kern="1200">
+                  <a:solidFill>
+                    <a:srgbClr val="595650"/>
+                  </a:solidFill>
+                  <a:latin typeface="Baskerville" charset="0"/>
+                  <a:ea typeface="ヒラギノ明朝 Pro W3" charset="0"/>
+                  <a:cs typeface="ヒラギノ明朝 Pro W3" charset="0"/>
+                  <a:sym typeface="Baskerville" charset="0"/>
+                </a:defRPr>
+              </a:lvl9pPr>
+            </a:lstStyle>
+            <a:p>
+              <a:endParaRPr lang="he-IL"/>
+            </a:p>
+          </p:txBody>
+        </p:sp>
+      </p:grpSp>
+      <p:sp>
+        <p:nvSpPr>
+          <p:cNvPr id="41" name="TextBox 40"/>
+          <p:cNvSpPr txBox="1"/>
+          <p:nvPr/>
+        </p:nvSpPr>
+        <p:spPr>
+          <a:xfrm>
+            <a:off x="1857356" y="6286520"/>
+            <a:ext cx="2071702" cy="369332"/>
+          </a:xfrm>
+          <a:prstGeom prst="rect">
+            <a:avLst/>
+          </a:prstGeom>
+          <a:noFill/>
+        </p:spPr>
+        <p:txBody>
+          <a:bodyPr wrap="square" rtlCol="1">
+            <a:spAutoFit/>
+          </a:bodyPr>
+          <a:lstStyle/>
+          <a:p>
+            <a:pPr algn="ctr" rtl="0"/>
+            <a:r>
+              <a:rPr lang="en-US" dirty="0" smtClean="0"/>
+              <a:t>Uniform scatter</a:t>
+            </a:r>
+            <a:endParaRPr lang="he-IL" dirty="0"/>
+          </a:p>
+        </p:txBody>
+      </p:sp>
+      <p:sp>
+        <p:nvSpPr>
+          <p:cNvPr id="42" name="TextBox 41"/>
+          <p:cNvSpPr txBox="1"/>
+          <p:nvPr/>
+        </p:nvSpPr>
+        <p:spPr>
+          <a:xfrm>
+            <a:off x="5500694" y="6286520"/>
+            <a:ext cx="2071702" cy="369332"/>
+          </a:xfrm>
+          <a:prstGeom prst="rect">
+            <a:avLst/>
+          </a:prstGeom>
+          <a:noFill/>
+        </p:spPr>
+        <p:txBody>
+          <a:bodyPr wrap="square" rtlCol="1">
+            <a:spAutoFit/>
+          </a:bodyPr>
+          <a:lstStyle/>
+          <a:p>
+            <a:pPr algn="ctr" rtl="0"/>
+            <a:r>
+              <a:rPr lang="en-US" dirty="0" smtClean="0"/>
+              <a:t>Clusters</a:t>
+            </a:r>
+            <a:endParaRPr lang="he-IL" dirty="0"/>
+          </a:p>
+        </p:txBody>
+      </p:sp>
+    </p:spTree>
+  </p:cSld>
+  <p:clrMapOvr>
+    <a:masterClrMapping/>
+  </p:clrMapOvr>
+</p:sld>
+</file>
+
+<file path=ppt/slides/slide6.xml><?xml version="1.0" encoding="utf-8"?>
+<p:sld xmlns:a="http://schemas.openxmlformats.org/drawingml/2006/main" xmlns:r="http://schemas.openxmlformats.org/officeDocument/2006/relationships" xmlns:p="http://schemas.openxmlformats.org/presentationml/2006/main">
+  <p:cSld>
+    <p:spTree>
+      <p:nvGrpSpPr>
+        <p:cNvPr id="1" name=""/>
+        <p:cNvGrpSpPr/>
+        <p:nvPr/>
+      </p:nvGrpSpPr>
+      <p:grpSpPr>
+        <a:xfrm>
+          <a:off x="0" y="0"/>
+          <a:ext cx="0" cy="0"/>
+          <a:chOff x="0" y="0"/>
+          <a:chExt cx="0" cy="0"/>
+        </a:xfrm>
+      </p:grpSpPr>
+      <p:sp>
+        <p:nvSpPr>
+          <p:cNvPr id="3" name="Content Placeholder 2"/>
+          <p:cNvSpPr>
+            <a:spLocks noGrp="1"/>
+          </p:cNvSpPr>
+          <p:nvPr>
+            <p:ph idx="1"/>
+          </p:nvPr>
+        </p:nvSpPr>
+        <p:spPr/>
+        <p:txBody>
+          <a:bodyPr/>
+          <a:lstStyle/>
+          <a:p>
+            <a:pPr algn="l" rtl="0"/>
+            <a:r>
+              <a:rPr lang="en-US" dirty="0" smtClean="0"/>
+              <a:t>Scalability</a:t>
+            </a:r>
+          </a:p>
+          <a:p>
+            <a:pPr lvl="1" algn="l" rtl="0"/>
+            <a:r>
+              <a:rPr lang="en-US" dirty="0" smtClean="0"/>
+              <a:t> </a:t>
+            </a:r>
+            <a:r>
+              <a:rPr lang="en-US" dirty="0" smtClean="0"/>
+              <a:t>Observation into the performance of the protocol when inducing large number of nodes.</a:t>
+            </a:r>
+          </a:p>
+          <a:p>
+            <a:pPr lvl="1" algn="l" rtl="0"/>
+            <a:endParaRPr lang="en-US" dirty="0" smtClean="0"/>
+          </a:p>
+          <a:p>
+            <a:pPr algn="l" rtl="0"/>
+            <a:r>
+              <a:rPr lang="en-US" dirty="0" smtClean="0"/>
+              <a:t>Reliability</a:t>
+            </a:r>
+          </a:p>
+          <a:p>
+            <a:pPr lvl="1" algn="l" rtl="0"/>
+            <a:r>
+              <a:rPr lang="en-US" dirty="0" smtClean="0"/>
+              <a:t> </a:t>
+            </a:r>
+            <a:r>
+              <a:rPr lang="en-US" dirty="0" smtClean="0"/>
+              <a:t>Is the protocol reliable? How many data messages don’t reach their destination due to protocol failure.</a:t>
+            </a:r>
+            <a:endParaRPr lang="he-IL" dirty="0"/>
+          </a:p>
+        </p:txBody>
+      </p:sp>
+      <p:sp>
+        <p:nvSpPr>
+          <p:cNvPr id="4" name="Title 1"/>
+          <p:cNvSpPr>
+            <a:spLocks noGrp="1"/>
+          </p:cNvSpPr>
+          <p:nvPr>
+            <p:ph type="title"/>
+          </p:nvPr>
+        </p:nvSpPr>
+        <p:spPr/>
+        <p:txBody>
+          <a:bodyPr/>
+          <a:lstStyle/>
+          <a:p>
+            <a:r>
+              <a:rPr lang="en-US" dirty="0" smtClean="0"/>
+              <a:t>Main Goals</a:t>
+            </a:r>
+            <a:endParaRPr lang="he-IL" dirty="0"/>
+          </a:p>
+        </p:txBody>
+      </p:sp>
+    </p:spTree>
+  </p:cSld>
+  <p:clrMapOvr>
+    <a:masterClrMapping/>
+  </p:clrMapOvr>
+</p:sld>
+</file>
+
+<file path=ppt/slides/slide7.xml><?xml version="1.0" encoding="utf-8"?>
+<p:sld xmlns:a="http://schemas.openxmlformats.org/drawingml/2006/main" xmlns:r="http://schemas.openxmlformats.org/officeDocument/2006/relationships" xmlns:p="http://schemas.openxmlformats.org/presentationml/2006/main">
+  <p:cSld>
+    <p:spTree>
+      <p:nvGrpSpPr>
+        <p:cNvPr id="1" name=""/>
+        <p:cNvGrpSpPr/>
+        <p:nvPr/>
+      </p:nvGrpSpPr>
+      <p:grpSpPr>
+        <a:xfrm>
+          <a:off x="0" y="0"/>
+          <a:ext cx="0" cy="0"/>
+          <a:chOff x="0" y="0"/>
+          <a:chExt cx="0" cy="0"/>
+        </a:xfrm>
+      </p:grpSpPr>
+      <p:sp>
+        <p:nvSpPr>
+          <p:cNvPr id="2" name="כותרת 1"/>
+          <p:cNvSpPr>
+            <a:spLocks noGrp="1"/>
+          </p:cNvSpPr>
+          <p:nvPr>
+            <p:ph type="title"/>
+          </p:nvPr>
+        </p:nvSpPr>
+        <p:spPr/>
+        <p:txBody>
+          <a:bodyPr/>
+          <a:lstStyle/>
+          <a:p>
+            <a:r>
+              <a:rPr lang="en-US" dirty="0" smtClean="0"/>
+              <a:t>Project Description</a:t>
+            </a:r>
+            <a:endParaRPr lang="he-IL" dirty="0"/>
+          </a:p>
+        </p:txBody>
+      </p:sp>
+      <p:sp>
+        <p:nvSpPr>
+          <p:cNvPr id="3" name="מציין מיקום תוכן 2"/>
+          <p:cNvSpPr>
+            <a:spLocks noGrp="1"/>
+          </p:cNvSpPr>
+          <p:nvPr>
+            <p:ph idx="1"/>
+          </p:nvPr>
+        </p:nvSpPr>
+        <p:spPr/>
+        <p:txBody>
+          <a:bodyPr/>
+          <a:lstStyle/>
+          <a:p>
+            <a:pPr algn="l" rtl="0"/>
+            <a:r>
+              <a:rPr lang="en-US" dirty="0" smtClean="0"/>
+              <a:t>Project Output:</a:t>
+            </a:r>
+          </a:p>
+          <a:p>
+            <a:pPr lvl="1" algn="l" rtl="0"/>
+            <a:r>
+              <a:rPr lang="en-US" dirty="0" smtClean="0"/>
+              <a:t>Throughput comparison between number of different Topology layouts</a:t>
+            </a:r>
+          </a:p>
+          <a:p>
+            <a:pPr lvl="1" algn="l" rtl="0"/>
+            <a:r>
+              <a:rPr lang="en-US" dirty="0" smtClean="0"/>
+              <a:t>Throughput comparison between different MPR sets selection (minimal Vs maximal)</a:t>
+            </a:r>
+          </a:p>
+          <a:p>
+            <a:pPr lvl="1" algn="l" rtl="0"/>
+            <a:r>
+              <a:rPr lang="en-US" dirty="0" smtClean="0"/>
+              <a:t>Scalability</a:t>
+            </a:r>
+          </a:p>
+          <a:p>
+            <a:pPr lvl="1" algn="l" rtl="0"/>
+            <a:r>
+              <a:rPr lang="en-US" dirty="0" smtClean="0"/>
+              <a:t>Network reliability</a:t>
+            </a:r>
+            <a:endParaRPr lang="he-IL" dirty="0"/>
+          </a:p>
+        </p:txBody>
+      </p:sp>
+    </p:spTree>
+  </p:cSld>
+  <p:clrMapOvr>
+    <a:masterClrMapping/>
+  </p:clrMapOvr>
+  <p:timing>
+    <p:tnLst>
+      <p:par>
+        <p:cTn id="1" dur="indefinite" restart="never" nodeType="tmRoot"/>
+      </p:par>
+    </p:tnLst>
+  </p:timing>
+</p:sld>
+</file>
+
+<file path=ppt/slides/slide8.xml><?xml version="1.0" encoding="utf-8"?>
+<p:sld xmlns:a="http://schemas.openxmlformats.org/drawingml/2006/main" xmlns:r="http://schemas.openxmlformats.org/officeDocument/2006/relationships" xmlns:p="http://schemas.openxmlformats.org/presentationml/2006/main">
+  <p:cSld>
+    <p:spTree>
+      <p:nvGrpSpPr>
+        <p:cNvPr id="1" name=""/>
+        <p:cNvGrpSpPr/>
+        <p:nvPr/>
+      </p:nvGrpSpPr>
+      <p:grpSpPr>
+        <a:xfrm>
+          <a:off x="0" y="0"/>
+          <a:ext cx="0" cy="0"/>
+          <a:chOff x="0" y="0"/>
+          <a:chExt cx="0" cy="0"/>
+        </a:xfrm>
+      </p:grpSpPr>
+      <p:sp>
+        <p:nvSpPr>
+          <p:cNvPr id="2" name="כותרת 1"/>
+          <p:cNvSpPr>
+            <a:spLocks noGrp="1"/>
+          </p:cNvSpPr>
+          <p:nvPr>
+            <p:ph type="title"/>
+          </p:nvPr>
+        </p:nvSpPr>
+        <p:spPr/>
+        <p:txBody>
+          <a:bodyPr/>
+          <a:lstStyle/>
+          <a:p>
+            <a:r>
+              <a:rPr lang="en-US" dirty="0" smtClean="0"/>
+              <a:t>The First Report</a:t>
+            </a:r>
+            <a:endParaRPr lang="he-IL" dirty="0"/>
+          </a:p>
+        </p:txBody>
+      </p:sp>
+      <p:sp>
+        <p:nvSpPr>
+          <p:cNvPr id="3" name="מציין מיקום תוכן 2"/>
+          <p:cNvSpPr>
+            <a:spLocks noGrp="1"/>
+          </p:cNvSpPr>
+          <p:nvPr>
+            <p:ph idx="1"/>
+          </p:nvPr>
+        </p:nvSpPr>
+        <p:spPr/>
+        <p:txBody>
+          <a:bodyPr/>
+          <a:lstStyle/>
+          <a:p>
+            <a:pPr algn="l" rtl="0"/>
+            <a:r>
+              <a:rPr lang="en-US" dirty="0" smtClean="0"/>
+              <a:t>Introduction</a:t>
+            </a:r>
+          </a:p>
+          <a:p>
+            <a:pPr lvl="1" algn="l" rtl="0"/>
+            <a:r>
+              <a:rPr lang="en-US" dirty="0" smtClean="0"/>
+              <a:t>NHDP</a:t>
+            </a:r>
+          </a:p>
+          <a:p>
+            <a:pPr lvl="1" algn="l" rtl="0"/>
+            <a:r>
+              <a:rPr lang="en-US" dirty="0" smtClean="0"/>
+              <a:t>OLSRv2</a:t>
+            </a:r>
+          </a:p>
+          <a:p>
+            <a:pPr algn="l" rtl="0"/>
+            <a:r>
+              <a:rPr lang="en-US" dirty="0" smtClean="0"/>
+              <a:t>Project Description</a:t>
+            </a:r>
+          </a:p>
+          <a:p>
+            <a:pPr lvl="1" algn="l" rtl="0"/>
+            <a:r>
+              <a:rPr lang="en-US" dirty="0" smtClean="0"/>
+              <a:t>Goals</a:t>
+            </a:r>
+          </a:p>
+          <a:p>
+            <a:pPr lvl="1" algn="l" rtl="0"/>
+            <a:r>
+              <a:rPr lang="en-US" dirty="0" smtClean="0"/>
+              <a:t>Output</a:t>
+            </a:r>
+          </a:p>
+          <a:p>
+            <a:pPr algn="l" rtl="0"/>
+            <a:r>
+              <a:rPr lang="en-US" dirty="0" smtClean="0"/>
+              <a:t>General Layout</a:t>
+            </a:r>
+          </a:p>
+          <a:p>
+            <a:pPr lvl="1" algn="l" rtl="0"/>
+            <a:endParaRPr lang="en-US" dirty="0" smtClean="0"/>
+          </a:p>
+        </p:txBody>
+      </p:sp>
+    </p:spTree>
+  </p:cSld>
+  <p:clrMapOvr>
+    <a:masterClrMapping/>
+  </p:clrMapOvr>
+  <p:timing>
+    <p:tnLst>
+      <p:par>
+        <p:cTn id="1" dur="indefinite" restart="never" nodeType="tmRoot"/>
+      </p:par>
+    </p:tnLst>
+  </p:timing>
+</p:sld>
+</file>
+
+<file path=ppt/slides/slide9.xml><?xml version="1.0" encoding="utf-8"?>
+<p:sld xmlns:a="http://schemas.openxmlformats.org/drawingml/2006/main" xmlns:r="http://schemas.openxmlformats.org/officeDocument/2006/relationships" xmlns:p="http://schemas.openxmlformats.org/presentationml/2006/main">
+  <p:cSld>
+    <p:spTree>
+      <p:nvGrpSpPr>
+        <p:cNvPr id="1" name=""/>
+        <p:cNvGrpSpPr/>
+        <p:nvPr/>
+      </p:nvGrpSpPr>
+      <p:grpSpPr>
+        <a:xfrm>
+          <a:off x="0" y="0"/>
+          <a:ext cx="0" cy="0"/>
+          <a:chOff x="0" y="0"/>
+          <a:chExt cx="0" cy="0"/>
+        </a:xfrm>
+      </p:grpSpPr>
+      <p:sp>
+        <p:nvSpPr>
+          <p:cNvPr id="2" name="כותרת 1"/>
+          <p:cNvSpPr>
+            <a:spLocks noGrp="1"/>
+          </p:cNvSpPr>
+          <p:nvPr>
+            <p:ph type="title"/>
+          </p:nvPr>
+        </p:nvSpPr>
+        <p:spPr/>
+        <p:txBody>
+          <a:bodyPr/>
+          <a:lstStyle/>
+          <a:p>
+            <a:r>
+              <a:rPr lang="en-US" dirty="0" smtClean="0"/>
+              <a:t>The First Report</a:t>
+            </a:r>
+            <a:endParaRPr lang="he-IL" dirty="0"/>
+          </a:p>
+        </p:txBody>
+      </p:sp>
+      <p:sp>
+        <p:nvSpPr>
+          <p:cNvPr id="3" name="מציין מיקום תוכן 2"/>
+          <p:cNvSpPr>
+            <a:spLocks noGrp="1"/>
+          </p:cNvSpPr>
+          <p:nvPr>
+            <p:ph idx="1"/>
+          </p:nvPr>
+        </p:nvSpPr>
+        <p:spPr/>
+        <p:txBody>
+          <a:bodyPr/>
+          <a:lstStyle/>
+          <a:p>
+            <a:pPr algn="l" rtl="0"/>
+            <a:r>
+              <a:rPr lang="en-US" dirty="0" smtClean="0"/>
+              <a:t>Main Modules</a:t>
+            </a:r>
+          </a:p>
+          <a:p>
+            <a:pPr algn="l" rtl="0"/>
+            <a:r>
+              <a:rPr lang="en-US" dirty="0" smtClean="0"/>
+              <a:t>Main Algorithms</a:t>
+            </a:r>
+          </a:p>
+          <a:p>
+            <a:pPr lvl="1" algn="l" rtl="0"/>
+            <a:r>
+              <a:rPr lang="en-US" dirty="0" smtClean="0"/>
+              <a:t>Event generation and manipulation</a:t>
+            </a:r>
+          </a:p>
+          <a:p>
+            <a:pPr lvl="1" algn="l" rtl="0"/>
+            <a:r>
+              <a:rPr lang="en-US" dirty="0" smtClean="0"/>
+              <a:t>Throughput Analysis</a:t>
+            </a:r>
+          </a:p>
+          <a:p>
+            <a:pPr algn="l" rtl="0"/>
+            <a:r>
+              <a:rPr lang="en-US" dirty="0" smtClean="0"/>
+              <a:t>Appendixes</a:t>
+            </a:r>
+          </a:p>
+          <a:p>
+            <a:pPr marL="990600" lvl="1" indent="-533400" algn="l" rtl="0">
+              <a:lnSpc>
+                <a:spcPct val="90000"/>
+              </a:lnSpc>
+            </a:pPr>
+            <a:r>
+              <a:rPr lang="en-US" dirty="0" smtClean="0"/>
+              <a:t>Estimated project timetable</a:t>
+            </a:r>
+          </a:p>
+          <a:p>
+            <a:pPr marL="990600" lvl="1" indent="-533400" algn="l" rtl="0">
+              <a:lnSpc>
+                <a:spcPct val="90000"/>
+              </a:lnSpc>
+            </a:pPr>
+            <a:r>
+              <a:rPr lang="en-US" dirty="0" smtClean="0"/>
+              <a:t>Requirements</a:t>
+            </a:r>
+          </a:p>
+          <a:p>
+            <a:pPr marL="990600" lvl="1" indent="-533400" algn="l" rtl="0">
+              <a:lnSpc>
+                <a:spcPct val="90000"/>
+              </a:lnSpc>
+            </a:pPr>
+            <a:r>
+              <a:rPr lang="en-US" dirty="0" smtClean="0"/>
+              <a:t>Screens shots </a:t>
+            </a:r>
+          </a:p>
+        </p:txBody>
+      </p:sp>
+    </p:spTree>
+  </p:cSld>
+  <p:clrMapOvr>
+    <a:masterClrMapping/>
+  </p:clrMapOvr>
+  <p:timing>
+    <p:tnLst>
+      <p:par>
+        <p:cTn id="1" dur="indefinite" restart="never" nodeType="tmRoot"/>
+      </p:par>
+    </p:tnLst>
+  </p:timing>
+</p:sld>
+</file>
+
 <file path=ppt/theme/theme1.xml><?xml version="1.0" encoding="utf-8"?>
 <a:theme xmlns:a="http://schemas.openxmlformats.org/drawingml/2006/main" name="ערכת נושא Office">
   <a:themeElements>
